--- a/data-center-2017-c03-05.pptx
+++ b/data-center-2017-c03-05.pptx
@@ -5,7 +5,7 @@
     <p:sldMasterId id="2147483660" r:id="rId1"/>
   </p:sldMasterIdLst>
   <p:notesMasterIdLst>
-    <p:notesMasterId r:id="rId59"/>
+    <p:notesMasterId r:id="rId60"/>
   </p:notesMasterIdLst>
   <p:sldIdLst>
     <p:sldId id="256" r:id="rId2"/>
@@ -38,33 +38,34 @@
     <p:sldId id="288" r:id="rId29"/>
     <p:sldId id="289" r:id="rId30"/>
     <p:sldId id="341" r:id="rId31"/>
-    <p:sldId id="313" r:id="rId32"/>
-    <p:sldId id="314" r:id="rId33"/>
-    <p:sldId id="315" r:id="rId34"/>
-    <p:sldId id="316" r:id="rId35"/>
-    <p:sldId id="317" r:id="rId36"/>
-    <p:sldId id="318" r:id="rId37"/>
-    <p:sldId id="319" r:id="rId38"/>
-    <p:sldId id="320" r:id="rId39"/>
-    <p:sldId id="321" r:id="rId40"/>
-    <p:sldId id="322" r:id="rId41"/>
-    <p:sldId id="323" r:id="rId42"/>
-    <p:sldId id="324" r:id="rId43"/>
-    <p:sldId id="325" r:id="rId44"/>
-    <p:sldId id="326" r:id="rId45"/>
-    <p:sldId id="327" r:id="rId46"/>
-    <p:sldId id="328" r:id="rId47"/>
-    <p:sldId id="329" r:id="rId48"/>
-    <p:sldId id="330" r:id="rId49"/>
-    <p:sldId id="331" r:id="rId50"/>
-    <p:sldId id="332" r:id="rId51"/>
-    <p:sldId id="333" r:id="rId52"/>
-    <p:sldId id="334" r:id="rId53"/>
-    <p:sldId id="335" r:id="rId54"/>
-    <p:sldId id="336" r:id="rId55"/>
-    <p:sldId id="337" r:id="rId56"/>
-    <p:sldId id="338" r:id="rId57"/>
-    <p:sldId id="339" r:id="rId58"/>
+    <p:sldId id="345" r:id="rId32"/>
+    <p:sldId id="313" r:id="rId33"/>
+    <p:sldId id="314" r:id="rId34"/>
+    <p:sldId id="315" r:id="rId35"/>
+    <p:sldId id="316" r:id="rId36"/>
+    <p:sldId id="317" r:id="rId37"/>
+    <p:sldId id="318" r:id="rId38"/>
+    <p:sldId id="319" r:id="rId39"/>
+    <p:sldId id="320" r:id="rId40"/>
+    <p:sldId id="321" r:id="rId41"/>
+    <p:sldId id="322" r:id="rId42"/>
+    <p:sldId id="323" r:id="rId43"/>
+    <p:sldId id="324" r:id="rId44"/>
+    <p:sldId id="325" r:id="rId45"/>
+    <p:sldId id="326" r:id="rId46"/>
+    <p:sldId id="327" r:id="rId47"/>
+    <p:sldId id="328" r:id="rId48"/>
+    <p:sldId id="329" r:id="rId49"/>
+    <p:sldId id="330" r:id="rId50"/>
+    <p:sldId id="331" r:id="rId51"/>
+    <p:sldId id="332" r:id="rId52"/>
+    <p:sldId id="333" r:id="rId53"/>
+    <p:sldId id="334" r:id="rId54"/>
+    <p:sldId id="335" r:id="rId55"/>
+    <p:sldId id="336" r:id="rId56"/>
+    <p:sldId id="337" r:id="rId57"/>
+    <p:sldId id="338" r:id="rId58"/>
+    <p:sldId id="339" r:id="rId59"/>
   </p:sldIdLst>
   <p:sldSz cx="9144000" cy="6858000" type="screen4x3"/>
   <p:notesSz cx="6858000" cy="9144000"/>
@@ -6026,7 +6027,7 @@
           <a:p>
             <a:fld id="{25D88354-011B-476D-BE77-BB4DFD67BF48}" type="slidenum">
               <a:rPr lang="zh-CN" altLang="en-US" smtClean="0"/>
-              <a:t>48</a:t>
+              <a:t>49</a:t>
             </a:fld>
             <a:endParaRPr lang="zh-CN" altLang="en-US"/>
           </a:p>
@@ -6374,7 +6375,7 @@
           <a:p>
             <a:fld id="{25D88354-011B-476D-BE77-BB4DFD67BF48}" type="slidenum">
               <a:rPr lang="zh-CN" altLang="en-US" smtClean="0"/>
-              <a:t>49</a:t>
+              <a:t>50</a:t>
             </a:fld>
             <a:endParaRPr lang="zh-CN" altLang="en-US"/>
           </a:p>
@@ -6489,7 +6490,7 @@
           <a:p>
             <a:fld id="{25D88354-011B-476D-BE77-BB4DFD67BF48}" type="slidenum">
               <a:rPr lang="zh-CN" altLang="en-US" smtClean="0"/>
-              <a:t>50</a:t>
+              <a:t>51</a:t>
             </a:fld>
             <a:endParaRPr lang="zh-CN" altLang="en-US"/>
           </a:p>
@@ -24588,50 +24589,15 @@
           <a:chExt cx="0" cy="0"/>
         </a:xfrm>
       </p:grpSpPr>
-      <p:pic>
-        <p:nvPicPr>
-          <p:cNvPr id="3074" name="Picture 2" descr="https://aucouranton.files.wordpress.com/2014/06/untitled.png"/>
-          <p:cNvPicPr>
-            <a:picLocks noChangeAspect="1" noChangeArrowheads="1"/>
-          </p:cNvPicPr>
-          <p:nvPr/>
-        </p:nvPicPr>
-        <p:blipFill>
-          <a:blip r:embed="rId2">
+      <p:sp>
+        <p:nvSpPr>
+          <p:cNvPr id="2" name="标题 1">
             <a:extLst>
-              <a:ext uri="{28A0092B-C50C-407E-A947-70E740481C1C}">
-                <a14:useLocalDpi xmlns:a14="http://schemas.microsoft.com/office/drawing/2010/main" val="0"/>
+              <a:ext uri="{FF2B5EF4-FFF2-40B4-BE49-F238E27FC236}">
+                <a16:creationId xmlns:a16="http://schemas.microsoft.com/office/drawing/2014/main" id="{0C7487B4-17AB-4316-8410-3044FF93CA17}"/>
               </a:ext>
             </a:extLst>
-          </a:blip>
-          <a:srcRect/>
-          <a:stretch>
-            <a:fillRect/>
-          </a:stretch>
-        </p:blipFill>
-        <p:spPr bwMode="auto">
-          <a:xfrm>
-            <a:off x="6743700" y="0"/>
-            <a:ext cx="2400300" cy="1981201"/>
-          </a:xfrm>
-          <a:prstGeom prst="rect">
-            <a:avLst/>
-          </a:prstGeom>
-          <a:noFill/>
-          <a:extLst>
-            <a:ext uri="{909E8E84-426E-40DD-AFC4-6F175D3DCCD1}">
-              <a14:hiddenFill xmlns:a14="http://schemas.microsoft.com/office/drawing/2010/main">
-                <a:solidFill>
-                  <a:srgbClr val="FFFFFF"/>
-                </a:solidFill>
-              </a14:hiddenFill>
-            </a:ext>
-          </a:extLst>
-        </p:spPr>
-      </p:pic>
-      <p:sp>
-        <p:nvSpPr>
-          <p:cNvPr id="2" name="标题 1"/>
+          </p:cNvPr>
           <p:cNvSpPr>
             <a:spLocks noGrp="1"/>
           </p:cNvSpPr>
@@ -24646,14 +24612,20 @@
           <a:p>
             <a:r>
               <a:rPr lang="zh-CN" altLang="en-US" dirty="0"/>
-              <a:t>什么是容器？</a:t>
+              <a:t>实践</a:t>
             </a:r>
           </a:p>
         </p:txBody>
       </p:sp>
       <p:sp>
         <p:nvSpPr>
-          <p:cNvPr id="3" name="内容占位符 2"/>
+          <p:cNvPr id="5" name="内容占位符 4">
+            <a:extLst>
+              <a:ext uri="{FF2B5EF4-FFF2-40B4-BE49-F238E27FC236}">
+                <a16:creationId xmlns:a16="http://schemas.microsoft.com/office/drawing/2014/main" id="{EA542687-0EEF-4A02-988E-339F8CAE3171}"/>
+              </a:ext>
+            </a:extLst>
+          </p:cNvPr>
           <p:cNvSpPr>
             <a:spLocks noGrp="1"/>
           </p:cNvSpPr>
@@ -24663,225 +24635,2600 @@
         </p:nvSpPr>
         <p:spPr/>
         <p:txBody>
-          <a:bodyPr>
-            <a:normAutofit fontScale="77500" lnSpcReduction="20000"/>
-          </a:bodyPr>
+          <a:bodyPr/>
           <a:lstStyle/>
           <a:p>
-            <a:pPr>
-              <a:lnSpc>
-                <a:spcPct val="130000"/>
-              </a:lnSpc>
-              <a:spcBef>
-                <a:spcPts val="0"/>
-              </a:spcBef>
-            </a:pPr>
-            <a:r>
-              <a:rPr lang="en-US" altLang="zh-CN" dirty="0"/>
-              <a:t>A container (Linux Container) at its core is</a:t>
-            </a:r>
-          </a:p>
-          <a:p>
-            <a:pPr lvl="1">
-              <a:lnSpc>
-                <a:spcPct val="130000"/>
-              </a:lnSpc>
-              <a:spcBef>
-                <a:spcPts val="0"/>
-              </a:spcBef>
-            </a:pPr>
-            <a:r>
-              <a:rPr lang="en-US" altLang="zh-CN" dirty="0"/>
-              <a:t>an </a:t>
-            </a:r>
+            <a:endParaRPr lang="zh-CN" altLang="en-US" dirty="0"/>
+          </a:p>
+        </p:txBody>
+      </p:sp>
+      <p:sp>
+        <p:nvSpPr>
+          <p:cNvPr id="6" name="矩形 5">
+            <a:extLst>
+              <a:ext uri="{FF2B5EF4-FFF2-40B4-BE49-F238E27FC236}">
+                <a16:creationId xmlns:a16="http://schemas.microsoft.com/office/drawing/2014/main" id="{754631E5-CBFB-4186-824B-C1B1BA4D7831}"/>
+              </a:ext>
+            </a:extLst>
+          </p:cNvPr>
+          <p:cNvSpPr/>
+          <p:nvPr/>
+        </p:nvSpPr>
+        <p:spPr>
+          <a:xfrm>
+            <a:off x="360000" y="4320000"/>
+            <a:ext cx="2160000" cy="2160000"/>
+          </a:xfrm>
+          <a:prstGeom prst="rect">
+            <a:avLst/>
+          </a:prstGeom>
+        </p:spPr>
+        <p:style>
+          <a:lnRef idx="2">
+            <a:schemeClr val="dk1"/>
+          </a:lnRef>
+          <a:fillRef idx="1">
+            <a:schemeClr val="lt1"/>
+          </a:fillRef>
+          <a:effectRef idx="0">
+            <a:schemeClr val="dk1"/>
+          </a:effectRef>
+          <a:fontRef idx="minor">
+            <a:schemeClr val="dk1"/>
+          </a:fontRef>
+        </p:style>
+        <p:txBody>
+          <a:bodyPr rtlCol="0" anchor="b"/>
+          <a:lstStyle/>
+          <a:p>
+            <a:pPr algn="ctr"/>
             <a:r>
               <a:rPr lang="en-US" altLang="zh-CN" dirty="0">
-                <a:solidFill>
-                  <a:srgbClr val="FF0000"/>
-                </a:solidFill>
+                <a:latin typeface="Times New Roman" panose="02020603050405020304" pitchFamily="18" charset="0"/>
+                <a:ea typeface="黑体" panose="02010609060101010101" pitchFamily="49" charset="-122"/>
+                <a:cs typeface="Times New Roman" panose="02020603050405020304" pitchFamily="18" charset="0"/>
               </a:rPr>
-              <a:t>allocation</a:t>
-            </a:r>
-            <a:r>
-              <a:rPr lang="en-US" altLang="zh-CN" dirty="0"/>
-              <a:t>, </a:t>
-            </a:r>
+              <a:t>Host 1</a:t>
+            </a:r>
+            <a:endParaRPr lang="zh-CN" altLang="en-US" dirty="0">
+              <a:latin typeface="Times New Roman" panose="02020603050405020304" pitchFamily="18" charset="0"/>
+              <a:ea typeface="黑体" panose="02010609060101010101" pitchFamily="49" charset="-122"/>
+              <a:cs typeface="Times New Roman" panose="02020603050405020304" pitchFamily="18" charset="0"/>
+            </a:endParaRPr>
+          </a:p>
+        </p:txBody>
+      </p:sp>
+      <p:sp>
+        <p:nvSpPr>
+          <p:cNvPr id="7" name="矩形 6">
+            <a:extLst>
+              <a:ext uri="{FF2B5EF4-FFF2-40B4-BE49-F238E27FC236}">
+                <a16:creationId xmlns:a16="http://schemas.microsoft.com/office/drawing/2014/main" id="{A73CDE30-4036-48ED-BE95-63B8986D02F0}"/>
+              </a:ext>
+            </a:extLst>
+          </p:cNvPr>
+          <p:cNvSpPr/>
+          <p:nvPr/>
+        </p:nvSpPr>
+        <p:spPr>
+          <a:xfrm>
+            <a:off x="2520000" y="4320000"/>
+            <a:ext cx="2160000" cy="2160000"/>
+          </a:xfrm>
+          <a:prstGeom prst="rect">
+            <a:avLst/>
+          </a:prstGeom>
+        </p:spPr>
+        <p:style>
+          <a:lnRef idx="2">
+            <a:schemeClr val="dk1"/>
+          </a:lnRef>
+          <a:fillRef idx="1">
+            <a:schemeClr val="lt1"/>
+          </a:fillRef>
+          <a:effectRef idx="0">
+            <a:schemeClr val="dk1"/>
+          </a:effectRef>
+          <a:fontRef idx="minor">
+            <a:schemeClr val="dk1"/>
+          </a:fontRef>
+        </p:style>
+        <p:txBody>
+          <a:bodyPr rtlCol="0" anchor="b"/>
+          <a:lstStyle/>
+          <a:p>
+            <a:pPr algn="ctr"/>
             <a:r>
               <a:rPr lang="en-US" altLang="zh-CN" dirty="0">
-                <a:solidFill>
-                  <a:srgbClr val="FF0000"/>
-                </a:solidFill>
+                <a:latin typeface="Times New Roman" panose="02020603050405020304" pitchFamily="18" charset="0"/>
+                <a:ea typeface="黑体" panose="02010609060101010101" pitchFamily="49" charset="-122"/>
+                <a:cs typeface="Times New Roman" panose="02020603050405020304" pitchFamily="18" charset="0"/>
               </a:rPr>
-              <a:t>portioning</a:t>
-            </a:r>
-            <a:r>
-              <a:rPr lang="en-US" altLang="zh-CN" dirty="0"/>
-              <a:t>, and </a:t>
-            </a:r>
+              <a:t>Host 2</a:t>
+            </a:r>
+            <a:endParaRPr lang="zh-CN" altLang="en-US" dirty="0">
+              <a:latin typeface="Times New Roman" panose="02020603050405020304" pitchFamily="18" charset="0"/>
+              <a:ea typeface="黑体" panose="02010609060101010101" pitchFamily="49" charset="-122"/>
+              <a:cs typeface="Times New Roman" panose="02020603050405020304" pitchFamily="18" charset="0"/>
+            </a:endParaRPr>
+          </a:p>
+        </p:txBody>
+      </p:sp>
+      <p:sp>
+        <p:nvSpPr>
+          <p:cNvPr id="8" name="矩形 7">
+            <a:extLst>
+              <a:ext uri="{FF2B5EF4-FFF2-40B4-BE49-F238E27FC236}">
+                <a16:creationId xmlns:a16="http://schemas.microsoft.com/office/drawing/2014/main" id="{E7D0DA1F-D9A5-4FD5-B8F8-3CC37D624234}"/>
+              </a:ext>
+            </a:extLst>
+          </p:cNvPr>
+          <p:cNvSpPr/>
+          <p:nvPr/>
+        </p:nvSpPr>
+        <p:spPr>
+          <a:xfrm>
+            <a:off x="4680000" y="4320000"/>
+            <a:ext cx="2160000" cy="2160000"/>
+          </a:xfrm>
+          <a:prstGeom prst="rect">
+            <a:avLst/>
+          </a:prstGeom>
+        </p:spPr>
+        <p:style>
+          <a:lnRef idx="2">
+            <a:schemeClr val="dk1"/>
+          </a:lnRef>
+          <a:fillRef idx="1">
+            <a:schemeClr val="lt1"/>
+          </a:fillRef>
+          <a:effectRef idx="0">
+            <a:schemeClr val="dk1"/>
+          </a:effectRef>
+          <a:fontRef idx="minor">
+            <a:schemeClr val="dk1"/>
+          </a:fontRef>
+        </p:style>
+        <p:txBody>
+          <a:bodyPr rtlCol="0" anchor="b"/>
+          <a:lstStyle/>
+          <a:p>
+            <a:pPr algn="ctr"/>
             <a:r>
               <a:rPr lang="en-US" altLang="zh-CN" dirty="0">
-                <a:solidFill>
-                  <a:srgbClr val="FF0000"/>
-                </a:solidFill>
+                <a:latin typeface="Times New Roman" panose="02020603050405020304" pitchFamily="18" charset="0"/>
+                <a:ea typeface="黑体" panose="02010609060101010101" pitchFamily="49" charset="-122"/>
+                <a:cs typeface="Times New Roman" panose="02020603050405020304" pitchFamily="18" charset="0"/>
               </a:rPr>
-              <a:t>assignment</a:t>
-            </a:r>
-            <a:r>
-              <a:rPr lang="en-US" altLang="zh-CN" dirty="0"/>
-              <a:t> of host (compute) resources</a:t>
-            </a:r>
-          </a:p>
-          <a:p>
-            <a:pPr lvl="2">
-              <a:lnSpc>
-                <a:spcPct val="130000"/>
-              </a:lnSpc>
-              <a:spcBef>
-                <a:spcPts val="0"/>
-              </a:spcBef>
-            </a:pPr>
-            <a:r>
-              <a:rPr lang="en-US" altLang="zh-CN" dirty="0"/>
-              <a:t>such as CPU Shares, Network I/O, Bandwidth, Block I/O, and Memory (RAM)</a:t>
-            </a:r>
-          </a:p>
-          <a:p>
-            <a:pPr lvl="1">
-              <a:lnSpc>
-                <a:spcPct val="130000"/>
-              </a:lnSpc>
-              <a:spcBef>
-                <a:spcPts val="0"/>
-              </a:spcBef>
-            </a:pPr>
-            <a:r>
-              <a:rPr lang="en-US" altLang="zh-CN" dirty="0"/>
-              <a:t>so that kernel level constructs may </a:t>
-            </a:r>
+              <a:t>Host 3</a:t>
+            </a:r>
+            <a:endParaRPr lang="zh-CN" altLang="en-US" dirty="0">
+              <a:latin typeface="Times New Roman" panose="02020603050405020304" pitchFamily="18" charset="0"/>
+              <a:ea typeface="黑体" panose="02010609060101010101" pitchFamily="49" charset="-122"/>
+              <a:cs typeface="Times New Roman" panose="02020603050405020304" pitchFamily="18" charset="0"/>
+            </a:endParaRPr>
+          </a:p>
+        </p:txBody>
+      </p:sp>
+      <p:sp>
+        <p:nvSpPr>
+          <p:cNvPr id="9" name="矩形 8">
+            <a:extLst>
+              <a:ext uri="{FF2B5EF4-FFF2-40B4-BE49-F238E27FC236}">
+                <a16:creationId xmlns:a16="http://schemas.microsoft.com/office/drawing/2014/main" id="{B1087FFF-6704-4A87-BE94-55D140EA6374}"/>
+              </a:ext>
+            </a:extLst>
+          </p:cNvPr>
+          <p:cNvSpPr/>
+          <p:nvPr/>
+        </p:nvSpPr>
+        <p:spPr>
+          <a:xfrm>
+            <a:off x="6840000" y="4320000"/>
+            <a:ext cx="2160000" cy="2160000"/>
+          </a:xfrm>
+          <a:prstGeom prst="rect">
+            <a:avLst/>
+          </a:prstGeom>
+        </p:spPr>
+        <p:style>
+          <a:lnRef idx="2">
+            <a:schemeClr val="dk1"/>
+          </a:lnRef>
+          <a:fillRef idx="1">
+            <a:schemeClr val="lt1"/>
+          </a:fillRef>
+          <a:effectRef idx="0">
+            <a:schemeClr val="dk1"/>
+          </a:effectRef>
+          <a:fontRef idx="minor">
+            <a:schemeClr val="dk1"/>
+          </a:fontRef>
+        </p:style>
+        <p:txBody>
+          <a:bodyPr rtlCol="0" anchor="b"/>
+          <a:lstStyle/>
+          <a:p>
+            <a:pPr algn="ctr"/>
             <a:r>
               <a:rPr lang="en-US" altLang="zh-CN" dirty="0">
-                <a:solidFill>
-                  <a:srgbClr val="FF0000"/>
-                </a:solidFill>
+                <a:latin typeface="Times New Roman" panose="02020603050405020304" pitchFamily="18" charset="0"/>
+                <a:ea typeface="黑体" panose="02010609060101010101" pitchFamily="49" charset="-122"/>
+                <a:cs typeface="Times New Roman" panose="02020603050405020304" pitchFamily="18" charset="0"/>
               </a:rPr>
-              <a:t>jail-off, isolate or “contain”</a:t>
-            </a:r>
-            <a:r>
-              <a:rPr lang="en-US" altLang="zh-CN" dirty="0"/>
-              <a:t> these protected resources</a:t>
-            </a:r>
-          </a:p>
-          <a:p>
-            <a:pPr lvl="1">
-              <a:lnSpc>
-                <a:spcPct val="130000"/>
-              </a:lnSpc>
-              <a:spcBef>
-                <a:spcPts val="0"/>
-              </a:spcBef>
-            </a:pPr>
-            <a:r>
-              <a:rPr lang="en-US" altLang="zh-CN" dirty="0"/>
-              <a:t>so that specific running services (processes) and namespaces may </a:t>
-            </a:r>
+              <a:t>Host 4</a:t>
+            </a:r>
+            <a:endParaRPr lang="zh-CN" altLang="en-US" dirty="0">
+              <a:latin typeface="Times New Roman" panose="02020603050405020304" pitchFamily="18" charset="0"/>
+              <a:ea typeface="黑体" panose="02010609060101010101" pitchFamily="49" charset="-122"/>
+              <a:cs typeface="Times New Roman" panose="02020603050405020304" pitchFamily="18" charset="0"/>
+            </a:endParaRPr>
+          </a:p>
+        </p:txBody>
+      </p:sp>
+      <p:sp>
+        <p:nvSpPr>
+          <p:cNvPr id="10" name="矩形 9">
+            <a:extLst>
+              <a:ext uri="{FF2B5EF4-FFF2-40B4-BE49-F238E27FC236}">
+                <a16:creationId xmlns:a16="http://schemas.microsoft.com/office/drawing/2014/main" id="{260563CA-A726-431F-88C2-B2FB08EFECCD}"/>
+              </a:ext>
+            </a:extLst>
+          </p:cNvPr>
+          <p:cNvSpPr/>
+          <p:nvPr/>
+        </p:nvSpPr>
+        <p:spPr>
+          <a:xfrm>
+            <a:off x="720000" y="3960000"/>
+            <a:ext cx="720000" cy="720000"/>
+          </a:xfrm>
+          <a:prstGeom prst="rect">
+            <a:avLst/>
+          </a:prstGeom>
+        </p:spPr>
+        <p:style>
+          <a:lnRef idx="2">
+            <a:schemeClr val="dk1"/>
+          </a:lnRef>
+          <a:fillRef idx="1">
+            <a:schemeClr val="lt1"/>
+          </a:fillRef>
+          <a:effectRef idx="0">
+            <a:schemeClr val="dk1"/>
+          </a:effectRef>
+          <a:fontRef idx="minor">
+            <a:schemeClr val="dk1"/>
+          </a:fontRef>
+        </p:style>
+        <p:txBody>
+          <a:bodyPr rtlCol="0" anchor="ctr"/>
+          <a:lstStyle/>
+          <a:p>
+            <a:pPr algn="ctr"/>
             <a:r>
               <a:rPr lang="en-US" altLang="zh-CN" dirty="0">
-                <a:solidFill>
-                  <a:srgbClr val="FF0000"/>
-                </a:solidFill>
+                <a:latin typeface="Times New Roman" panose="02020603050405020304" pitchFamily="18" charset="0"/>
+                <a:ea typeface="黑体" panose="02010609060101010101" pitchFamily="49" charset="-122"/>
+                <a:cs typeface="Times New Roman" panose="02020603050405020304" pitchFamily="18" charset="0"/>
               </a:rPr>
-              <a:t>solely utilize them without interfering with the rest of the system</a:t>
-            </a:r>
-            <a:r>
-              <a:rPr lang="en-US" altLang="zh-CN" dirty="0"/>
-              <a:t>.</a:t>
-            </a:r>
-          </a:p>
-          <a:p>
-            <a:pPr>
-              <a:lnSpc>
-                <a:spcPct val="130000"/>
-              </a:lnSpc>
-              <a:spcBef>
-                <a:spcPts val="0"/>
-              </a:spcBef>
-            </a:pPr>
-            <a:r>
-              <a:rPr lang="en-US" altLang="zh-CN" dirty="0"/>
-              <a:t>These processes could be</a:t>
-            </a:r>
-          </a:p>
-          <a:p>
-            <a:pPr lvl="1">
-              <a:lnSpc>
-                <a:spcPct val="130000"/>
-              </a:lnSpc>
-              <a:spcBef>
-                <a:spcPts val="0"/>
-              </a:spcBef>
-            </a:pPr>
-            <a:r>
-              <a:rPr lang="en-US" altLang="zh-CN" dirty="0"/>
-              <a:t>lightweight Linux hosts based on a Linux image</a:t>
-            </a:r>
-          </a:p>
-          <a:p>
-            <a:pPr lvl="1">
-              <a:lnSpc>
-                <a:spcPct val="130000"/>
-              </a:lnSpc>
-              <a:spcBef>
-                <a:spcPts val="0"/>
-              </a:spcBef>
-            </a:pPr>
-            <a:r>
-              <a:rPr lang="en-US" altLang="zh-CN" dirty="0"/>
-              <a:t>multiple web severs and applications</a:t>
-            </a:r>
-          </a:p>
-          <a:p>
-            <a:pPr lvl="1">
-              <a:lnSpc>
-                <a:spcPct val="130000"/>
-              </a:lnSpc>
-              <a:spcBef>
-                <a:spcPts val="0"/>
-              </a:spcBef>
-            </a:pPr>
-            <a:r>
-              <a:rPr lang="en-US" altLang="zh-CN" dirty="0"/>
-              <a:t>a single subsystem like a database backend</a:t>
-            </a:r>
-          </a:p>
-          <a:p>
-            <a:pPr lvl="1">
-              <a:lnSpc>
-                <a:spcPct val="130000"/>
-              </a:lnSpc>
-              <a:spcBef>
-                <a:spcPts val="0"/>
-              </a:spcBef>
-            </a:pPr>
-            <a:r>
-              <a:rPr lang="en-US" altLang="zh-CN" dirty="0"/>
-              <a:t>a single process such as </a:t>
-            </a:r>
-            <a:r>
-              <a:rPr lang="en-US" altLang="zh-CN" i="1" dirty="0"/>
-              <a:t>echo “Hello”</a:t>
-            </a:r>
-            <a:r>
-              <a:rPr lang="en-US" altLang="zh-CN" dirty="0"/>
-              <a:t> with little to no overhead.</a:t>
-            </a:r>
-            <a:endParaRPr lang="zh-CN" altLang="en-US" dirty="0"/>
+              <a:t>NIC1</a:t>
+            </a:r>
+            <a:endParaRPr lang="zh-CN" altLang="en-US" dirty="0">
+              <a:latin typeface="Times New Roman" panose="02020603050405020304" pitchFamily="18" charset="0"/>
+              <a:ea typeface="黑体" panose="02010609060101010101" pitchFamily="49" charset="-122"/>
+              <a:cs typeface="Times New Roman" panose="02020603050405020304" pitchFamily="18" charset="0"/>
+            </a:endParaRPr>
+          </a:p>
+        </p:txBody>
+      </p:sp>
+      <p:sp>
+        <p:nvSpPr>
+          <p:cNvPr id="11" name="矩形 10">
+            <a:extLst>
+              <a:ext uri="{FF2B5EF4-FFF2-40B4-BE49-F238E27FC236}">
+                <a16:creationId xmlns:a16="http://schemas.microsoft.com/office/drawing/2014/main" id="{8DA2C04F-8791-4903-9D26-0981573265BD}"/>
+              </a:ext>
+            </a:extLst>
+          </p:cNvPr>
+          <p:cNvSpPr/>
+          <p:nvPr/>
+        </p:nvSpPr>
+        <p:spPr>
+          <a:xfrm>
+            <a:off x="1440000" y="3960000"/>
+            <a:ext cx="720000" cy="720000"/>
+          </a:xfrm>
+          <a:prstGeom prst="rect">
+            <a:avLst/>
+          </a:prstGeom>
+        </p:spPr>
+        <p:style>
+          <a:lnRef idx="2">
+            <a:schemeClr val="dk1"/>
+          </a:lnRef>
+          <a:fillRef idx="1">
+            <a:schemeClr val="lt1"/>
+          </a:fillRef>
+          <a:effectRef idx="0">
+            <a:schemeClr val="dk1"/>
+          </a:effectRef>
+          <a:fontRef idx="minor">
+            <a:schemeClr val="dk1"/>
+          </a:fontRef>
+        </p:style>
+        <p:txBody>
+          <a:bodyPr rtlCol="0" anchor="ctr"/>
+          <a:lstStyle/>
+          <a:p>
+            <a:pPr algn="ctr"/>
+            <a:r>
+              <a:rPr lang="en-US" altLang="zh-CN" dirty="0">
+                <a:latin typeface="Times New Roman" panose="02020603050405020304" pitchFamily="18" charset="0"/>
+                <a:ea typeface="黑体" panose="02010609060101010101" pitchFamily="49" charset="-122"/>
+                <a:cs typeface="Times New Roman" panose="02020603050405020304" pitchFamily="18" charset="0"/>
+              </a:rPr>
+              <a:t>NIC2</a:t>
+            </a:r>
+            <a:endParaRPr lang="zh-CN" altLang="en-US" dirty="0">
+              <a:latin typeface="Times New Roman" panose="02020603050405020304" pitchFamily="18" charset="0"/>
+              <a:ea typeface="黑体" panose="02010609060101010101" pitchFamily="49" charset="-122"/>
+              <a:cs typeface="Times New Roman" panose="02020603050405020304" pitchFamily="18" charset="0"/>
+            </a:endParaRPr>
+          </a:p>
+        </p:txBody>
+      </p:sp>
+      <p:sp>
+        <p:nvSpPr>
+          <p:cNvPr id="12" name="矩形 11">
+            <a:extLst>
+              <a:ext uri="{FF2B5EF4-FFF2-40B4-BE49-F238E27FC236}">
+                <a16:creationId xmlns:a16="http://schemas.microsoft.com/office/drawing/2014/main" id="{927BD0C0-2C62-49E9-9935-AC323B56236E}"/>
+              </a:ext>
+            </a:extLst>
+          </p:cNvPr>
+          <p:cNvSpPr/>
+          <p:nvPr/>
+        </p:nvSpPr>
+        <p:spPr>
+          <a:xfrm>
+            <a:off x="2880000" y="3959655"/>
+            <a:ext cx="720000" cy="720000"/>
+          </a:xfrm>
+          <a:prstGeom prst="rect">
+            <a:avLst/>
+          </a:prstGeom>
+        </p:spPr>
+        <p:style>
+          <a:lnRef idx="2">
+            <a:schemeClr val="dk1"/>
+          </a:lnRef>
+          <a:fillRef idx="1">
+            <a:schemeClr val="lt1"/>
+          </a:fillRef>
+          <a:effectRef idx="0">
+            <a:schemeClr val="dk1"/>
+          </a:effectRef>
+          <a:fontRef idx="minor">
+            <a:schemeClr val="dk1"/>
+          </a:fontRef>
+        </p:style>
+        <p:txBody>
+          <a:bodyPr rtlCol="0" anchor="ctr"/>
+          <a:lstStyle/>
+          <a:p>
+            <a:pPr algn="ctr"/>
+            <a:r>
+              <a:rPr lang="en-US" altLang="zh-CN" dirty="0">
+                <a:latin typeface="Times New Roman" panose="02020603050405020304" pitchFamily="18" charset="0"/>
+                <a:ea typeface="黑体" panose="02010609060101010101" pitchFamily="49" charset="-122"/>
+                <a:cs typeface="Times New Roman" panose="02020603050405020304" pitchFamily="18" charset="0"/>
+              </a:rPr>
+              <a:t>NIC1</a:t>
+            </a:r>
+            <a:endParaRPr lang="zh-CN" altLang="en-US" dirty="0">
+              <a:latin typeface="Times New Roman" panose="02020603050405020304" pitchFamily="18" charset="0"/>
+              <a:ea typeface="黑体" panose="02010609060101010101" pitchFamily="49" charset="-122"/>
+              <a:cs typeface="Times New Roman" panose="02020603050405020304" pitchFamily="18" charset="0"/>
+            </a:endParaRPr>
+          </a:p>
+        </p:txBody>
+      </p:sp>
+      <p:sp>
+        <p:nvSpPr>
+          <p:cNvPr id="13" name="矩形 12">
+            <a:extLst>
+              <a:ext uri="{FF2B5EF4-FFF2-40B4-BE49-F238E27FC236}">
+                <a16:creationId xmlns:a16="http://schemas.microsoft.com/office/drawing/2014/main" id="{DAE4BD28-A89D-45D2-8D26-D37499B7682C}"/>
+              </a:ext>
+            </a:extLst>
+          </p:cNvPr>
+          <p:cNvSpPr/>
+          <p:nvPr/>
+        </p:nvSpPr>
+        <p:spPr>
+          <a:xfrm>
+            <a:off x="3600000" y="3959655"/>
+            <a:ext cx="720000" cy="720000"/>
+          </a:xfrm>
+          <a:prstGeom prst="rect">
+            <a:avLst/>
+          </a:prstGeom>
+        </p:spPr>
+        <p:style>
+          <a:lnRef idx="2">
+            <a:schemeClr val="dk1"/>
+          </a:lnRef>
+          <a:fillRef idx="1">
+            <a:schemeClr val="lt1"/>
+          </a:fillRef>
+          <a:effectRef idx="0">
+            <a:schemeClr val="dk1"/>
+          </a:effectRef>
+          <a:fontRef idx="minor">
+            <a:schemeClr val="dk1"/>
+          </a:fontRef>
+        </p:style>
+        <p:txBody>
+          <a:bodyPr rtlCol="0" anchor="ctr"/>
+          <a:lstStyle/>
+          <a:p>
+            <a:pPr algn="ctr"/>
+            <a:r>
+              <a:rPr lang="en-US" altLang="zh-CN" dirty="0">
+                <a:latin typeface="Times New Roman" panose="02020603050405020304" pitchFamily="18" charset="0"/>
+                <a:ea typeface="黑体" panose="02010609060101010101" pitchFamily="49" charset="-122"/>
+                <a:cs typeface="Times New Roman" panose="02020603050405020304" pitchFamily="18" charset="0"/>
+              </a:rPr>
+              <a:t>NIC2</a:t>
+            </a:r>
+            <a:endParaRPr lang="zh-CN" altLang="en-US" dirty="0">
+              <a:latin typeface="Times New Roman" panose="02020603050405020304" pitchFamily="18" charset="0"/>
+              <a:ea typeface="黑体" panose="02010609060101010101" pitchFamily="49" charset="-122"/>
+              <a:cs typeface="Times New Roman" panose="02020603050405020304" pitchFamily="18" charset="0"/>
+            </a:endParaRPr>
+          </a:p>
+        </p:txBody>
+      </p:sp>
+      <p:sp>
+        <p:nvSpPr>
+          <p:cNvPr id="14" name="矩形 13">
+            <a:extLst>
+              <a:ext uri="{FF2B5EF4-FFF2-40B4-BE49-F238E27FC236}">
+                <a16:creationId xmlns:a16="http://schemas.microsoft.com/office/drawing/2014/main" id="{7275AAB1-6D9B-4B9E-87E5-AB21A43746F5}"/>
+              </a:ext>
+            </a:extLst>
+          </p:cNvPr>
+          <p:cNvSpPr/>
+          <p:nvPr/>
+        </p:nvSpPr>
+        <p:spPr>
+          <a:xfrm>
+            <a:off x="5040000" y="3960000"/>
+            <a:ext cx="720000" cy="720000"/>
+          </a:xfrm>
+          <a:prstGeom prst="rect">
+            <a:avLst/>
+          </a:prstGeom>
+        </p:spPr>
+        <p:style>
+          <a:lnRef idx="2">
+            <a:schemeClr val="dk1"/>
+          </a:lnRef>
+          <a:fillRef idx="1">
+            <a:schemeClr val="lt1"/>
+          </a:fillRef>
+          <a:effectRef idx="0">
+            <a:schemeClr val="dk1"/>
+          </a:effectRef>
+          <a:fontRef idx="minor">
+            <a:schemeClr val="dk1"/>
+          </a:fontRef>
+        </p:style>
+        <p:txBody>
+          <a:bodyPr rtlCol="0" anchor="ctr"/>
+          <a:lstStyle/>
+          <a:p>
+            <a:pPr algn="ctr"/>
+            <a:r>
+              <a:rPr lang="en-US" altLang="zh-CN" dirty="0">
+                <a:latin typeface="Times New Roman" panose="02020603050405020304" pitchFamily="18" charset="0"/>
+                <a:ea typeface="黑体" panose="02010609060101010101" pitchFamily="49" charset="-122"/>
+                <a:cs typeface="Times New Roman" panose="02020603050405020304" pitchFamily="18" charset="0"/>
+              </a:rPr>
+              <a:t>NIC1</a:t>
+            </a:r>
+            <a:endParaRPr lang="zh-CN" altLang="en-US" dirty="0">
+              <a:latin typeface="Times New Roman" panose="02020603050405020304" pitchFamily="18" charset="0"/>
+              <a:ea typeface="黑体" panose="02010609060101010101" pitchFamily="49" charset="-122"/>
+              <a:cs typeface="Times New Roman" panose="02020603050405020304" pitchFamily="18" charset="0"/>
+            </a:endParaRPr>
+          </a:p>
+        </p:txBody>
+      </p:sp>
+      <p:sp>
+        <p:nvSpPr>
+          <p:cNvPr id="15" name="矩形 14">
+            <a:extLst>
+              <a:ext uri="{FF2B5EF4-FFF2-40B4-BE49-F238E27FC236}">
+                <a16:creationId xmlns:a16="http://schemas.microsoft.com/office/drawing/2014/main" id="{C12F2574-E588-48B3-A6A5-7865DE55C6FB}"/>
+              </a:ext>
+            </a:extLst>
+          </p:cNvPr>
+          <p:cNvSpPr/>
+          <p:nvPr/>
+        </p:nvSpPr>
+        <p:spPr>
+          <a:xfrm>
+            <a:off x="5760000" y="3960000"/>
+            <a:ext cx="720000" cy="720000"/>
+          </a:xfrm>
+          <a:prstGeom prst="rect">
+            <a:avLst/>
+          </a:prstGeom>
+        </p:spPr>
+        <p:style>
+          <a:lnRef idx="2">
+            <a:schemeClr val="dk1"/>
+          </a:lnRef>
+          <a:fillRef idx="1">
+            <a:schemeClr val="lt1"/>
+          </a:fillRef>
+          <a:effectRef idx="0">
+            <a:schemeClr val="dk1"/>
+          </a:effectRef>
+          <a:fontRef idx="minor">
+            <a:schemeClr val="dk1"/>
+          </a:fontRef>
+        </p:style>
+        <p:txBody>
+          <a:bodyPr rtlCol="0" anchor="ctr"/>
+          <a:lstStyle/>
+          <a:p>
+            <a:pPr algn="ctr"/>
+            <a:r>
+              <a:rPr lang="en-US" altLang="zh-CN" dirty="0">
+                <a:latin typeface="Times New Roman" panose="02020603050405020304" pitchFamily="18" charset="0"/>
+                <a:ea typeface="黑体" panose="02010609060101010101" pitchFamily="49" charset="-122"/>
+                <a:cs typeface="Times New Roman" panose="02020603050405020304" pitchFamily="18" charset="0"/>
+              </a:rPr>
+              <a:t>NIC2</a:t>
+            </a:r>
+            <a:endParaRPr lang="zh-CN" altLang="en-US" dirty="0">
+              <a:latin typeface="Times New Roman" panose="02020603050405020304" pitchFamily="18" charset="0"/>
+              <a:ea typeface="黑体" panose="02010609060101010101" pitchFamily="49" charset="-122"/>
+              <a:cs typeface="Times New Roman" panose="02020603050405020304" pitchFamily="18" charset="0"/>
+            </a:endParaRPr>
+          </a:p>
+        </p:txBody>
+      </p:sp>
+      <p:sp>
+        <p:nvSpPr>
+          <p:cNvPr id="16" name="矩形 15">
+            <a:extLst>
+              <a:ext uri="{FF2B5EF4-FFF2-40B4-BE49-F238E27FC236}">
+                <a16:creationId xmlns:a16="http://schemas.microsoft.com/office/drawing/2014/main" id="{3001E6EF-2C84-4606-A473-63EC8AB510B5}"/>
+              </a:ext>
+            </a:extLst>
+          </p:cNvPr>
+          <p:cNvSpPr/>
+          <p:nvPr/>
+        </p:nvSpPr>
+        <p:spPr>
+          <a:xfrm>
+            <a:off x="7200000" y="3959655"/>
+            <a:ext cx="720000" cy="720000"/>
+          </a:xfrm>
+          <a:prstGeom prst="rect">
+            <a:avLst/>
+          </a:prstGeom>
+        </p:spPr>
+        <p:style>
+          <a:lnRef idx="2">
+            <a:schemeClr val="dk1"/>
+          </a:lnRef>
+          <a:fillRef idx="1">
+            <a:schemeClr val="lt1"/>
+          </a:fillRef>
+          <a:effectRef idx="0">
+            <a:schemeClr val="dk1"/>
+          </a:effectRef>
+          <a:fontRef idx="minor">
+            <a:schemeClr val="dk1"/>
+          </a:fontRef>
+        </p:style>
+        <p:txBody>
+          <a:bodyPr rtlCol="0" anchor="ctr"/>
+          <a:lstStyle/>
+          <a:p>
+            <a:pPr algn="ctr"/>
+            <a:r>
+              <a:rPr lang="en-US" altLang="zh-CN" dirty="0">
+                <a:latin typeface="Times New Roman" panose="02020603050405020304" pitchFamily="18" charset="0"/>
+                <a:ea typeface="黑体" panose="02010609060101010101" pitchFamily="49" charset="-122"/>
+                <a:cs typeface="Times New Roman" panose="02020603050405020304" pitchFamily="18" charset="0"/>
+              </a:rPr>
+              <a:t>NIC1</a:t>
+            </a:r>
+            <a:endParaRPr lang="zh-CN" altLang="en-US" dirty="0">
+              <a:latin typeface="Times New Roman" panose="02020603050405020304" pitchFamily="18" charset="0"/>
+              <a:ea typeface="黑体" panose="02010609060101010101" pitchFamily="49" charset="-122"/>
+              <a:cs typeface="Times New Roman" panose="02020603050405020304" pitchFamily="18" charset="0"/>
+            </a:endParaRPr>
+          </a:p>
+        </p:txBody>
+      </p:sp>
+      <p:sp>
+        <p:nvSpPr>
+          <p:cNvPr id="17" name="矩形 16">
+            <a:extLst>
+              <a:ext uri="{FF2B5EF4-FFF2-40B4-BE49-F238E27FC236}">
+                <a16:creationId xmlns:a16="http://schemas.microsoft.com/office/drawing/2014/main" id="{17BFA04F-7E68-4D04-88D4-8A82FE89CC02}"/>
+              </a:ext>
+            </a:extLst>
+          </p:cNvPr>
+          <p:cNvSpPr/>
+          <p:nvPr/>
+        </p:nvSpPr>
+        <p:spPr>
+          <a:xfrm>
+            <a:off x="7920000" y="3959655"/>
+            <a:ext cx="720000" cy="720000"/>
+          </a:xfrm>
+          <a:prstGeom prst="rect">
+            <a:avLst/>
+          </a:prstGeom>
+        </p:spPr>
+        <p:style>
+          <a:lnRef idx="2">
+            <a:schemeClr val="dk1"/>
+          </a:lnRef>
+          <a:fillRef idx="1">
+            <a:schemeClr val="lt1"/>
+          </a:fillRef>
+          <a:effectRef idx="0">
+            <a:schemeClr val="dk1"/>
+          </a:effectRef>
+          <a:fontRef idx="minor">
+            <a:schemeClr val="dk1"/>
+          </a:fontRef>
+        </p:style>
+        <p:txBody>
+          <a:bodyPr rtlCol="0" anchor="ctr"/>
+          <a:lstStyle/>
+          <a:p>
+            <a:pPr algn="ctr"/>
+            <a:r>
+              <a:rPr lang="en-US" altLang="zh-CN" dirty="0">
+                <a:latin typeface="Times New Roman" panose="02020603050405020304" pitchFamily="18" charset="0"/>
+                <a:ea typeface="黑体" panose="02010609060101010101" pitchFamily="49" charset="-122"/>
+                <a:cs typeface="Times New Roman" panose="02020603050405020304" pitchFamily="18" charset="0"/>
+              </a:rPr>
+              <a:t>NIC2</a:t>
+            </a:r>
+            <a:endParaRPr lang="zh-CN" altLang="en-US" dirty="0">
+              <a:latin typeface="Times New Roman" panose="02020603050405020304" pitchFamily="18" charset="0"/>
+              <a:ea typeface="黑体" panose="02010609060101010101" pitchFamily="49" charset="-122"/>
+              <a:cs typeface="Times New Roman" panose="02020603050405020304" pitchFamily="18" charset="0"/>
+            </a:endParaRPr>
+          </a:p>
+        </p:txBody>
+      </p:sp>
+      <p:sp>
+        <p:nvSpPr>
+          <p:cNvPr id="20" name="矩形 19">
+            <a:extLst>
+              <a:ext uri="{FF2B5EF4-FFF2-40B4-BE49-F238E27FC236}">
+                <a16:creationId xmlns:a16="http://schemas.microsoft.com/office/drawing/2014/main" id="{0E05388F-7A1F-4A31-B13C-073EF7941537}"/>
+              </a:ext>
+            </a:extLst>
+          </p:cNvPr>
+          <p:cNvSpPr/>
+          <p:nvPr/>
+        </p:nvSpPr>
+        <p:spPr>
+          <a:xfrm>
+            <a:off x="720000" y="2520000"/>
+            <a:ext cx="7920000" cy="268448"/>
+          </a:xfrm>
+          <a:prstGeom prst="rect">
+            <a:avLst/>
+          </a:prstGeom>
+        </p:spPr>
+        <p:style>
+          <a:lnRef idx="2">
+            <a:schemeClr val="dk1"/>
+          </a:lnRef>
+          <a:fillRef idx="1">
+            <a:schemeClr val="lt1"/>
+          </a:fillRef>
+          <a:effectRef idx="0">
+            <a:schemeClr val="dk1"/>
+          </a:effectRef>
+          <a:fontRef idx="minor">
+            <a:schemeClr val="dk1"/>
+          </a:fontRef>
+        </p:style>
+        <p:txBody>
+          <a:bodyPr rtlCol="0" anchor="ctr"/>
+          <a:lstStyle/>
+          <a:p>
+            <a:pPr algn="ctr"/>
+            <a:r>
+              <a:rPr lang="en-US" altLang="zh-CN" dirty="0">
+                <a:latin typeface="Times New Roman" panose="02020603050405020304" pitchFamily="18" charset="0"/>
+                <a:ea typeface="黑体" panose="02010609060101010101" pitchFamily="49" charset="-122"/>
+                <a:cs typeface="Times New Roman" panose="02020603050405020304" pitchFamily="18" charset="0"/>
+              </a:rPr>
+              <a:t>GBE</a:t>
+            </a:r>
+            <a:endParaRPr lang="zh-CN" altLang="en-US" dirty="0">
+              <a:latin typeface="Times New Roman" panose="02020603050405020304" pitchFamily="18" charset="0"/>
+              <a:ea typeface="黑体" panose="02010609060101010101" pitchFamily="49" charset="-122"/>
+              <a:cs typeface="Times New Roman" panose="02020603050405020304" pitchFamily="18" charset="0"/>
+            </a:endParaRPr>
+          </a:p>
+        </p:txBody>
+      </p:sp>
+      <p:sp>
+        <p:nvSpPr>
+          <p:cNvPr id="21" name="矩形 20">
+            <a:extLst>
+              <a:ext uri="{FF2B5EF4-FFF2-40B4-BE49-F238E27FC236}">
+                <a16:creationId xmlns:a16="http://schemas.microsoft.com/office/drawing/2014/main" id="{927E2E0B-C506-4F5D-9B82-37D35C1E0CA8}"/>
+              </a:ext>
+            </a:extLst>
+          </p:cNvPr>
+          <p:cNvSpPr/>
+          <p:nvPr/>
+        </p:nvSpPr>
+        <p:spPr>
+          <a:xfrm>
+            <a:off x="720000" y="3240000"/>
+            <a:ext cx="7920000" cy="268448"/>
+          </a:xfrm>
+          <a:prstGeom prst="rect">
+            <a:avLst/>
+          </a:prstGeom>
+        </p:spPr>
+        <p:style>
+          <a:lnRef idx="2">
+            <a:schemeClr val="dk1"/>
+          </a:lnRef>
+          <a:fillRef idx="1">
+            <a:schemeClr val="lt1"/>
+          </a:fillRef>
+          <a:effectRef idx="0">
+            <a:schemeClr val="dk1"/>
+          </a:effectRef>
+          <a:fontRef idx="minor">
+            <a:schemeClr val="dk1"/>
+          </a:fontRef>
+        </p:style>
+        <p:txBody>
+          <a:bodyPr rtlCol="0" anchor="ctr"/>
+          <a:lstStyle/>
+          <a:p>
+            <a:pPr algn="ctr"/>
+            <a:r>
+              <a:rPr lang="en-US" altLang="zh-CN" dirty="0">
+                <a:latin typeface="Times New Roman" panose="02020603050405020304" pitchFamily="18" charset="0"/>
+                <a:ea typeface="黑体" panose="02010609060101010101" pitchFamily="49" charset="-122"/>
+                <a:cs typeface="Times New Roman" panose="02020603050405020304" pitchFamily="18" charset="0"/>
+              </a:rPr>
+              <a:t>10GBE</a:t>
+            </a:r>
+            <a:endParaRPr lang="zh-CN" altLang="en-US" dirty="0">
+              <a:latin typeface="Times New Roman" panose="02020603050405020304" pitchFamily="18" charset="0"/>
+              <a:ea typeface="黑体" panose="02010609060101010101" pitchFamily="49" charset="-122"/>
+              <a:cs typeface="Times New Roman" panose="02020603050405020304" pitchFamily="18" charset="0"/>
+            </a:endParaRPr>
+          </a:p>
+        </p:txBody>
+      </p:sp>
+      <p:sp>
+        <p:nvSpPr>
+          <p:cNvPr id="22" name="矩形 21">
+            <a:extLst>
+              <a:ext uri="{FF2B5EF4-FFF2-40B4-BE49-F238E27FC236}">
+                <a16:creationId xmlns:a16="http://schemas.microsoft.com/office/drawing/2014/main" id="{AD01D20A-17EA-4448-B58A-702DC20A4676}"/>
+              </a:ext>
+            </a:extLst>
+          </p:cNvPr>
+          <p:cNvSpPr/>
+          <p:nvPr/>
+        </p:nvSpPr>
+        <p:spPr>
+          <a:xfrm>
+            <a:off x="720000" y="2520000"/>
+            <a:ext cx="720000" cy="270000"/>
+          </a:xfrm>
+          <a:prstGeom prst="rect">
+            <a:avLst/>
+          </a:prstGeom>
+          <a:noFill/>
+          <a:ln>
+            <a:noFill/>
+          </a:ln>
+        </p:spPr>
+        <p:style>
+          <a:lnRef idx="2">
+            <a:schemeClr val="dk1"/>
+          </a:lnRef>
+          <a:fillRef idx="1">
+            <a:schemeClr val="lt1"/>
+          </a:fillRef>
+          <a:effectRef idx="0">
+            <a:schemeClr val="dk1"/>
+          </a:effectRef>
+          <a:fontRef idx="minor">
+            <a:schemeClr val="dk1"/>
+          </a:fontRef>
+        </p:style>
+        <p:txBody>
+          <a:bodyPr rtlCol="0" anchor="ctr"/>
+          <a:lstStyle/>
+          <a:p>
+            <a:pPr algn="ctr"/>
+            <a:r>
+              <a:rPr lang="en-US" altLang="zh-CN" dirty="0">
+                <a:solidFill>
+                  <a:schemeClr val="bg1"/>
+                </a:solidFill>
+                <a:latin typeface="Times New Roman" panose="02020603050405020304" pitchFamily="18" charset="0"/>
+                <a:ea typeface="黑体" panose="02010609060101010101" pitchFamily="49" charset="-122"/>
+                <a:cs typeface="Times New Roman" panose="02020603050405020304" pitchFamily="18" charset="0"/>
+              </a:rPr>
+              <a:t>NIC1</a:t>
+            </a:r>
+            <a:endParaRPr lang="zh-CN" altLang="en-US" dirty="0">
+              <a:solidFill>
+                <a:schemeClr val="bg1"/>
+              </a:solidFill>
+              <a:latin typeface="Times New Roman" panose="02020603050405020304" pitchFamily="18" charset="0"/>
+              <a:ea typeface="黑体" panose="02010609060101010101" pitchFamily="49" charset="-122"/>
+              <a:cs typeface="Times New Roman" panose="02020603050405020304" pitchFamily="18" charset="0"/>
+            </a:endParaRPr>
+          </a:p>
+        </p:txBody>
+      </p:sp>
+      <p:sp>
+        <p:nvSpPr>
+          <p:cNvPr id="23" name="矩形 22">
+            <a:extLst>
+              <a:ext uri="{FF2B5EF4-FFF2-40B4-BE49-F238E27FC236}">
+                <a16:creationId xmlns:a16="http://schemas.microsoft.com/office/drawing/2014/main" id="{AFE91124-CEE0-4332-BAD7-878877BC56C4}"/>
+              </a:ext>
+            </a:extLst>
+          </p:cNvPr>
+          <p:cNvSpPr/>
+          <p:nvPr/>
+        </p:nvSpPr>
+        <p:spPr>
+          <a:xfrm>
+            <a:off x="2880000" y="2519655"/>
+            <a:ext cx="720000" cy="270000"/>
+          </a:xfrm>
+          <a:prstGeom prst="rect">
+            <a:avLst/>
+          </a:prstGeom>
+          <a:noFill/>
+          <a:ln>
+            <a:noFill/>
+          </a:ln>
+        </p:spPr>
+        <p:style>
+          <a:lnRef idx="2">
+            <a:schemeClr val="dk1"/>
+          </a:lnRef>
+          <a:fillRef idx="1">
+            <a:schemeClr val="lt1"/>
+          </a:fillRef>
+          <a:effectRef idx="0">
+            <a:schemeClr val="dk1"/>
+          </a:effectRef>
+          <a:fontRef idx="minor">
+            <a:schemeClr val="dk1"/>
+          </a:fontRef>
+        </p:style>
+        <p:txBody>
+          <a:bodyPr rtlCol="0" anchor="ctr"/>
+          <a:lstStyle/>
+          <a:p>
+            <a:pPr algn="ctr"/>
+            <a:r>
+              <a:rPr lang="en-US" altLang="zh-CN" dirty="0">
+                <a:solidFill>
+                  <a:schemeClr val="bg1"/>
+                </a:solidFill>
+                <a:latin typeface="Times New Roman" panose="02020603050405020304" pitchFamily="18" charset="0"/>
+                <a:ea typeface="黑体" panose="02010609060101010101" pitchFamily="49" charset="-122"/>
+                <a:cs typeface="Times New Roman" panose="02020603050405020304" pitchFamily="18" charset="0"/>
+              </a:rPr>
+              <a:t>NIC1</a:t>
+            </a:r>
+            <a:endParaRPr lang="zh-CN" altLang="en-US" dirty="0">
+              <a:solidFill>
+                <a:schemeClr val="bg1"/>
+              </a:solidFill>
+              <a:latin typeface="Times New Roman" panose="02020603050405020304" pitchFamily="18" charset="0"/>
+              <a:ea typeface="黑体" panose="02010609060101010101" pitchFamily="49" charset="-122"/>
+              <a:cs typeface="Times New Roman" panose="02020603050405020304" pitchFamily="18" charset="0"/>
+            </a:endParaRPr>
+          </a:p>
+        </p:txBody>
+      </p:sp>
+      <p:sp>
+        <p:nvSpPr>
+          <p:cNvPr id="24" name="矩形 23">
+            <a:extLst>
+              <a:ext uri="{FF2B5EF4-FFF2-40B4-BE49-F238E27FC236}">
+                <a16:creationId xmlns:a16="http://schemas.microsoft.com/office/drawing/2014/main" id="{92152053-D62F-4C73-87E0-5FF5E1426AE2}"/>
+              </a:ext>
+            </a:extLst>
+          </p:cNvPr>
+          <p:cNvSpPr/>
+          <p:nvPr/>
+        </p:nvSpPr>
+        <p:spPr>
+          <a:xfrm>
+            <a:off x="5040000" y="2520000"/>
+            <a:ext cx="720000" cy="270000"/>
+          </a:xfrm>
+          <a:prstGeom prst="rect">
+            <a:avLst/>
+          </a:prstGeom>
+          <a:noFill/>
+          <a:ln>
+            <a:noFill/>
+          </a:ln>
+        </p:spPr>
+        <p:style>
+          <a:lnRef idx="2">
+            <a:schemeClr val="dk1"/>
+          </a:lnRef>
+          <a:fillRef idx="1">
+            <a:schemeClr val="lt1"/>
+          </a:fillRef>
+          <a:effectRef idx="0">
+            <a:schemeClr val="dk1"/>
+          </a:effectRef>
+          <a:fontRef idx="minor">
+            <a:schemeClr val="dk1"/>
+          </a:fontRef>
+        </p:style>
+        <p:txBody>
+          <a:bodyPr rtlCol="0" anchor="ctr"/>
+          <a:lstStyle/>
+          <a:p>
+            <a:pPr algn="ctr"/>
+            <a:r>
+              <a:rPr lang="en-US" altLang="zh-CN" dirty="0">
+                <a:solidFill>
+                  <a:schemeClr val="bg1"/>
+                </a:solidFill>
+                <a:latin typeface="Times New Roman" panose="02020603050405020304" pitchFamily="18" charset="0"/>
+                <a:ea typeface="黑体" panose="02010609060101010101" pitchFamily="49" charset="-122"/>
+                <a:cs typeface="Times New Roman" panose="02020603050405020304" pitchFamily="18" charset="0"/>
+              </a:rPr>
+              <a:t>NIC1</a:t>
+            </a:r>
+            <a:endParaRPr lang="zh-CN" altLang="en-US" dirty="0">
+              <a:solidFill>
+                <a:schemeClr val="bg1"/>
+              </a:solidFill>
+              <a:latin typeface="Times New Roman" panose="02020603050405020304" pitchFamily="18" charset="0"/>
+              <a:ea typeface="黑体" panose="02010609060101010101" pitchFamily="49" charset="-122"/>
+              <a:cs typeface="Times New Roman" panose="02020603050405020304" pitchFamily="18" charset="0"/>
+            </a:endParaRPr>
+          </a:p>
+        </p:txBody>
+      </p:sp>
+      <p:sp>
+        <p:nvSpPr>
+          <p:cNvPr id="25" name="矩形 24">
+            <a:extLst>
+              <a:ext uri="{FF2B5EF4-FFF2-40B4-BE49-F238E27FC236}">
+                <a16:creationId xmlns:a16="http://schemas.microsoft.com/office/drawing/2014/main" id="{0E44C938-CC06-4B5B-916E-59B8C33AAAD0}"/>
+              </a:ext>
+            </a:extLst>
+          </p:cNvPr>
+          <p:cNvSpPr/>
+          <p:nvPr/>
+        </p:nvSpPr>
+        <p:spPr>
+          <a:xfrm>
+            <a:off x="7200000" y="2519655"/>
+            <a:ext cx="720000" cy="270000"/>
+          </a:xfrm>
+          <a:prstGeom prst="rect">
+            <a:avLst/>
+          </a:prstGeom>
+          <a:noFill/>
+          <a:ln>
+            <a:noFill/>
+          </a:ln>
+        </p:spPr>
+        <p:style>
+          <a:lnRef idx="2">
+            <a:schemeClr val="dk1"/>
+          </a:lnRef>
+          <a:fillRef idx="1">
+            <a:schemeClr val="lt1"/>
+          </a:fillRef>
+          <a:effectRef idx="0">
+            <a:schemeClr val="dk1"/>
+          </a:effectRef>
+          <a:fontRef idx="minor">
+            <a:schemeClr val="dk1"/>
+          </a:fontRef>
+        </p:style>
+        <p:txBody>
+          <a:bodyPr rtlCol="0" anchor="ctr"/>
+          <a:lstStyle/>
+          <a:p>
+            <a:pPr algn="ctr"/>
+            <a:r>
+              <a:rPr lang="en-US" altLang="zh-CN" dirty="0">
+                <a:solidFill>
+                  <a:schemeClr val="bg1"/>
+                </a:solidFill>
+                <a:latin typeface="Times New Roman" panose="02020603050405020304" pitchFamily="18" charset="0"/>
+                <a:ea typeface="黑体" panose="02010609060101010101" pitchFamily="49" charset="-122"/>
+                <a:cs typeface="Times New Roman" panose="02020603050405020304" pitchFamily="18" charset="0"/>
+              </a:rPr>
+              <a:t>NIC1</a:t>
+            </a:r>
+            <a:endParaRPr lang="zh-CN" altLang="en-US" dirty="0">
+              <a:solidFill>
+                <a:schemeClr val="bg1"/>
+              </a:solidFill>
+              <a:latin typeface="Times New Roman" panose="02020603050405020304" pitchFamily="18" charset="0"/>
+              <a:ea typeface="黑体" panose="02010609060101010101" pitchFamily="49" charset="-122"/>
+              <a:cs typeface="Times New Roman" panose="02020603050405020304" pitchFamily="18" charset="0"/>
+            </a:endParaRPr>
+          </a:p>
+        </p:txBody>
+      </p:sp>
+      <p:sp>
+        <p:nvSpPr>
+          <p:cNvPr id="26" name="矩形 25">
+            <a:extLst>
+              <a:ext uri="{FF2B5EF4-FFF2-40B4-BE49-F238E27FC236}">
+                <a16:creationId xmlns:a16="http://schemas.microsoft.com/office/drawing/2014/main" id="{9827780D-E429-404D-8B92-FA466F84D3CF}"/>
+              </a:ext>
+            </a:extLst>
+          </p:cNvPr>
+          <p:cNvSpPr/>
+          <p:nvPr/>
+        </p:nvSpPr>
+        <p:spPr>
+          <a:xfrm>
+            <a:off x="1444029" y="3238103"/>
+            <a:ext cx="720000" cy="270000"/>
+          </a:xfrm>
+          <a:prstGeom prst="rect">
+            <a:avLst/>
+          </a:prstGeom>
+          <a:noFill/>
+          <a:ln>
+            <a:noFill/>
+          </a:ln>
+        </p:spPr>
+        <p:style>
+          <a:lnRef idx="2">
+            <a:schemeClr val="dk1"/>
+          </a:lnRef>
+          <a:fillRef idx="1">
+            <a:schemeClr val="lt1"/>
+          </a:fillRef>
+          <a:effectRef idx="0">
+            <a:schemeClr val="dk1"/>
+          </a:effectRef>
+          <a:fontRef idx="minor">
+            <a:schemeClr val="dk1"/>
+          </a:fontRef>
+        </p:style>
+        <p:txBody>
+          <a:bodyPr rtlCol="0" anchor="ctr"/>
+          <a:lstStyle/>
+          <a:p>
+            <a:pPr algn="ctr"/>
+            <a:r>
+              <a:rPr lang="en-US" altLang="zh-CN" dirty="0">
+                <a:solidFill>
+                  <a:schemeClr val="bg1"/>
+                </a:solidFill>
+                <a:latin typeface="Times New Roman" panose="02020603050405020304" pitchFamily="18" charset="0"/>
+                <a:ea typeface="黑体" panose="02010609060101010101" pitchFamily="49" charset="-122"/>
+                <a:cs typeface="Times New Roman" panose="02020603050405020304" pitchFamily="18" charset="0"/>
+              </a:rPr>
+              <a:t>NIC2</a:t>
+            </a:r>
+            <a:endParaRPr lang="zh-CN" altLang="en-US" dirty="0">
+              <a:solidFill>
+                <a:schemeClr val="bg1"/>
+              </a:solidFill>
+              <a:latin typeface="Times New Roman" panose="02020603050405020304" pitchFamily="18" charset="0"/>
+              <a:ea typeface="黑体" panose="02010609060101010101" pitchFamily="49" charset="-122"/>
+              <a:cs typeface="Times New Roman" panose="02020603050405020304" pitchFamily="18" charset="0"/>
+            </a:endParaRPr>
+          </a:p>
+        </p:txBody>
+      </p:sp>
+      <p:sp>
+        <p:nvSpPr>
+          <p:cNvPr id="27" name="矩形 26">
+            <a:extLst>
+              <a:ext uri="{FF2B5EF4-FFF2-40B4-BE49-F238E27FC236}">
+                <a16:creationId xmlns:a16="http://schemas.microsoft.com/office/drawing/2014/main" id="{6022F333-9275-4D84-847D-B759E8C684C7}"/>
+              </a:ext>
+            </a:extLst>
+          </p:cNvPr>
+          <p:cNvSpPr/>
+          <p:nvPr/>
+        </p:nvSpPr>
+        <p:spPr>
+          <a:xfrm>
+            <a:off x="3604029" y="3238103"/>
+            <a:ext cx="720000" cy="270000"/>
+          </a:xfrm>
+          <a:prstGeom prst="rect">
+            <a:avLst/>
+          </a:prstGeom>
+          <a:noFill/>
+          <a:ln>
+            <a:noFill/>
+          </a:ln>
+        </p:spPr>
+        <p:style>
+          <a:lnRef idx="2">
+            <a:schemeClr val="dk1"/>
+          </a:lnRef>
+          <a:fillRef idx="1">
+            <a:schemeClr val="lt1"/>
+          </a:fillRef>
+          <a:effectRef idx="0">
+            <a:schemeClr val="dk1"/>
+          </a:effectRef>
+          <a:fontRef idx="minor">
+            <a:schemeClr val="dk1"/>
+          </a:fontRef>
+        </p:style>
+        <p:txBody>
+          <a:bodyPr rtlCol="0" anchor="ctr"/>
+          <a:lstStyle/>
+          <a:p>
+            <a:pPr algn="ctr"/>
+            <a:r>
+              <a:rPr lang="en-US" altLang="zh-CN" dirty="0">
+                <a:solidFill>
+                  <a:schemeClr val="bg1"/>
+                </a:solidFill>
+                <a:latin typeface="Times New Roman" panose="02020603050405020304" pitchFamily="18" charset="0"/>
+                <a:ea typeface="黑体" panose="02010609060101010101" pitchFamily="49" charset="-122"/>
+                <a:cs typeface="Times New Roman" panose="02020603050405020304" pitchFamily="18" charset="0"/>
+              </a:rPr>
+              <a:t>NIC2</a:t>
+            </a:r>
+            <a:endParaRPr lang="zh-CN" altLang="en-US" dirty="0">
+              <a:solidFill>
+                <a:schemeClr val="bg1"/>
+              </a:solidFill>
+              <a:latin typeface="Times New Roman" panose="02020603050405020304" pitchFamily="18" charset="0"/>
+              <a:ea typeface="黑体" panose="02010609060101010101" pitchFamily="49" charset="-122"/>
+              <a:cs typeface="Times New Roman" panose="02020603050405020304" pitchFamily="18" charset="0"/>
+            </a:endParaRPr>
+          </a:p>
+        </p:txBody>
+      </p:sp>
+      <p:sp>
+        <p:nvSpPr>
+          <p:cNvPr id="28" name="矩形 27">
+            <a:extLst>
+              <a:ext uri="{FF2B5EF4-FFF2-40B4-BE49-F238E27FC236}">
+                <a16:creationId xmlns:a16="http://schemas.microsoft.com/office/drawing/2014/main" id="{1D458929-170E-4BEC-88CD-9FF43FE42BFB}"/>
+              </a:ext>
+            </a:extLst>
+          </p:cNvPr>
+          <p:cNvSpPr/>
+          <p:nvPr/>
+        </p:nvSpPr>
+        <p:spPr>
+          <a:xfrm>
+            <a:off x="5764029" y="3238103"/>
+            <a:ext cx="720000" cy="270000"/>
+          </a:xfrm>
+          <a:prstGeom prst="rect">
+            <a:avLst/>
+          </a:prstGeom>
+          <a:noFill/>
+          <a:ln>
+            <a:noFill/>
+          </a:ln>
+        </p:spPr>
+        <p:style>
+          <a:lnRef idx="2">
+            <a:schemeClr val="dk1"/>
+          </a:lnRef>
+          <a:fillRef idx="1">
+            <a:schemeClr val="lt1"/>
+          </a:fillRef>
+          <a:effectRef idx="0">
+            <a:schemeClr val="dk1"/>
+          </a:effectRef>
+          <a:fontRef idx="minor">
+            <a:schemeClr val="dk1"/>
+          </a:fontRef>
+        </p:style>
+        <p:txBody>
+          <a:bodyPr rtlCol="0" anchor="ctr"/>
+          <a:lstStyle/>
+          <a:p>
+            <a:pPr algn="ctr"/>
+            <a:r>
+              <a:rPr lang="en-US" altLang="zh-CN" dirty="0">
+                <a:solidFill>
+                  <a:schemeClr val="bg1"/>
+                </a:solidFill>
+                <a:latin typeface="Times New Roman" panose="02020603050405020304" pitchFamily="18" charset="0"/>
+                <a:ea typeface="黑体" panose="02010609060101010101" pitchFamily="49" charset="-122"/>
+                <a:cs typeface="Times New Roman" panose="02020603050405020304" pitchFamily="18" charset="0"/>
+              </a:rPr>
+              <a:t>NIC2</a:t>
+            </a:r>
+            <a:endParaRPr lang="zh-CN" altLang="en-US" dirty="0">
+              <a:solidFill>
+                <a:schemeClr val="bg1"/>
+              </a:solidFill>
+              <a:latin typeface="Times New Roman" panose="02020603050405020304" pitchFamily="18" charset="0"/>
+              <a:ea typeface="黑体" panose="02010609060101010101" pitchFamily="49" charset="-122"/>
+              <a:cs typeface="Times New Roman" panose="02020603050405020304" pitchFamily="18" charset="0"/>
+            </a:endParaRPr>
+          </a:p>
+        </p:txBody>
+      </p:sp>
+      <p:sp>
+        <p:nvSpPr>
+          <p:cNvPr id="29" name="矩形 28">
+            <a:extLst>
+              <a:ext uri="{FF2B5EF4-FFF2-40B4-BE49-F238E27FC236}">
+                <a16:creationId xmlns:a16="http://schemas.microsoft.com/office/drawing/2014/main" id="{31DE0C6D-C13C-48D2-A70F-8E1AFD630056}"/>
+              </a:ext>
+            </a:extLst>
+          </p:cNvPr>
+          <p:cNvSpPr/>
+          <p:nvPr/>
+        </p:nvSpPr>
+        <p:spPr>
+          <a:xfrm>
+            <a:off x="7924029" y="3238103"/>
+            <a:ext cx="720000" cy="270000"/>
+          </a:xfrm>
+          <a:prstGeom prst="rect">
+            <a:avLst/>
+          </a:prstGeom>
+          <a:noFill/>
+          <a:ln>
+            <a:noFill/>
+          </a:ln>
+        </p:spPr>
+        <p:style>
+          <a:lnRef idx="2">
+            <a:schemeClr val="dk1"/>
+          </a:lnRef>
+          <a:fillRef idx="1">
+            <a:schemeClr val="lt1"/>
+          </a:fillRef>
+          <a:effectRef idx="0">
+            <a:schemeClr val="dk1"/>
+          </a:effectRef>
+          <a:fontRef idx="minor">
+            <a:schemeClr val="dk1"/>
+          </a:fontRef>
+        </p:style>
+        <p:txBody>
+          <a:bodyPr rtlCol="0" anchor="ctr"/>
+          <a:lstStyle/>
+          <a:p>
+            <a:pPr algn="ctr"/>
+            <a:r>
+              <a:rPr lang="en-US" altLang="zh-CN" dirty="0">
+                <a:solidFill>
+                  <a:schemeClr val="bg1"/>
+                </a:solidFill>
+                <a:latin typeface="Times New Roman" panose="02020603050405020304" pitchFamily="18" charset="0"/>
+                <a:ea typeface="黑体" panose="02010609060101010101" pitchFamily="49" charset="-122"/>
+                <a:cs typeface="Times New Roman" panose="02020603050405020304" pitchFamily="18" charset="0"/>
+              </a:rPr>
+              <a:t>NIC2</a:t>
+            </a:r>
+            <a:endParaRPr lang="zh-CN" altLang="en-US" dirty="0">
+              <a:solidFill>
+                <a:schemeClr val="bg1"/>
+              </a:solidFill>
+              <a:latin typeface="Times New Roman" panose="02020603050405020304" pitchFamily="18" charset="0"/>
+              <a:ea typeface="黑体" panose="02010609060101010101" pitchFamily="49" charset="-122"/>
+              <a:cs typeface="Times New Roman" panose="02020603050405020304" pitchFamily="18" charset="0"/>
+            </a:endParaRPr>
+          </a:p>
+        </p:txBody>
+      </p:sp>
+      <p:cxnSp>
+        <p:nvCxnSpPr>
+          <p:cNvPr id="31" name="直接连接符 30">
+            <a:extLst>
+              <a:ext uri="{FF2B5EF4-FFF2-40B4-BE49-F238E27FC236}">
+                <a16:creationId xmlns:a16="http://schemas.microsoft.com/office/drawing/2014/main" id="{CED312F9-5C49-40B4-9124-0580FB04B87F}"/>
+              </a:ext>
+            </a:extLst>
+          </p:cNvPr>
+          <p:cNvCxnSpPr>
+            <a:stCxn id="10" idx="0"/>
+            <a:endCxn id="22" idx="2"/>
+          </p:cNvCxnSpPr>
+          <p:nvPr/>
+        </p:nvCxnSpPr>
+        <p:spPr>
+          <a:xfrm flipV="1">
+            <a:off x="1080000" y="2790000"/>
+            <a:ext cx="0" cy="1170000"/>
+          </a:xfrm>
+          <a:prstGeom prst="line">
+            <a:avLst/>
+          </a:prstGeom>
+        </p:spPr>
+        <p:style>
+          <a:lnRef idx="2">
+            <a:schemeClr val="dk1"/>
+          </a:lnRef>
+          <a:fillRef idx="0">
+            <a:schemeClr val="dk1"/>
+          </a:fillRef>
+          <a:effectRef idx="1">
+            <a:schemeClr val="dk1"/>
+          </a:effectRef>
+          <a:fontRef idx="minor">
+            <a:schemeClr val="tx1"/>
+          </a:fontRef>
+        </p:style>
+      </p:cxnSp>
+      <p:cxnSp>
+        <p:nvCxnSpPr>
+          <p:cNvPr id="32" name="直接连接符 31">
+            <a:extLst>
+              <a:ext uri="{FF2B5EF4-FFF2-40B4-BE49-F238E27FC236}">
+                <a16:creationId xmlns:a16="http://schemas.microsoft.com/office/drawing/2014/main" id="{07C7740E-E602-4378-B3A3-F167FA9A54DB}"/>
+              </a:ext>
+            </a:extLst>
+          </p:cNvPr>
+          <p:cNvCxnSpPr>
+            <a:cxnSpLocks/>
+            <a:stCxn id="12" idx="0"/>
+            <a:endCxn id="23" idx="2"/>
+          </p:cNvCxnSpPr>
+          <p:nvPr/>
+        </p:nvCxnSpPr>
+        <p:spPr>
+          <a:xfrm flipV="1">
+            <a:off x="3240000" y="2789655"/>
+            <a:ext cx="0" cy="1170000"/>
+          </a:xfrm>
+          <a:prstGeom prst="line">
+            <a:avLst/>
+          </a:prstGeom>
+        </p:spPr>
+        <p:style>
+          <a:lnRef idx="2">
+            <a:schemeClr val="dk1"/>
+          </a:lnRef>
+          <a:fillRef idx="0">
+            <a:schemeClr val="dk1"/>
+          </a:fillRef>
+          <a:effectRef idx="1">
+            <a:schemeClr val="dk1"/>
+          </a:effectRef>
+          <a:fontRef idx="minor">
+            <a:schemeClr val="tx1"/>
+          </a:fontRef>
+        </p:style>
+      </p:cxnSp>
+      <p:cxnSp>
+        <p:nvCxnSpPr>
+          <p:cNvPr id="35" name="直接连接符 34">
+            <a:extLst>
+              <a:ext uri="{FF2B5EF4-FFF2-40B4-BE49-F238E27FC236}">
+                <a16:creationId xmlns:a16="http://schemas.microsoft.com/office/drawing/2014/main" id="{CE51A6CF-3BF0-4831-9F6D-3568621CD83F}"/>
+              </a:ext>
+            </a:extLst>
+          </p:cNvPr>
+          <p:cNvCxnSpPr>
+            <a:cxnSpLocks/>
+            <a:stCxn id="14" idx="0"/>
+            <a:endCxn id="24" idx="2"/>
+          </p:cNvCxnSpPr>
+          <p:nvPr/>
+        </p:nvCxnSpPr>
+        <p:spPr>
+          <a:xfrm flipV="1">
+            <a:off x="5400000" y="2790000"/>
+            <a:ext cx="0" cy="1170000"/>
+          </a:xfrm>
+          <a:prstGeom prst="line">
+            <a:avLst/>
+          </a:prstGeom>
+        </p:spPr>
+        <p:style>
+          <a:lnRef idx="2">
+            <a:schemeClr val="dk1"/>
+          </a:lnRef>
+          <a:fillRef idx="0">
+            <a:schemeClr val="dk1"/>
+          </a:fillRef>
+          <a:effectRef idx="1">
+            <a:schemeClr val="dk1"/>
+          </a:effectRef>
+          <a:fontRef idx="minor">
+            <a:schemeClr val="tx1"/>
+          </a:fontRef>
+        </p:style>
+      </p:cxnSp>
+      <p:cxnSp>
+        <p:nvCxnSpPr>
+          <p:cNvPr id="38" name="直接连接符 37">
+            <a:extLst>
+              <a:ext uri="{FF2B5EF4-FFF2-40B4-BE49-F238E27FC236}">
+                <a16:creationId xmlns:a16="http://schemas.microsoft.com/office/drawing/2014/main" id="{77D827D7-6813-4501-A2EF-E2ECF84DAC60}"/>
+              </a:ext>
+            </a:extLst>
+          </p:cNvPr>
+          <p:cNvCxnSpPr>
+            <a:cxnSpLocks/>
+            <a:stCxn id="16" idx="0"/>
+            <a:endCxn id="25" idx="2"/>
+          </p:cNvCxnSpPr>
+          <p:nvPr/>
+        </p:nvCxnSpPr>
+        <p:spPr>
+          <a:xfrm flipV="1">
+            <a:off x="7560000" y="2789655"/>
+            <a:ext cx="0" cy="1170000"/>
+          </a:xfrm>
+          <a:prstGeom prst="line">
+            <a:avLst/>
+          </a:prstGeom>
+        </p:spPr>
+        <p:style>
+          <a:lnRef idx="2">
+            <a:schemeClr val="dk1"/>
+          </a:lnRef>
+          <a:fillRef idx="0">
+            <a:schemeClr val="dk1"/>
+          </a:fillRef>
+          <a:effectRef idx="1">
+            <a:schemeClr val="dk1"/>
+          </a:effectRef>
+          <a:fontRef idx="minor">
+            <a:schemeClr val="tx1"/>
+          </a:fontRef>
+        </p:style>
+      </p:cxnSp>
+      <p:cxnSp>
+        <p:nvCxnSpPr>
+          <p:cNvPr id="41" name="直接连接符 40">
+            <a:extLst>
+              <a:ext uri="{FF2B5EF4-FFF2-40B4-BE49-F238E27FC236}">
+                <a16:creationId xmlns:a16="http://schemas.microsoft.com/office/drawing/2014/main" id="{FE55FBB6-4E44-4E50-9039-3C16E6CA93CA}"/>
+              </a:ext>
+            </a:extLst>
+          </p:cNvPr>
+          <p:cNvCxnSpPr>
+            <a:cxnSpLocks/>
+            <a:stCxn id="11" idx="0"/>
+            <a:endCxn id="26" idx="2"/>
+          </p:cNvCxnSpPr>
+          <p:nvPr/>
+        </p:nvCxnSpPr>
+        <p:spPr>
+          <a:xfrm flipV="1">
+            <a:off x="1800000" y="3508103"/>
+            <a:ext cx="4029" cy="451897"/>
+          </a:xfrm>
+          <a:prstGeom prst="line">
+            <a:avLst/>
+          </a:prstGeom>
+          <a:ln w="76200"/>
+        </p:spPr>
+        <p:style>
+          <a:lnRef idx="3">
+            <a:schemeClr val="dk1"/>
+          </a:lnRef>
+          <a:fillRef idx="0">
+            <a:schemeClr val="dk1"/>
+          </a:fillRef>
+          <a:effectRef idx="2">
+            <a:schemeClr val="dk1"/>
+          </a:effectRef>
+          <a:fontRef idx="minor">
+            <a:schemeClr val="tx1"/>
+          </a:fontRef>
+        </p:style>
+      </p:cxnSp>
+      <p:cxnSp>
+        <p:nvCxnSpPr>
+          <p:cNvPr id="42" name="直接连接符 41">
+            <a:extLst>
+              <a:ext uri="{FF2B5EF4-FFF2-40B4-BE49-F238E27FC236}">
+                <a16:creationId xmlns:a16="http://schemas.microsoft.com/office/drawing/2014/main" id="{D3E1B151-2879-49B4-AF67-C1729F7FF000}"/>
+              </a:ext>
+            </a:extLst>
+          </p:cNvPr>
+          <p:cNvCxnSpPr>
+            <a:cxnSpLocks/>
+            <a:stCxn id="13" idx="0"/>
+            <a:endCxn id="27" idx="2"/>
+          </p:cNvCxnSpPr>
+          <p:nvPr/>
+        </p:nvCxnSpPr>
+        <p:spPr>
+          <a:xfrm flipV="1">
+            <a:off x="3960000" y="3508103"/>
+            <a:ext cx="4029" cy="451552"/>
+          </a:xfrm>
+          <a:prstGeom prst="line">
+            <a:avLst/>
+          </a:prstGeom>
+          <a:ln w="76200"/>
+        </p:spPr>
+        <p:style>
+          <a:lnRef idx="3">
+            <a:schemeClr val="dk1"/>
+          </a:lnRef>
+          <a:fillRef idx="0">
+            <a:schemeClr val="dk1"/>
+          </a:fillRef>
+          <a:effectRef idx="2">
+            <a:schemeClr val="dk1"/>
+          </a:effectRef>
+          <a:fontRef idx="minor">
+            <a:schemeClr val="tx1"/>
+          </a:fontRef>
+        </p:style>
+      </p:cxnSp>
+      <p:cxnSp>
+        <p:nvCxnSpPr>
+          <p:cNvPr id="43" name="直接连接符 42">
+            <a:extLst>
+              <a:ext uri="{FF2B5EF4-FFF2-40B4-BE49-F238E27FC236}">
+                <a16:creationId xmlns:a16="http://schemas.microsoft.com/office/drawing/2014/main" id="{6EFFDD04-F2E5-4A94-8723-ECD8F1B2DB5E}"/>
+              </a:ext>
+            </a:extLst>
+          </p:cNvPr>
+          <p:cNvCxnSpPr>
+            <a:cxnSpLocks/>
+            <a:stCxn id="15" idx="0"/>
+            <a:endCxn id="28" idx="2"/>
+          </p:cNvCxnSpPr>
+          <p:nvPr/>
+        </p:nvCxnSpPr>
+        <p:spPr>
+          <a:xfrm flipV="1">
+            <a:off x="6120000" y="3508103"/>
+            <a:ext cx="4029" cy="451897"/>
+          </a:xfrm>
+          <a:prstGeom prst="line">
+            <a:avLst/>
+          </a:prstGeom>
+          <a:ln w="76200"/>
+        </p:spPr>
+        <p:style>
+          <a:lnRef idx="3">
+            <a:schemeClr val="dk1"/>
+          </a:lnRef>
+          <a:fillRef idx="0">
+            <a:schemeClr val="dk1"/>
+          </a:fillRef>
+          <a:effectRef idx="2">
+            <a:schemeClr val="dk1"/>
+          </a:effectRef>
+          <a:fontRef idx="minor">
+            <a:schemeClr val="tx1"/>
+          </a:fontRef>
+        </p:style>
+      </p:cxnSp>
+      <p:cxnSp>
+        <p:nvCxnSpPr>
+          <p:cNvPr id="44" name="直接连接符 43">
+            <a:extLst>
+              <a:ext uri="{FF2B5EF4-FFF2-40B4-BE49-F238E27FC236}">
+                <a16:creationId xmlns:a16="http://schemas.microsoft.com/office/drawing/2014/main" id="{0DE25D86-3CAE-49AC-A5F5-53A80A094F53}"/>
+              </a:ext>
+            </a:extLst>
+          </p:cNvPr>
+          <p:cNvCxnSpPr>
+            <a:cxnSpLocks/>
+            <a:stCxn id="17" idx="0"/>
+            <a:endCxn id="29" idx="2"/>
+          </p:cNvCxnSpPr>
+          <p:nvPr/>
+        </p:nvCxnSpPr>
+        <p:spPr>
+          <a:xfrm flipV="1">
+            <a:off x="8280000" y="3508103"/>
+            <a:ext cx="4029" cy="451552"/>
+          </a:xfrm>
+          <a:prstGeom prst="line">
+            <a:avLst/>
+          </a:prstGeom>
+          <a:ln w="76200"/>
+        </p:spPr>
+        <p:style>
+          <a:lnRef idx="3">
+            <a:schemeClr val="dk1"/>
+          </a:lnRef>
+          <a:fillRef idx="0">
+            <a:schemeClr val="dk1"/>
+          </a:fillRef>
+          <a:effectRef idx="2">
+            <a:schemeClr val="dk1"/>
+          </a:effectRef>
+          <a:fontRef idx="minor">
+            <a:schemeClr val="tx1"/>
+          </a:fontRef>
+        </p:style>
+      </p:cxnSp>
+      <p:sp>
+        <p:nvSpPr>
+          <p:cNvPr id="53" name="矩形 52">
+            <a:extLst>
+              <a:ext uri="{FF2B5EF4-FFF2-40B4-BE49-F238E27FC236}">
+                <a16:creationId xmlns:a16="http://schemas.microsoft.com/office/drawing/2014/main" id="{BCB46D46-6410-4F74-9500-6EF02D0C040C}"/>
+              </a:ext>
+            </a:extLst>
+          </p:cNvPr>
+          <p:cNvSpPr/>
+          <p:nvPr/>
+        </p:nvSpPr>
+        <p:spPr>
+          <a:xfrm>
+            <a:off x="540000" y="4860000"/>
+            <a:ext cx="360000" cy="720000"/>
+          </a:xfrm>
+          <a:prstGeom prst="rect">
+            <a:avLst/>
+          </a:prstGeom>
+          <a:ln>
+            <a:prstDash val="sysDash"/>
+          </a:ln>
+        </p:spPr>
+        <p:style>
+          <a:lnRef idx="2">
+            <a:schemeClr val="dk1"/>
+          </a:lnRef>
+          <a:fillRef idx="1">
+            <a:schemeClr val="lt1"/>
+          </a:fillRef>
+          <a:effectRef idx="0">
+            <a:schemeClr val="dk1"/>
+          </a:effectRef>
+          <a:fontRef idx="minor">
+            <a:schemeClr val="dk1"/>
+          </a:fontRef>
+        </p:style>
+        <p:txBody>
+          <a:bodyPr vert="vert270" rtlCol="0" anchor="ctr"/>
+          <a:lstStyle/>
+          <a:p>
+            <a:pPr algn="ctr"/>
+            <a:r>
+              <a:rPr lang="en-US" altLang="zh-CN" dirty="0">
+                <a:latin typeface="Times New Roman" panose="02020603050405020304" pitchFamily="18" charset="0"/>
+                <a:ea typeface="黑体" panose="02010609060101010101" pitchFamily="49" charset="-122"/>
+                <a:cs typeface="Times New Roman" panose="02020603050405020304" pitchFamily="18" charset="0"/>
+              </a:rPr>
+              <a:t>VM1</a:t>
+            </a:r>
+            <a:endParaRPr lang="zh-CN" altLang="en-US" dirty="0">
+              <a:latin typeface="Times New Roman" panose="02020603050405020304" pitchFamily="18" charset="0"/>
+              <a:ea typeface="黑体" panose="02010609060101010101" pitchFamily="49" charset="-122"/>
+              <a:cs typeface="Times New Roman" panose="02020603050405020304" pitchFamily="18" charset="0"/>
+            </a:endParaRPr>
+          </a:p>
+        </p:txBody>
+      </p:sp>
+      <p:sp>
+        <p:nvSpPr>
+          <p:cNvPr id="54" name="矩形 53">
+            <a:extLst>
+              <a:ext uri="{FF2B5EF4-FFF2-40B4-BE49-F238E27FC236}">
+                <a16:creationId xmlns:a16="http://schemas.microsoft.com/office/drawing/2014/main" id="{0699E72F-F30C-425E-99A3-BFF216F9EFAE}"/>
+              </a:ext>
+            </a:extLst>
+          </p:cNvPr>
+          <p:cNvSpPr/>
+          <p:nvPr/>
+        </p:nvSpPr>
+        <p:spPr>
+          <a:xfrm>
+            <a:off x="900000" y="4860000"/>
+            <a:ext cx="360000" cy="720000"/>
+          </a:xfrm>
+          <a:prstGeom prst="rect">
+            <a:avLst/>
+          </a:prstGeom>
+          <a:ln>
+            <a:prstDash val="sysDash"/>
+          </a:ln>
+        </p:spPr>
+        <p:style>
+          <a:lnRef idx="2">
+            <a:schemeClr val="dk1"/>
+          </a:lnRef>
+          <a:fillRef idx="1">
+            <a:schemeClr val="lt1"/>
+          </a:fillRef>
+          <a:effectRef idx="0">
+            <a:schemeClr val="dk1"/>
+          </a:effectRef>
+          <a:fontRef idx="minor">
+            <a:schemeClr val="dk1"/>
+          </a:fontRef>
+        </p:style>
+        <p:txBody>
+          <a:bodyPr vert="vert270" rtlCol="0" anchor="ctr"/>
+          <a:lstStyle/>
+          <a:p>
+            <a:pPr algn="ctr"/>
+            <a:r>
+              <a:rPr lang="en-US" altLang="zh-CN" dirty="0">
+                <a:latin typeface="Times New Roman" panose="02020603050405020304" pitchFamily="18" charset="0"/>
+                <a:ea typeface="黑体" panose="02010609060101010101" pitchFamily="49" charset="-122"/>
+                <a:cs typeface="Times New Roman" panose="02020603050405020304" pitchFamily="18" charset="0"/>
+              </a:rPr>
+              <a:t>VM2</a:t>
+            </a:r>
+            <a:endParaRPr lang="zh-CN" altLang="en-US" dirty="0">
+              <a:latin typeface="Times New Roman" panose="02020603050405020304" pitchFamily="18" charset="0"/>
+              <a:ea typeface="黑体" panose="02010609060101010101" pitchFamily="49" charset="-122"/>
+              <a:cs typeface="Times New Roman" panose="02020603050405020304" pitchFamily="18" charset="0"/>
+            </a:endParaRPr>
+          </a:p>
+        </p:txBody>
+      </p:sp>
+      <p:sp>
+        <p:nvSpPr>
+          <p:cNvPr id="55" name="矩形 54">
+            <a:extLst>
+              <a:ext uri="{FF2B5EF4-FFF2-40B4-BE49-F238E27FC236}">
+                <a16:creationId xmlns:a16="http://schemas.microsoft.com/office/drawing/2014/main" id="{56BFA896-2CE6-4D2B-AE3D-D209A13835DE}"/>
+              </a:ext>
+            </a:extLst>
+          </p:cNvPr>
+          <p:cNvSpPr/>
+          <p:nvPr/>
+        </p:nvSpPr>
+        <p:spPr>
+          <a:xfrm>
+            <a:off x="1980000" y="4860000"/>
+            <a:ext cx="360000" cy="720000"/>
+          </a:xfrm>
+          <a:prstGeom prst="rect">
+            <a:avLst/>
+          </a:prstGeom>
+          <a:ln>
+            <a:prstDash val="sysDash"/>
+          </a:ln>
+        </p:spPr>
+        <p:style>
+          <a:lnRef idx="2">
+            <a:schemeClr val="dk1"/>
+          </a:lnRef>
+          <a:fillRef idx="1">
+            <a:schemeClr val="lt1"/>
+          </a:fillRef>
+          <a:effectRef idx="0">
+            <a:schemeClr val="dk1"/>
+          </a:effectRef>
+          <a:fontRef idx="minor">
+            <a:schemeClr val="dk1"/>
+          </a:fontRef>
+        </p:style>
+        <p:txBody>
+          <a:bodyPr vert="vert270" rtlCol="0" anchor="ctr"/>
+          <a:lstStyle/>
+          <a:p>
+            <a:pPr algn="ctr"/>
+            <a:r>
+              <a:rPr lang="en-US" altLang="zh-CN" dirty="0">
+                <a:latin typeface="Times New Roman" panose="02020603050405020304" pitchFamily="18" charset="0"/>
+                <a:ea typeface="黑体" panose="02010609060101010101" pitchFamily="49" charset="-122"/>
+                <a:cs typeface="Times New Roman" panose="02020603050405020304" pitchFamily="18" charset="0"/>
+              </a:rPr>
+              <a:t>VM30</a:t>
+            </a:r>
+            <a:endParaRPr lang="zh-CN" altLang="en-US" dirty="0">
+              <a:latin typeface="Times New Roman" panose="02020603050405020304" pitchFamily="18" charset="0"/>
+              <a:ea typeface="黑体" panose="02010609060101010101" pitchFamily="49" charset="-122"/>
+              <a:cs typeface="Times New Roman" panose="02020603050405020304" pitchFamily="18" charset="0"/>
+            </a:endParaRPr>
+          </a:p>
+        </p:txBody>
+      </p:sp>
+      <p:sp>
+        <p:nvSpPr>
+          <p:cNvPr id="56" name="矩形 55">
+            <a:extLst>
+              <a:ext uri="{FF2B5EF4-FFF2-40B4-BE49-F238E27FC236}">
+                <a16:creationId xmlns:a16="http://schemas.microsoft.com/office/drawing/2014/main" id="{637A673F-6CBD-4EEA-B04A-C8CC945C0232}"/>
+              </a:ext>
+            </a:extLst>
+          </p:cNvPr>
+          <p:cNvSpPr/>
+          <p:nvPr/>
+        </p:nvSpPr>
+        <p:spPr>
+          <a:xfrm>
+            <a:off x="1440000" y="4860000"/>
+            <a:ext cx="360000" cy="720000"/>
+          </a:xfrm>
+          <a:prstGeom prst="rect">
+            <a:avLst/>
+          </a:prstGeom>
+          <a:ln>
+            <a:noFill/>
+            <a:prstDash val="sysDash"/>
+          </a:ln>
+        </p:spPr>
+        <p:style>
+          <a:lnRef idx="2">
+            <a:schemeClr val="dk1"/>
+          </a:lnRef>
+          <a:fillRef idx="1">
+            <a:schemeClr val="lt1"/>
+          </a:fillRef>
+          <a:effectRef idx="0">
+            <a:schemeClr val="dk1"/>
+          </a:effectRef>
+          <a:fontRef idx="minor">
+            <a:schemeClr val="dk1"/>
+          </a:fontRef>
+        </p:style>
+        <p:txBody>
+          <a:bodyPr vert="vert270" rtlCol="0" anchor="ctr"/>
+          <a:lstStyle/>
+          <a:p>
+            <a:pPr algn="ctr"/>
+            <a:r>
+              <a:rPr lang="en-US" altLang="zh-CN" dirty="0">
+                <a:latin typeface="Times New Roman" panose="02020603050405020304" pitchFamily="18" charset="0"/>
+                <a:ea typeface="黑体" panose="02010609060101010101" pitchFamily="49" charset="-122"/>
+                <a:cs typeface="Times New Roman" panose="02020603050405020304" pitchFamily="18" charset="0"/>
+              </a:rPr>
+              <a:t>…</a:t>
+            </a:r>
+            <a:endParaRPr lang="zh-CN" altLang="en-US" dirty="0">
+              <a:latin typeface="Times New Roman" panose="02020603050405020304" pitchFamily="18" charset="0"/>
+              <a:ea typeface="黑体" panose="02010609060101010101" pitchFamily="49" charset="-122"/>
+              <a:cs typeface="Times New Roman" panose="02020603050405020304" pitchFamily="18" charset="0"/>
+            </a:endParaRPr>
+          </a:p>
+        </p:txBody>
+      </p:sp>
+      <p:sp>
+        <p:nvSpPr>
+          <p:cNvPr id="57" name="矩形 56">
+            <a:extLst>
+              <a:ext uri="{FF2B5EF4-FFF2-40B4-BE49-F238E27FC236}">
+                <a16:creationId xmlns:a16="http://schemas.microsoft.com/office/drawing/2014/main" id="{75A71ECC-A1FE-4B82-9CD1-6EEFFC238095}"/>
+              </a:ext>
+            </a:extLst>
+          </p:cNvPr>
+          <p:cNvSpPr/>
+          <p:nvPr/>
+        </p:nvSpPr>
+        <p:spPr>
+          <a:xfrm>
+            <a:off x="2700000" y="4853644"/>
+            <a:ext cx="360000" cy="720000"/>
+          </a:xfrm>
+          <a:prstGeom prst="rect">
+            <a:avLst/>
+          </a:prstGeom>
+          <a:ln>
+            <a:prstDash val="sysDash"/>
+          </a:ln>
+        </p:spPr>
+        <p:style>
+          <a:lnRef idx="2">
+            <a:schemeClr val="dk1"/>
+          </a:lnRef>
+          <a:fillRef idx="1">
+            <a:schemeClr val="lt1"/>
+          </a:fillRef>
+          <a:effectRef idx="0">
+            <a:schemeClr val="dk1"/>
+          </a:effectRef>
+          <a:fontRef idx="minor">
+            <a:schemeClr val="dk1"/>
+          </a:fontRef>
+        </p:style>
+        <p:txBody>
+          <a:bodyPr vert="vert270" rtlCol="0" anchor="ctr"/>
+          <a:lstStyle/>
+          <a:p>
+            <a:pPr algn="ctr"/>
+            <a:r>
+              <a:rPr lang="en-US" altLang="zh-CN" dirty="0">
+                <a:latin typeface="Times New Roman" panose="02020603050405020304" pitchFamily="18" charset="0"/>
+                <a:ea typeface="黑体" panose="02010609060101010101" pitchFamily="49" charset="-122"/>
+                <a:cs typeface="Times New Roman" panose="02020603050405020304" pitchFamily="18" charset="0"/>
+              </a:rPr>
+              <a:t>VM31</a:t>
+            </a:r>
+            <a:endParaRPr lang="zh-CN" altLang="en-US" dirty="0">
+              <a:latin typeface="Times New Roman" panose="02020603050405020304" pitchFamily="18" charset="0"/>
+              <a:ea typeface="黑体" panose="02010609060101010101" pitchFamily="49" charset="-122"/>
+              <a:cs typeface="Times New Roman" panose="02020603050405020304" pitchFamily="18" charset="0"/>
+            </a:endParaRPr>
+          </a:p>
+        </p:txBody>
+      </p:sp>
+      <p:sp>
+        <p:nvSpPr>
+          <p:cNvPr id="58" name="矩形 57">
+            <a:extLst>
+              <a:ext uri="{FF2B5EF4-FFF2-40B4-BE49-F238E27FC236}">
+                <a16:creationId xmlns:a16="http://schemas.microsoft.com/office/drawing/2014/main" id="{48FA547E-9C27-4A10-947D-104572F2F8AB}"/>
+              </a:ext>
+            </a:extLst>
+          </p:cNvPr>
+          <p:cNvSpPr/>
+          <p:nvPr/>
+        </p:nvSpPr>
+        <p:spPr>
+          <a:xfrm>
+            <a:off x="3060000" y="4853644"/>
+            <a:ext cx="360000" cy="720000"/>
+          </a:xfrm>
+          <a:prstGeom prst="rect">
+            <a:avLst/>
+          </a:prstGeom>
+          <a:ln>
+            <a:prstDash val="sysDash"/>
+          </a:ln>
+        </p:spPr>
+        <p:style>
+          <a:lnRef idx="2">
+            <a:schemeClr val="dk1"/>
+          </a:lnRef>
+          <a:fillRef idx="1">
+            <a:schemeClr val="lt1"/>
+          </a:fillRef>
+          <a:effectRef idx="0">
+            <a:schemeClr val="dk1"/>
+          </a:effectRef>
+          <a:fontRef idx="minor">
+            <a:schemeClr val="dk1"/>
+          </a:fontRef>
+        </p:style>
+        <p:txBody>
+          <a:bodyPr vert="vert270" rtlCol="0" anchor="ctr"/>
+          <a:lstStyle/>
+          <a:p>
+            <a:pPr algn="ctr"/>
+            <a:r>
+              <a:rPr lang="en-US" altLang="zh-CN" dirty="0">
+                <a:latin typeface="Times New Roman" panose="02020603050405020304" pitchFamily="18" charset="0"/>
+                <a:ea typeface="黑体" panose="02010609060101010101" pitchFamily="49" charset="-122"/>
+                <a:cs typeface="Times New Roman" panose="02020603050405020304" pitchFamily="18" charset="0"/>
+              </a:rPr>
+              <a:t>VM32</a:t>
+            </a:r>
+            <a:endParaRPr lang="zh-CN" altLang="en-US" dirty="0">
+              <a:latin typeface="Times New Roman" panose="02020603050405020304" pitchFamily="18" charset="0"/>
+              <a:ea typeface="黑体" panose="02010609060101010101" pitchFamily="49" charset="-122"/>
+              <a:cs typeface="Times New Roman" panose="02020603050405020304" pitchFamily="18" charset="0"/>
+            </a:endParaRPr>
+          </a:p>
+        </p:txBody>
+      </p:sp>
+      <p:sp>
+        <p:nvSpPr>
+          <p:cNvPr id="59" name="矩形 58">
+            <a:extLst>
+              <a:ext uri="{FF2B5EF4-FFF2-40B4-BE49-F238E27FC236}">
+                <a16:creationId xmlns:a16="http://schemas.microsoft.com/office/drawing/2014/main" id="{9EEC94CB-6291-4774-A781-117970F8DD53}"/>
+              </a:ext>
+            </a:extLst>
+          </p:cNvPr>
+          <p:cNvSpPr/>
+          <p:nvPr/>
+        </p:nvSpPr>
+        <p:spPr>
+          <a:xfrm>
+            <a:off x="4140000" y="4853644"/>
+            <a:ext cx="360000" cy="720000"/>
+          </a:xfrm>
+          <a:prstGeom prst="rect">
+            <a:avLst/>
+          </a:prstGeom>
+          <a:ln>
+            <a:prstDash val="sysDash"/>
+          </a:ln>
+        </p:spPr>
+        <p:style>
+          <a:lnRef idx="2">
+            <a:schemeClr val="dk1"/>
+          </a:lnRef>
+          <a:fillRef idx="1">
+            <a:schemeClr val="lt1"/>
+          </a:fillRef>
+          <a:effectRef idx="0">
+            <a:schemeClr val="dk1"/>
+          </a:effectRef>
+          <a:fontRef idx="minor">
+            <a:schemeClr val="dk1"/>
+          </a:fontRef>
+        </p:style>
+        <p:txBody>
+          <a:bodyPr vert="vert270" rtlCol="0" anchor="ctr"/>
+          <a:lstStyle/>
+          <a:p>
+            <a:pPr algn="ctr"/>
+            <a:r>
+              <a:rPr lang="en-US" altLang="zh-CN" dirty="0">
+                <a:latin typeface="Times New Roman" panose="02020603050405020304" pitchFamily="18" charset="0"/>
+                <a:ea typeface="黑体" panose="02010609060101010101" pitchFamily="49" charset="-122"/>
+                <a:cs typeface="Times New Roman" panose="02020603050405020304" pitchFamily="18" charset="0"/>
+              </a:rPr>
+              <a:t>VM60</a:t>
+            </a:r>
+            <a:endParaRPr lang="zh-CN" altLang="en-US" dirty="0">
+              <a:latin typeface="Times New Roman" panose="02020603050405020304" pitchFamily="18" charset="0"/>
+              <a:ea typeface="黑体" panose="02010609060101010101" pitchFamily="49" charset="-122"/>
+              <a:cs typeface="Times New Roman" panose="02020603050405020304" pitchFamily="18" charset="0"/>
+            </a:endParaRPr>
+          </a:p>
+        </p:txBody>
+      </p:sp>
+      <p:sp>
+        <p:nvSpPr>
+          <p:cNvPr id="60" name="矩形 59">
+            <a:extLst>
+              <a:ext uri="{FF2B5EF4-FFF2-40B4-BE49-F238E27FC236}">
+                <a16:creationId xmlns:a16="http://schemas.microsoft.com/office/drawing/2014/main" id="{3633444D-502C-49B6-8920-F3B6A8F9AA55}"/>
+              </a:ext>
+            </a:extLst>
+          </p:cNvPr>
+          <p:cNvSpPr/>
+          <p:nvPr/>
+        </p:nvSpPr>
+        <p:spPr>
+          <a:xfrm>
+            <a:off x="3600000" y="4853644"/>
+            <a:ext cx="360000" cy="720000"/>
+          </a:xfrm>
+          <a:prstGeom prst="rect">
+            <a:avLst/>
+          </a:prstGeom>
+          <a:ln>
+            <a:noFill/>
+            <a:prstDash val="sysDash"/>
+          </a:ln>
+        </p:spPr>
+        <p:style>
+          <a:lnRef idx="2">
+            <a:schemeClr val="dk1"/>
+          </a:lnRef>
+          <a:fillRef idx="1">
+            <a:schemeClr val="lt1"/>
+          </a:fillRef>
+          <a:effectRef idx="0">
+            <a:schemeClr val="dk1"/>
+          </a:effectRef>
+          <a:fontRef idx="minor">
+            <a:schemeClr val="dk1"/>
+          </a:fontRef>
+        </p:style>
+        <p:txBody>
+          <a:bodyPr vert="vert270" rtlCol="0" anchor="ctr"/>
+          <a:lstStyle/>
+          <a:p>
+            <a:pPr algn="ctr"/>
+            <a:r>
+              <a:rPr lang="en-US" altLang="zh-CN" dirty="0">
+                <a:latin typeface="Times New Roman" panose="02020603050405020304" pitchFamily="18" charset="0"/>
+                <a:ea typeface="黑体" panose="02010609060101010101" pitchFamily="49" charset="-122"/>
+                <a:cs typeface="Times New Roman" panose="02020603050405020304" pitchFamily="18" charset="0"/>
+              </a:rPr>
+              <a:t>…</a:t>
+            </a:r>
+            <a:endParaRPr lang="zh-CN" altLang="en-US" dirty="0">
+              <a:latin typeface="Times New Roman" panose="02020603050405020304" pitchFamily="18" charset="0"/>
+              <a:ea typeface="黑体" panose="02010609060101010101" pitchFamily="49" charset="-122"/>
+              <a:cs typeface="Times New Roman" panose="02020603050405020304" pitchFamily="18" charset="0"/>
+            </a:endParaRPr>
+          </a:p>
+        </p:txBody>
+      </p:sp>
+      <p:sp>
+        <p:nvSpPr>
+          <p:cNvPr id="61" name="矩形 60">
+            <a:extLst>
+              <a:ext uri="{FF2B5EF4-FFF2-40B4-BE49-F238E27FC236}">
+                <a16:creationId xmlns:a16="http://schemas.microsoft.com/office/drawing/2014/main" id="{61D25A9C-D92E-47BD-B92A-2BE0996250E6}"/>
+              </a:ext>
+            </a:extLst>
+          </p:cNvPr>
+          <p:cNvSpPr/>
+          <p:nvPr/>
+        </p:nvSpPr>
+        <p:spPr>
+          <a:xfrm>
+            <a:off x="4860000" y="4860000"/>
+            <a:ext cx="360000" cy="720000"/>
+          </a:xfrm>
+          <a:prstGeom prst="rect">
+            <a:avLst/>
+          </a:prstGeom>
+          <a:ln>
+            <a:prstDash val="sysDash"/>
+          </a:ln>
+        </p:spPr>
+        <p:style>
+          <a:lnRef idx="2">
+            <a:schemeClr val="dk1"/>
+          </a:lnRef>
+          <a:fillRef idx="1">
+            <a:schemeClr val="lt1"/>
+          </a:fillRef>
+          <a:effectRef idx="0">
+            <a:schemeClr val="dk1"/>
+          </a:effectRef>
+          <a:fontRef idx="minor">
+            <a:schemeClr val="dk1"/>
+          </a:fontRef>
+        </p:style>
+        <p:txBody>
+          <a:bodyPr vert="vert270" rtlCol="0" anchor="ctr"/>
+          <a:lstStyle/>
+          <a:p>
+            <a:pPr algn="ctr"/>
+            <a:r>
+              <a:rPr lang="en-US" altLang="zh-CN" dirty="0">
+                <a:latin typeface="Times New Roman" panose="02020603050405020304" pitchFamily="18" charset="0"/>
+                <a:ea typeface="黑体" panose="02010609060101010101" pitchFamily="49" charset="-122"/>
+                <a:cs typeface="Times New Roman" panose="02020603050405020304" pitchFamily="18" charset="0"/>
+              </a:rPr>
+              <a:t>VM61</a:t>
+            </a:r>
+            <a:endParaRPr lang="zh-CN" altLang="en-US" dirty="0">
+              <a:latin typeface="Times New Roman" panose="02020603050405020304" pitchFamily="18" charset="0"/>
+              <a:ea typeface="黑体" panose="02010609060101010101" pitchFamily="49" charset="-122"/>
+              <a:cs typeface="Times New Roman" panose="02020603050405020304" pitchFamily="18" charset="0"/>
+            </a:endParaRPr>
+          </a:p>
+        </p:txBody>
+      </p:sp>
+      <p:sp>
+        <p:nvSpPr>
+          <p:cNvPr id="62" name="矩形 61">
+            <a:extLst>
+              <a:ext uri="{FF2B5EF4-FFF2-40B4-BE49-F238E27FC236}">
+                <a16:creationId xmlns:a16="http://schemas.microsoft.com/office/drawing/2014/main" id="{60334EC3-83F8-47A4-B1B8-224FD030C5E0}"/>
+              </a:ext>
+            </a:extLst>
+          </p:cNvPr>
+          <p:cNvSpPr/>
+          <p:nvPr/>
+        </p:nvSpPr>
+        <p:spPr>
+          <a:xfrm>
+            <a:off x="5220000" y="4860000"/>
+            <a:ext cx="360000" cy="720000"/>
+          </a:xfrm>
+          <a:prstGeom prst="rect">
+            <a:avLst/>
+          </a:prstGeom>
+          <a:ln>
+            <a:prstDash val="sysDash"/>
+          </a:ln>
+        </p:spPr>
+        <p:style>
+          <a:lnRef idx="2">
+            <a:schemeClr val="dk1"/>
+          </a:lnRef>
+          <a:fillRef idx="1">
+            <a:schemeClr val="lt1"/>
+          </a:fillRef>
+          <a:effectRef idx="0">
+            <a:schemeClr val="dk1"/>
+          </a:effectRef>
+          <a:fontRef idx="minor">
+            <a:schemeClr val="dk1"/>
+          </a:fontRef>
+        </p:style>
+        <p:txBody>
+          <a:bodyPr vert="vert270" rtlCol="0" anchor="ctr"/>
+          <a:lstStyle/>
+          <a:p>
+            <a:pPr algn="ctr"/>
+            <a:r>
+              <a:rPr lang="en-US" altLang="zh-CN" dirty="0">
+                <a:latin typeface="Times New Roman" panose="02020603050405020304" pitchFamily="18" charset="0"/>
+                <a:ea typeface="黑体" panose="02010609060101010101" pitchFamily="49" charset="-122"/>
+                <a:cs typeface="Times New Roman" panose="02020603050405020304" pitchFamily="18" charset="0"/>
+              </a:rPr>
+              <a:t>VM62</a:t>
+            </a:r>
+            <a:endParaRPr lang="zh-CN" altLang="en-US" dirty="0">
+              <a:latin typeface="Times New Roman" panose="02020603050405020304" pitchFamily="18" charset="0"/>
+              <a:ea typeface="黑体" panose="02010609060101010101" pitchFamily="49" charset="-122"/>
+              <a:cs typeface="Times New Roman" panose="02020603050405020304" pitchFamily="18" charset="0"/>
+            </a:endParaRPr>
+          </a:p>
+        </p:txBody>
+      </p:sp>
+      <p:sp>
+        <p:nvSpPr>
+          <p:cNvPr id="63" name="矩形 62">
+            <a:extLst>
+              <a:ext uri="{FF2B5EF4-FFF2-40B4-BE49-F238E27FC236}">
+                <a16:creationId xmlns:a16="http://schemas.microsoft.com/office/drawing/2014/main" id="{49F408E3-4B8E-4AC3-9B70-65A58E0C7BE5}"/>
+              </a:ext>
+            </a:extLst>
+          </p:cNvPr>
+          <p:cNvSpPr/>
+          <p:nvPr/>
+        </p:nvSpPr>
+        <p:spPr>
+          <a:xfrm>
+            <a:off x="6300000" y="4860000"/>
+            <a:ext cx="360000" cy="720000"/>
+          </a:xfrm>
+          <a:prstGeom prst="rect">
+            <a:avLst/>
+          </a:prstGeom>
+          <a:ln>
+            <a:prstDash val="sysDash"/>
+          </a:ln>
+        </p:spPr>
+        <p:style>
+          <a:lnRef idx="2">
+            <a:schemeClr val="dk1"/>
+          </a:lnRef>
+          <a:fillRef idx="1">
+            <a:schemeClr val="lt1"/>
+          </a:fillRef>
+          <a:effectRef idx="0">
+            <a:schemeClr val="dk1"/>
+          </a:effectRef>
+          <a:fontRef idx="minor">
+            <a:schemeClr val="dk1"/>
+          </a:fontRef>
+        </p:style>
+        <p:txBody>
+          <a:bodyPr vert="vert270" rtlCol="0" anchor="ctr"/>
+          <a:lstStyle/>
+          <a:p>
+            <a:pPr algn="ctr"/>
+            <a:r>
+              <a:rPr lang="en-US" altLang="zh-CN" dirty="0">
+                <a:latin typeface="Times New Roman" panose="02020603050405020304" pitchFamily="18" charset="0"/>
+                <a:ea typeface="黑体" panose="02010609060101010101" pitchFamily="49" charset="-122"/>
+                <a:cs typeface="Times New Roman" panose="02020603050405020304" pitchFamily="18" charset="0"/>
+              </a:rPr>
+              <a:t>VM90</a:t>
+            </a:r>
+            <a:endParaRPr lang="zh-CN" altLang="en-US" dirty="0">
+              <a:latin typeface="Times New Roman" panose="02020603050405020304" pitchFamily="18" charset="0"/>
+              <a:ea typeface="黑体" panose="02010609060101010101" pitchFamily="49" charset="-122"/>
+              <a:cs typeface="Times New Roman" panose="02020603050405020304" pitchFamily="18" charset="0"/>
+            </a:endParaRPr>
+          </a:p>
+        </p:txBody>
+      </p:sp>
+      <p:sp>
+        <p:nvSpPr>
+          <p:cNvPr id="64" name="矩形 63">
+            <a:extLst>
+              <a:ext uri="{FF2B5EF4-FFF2-40B4-BE49-F238E27FC236}">
+                <a16:creationId xmlns:a16="http://schemas.microsoft.com/office/drawing/2014/main" id="{7BE8396B-2E58-495D-B573-922CA710F263}"/>
+              </a:ext>
+            </a:extLst>
+          </p:cNvPr>
+          <p:cNvSpPr/>
+          <p:nvPr/>
+        </p:nvSpPr>
+        <p:spPr>
+          <a:xfrm>
+            <a:off x="5760000" y="4860000"/>
+            <a:ext cx="360000" cy="720000"/>
+          </a:xfrm>
+          <a:prstGeom prst="rect">
+            <a:avLst/>
+          </a:prstGeom>
+          <a:ln>
+            <a:noFill/>
+            <a:prstDash val="sysDash"/>
+          </a:ln>
+        </p:spPr>
+        <p:style>
+          <a:lnRef idx="2">
+            <a:schemeClr val="dk1"/>
+          </a:lnRef>
+          <a:fillRef idx="1">
+            <a:schemeClr val="lt1"/>
+          </a:fillRef>
+          <a:effectRef idx="0">
+            <a:schemeClr val="dk1"/>
+          </a:effectRef>
+          <a:fontRef idx="minor">
+            <a:schemeClr val="dk1"/>
+          </a:fontRef>
+        </p:style>
+        <p:txBody>
+          <a:bodyPr vert="vert270" rtlCol="0" anchor="ctr"/>
+          <a:lstStyle/>
+          <a:p>
+            <a:pPr algn="ctr"/>
+            <a:r>
+              <a:rPr lang="en-US" altLang="zh-CN" dirty="0">
+                <a:latin typeface="Times New Roman" panose="02020603050405020304" pitchFamily="18" charset="0"/>
+                <a:ea typeface="黑体" panose="02010609060101010101" pitchFamily="49" charset="-122"/>
+                <a:cs typeface="Times New Roman" panose="02020603050405020304" pitchFamily="18" charset="0"/>
+              </a:rPr>
+              <a:t>…</a:t>
+            </a:r>
+            <a:endParaRPr lang="zh-CN" altLang="en-US" dirty="0">
+              <a:latin typeface="Times New Roman" panose="02020603050405020304" pitchFamily="18" charset="0"/>
+              <a:ea typeface="黑体" panose="02010609060101010101" pitchFamily="49" charset="-122"/>
+              <a:cs typeface="Times New Roman" panose="02020603050405020304" pitchFamily="18" charset="0"/>
+            </a:endParaRPr>
+          </a:p>
+        </p:txBody>
+      </p:sp>
+      <p:sp>
+        <p:nvSpPr>
+          <p:cNvPr id="65" name="矩形 64">
+            <a:extLst>
+              <a:ext uri="{FF2B5EF4-FFF2-40B4-BE49-F238E27FC236}">
+                <a16:creationId xmlns:a16="http://schemas.microsoft.com/office/drawing/2014/main" id="{78018F20-96DE-4CD6-A601-E13FDB6381DC}"/>
+              </a:ext>
+            </a:extLst>
+          </p:cNvPr>
+          <p:cNvSpPr/>
+          <p:nvPr/>
+        </p:nvSpPr>
+        <p:spPr>
+          <a:xfrm>
+            <a:off x="7020000" y="4853644"/>
+            <a:ext cx="360000" cy="720000"/>
+          </a:xfrm>
+          <a:prstGeom prst="rect">
+            <a:avLst/>
+          </a:prstGeom>
+          <a:ln>
+            <a:prstDash val="sysDash"/>
+          </a:ln>
+        </p:spPr>
+        <p:style>
+          <a:lnRef idx="2">
+            <a:schemeClr val="dk1"/>
+          </a:lnRef>
+          <a:fillRef idx="1">
+            <a:schemeClr val="lt1"/>
+          </a:fillRef>
+          <a:effectRef idx="0">
+            <a:schemeClr val="dk1"/>
+          </a:effectRef>
+          <a:fontRef idx="minor">
+            <a:schemeClr val="dk1"/>
+          </a:fontRef>
+        </p:style>
+        <p:txBody>
+          <a:bodyPr vert="vert270" rtlCol="0" anchor="ctr"/>
+          <a:lstStyle/>
+          <a:p>
+            <a:pPr algn="ctr"/>
+            <a:r>
+              <a:rPr lang="en-US" altLang="zh-CN" dirty="0">
+                <a:latin typeface="Times New Roman" panose="02020603050405020304" pitchFamily="18" charset="0"/>
+                <a:ea typeface="黑体" panose="02010609060101010101" pitchFamily="49" charset="-122"/>
+                <a:cs typeface="Times New Roman" panose="02020603050405020304" pitchFamily="18" charset="0"/>
+              </a:rPr>
+              <a:t>VM91</a:t>
+            </a:r>
+            <a:endParaRPr lang="zh-CN" altLang="en-US" dirty="0">
+              <a:latin typeface="Times New Roman" panose="02020603050405020304" pitchFamily="18" charset="0"/>
+              <a:ea typeface="黑体" panose="02010609060101010101" pitchFamily="49" charset="-122"/>
+              <a:cs typeface="Times New Roman" panose="02020603050405020304" pitchFamily="18" charset="0"/>
+            </a:endParaRPr>
+          </a:p>
+        </p:txBody>
+      </p:sp>
+      <p:sp>
+        <p:nvSpPr>
+          <p:cNvPr id="66" name="矩形 65">
+            <a:extLst>
+              <a:ext uri="{FF2B5EF4-FFF2-40B4-BE49-F238E27FC236}">
+                <a16:creationId xmlns:a16="http://schemas.microsoft.com/office/drawing/2014/main" id="{93AE766B-4C1D-4969-B089-64CE83FBB01E}"/>
+              </a:ext>
+            </a:extLst>
+          </p:cNvPr>
+          <p:cNvSpPr/>
+          <p:nvPr/>
+        </p:nvSpPr>
+        <p:spPr>
+          <a:xfrm>
+            <a:off x="7380000" y="4853644"/>
+            <a:ext cx="360000" cy="720000"/>
+          </a:xfrm>
+          <a:prstGeom prst="rect">
+            <a:avLst/>
+          </a:prstGeom>
+          <a:ln>
+            <a:prstDash val="sysDash"/>
+          </a:ln>
+        </p:spPr>
+        <p:style>
+          <a:lnRef idx="2">
+            <a:schemeClr val="dk1"/>
+          </a:lnRef>
+          <a:fillRef idx="1">
+            <a:schemeClr val="lt1"/>
+          </a:fillRef>
+          <a:effectRef idx="0">
+            <a:schemeClr val="dk1"/>
+          </a:effectRef>
+          <a:fontRef idx="minor">
+            <a:schemeClr val="dk1"/>
+          </a:fontRef>
+        </p:style>
+        <p:txBody>
+          <a:bodyPr vert="vert270" rtlCol="0" anchor="ctr"/>
+          <a:lstStyle/>
+          <a:p>
+            <a:pPr algn="ctr"/>
+            <a:r>
+              <a:rPr lang="en-US" altLang="zh-CN" dirty="0">
+                <a:latin typeface="Times New Roman" panose="02020603050405020304" pitchFamily="18" charset="0"/>
+                <a:ea typeface="黑体" panose="02010609060101010101" pitchFamily="49" charset="-122"/>
+                <a:cs typeface="Times New Roman" panose="02020603050405020304" pitchFamily="18" charset="0"/>
+              </a:rPr>
+              <a:t>VM92</a:t>
+            </a:r>
+            <a:endParaRPr lang="zh-CN" altLang="en-US" dirty="0">
+              <a:latin typeface="Times New Roman" panose="02020603050405020304" pitchFamily="18" charset="0"/>
+              <a:ea typeface="黑体" panose="02010609060101010101" pitchFamily="49" charset="-122"/>
+              <a:cs typeface="Times New Roman" panose="02020603050405020304" pitchFamily="18" charset="0"/>
+            </a:endParaRPr>
+          </a:p>
+        </p:txBody>
+      </p:sp>
+      <p:sp>
+        <p:nvSpPr>
+          <p:cNvPr id="67" name="矩形 66">
+            <a:extLst>
+              <a:ext uri="{FF2B5EF4-FFF2-40B4-BE49-F238E27FC236}">
+                <a16:creationId xmlns:a16="http://schemas.microsoft.com/office/drawing/2014/main" id="{77A19EBF-3F07-42EA-9E82-3BAC745536F1}"/>
+              </a:ext>
+            </a:extLst>
+          </p:cNvPr>
+          <p:cNvSpPr/>
+          <p:nvPr/>
+        </p:nvSpPr>
+        <p:spPr>
+          <a:xfrm>
+            <a:off x="8460000" y="4853644"/>
+            <a:ext cx="360000" cy="720000"/>
+          </a:xfrm>
+          <a:prstGeom prst="rect">
+            <a:avLst/>
+          </a:prstGeom>
+          <a:ln>
+            <a:prstDash val="sysDash"/>
+          </a:ln>
+        </p:spPr>
+        <p:style>
+          <a:lnRef idx="2">
+            <a:schemeClr val="dk1"/>
+          </a:lnRef>
+          <a:fillRef idx="1">
+            <a:schemeClr val="lt1"/>
+          </a:fillRef>
+          <a:effectRef idx="0">
+            <a:schemeClr val="dk1"/>
+          </a:effectRef>
+          <a:fontRef idx="minor">
+            <a:schemeClr val="dk1"/>
+          </a:fontRef>
+        </p:style>
+        <p:txBody>
+          <a:bodyPr vert="vert270" lIns="0" tIns="0" rIns="0" bIns="0" rtlCol="0" anchor="ctr"/>
+          <a:lstStyle/>
+          <a:p>
+            <a:pPr algn="ctr"/>
+            <a:r>
+              <a:rPr lang="en-US" altLang="zh-CN" dirty="0">
+                <a:latin typeface="Times New Roman" panose="02020603050405020304" pitchFamily="18" charset="0"/>
+                <a:ea typeface="黑体" panose="02010609060101010101" pitchFamily="49" charset="-122"/>
+                <a:cs typeface="Times New Roman" panose="02020603050405020304" pitchFamily="18" charset="0"/>
+              </a:rPr>
+              <a:t>VM120</a:t>
+            </a:r>
+            <a:endParaRPr lang="zh-CN" altLang="en-US" dirty="0">
+              <a:latin typeface="Times New Roman" panose="02020603050405020304" pitchFamily="18" charset="0"/>
+              <a:ea typeface="黑体" panose="02010609060101010101" pitchFamily="49" charset="-122"/>
+              <a:cs typeface="Times New Roman" panose="02020603050405020304" pitchFamily="18" charset="0"/>
+            </a:endParaRPr>
+          </a:p>
+        </p:txBody>
+      </p:sp>
+      <p:sp>
+        <p:nvSpPr>
+          <p:cNvPr id="68" name="矩形 67">
+            <a:extLst>
+              <a:ext uri="{FF2B5EF4-FFF2-40B4-BE49-F238E27FC236}">
+                <a16:creationId xmlns:a16="http://schemas.microsoft.com/office/drawing/2014/main" id="{E64737BB-1F3A-435B-AB06-60FD16E8C1C7}"/>
+              </a:ext>
+            </a:extLst>
+          </p:cNvPr>
+          <p:cNvSpPr/>
+          <p:nvPr/>
+        </p:nvSpPr>
+        <p:spPr>
+          <a:xfrm>
+            <a:off x="7920000" y="4853644"/>
+            <a:ext cx="360000" cy="720000"/>
+          </a:xfrm>
+          <a:prstGeom prst="rect">
+            <a:avLst/>
+          </a:prstGeom>
+          <a:ln>
+            <a:noFill/>
+            <a:prstDash val="sysDash"/>
+          </a:ln>
+        </p:spPr>
+        <p:style>
+          <a:lnRef idx="2">
+            <a:schemeClr val="dk1"/>
+          </a:lnRef>
+          <a:fillRef idx="1">
+            <a:schemeClr val="lt1"/>
+          </a:fillRef>
+          <a:effectRef idx="0">
+            <a:schemeClr val="dk1"/>
+          </a:effectRef>
+          <a:fontRef idx="minor">
+            <a:schemeClr val="dk1"/>
+          </a:fontRef>
+        </p:style>
+        <p:txBody>
+          <a:bodyPr vert="vert270" rtlCol="0" anchor="ctr"/>
+          <a:lstStyle/>
+          <a:p>
+            <a:pPr algn="ctr"/>
+            <a:r>
+              <a:rPr lang="en-US" altLang="zh-CN" dirty="0">
+                <a:latin typeface="Times New Roman" panose="02020603050405020304" pitchFamily="18" charset="0"/>
+                <a:ea typeface="黑体" panose="02010609060101010101" pitchFamily="49" charset="-122"/>
+                <a:cs typeface="Times New Roman" panose="02020603050405020304" pitchFamily="18" charset="0"/>
+              </a:rPr>
+              <a:t>…</a:t>
+            </a:r>
+            <a:endParaRPr lang="zh-CN" altLang="en-US" dirty="0">
+              <a:latin typeface="Times New Roman" panose="02020603050405020304" pitchFamily="18" charset="0"/>
+              <a:ea typeface="黑体" panose="02010609060101010101" pitchFamily="49" charset="-122"/>
+              <a:cs typeface="Times New Roman" panose="02020603050405020304" pitchFamily="18" charset="0"/>
+            </a:endParaRPr>
           </a:p>
         </p:txBody>
       </p:sp>
     </p:spTree>
     <p:extLst>
       <p:ext uri="{BB962C8B-B14F-4D97-AF65-F5344CB8AC3E}">
-        <p14:creationId xmlns:p14="http://schemas.microsoft.com/office/powerpoint/2010/main" val="4003992650"/>
+        <p14:creationId xmlns:p14="http://schemas.microsoft.com/office/powerpoint/2010/main" val="2469602721"/>
       </p:ext>
     </p:extLst>
   </p:cSld>
@@ -24984,6 +27331,326 @@
         <p:spPr/>
         <p:txBody>
           <a:bodyPr>
+            <a:normAutofit fontScale="77500" lnSpcReduction="20000"/>
+          </a:bodyPr>
+          <a:lstStyle/>
+          <a:p>
+            <a:pPr>
+              <a:lnSpc>
+                <a:spcPct val="130000"/>
+              </a:lnSpc>
+              <a:spcBef>
+                <a:spcPts val="0"/>
+              </a:spcBef>
+            </a:pPr>
+            <a:r>
+              <a:rPr lang="en-US" altLang="zh-CN" dirty="0"/>
+              <a:t>A container (Linux Container) at its core is</a:t>
+            </a:r>
+          </a:p>
+          <a:p>
+            <a:pPr lvl="1">
+              <a:lnSpc>
+                <a:spcPct val="130000"/>
+              </a:lnSpc>
+              <a:spcBef>
+                <a:spcPts val="0"/>
+              </a:spcBef>
+            </a:pPr>
+            <a:r>
+              <a:rPr lang="en-US" altLang="zh-CN" dirty="0"/>
+              <a:t>an </a:t>
+            </a:r>
+            <a:r>
+              <a:rPr lang="en-US" altLang="zh-CN" dirty="0">
+                <a:solidFill>
+                  <a:srgbClr val="FF0000"/>
+                </a:solidFill>
+              </a:rPr>
+              <a:t>allocation</a:t>
+            </a:r>
+            <a:r>
+              <a:rPr lang="en-US" altLang="zh-CN" dirty="0"/>
+              <a:t>, </a:t>
+            </a:r>
+            <a:r>
+              <a:rPr lang="en-US" altLang="zh-CN" dirty="0">
+                <a:solidFill>
+                  <a:srgbClr val="FF0000"/>
+                </a:solidFill>
+              </a:rPr>
+              <a:t>portioning</a:t>
+            </a:r>
+            <a:r>
+              <a:rPr lang="en-US" altLang="zh-CN" dirty="0"/>
+              <a:t>, and </a:t>
+            </a:r>
+            <a:r>
+              <a:rPr lang="en-US" altLang="zh-CN" dirty="0">
+                <a:solidFill>
+                  <a:srgbClr val="FF0000"/>
+                </a:solidFill>
+              </a:rPr>
+              <a:t>assignment</a:t>
+            </a:r>
+            <a:r>
+              <a:rPr lang="en-US" altLang="zh-CN" dirty="0"/>
+              <a:t> of host (compute) resources</a:t>
+            </a:r>
+          </a:p>
+          <a:p>
+            <a:pPr lvl="2">
+              <a:lnSpc>
+                <a:spcPct val="130000"/>
+              </a:lnSpc>
+              <a:spcBef>
+                <a:spcPts val="0"/>
+              </a:spcBef>
+            </a:pPr>
+            <a:r>
+              <a:rPr lang="en-US" altLang="zh-CN" dirty="0"/>
+              <a:t>such as CPU Shares, Network I/O, Bandwidth, Block I/O, and Memory (RAM)</a:t>
+            </a:r>
+          </a:p>
+          <a:p>
+            <a:pPr lvl="1">
+              <a:lnSpc>
+                <a:spcPct val="130000"/>
+              </a:lnSpc>
+              <a:spcBef>
+                <a:spcPts val="0"/>
+              </a:spcBef>
+            </a:pPr>
+            <a:r>
+              <a:rPr lang="en-US" altLang="zh-CN" dirty="0"/>
+              <a:t>so that kernel level constructs may </a:t>
+            </a:r>
+            <a:r>
+              <a:rPr lang="en-US" altLang="zh-CN" dirty="0">
+                <a:solidFill>
+                  <a:srgbClr val="FF0000"/>
+                </a:solidFill>
+              </a:rPr>
+              <a:t>jail-off, isolate or “contain”</a:t>
+            </a:r>
+            <a:r>
+              <a:rPr lang="en-US" altLang="zh-CN" dirty="0"/>
+              <a:t> these protected resources</a:t>
+            </a:r>
+          </a:p>
+          <a:p>
+            <a:pPr lvl="1">
+              <a:lnSpc>
+                <a:spcPct val="130000"/>
+              </a:lnSpc>
+              <a:spcBef>
+                <a:spcPts val="0"/>
+              </a:spcBef>
+            </a:pPr>
+            <a:r>
+              <a:rPr lang="en-US" altLang="zh-CN" dirty="0"/>
+              <a:t>so that specific running services (processes) and namespaces may </a:t>
+            </a:r>
+            <a:r>
+              <a:rPr lang="en-US" altLang="zh-CN" dirty="0">
+                <a:solidFill>
+                  <a:srgbClr val="FF0000"/>
+                </a:solidFill>
+              </a:rPr>
+              <a:t>solely utilize them without interfering with the rest of the system</a:t>
+            </a:r>
+            <a:r>
+              <a:rPr lang="en-US" altLang="zh-CN" dirty="0"/>
+              <a:t>.</a:t>
+            </a:r>
+          </a:p>
+          <a:p>
+            <a:pPr>
+              <a:lnSpc>
+                <a:spcPct val="130000"/>
+              </a:lnSpc>
+              <a:spcBef>
+                <a:spcPts val="0"/>
+              </a:spcBef>
+            </a:pPr>
+            <a:r>
+              <a:rPr lang="en-US" altLang="zh-CN" dirty="0"/>
+              <a:t>These processes could be</a:t>
+            </a:r>
+          </a:p>
+          <a:p>
+            <a:pPr lvl="1">
+              <a:lnSpc>
+                <a:spcPct val="130000"/>
+              </a:lnSpc>
+              <a:spcBef>
+                <a:spcPts val="0"/>
+              </a:spcBef>
+            </a:pPr>
+            <a:r>
+              <a:rPr lang="en-US" altLang="zh-CN" dirty="0"/>
+              <a:t>lightweight Linux hosts based on a Linux image</a:t>
+            </a:r>
+          </a:p>
+          <a:p>
+            <a:pPr lvl="1">
+              <a:lnSpc>
+                <a:spcPct val="130000"/>
+              </a:lnSpc>
+              <a:spcBef>
+                <a:spcPts val="0"/>
+              </a:spcBef>
+            </a:pPr>
+            <a:r>
+              <a:rPr lang="en-US" altLang="zh-CN" dirty="0"/>
+              <a:t>multiple web severs and applications</a:t>
+            </a:r>
+          </a:p>
+          <a:p>
+            <a:pPr lvl="1">
+              <a:lnSpc>
+                <a:spcPct val="130000"/>
+              </a:lnSpc>
+              <a:spcBef>
+                <a:spcPts val="0"/>
+              </a:spcBef>
+            </a:pPr>
+            <a:r>
+              <a:rPr lang="en-US" altLang="zh-CN" dirty="0"/>
+              <a:t>a single subsystem like a database backend</a:t>
+            </a:r>
+          </a:p>
+          <a:p>
+            <a:pPr lvl="1">
+              <a:lnSpc>
+                <a:spcPct val="130000"/>
+              </a:lnSpc>
+              <a:spcBef>
+                <a:spcPts val="0"/>
+              </a:spcBef>
+            </a:pPr>
+            <a:r>
+              <a:rPr lang="en-US" altLang="zh-CN" dirty="0"/>
+              <a:t>a single process such as </a:t>
+            </a:r>
+            <a:r>
+              <a:rPr lang="en-US" altLang="zh-CN" i="1" dirty="0"/>
+              <a:t>echo “Hello”</a:t>
+            </a:r>
+            <a:r>
+              <a:rPr lang="en-US" altLang="zh-CN" dirty="0"/>
+              <a:t> with little to no overhead.</a:t>
+            </a:r>
+            <a:endParaRPr lang="zh-CN" altLang="en-US" dirty="0"/>
+          </a:p>
+        </p:txBody>
+      </p:sp>
+    </p:spTree>
+    <p:extLst>
+      <p:ext uri="{BB962C8B-B14F-4D97-AF65-F5344CB8AC3E}">
+        <p14:creationId xmlns:p14="http://schemas.microsoft.com/office/powerpoint/2010/main" val="4003992650"/>
+      </p:ext>
+    </p:extLst>
+  </p:cSld>
+  <p:clrMapOvr>
+    <a:masterClrMapping/>
+  </p:clrMapOvr>
+</p:sld>
+</file>
+
+<file path=ppt/slides/slide33.xml><?xml version="1.0" encoding="utf-8"?>
+<p:sld xmlns:a="http://schemas.openxmlformats.org/drawingml/2006/main" xmlns:r="http://schemas.openxmlformats.org/officeDocument/2006/relationships" xmlns:p="http://schemas.openxmlformats.org/presentationml/2006/main">
+  <p:cSld>
+    <p:spTree>
+      <p:nvGrpSpPr>
+        <p:cNvPr id="1" name=""/>
+        <p:cNvGrpSpPr/>
+        <p:nvPr/>
+      </p:nvGrpSpPr>
+      <p:grpSpPr>
+        <a:xfrm>
+          <a:off x="0" y="0"/>
+          <a:ext cx="0" cy="0"/>
+          <a:chOff x="0" y="0"/>
+          <a:chExt cx="0" cy="0"/>
+        </a:xfrm>
+      </p:grpSpPr>
+      <p:pic>
+        <p:nvPicPr>
+          <p:cNvPr id="3074" name="Picture 2" descr="https://aucouranton.files.wordpress.com/2014/06/untitled.png"/>
+          <p:cNvPicPr>
+            <a:picLocks noChangeAspect="1" noChangeArrowheads="1"/>
+          </p:cNvPicPr>
+          <p:nvPr/>
+        </p:nvPicPr>
+        <p:blipFill>
+          <a:blip r:embed="rId2">
+            <a:extLst>
+              <a:ext uri="{28A0092B-C50C-407E-A947-70E740481C1C}">
+                <a14:useLocalDpi xmlns:a14="http://schemas.microsoft.com/office/drawing/2010/main" val="0"/>
+              </a:ext>
+            </a:extLst>
+          </a:blip>
+          <a:srcRect/>
+          <a:stretch>
+            <a:fillRect/>
+          </a:stretch>
+        </p:blipFill>
+        <p:spPr bwMode="auto">
+          <a:xfrm>
+            <a:off x="6743700" y="0"/>
+            <a:ext cx="2400300" cy="1981201"/>
+          </a:xfrm>
+          <a:prstGeom prst="rect">
+            <a:avLst/>
+          </a:prstGeom>
+          <a:noFill/>
+          <a:extLst>
+            <a:ext uri="{909E8E84-426E-40DD-AFC4-6F175D3DCCD1}">
+              <a14:hiddenFill xmlns:a14="http://schemas.microsoft.com/office/drawing/2010/main">
+                <a:solidFill>
+                  <a:srgbClr val="FFFFFF"/>
+                </a:solidFill>
+              </a14:hiddenFill>
+            </a:ext>
+          </a:extLst>
+        </p:spPr>
+      </p:pic>
+      <p:sp>
+        <p:nvSpPr>
+          <p:cNvPr id="2" name="标题 1"/>
+          <p:cNvSpPr>
+            <a:spLocks noGrp="1"/>
+          </p:cNvSpPr>
+          <p:nvPr>
+            <p:ph type="title"/>
+          </p:nvPr>
+        </p:nvSpPr>
+        <p:spPr/>
+        <p:txBody>
+          <a:bodyPr/>
+          <a:lstStyle/>
+          <a:p>
+            <a:r>
+              <a:rPr lang="zh-CN" altLang="en-US" dirty="0"/>
+              <a:t>什么是容器？</a:t>
+            </a:r>
+          </a:p>
+        </p:txBody>
+      </p:sp>
+      <p:sp>
+        <p:nvSpPr>
+          <p:cNvPr id="3" name="内容占位符 2"/>
+          <p:cNvSpPr>
+            <a:spLocks noGrp="1"/>
+          </p:cNvSpPr>
+          <p:nvPr>
+            <p:ph idx="1"/>
+          </p:nvPr>
+        </p:nvSpPr>
+        <p:spPr/>
+        <p:txBody>
+          <a:bodyPr>
             <a:normAutofit fontScale="92500" lnSpcReduction="20000"/>
           </a:bodyPr>
           <a:lstStyle/>
@@ -25105,7 +27772,7 @@
 </p:sld>
 </file>
 
-<file path=ppt/slides/slide33.xml><?xml version="1.0" encoding="utf-8"?>
+<file path=ppt/slides/slide34.xml><?xml version="1.0" encoding="utf-8"?>
 <p:sld xmlns:a="http://schemas.openxmlformats.org/drawingml/2006/main" xmlns:r="http://schemas.openxmlformats.org/officeDocument/2006/relationships" xmlns:p="http://schemas.openxmlformats.org/presentationml/2006/main">
   <p:cSld>
     <p:spTree>
@@ -25322,7 +27989,7 @@
 </p:sld>
 </file>
 
-<file path=ppt/slides/slide34.xml><?xml version="1.0" encoding="utf-8"?>
+<file path=ppt/slides/slide35.xml><?xml version="1.0" encoding="utf-8"?>
 <p:sld xmlns:a="http://schemas.openxmlformats.org/drawingml/2006/main" xmlns:r="http://schemas.openxmlformats.org/officeDocument/2006/relationships" xmlns:p="http://schemas.openxmlformats.org/presentationml/2006/main">
   <p:cSld>
     <p:spTree>
@@ -25474,171 +28141,6 @@
 </p:sld>
 </file>
 
-<file path=ppt/slides/slide35.xml><?xml version="1.0" encoding="utf-8"?>
-<p:sld xmlns:a="http://schemas.openxmlformats.org/drawingml/2006/main" xmlns:r="http://schemas.openxmlformats.org/officeDocument/2006/relationships" xmlns:p="http://schemas.openxmlformats.org/presentationml/2006/main">
-  <p:cSld>
-    <p:spTree>
-      <p:nvGrpSpPr>
-        <p:cNvPr id="1" name=""/>
-        <p:cNvGrpSpPr/>
-        <p:nvPr/>
-      </p:nvGrpSpPr>
-      <p:grpSpPr>
-        <a:xfrm>
-          <a:off x="0" y="0"/>
-          <a:ext cx="0" cy="0"/>
-          <a:chOff x="0" y="0"/>
-          <a:chExt cx="0" cy="0"/>
-        </a:xfrm>
-      </p:grpSpPr>
-      <p:sp>
-        <p:nvSpPr>
-          <p:cNvPr id="2" name="标题 1"/>
-          <p:cNvSpPr>
-            <a:spLocks noGrp="1"/>
-          </p:cNvSpPr>
-          <p:nvPr>
-            <p:ph type="title"/>
-          </p:nvPr>
-        </p:nvSpPr>
-        <p:spPr/>
-        <p:txBody>
-          <a:bodyPr/>
-          <a:lstStyle/>
-          <a:p>
-            <a:r>
-              <a:rPr lang="zh-CN" altLang="en-US" dirty="0"/>
-              <a:t>为什么？</a:t>
-            </a:r>
-          </a:p>
-        </p:txBody>
-      </p:sp>
-      <p:sp>
-        <p:nvSpPr>
-          <p:cNvPr id="8" name="内容占位符 7"/>
-          <p:cNvSpPr>
-            <a:spLocks noGrp="1"/>
-          </p:cNvSpPr>
-          <p:nvPr>
-            <p:ph idx="1"/>
-          </p:nvPr>
-        </p:nvSpPr>
-        <p:spPr/>
-        <p:txBody>
-          <a:bodyPr/>
-          <a:lstStyle/>
-          <a:p>
-            <a:r>
-              <a:rPr lang="zh-CN" altLang="en-US" dirty="0"/>
-              <a:t>够轻！</a:t>
-            </a:r>
-            <a:endParaRPr lang="en-US" altLang="zh-CN" dirty="0"/>
-          </a:p>
-          <a:p>
-            <a:pPr lvl="1"/>
-            <a:r>
-              <a:rPr lang="en-US" altLang="zh-CN" dirty="0"/>
-              <a:t>On a typical physical server, with average compute resources, you can easily run:</a:t>
-            </a:r>
-          </a:p>
-          <a:p>
-            <a:pPr lvl="2"/>
-            <a:r>
-              <a:rPr lang="en-US" altLang="zh-CN" dirty="0"/>
-              <a:t>10-100 virtual machines</a:t>
-            </a:r>
-          </a:p>
-          <a:p>
-            <a:pPr lvl="2"/>
-            <a:r>
-              <a:rPr lang="en-US" altLang="zh-CN" dirty="0"/>
-              <a:t>100-1000 containers</a:t>
-            </a:r>
-          </a:p>
-          <a:p>
-            <a:pPr lvl="1"/>
-            <a:r>
-              <a:rPr lang="en-US" altLang="zh-CN" dirty="0"/>
-              <a:t>On disk, containers can be very light.</a:t>
-            </a:r>
-          </a:p>
-          <a:p>
-            <a:pPr lvl="1"/>
-            <a:r>
-              <a:rPr lang="en-US" altLang="zh-CN" dirty="0"/>
-              <a:t>A few MB — even without fancy storage.</a:t>
-            </a:r>
-            <a:endParaRPr lang="zh-CN" altLang="en-US" dirty="0"/>
-          </a:p>
-        </p:txBody>
-      </p:sp>
-      <p:sp>
-        <p:nvSpPr>
-          <p:cNvPr id="7" name="矩形 6"/>
-          <p:cNvSpPr/>
-          <p:nvPr/>
-        </p:nvSpPr>
-        <p:spPr>
-          <a:xfrm>
-            <a:off x="0" y="6480000"/>
-            <a:ext cx="9144000" cy="360000"/>
-          </a:xfrm>
-          <a:prstGeom prst="rect">
-            <a:avLst/>
-          </a:prstGeom>
-        </p:spPr>
-        <p:txBody>
-          <a:bodyPr wrap="square" lIns="0" tIns="0" rIns="0" bIns="0" anchor="ctr">
-            <a:noAutofit/>
-          </a:bodyPr>
-          <a:lstStyle/>
-          <a:p>
-            <a:r>
-              <a:rPr lang="zh-CN" altLang="en-US" dirty="0">
-                <a:latin typeface="Times New Roman" panose="02020603050405020304" pitchFamily="18" charset="0"/>
-                <a:ea typeface="黑体" panose="02010609060101010101" pitchFamily="49" charset="-122"/>
-                <a:cs typeface="Times New Roman" panose="02020603050405020304" pitchFamily="18" charset="0"/>
-              </a:rPr>
-              <a:t>参考 </a:t>
-            </a:r>
-            <a:r>
-              <a:rPr lang="en-US" altLang="zh-CN" sz="1600" dirty="0">
-                <a:latin typeface="Times New Roman" panose="02020603050405020304" pitchFamily="18" charset="0"/>
-                <a:ea typeface="黑体" panose="02010609060101010101" pitchFamily="49" charset="-122"/>
-                <a:cs typeface="Times New Roman" panose="02020603050405020304" pitchFamily="18" charset="0"/>
-                <a:hlinkClick r:id="rId2"/>
-              </a:rPr>
-              <a:t>http://www.socallinuxexpo.org/sites/default/files/presentations/Jerome-Scale11x LXC Talk.pdf</a:t>
-            </a:r>
-            <a:r>
-              <a:rPr lang="en-US" altLang="zh-CN" sz="1600" dirty="0">
-                <a:latin typeface="Times New Roman" panose="02020603050405020304" pitchFamily="18" charset="0"/>
-                <a:ea typeface="黑体" panose="02010609060101010101" pitchFamily="49" charset="-122"/>
-                <a:cs typeface="Times New Roman" panose="02020603050405020304" pitchFamily="18" charset="0"/>
-              </a:rPr>
-              <a:t> </a:t>
-            </a:r>
-            <a:endParaRPr lang="zh-CN" altLang="en-US" sz="1600" dirty="0">
-              <a:latin typeface="Times New Roman" panose="02020603050405020304" pitchFamily="18" charset="0"/>
-              <a:ea typeface="黑体" panose="02010609060101010101" pitchFamily="49" charset="-122"/>
-              <a:cs typeface="Times New Roman" panose="02020603050405020304" pitchFamily="18" charset="0"/>
-            </a:endParaRPr>
-          </a:p>
-        </p:txBody>
-      </p:sp>
-    </p:spTree>
-    <p:extLst>
-      <p:ext uri="{BB962C8B-B14F-4D97-AF65-F5344CB8AC3E}">
-        <p14:creationId xmlns:p14="http://schemas.microsoft.com/office/powerpoint/2010/main" val="220324440"/>
-      </p:ext>
-    </p:extLst>
-  </p:cSld>
-  <p:clrMapOvr>
-    <a:masterClrMapping/>
-  </p:clrMapOvr>
-</p:sld>
-</file>
-
 <file path=ppt/slides/slide36.xml><?xml version="1.0" encoding="utf-8"?>
 <p:sld xmlns:a="http://schemas.openxmlformats.org/drawingml/2006/main" xmlns:r="http://schemas.openxmlformats.org/officeDocument/2006/relationships" xmlns:p="http://schemas.openxmlformats.org/presentationml/2006/main">
   <p:cSld>
@@ -25695,7 +28197,7 @@
           <a:p>
             <a:r>
               <a:rPr lang="zh-CN" altLang="en-US" dirty="0"/>
-              <a:t>够“虚”！</a:t>
+              <a:t>够轻！</a:t>
             </a:r>
             <a:endParaRPr lang="en-US" altLang="zh-CN" dirty="0"/>
           </a:p>
@@ -25703,116 +28205,35 @@
             <a:pPr lvl="1"/>
             <a:r>
               <a:rPr lang="en-US" altLang="zh-CN" dirty="0"/>
-              <a:t>Each container has:</a:t>
+              <a:t>On a typical physical server, with average compute resources, you can easily run:</a:t>
             </a:r>
           </a:p>
           <a:p>
             <a:pPr lvl="2"/>
             <a:r>
               <a:rPr lang="en-US" altLang="zh-CN" dirty="0"/>
-              <a:t>its own </a:t>
-            </a:r>
-            <a:r>
-              <a:rPr lang="en-US" altLang="zh-CN" dirty="0">
-                <a:solidFill>
-                  <a:srgbClr val="FF0000"/>
-                </a:solidFill>
-              </a:rPr>
-              <a:t>network interface</a:t>
-            </a:r>
+              <a:t>10-100 virtual machines</a:t>
+            </a:r>
+          </a:p>
+          <a:p>
+            <a:pPr lvl="2"/>
             <a:r>
               <a:rPr lang="en-US" altLang="zh-CN" dirty="0"/>
-              <a:t> (and IP address)</a:t>
-            </a:r>
-          </a:p>
-          <a:p>
-            <a:pPr lvl="3"/>
+              <a:t>100-1000 containers</a:t>
+            </a:r>
+          </a:p>
+          <a:p>
+            <a:pPr lvl="1"/>
             <a:r>
               <a:rPr lang="en-US" altLang="zh-CN" dirty="0"/>
-              <a:t>can be bridged, routed... just like $</a:t>
-            </a:r>
-            <a:r>
-              <a:rPr lang="en-US" altLang="zh-CN" dirty="0" err="1"/>
-              <a:t>your_favorite_vm</a:t>
-            </a:r>
-            <a:endParaRPr lang="en-US" altLang="zh-CN" dirty="0"/>
-          </a:p>
-          <a:p>
-            <a:pPr lvl="2"/>
+              <a:t>On disk, containers can be very light.</a:t>
+            </a:r>
+          </a:p>
+          <a:p>
+            <a:pPr lvl="1"/>
             <a:r>
               <a:rPr lang="en-US" altLang="zh-CN" dirty="0"/>
-              <a:t>its own </a:t>
-            </a:r>
-            <a:r>
-              <a:rPr lang="en-US" altLang="zh-CN" dirty="0">
-                <a:solidFill>
-                  <a:srgbClr val="FF0000"/>
-                </a:solidFill>
-              </a:rPr>
-              <a:t>filesystem</a:t>
-            </a:r>
-          </a:p>
-          <a:p>
-            <a:pPr lvl="3"/>
-            <a:r>
-              <a:rPr lang="en-US" altLang="zh-CN" dirty="0" err="1"/>
-              <a:t>Debian</a:t>
-            </a:r>
-            <a:r>
-              <a:rPr lang="en-US" altLang="zh-CN" dirty="0"/>
-              <a:t> host can run Fedora container (&amp;vice-versa)</a:t>
-            </a:r>
-          </a:p>
-          <a:p>
-            <a:pPr lvl="2"/>
-            <a:r>
-              <a:rPr lang="en-US" altLang="zh-CN" dirty="0"/>
-              <a:t>isolation (</a:t>
-            </a:r>
-            <a:r>
-              <a:rPr lang="en-US" altLang="zh-CN" dirty="0">
-                <a:solidFill>
-                  <a:srgbClr val="FF0000"/>
-                </a:solidFill>
-              </a:rPr>
-              <a:t>security</a:t>
-            </a:r>
-            <a:r>
-              <a:rPr lang="en-US" altLang="zh-CN" dirty="0"/>
-              <a:t>)</a:t>
-            </a:r>
-          </a:p>
-          <a:p>
-            <a:pPr lvl="3"/>
-            <a:r>
-              <a:rPr lang="en-US" altLang="zh-CN" dirty="0"/>
-              <a:t>container A &amp; B can't harm (or even see) each other</a:t>
-            </a:r>
-          </a:p>
-          <a:p>
-            <a:pPr lvl="2"/>
-            <a:r>
-              <a:rPr lang="en-US" altLang="zh-CN" dirty="0"/>
-              <a:t>isolation (</a:t>
-            </a:r>
-            <a:r>
-              <a:rPr lang="en-US" altLang="zh-CN" dirty="0">
-                <a:solidFill>
-                  <a:srgbClr val="FF0000"/>
-                </a:solidFill>
-              </a:rPr>
-              <a:t>resource usage</a:t>
-            </a:r>
-            <a:r>
-              <a:rPr lang="en-US" altLang="zh-CN" dirty="0"/>
-              <a:t>)</a:t>
-            </a:r>
-          </a:p>
-          <a:p>
-            <a:pPr lvl="3"/>
-            <a:r>
-              <a:rPr lang="en-US" altLang="zh-CN" dirty="0"/>
-              <a:t>soft &amp; hard quotas for RAM, CPU, I/O...</a:t>
+              <a:t>A few MB — even without fancy storage.</a:t>
             </a:r>
             <a:endParaRPr lang="zh-CN" altLang="en-US" dirty="0"/>
           </a:p>
@@ -25875,7 +28296,7 @@
     </p:spTree>
     <p:extLst>
       <p:ext uri="{BB962C8B-B14F-4D97-AF65-F5344CB8AC3E}">
-        <p14:creationId xmlns:p14="http://schemas.microsoft.com/office/powerpoint/2010/main" val="959242283"/>
+        <p14:creationId xmlns:p14="http://schemas.microsoft.com/office/powerpoint/2010/main" val="220324440"/>
       </p:ext>
     </p:extLst>
   </p:cSld>
@@ -25919,14 +28340,14 @@
           <a:p>
             <a:r>
               <a:rPr lang="zh-CN" altLang="en-US" dirty="0"/>
-              <a:t>能干啥？</a:t>
+              <a:t>为什么？</a:t>
             </a:r>
           </a:p>
         </p:txBody>
       </p:sp>
       <p:sp>
         <p:nvSpPr>
-          <p:cNvPr id="3" name="内容占位符 2"/>
+          <p:cNvPr id="8" name="内容占位符 7"/>
           <p:cNvSpPr>
             <a:spLocks noGrp="1"/>
           </p:cNvSpPr>
@@ -25936,30 +28357,27 @@
         </p:nvSpPr>
         <p:spPr/>
         <p:txBody>
-          <a:bodyPr>
-            <a:normAutofit fontScale="92500" lnSpcReduction="20000"/>
-          </a:bodyPr>
+          <a:bodyPr/>
           <a:lstStyle/>
           <a:p>
-            <a:pPr>
-              <a:lnSpc>
-                <a:spcPct val="130000"/>
-              </a:lnSpc>
-            </a:pPr>
+            <a:r>
+              <a:rPr lang="zh-CN" altLang="en-US" dirty="0"/>
+              <a:t>够“虚”！</a:t>
+            </a:r>
+            <a:endParaRPr lang="en-US" altLang="zh-CN" dirty="0"/>
+          </a:p>
+          <a:p>
+            <a:pPr lvl="1"/>
             <a:r>
               <a:rPr lang="en-US" altLang="zh-CN" dirty="0"/>
-              <a:t>Some of the main business drivers and strategic reasons to use containers are:</a:t>
-            </a:r>
-          </a:p>
-          <a:p>
-            <a:pPr lvl="1">
-              <a:lnSpc>
-                <a:spcPct val="130000"/>
-              </a:lnSpc>
-            </a:pPr>
+              <a:t>Each container has:</a:t>
+            </a:r>
+          </a:p>
+          <a:p>
+            <a:pPr lvl="2"/>
             <a:r>
               <a:rPr lang="en-US" altLang="zh-CN" dirty="0"/>
-              <a:t>Ability to easily run and accommodate </a:t>
+              <a:t>its own </a:t>
             </a:r>
             <a:r>
               <a:rPr lang="en-US" altLang="zh-CN" dirty="0">
@@ -25967,56 +28385,82 @@
                   <a:srgbClr val="FF0000"/>
                 </a:solidFill>
               </a:rPr>
-              <a:t>legacy applications</a:t>
-            </a:r>
-          </a:p>
-          <a:p>
-            <a:pPr lvl="1">
-              <a:lnSpc>
-                <a:spcPct val="130000"/>
-              </a:lnSpc>
-            </a:pPr>
+              <a:t>network interface</a:t>
+            </a:r>
+            <a:r>
+              <a:rPr lang="en-US" altLang="zh-CN" dirty="0"/>
+              <a:t> (and IP address)</a:t>
+            </a:r>
+          </a:p>
+          <a:p>
+            <a:pPr lvl="3"/>
+            <a:r>
+              <a:rPr lang="en-US" altLang="zh-CN" dirty="0"/>
+              <a:t>can be bridged, routed... just like $</a:t>
+            </a:r>
+            <a:r>
+              <a:rPr lang="en-US" altLang="zh-CN" dirty="0" err="1"/>
+              <a:t>your_favorite_vm</a:t>
+            </a:r>
+            <a:endParaRPr lang="en-US" altLang="zh-CN" dirty="0"/>
+          </a:p>
+          <a:p>
+            <a:pPr lvl="2"/>
+            <a:r>
+              <a:rPr lang="en-US" altLang="zh-CN" dirty="0"/>
+              <a:t>its own </a:t>
+            </a:r>
             <a:r>
               <a:rPr lang="en-US" altLang="zh-CN" dirty="0">
                 <a:solidFill>
                   <a:srgbClr val="FF0000"/>
                 </a:solidFill>
               </a:rPr>
-              <a:t>Performance</a:t>
+              <a:t>filesystem</a:t>
+            </a:r>
+          </a:p>
+          <a:p>
+            <a:pPr lvl="3"/>
+            <a:r>
+              <a:rPr lang="en-US" altLang="zh-CN" dirty="0" err="1"/>
+              <a:t>Debian</a:t>
             </a:r>
             <a:r>
               <a:rPr lang="en-US" altLang="zh-CN" dirty="0"/>
-              <a:t> benefits of running on bare-metal, no overhead of hypervisor</a:t>
-            </a:r>
-          </a:p>
-          <a:p>
-            <a:pPr lvl="1">
-              <a:lnSpc>
-                <a:spcPct val="130000"/>
-              </a:lnSpc>
-            </a:pPr>
+              <a:t> host can run Fedora container (&amp;vice-versa)</a:t>
+            </a:r>
+          </a:p>
+          <a:p>
+            <a:pPr lvl="2"/>
+            <a:r>
+              <a:rPr lang="en-US" altLang="zh-CN" dirty="0"/>
+              <a:t>isolation (</a:t>
+            </a:r>
             <a:r>
               <a:rPr lang="en-US" altLang="zh-CN" dirty="0">
                 <a:solidFill>
                   <a:srgbClr val="FF0000"/>
                 </a:solidFill>
               </a:rPr>
-              <a:t>Higher density and utilization</a:t>
+              <a:t>security</a:t>
             </a:r>
             <a:r>
               <a:rPr lang="en-US" altLang="zh-CN" dirty="0"/>
-              <a:t> for resources in the datacenter</a:t>
-            </a:r>
-          </a:p>
-          <a:p>
-            <a:pPr lvl="1">
-              <a:lnSpc>
-                <a:spcPct val="130000"/>
-              </a:lnSpc>
-            </a:pPr>
+              <a:t>)</a:t>
+            </a:r>
+          </a:p>
+          <a:p>
+            <a:pPr lvl="3"/>
             <a:r>
               <a:rPr lang="en-US" altLang="zh-CN" dirty="0"/>
-              <a:t>Adoption for new technologies is accelerated, put in </a:t>
+              <a:t>container A &amp; B can't harm (or even see) each other</a:t>
+            </a:r>
+          </a:p>
+          <a:p>
+            <a:pPr lvl="2"/>
+            <a:r>
+              <a:rPr lang="en-US" altLang="zh-CN" dirty="0"/>
+              <a:t>isolation (</a:t>
             </a:r>
             <a:r>
               <a:rPr lang="en-US" altLang="zh-CN" dirty="0">
@@ -26024,34 +28468,18 @@
                   <a:srgbClr val="FF0000"/>
                 </a:solidFill>
               </a:rPr>
-              <a:t>isolated secure</a:t>
+              <a:t>resource usage</a:t>
             </a:r>
             <a:r>
               <a:rPr lang="en-US" altLang="zh-CN" dirty="0"/>
-              <a:t> containers</a:t>
-            </a:r>
-          </a:p>
-          <a:p>
-            <a:pPr lvl="1">
-              <a:lnSpc>
-                <a:spcPct val="130000"/>
-              </a:lnSpc>
-            </a:pPr>
+              <a:t>)</a:t>
+            </a:r>
+          </a:p>
+          <a:p>
+            <a:pPr lvl="3"/>
             <a:r>
               <a:rPr lang="en-US" altLang="zh-CN" dirty="0"/>
-              <a:t>Reduce “</a:t>
-            </a:r>
-            <a:r>
-              <a:rPr lang="en-US" altLang="zh-CN" dirty="0">
-                <a:solidFill>
-                  <a:srgbClr val="FF0000"/>
-                </a:solidFill>
-              </a:rPr>
-              <a:t>shipping</a:t>
-            </a:r>
-            <a:r>
-              <a:rPr lang="en-US" altLang="zh-CN" dirty="0"/>
-              <a:t>” pains; code is easily streamlined to customers, fast.</a:t>
+              <a:t>soft &amp; hard quotas for RAM, CPU, I/O...</a:t>
             </a:r>
             <a:endParaRPr lang="zh-CN" altLang="en-US" dirty="0"/>
           </a:p>
@@ -26059,7 +28487,7 @@
       </p:sp>
       <p:sp>
         <p:nvSpPr>
-          <p:cNvPr id="5" name="矩形 4"/>
+          <p:cNvPr id="7" name="矩形 6"/>
           <p:cNvSpPr/>
           <p:nvPr/>
         </p:nvSpPr>
@@ -26087,30 +28515,23 @@
               <a:t>参考 </a:t>
             </a:r>
             <a:r>
-              <a:rPr lang="en-US" altLang="zh-CN" dirty="0">
+              <a:rPr lang="en-US" altLang="zh-CN" sz="1600" dirty="0">
+                <a:latin typeface="Times New Roman" panose="02020603050405020304" pitchFamily="18" charset="0"/>
+                <a:ea typeface="黑体" panose="02010609060101010101" pitchFamily="49" charset="-122"/>
+                <a:cs typeface="Times New Roman" panose="02020603050405020304" pitchFamily="18" charset="0"/>
+                <a:hlinkClick r:id="rId2"/>
+              </a:rPr>
+              <a:t>http://www.socallinuxexpo.org/sites/default/files/presentations/Jerome-Scale11x LXC Talk.pdf</a:t>
+            </a:r>
+            <a:r>
+              <a:rPr lang="en-US" altLang="zh-CN" sz="1600" dirty="0">
                 <a:latin typeface="Times New Roman" panose="02020603050405020304" pitchFamily="18" charset="0"/>
                 <a:ea typeface="黑体" panose="02010609060101010101" pitchFamily="49" charset="-122"/>
                 <a:cs typeface="Times New Roman" panose="02020603050405020304" pitchFamily="18" charset="0"/>
               </a:rPr>
-              <a:t>https://aucouranton.com/2014/06/13/</a:t>
-            </a:r>
-            <a:r>
-              <a:rPr lang="en-US" altLang="zh-CN" dirty="0" err="1">
-                <a:latin typeface="Times New Roman" panose="02020603050405020304" pitchFamily="18" charset="0"/>
-                <a:ea typeface="黑体" panose="02010609060101010101" pitchFamily="49" charset="-122"/>
-                <a:cs typeface="Times New Roman" panose="02020603050405020304" pitchFamily="18" charset="0"/>
-              </a:rPr>
-              <a:t>linux­-containers-­parallels­lxc-­openvz­-docker-­and­-more</a:t>
-            </a:r>
-            <a:r>
-              <a:rPr lang="en-US" altLang="zh-CN" dirty="0">
-                <a:latin typeface="Times New Roman" panose="02020603050405020304" pitchFamily="18" charset="0"/>
-                <a:ea typeface="黑体" panose="02010609060101010101" pitchFamily="49" charset="-122"/>
-                <a:cs typeface="Times New Roman" panose="02020603050405020304" pitchFamily="18" charset="0"/>
-              </a:rPr>
-              <a:t>/</a:t>
-            </a:r>
-            <a:endParaRPr lang="zh-CN" altLang="en-US" dirty="0">
+              <a:t> </a:t>
+            </a:r>
+            <a:endParaRPr lang="zh-CN" altLang="en-US" sz="1600" dirty="0">
               <a:latin typeface="Times New Roman" panose="02020603050405020304" pitchFamily="18" charset="0"/>
               <a:ea typeface="黑体" panose="02010609060101010101" pitchFamily="49" charset="-122"/>
               <a:cs typeface="Times New Roman" panose="02020603050405020304" pitchFamily="18" charset="0"/>
@@ -26121,7 +28542,7 @@
     </p:spTree>
     <p:extLst>
       <p:ext uri="{BB962C8B-B14F-4D97-AF65-F5344CB8AC3E}">
-        <p14:creationId xmlns:p14="http://schemas.microsoft.com/office/powerpoint/2010/main" val="2912218089"/>
+        <p14:creationId xmlns:p14="http://schemas.microsoft.com/office/powerpoint/2010/main" val="959242283"/>
       </p:ext>
     </p:extLst>
   </p:cSld>
@@ -26182,58 +28603,192 @@
         </p:nvSpPr>
         <p:spPr/>
         <p:txBody>
-          <a:bodyPr/>
+          <a:bodyPr>
+            <a:normAutofit fontScale="92500" lnSpcReduction="20000"/>
+          </a:bodyPr>
           <a:lstStyle/>
           <a:p>
-            <a:endParaRPr lang="zh-CN" altLang="en-US"/>
+            <a:pPr>
+              <a:lnSpc>
+                <a:spcPct val="130000"/>
+              </a:lnSpc>
+            </a:pPr>
+            <a:r>
+              <a:rPr lang="en-US" altLang="zh-CN" dirty="0"/>
+              <a:t>Some of the main business drivers and strategic reasons to use containers are:</a:t>
+            </a:r>
+          </a:p>
+          <a:p>
+            <a:pPr lvl="1">
+              <a:lnSpc>
+                <a:spcPct val="130000"/>
+              </a:lnSpc>
+            </a:pPr>
+            <a:r>
+              <a:rPr lang="en-US" altLang="zh-CN" dirty="0"/>
+              <a:t>Ability to easily run and accommodate </a:t>
+            </a:r>
+            <a:r>
+              <a:rPr lang="en-US" altLang="zh-CN" dirty="0">
+                <a:solidFill>
+                  <a:srgbClr val="FF0000"/>
+                </a:solidFill>
+              </a:rPr>
+              <a:t>legacy applications</a:t>
+            </a:r>
+          </a:p>
+          <a:p>
+            <a:pPr lvl="1">
+              <a:lnSpc>
+                <a:spcPct val="130000"/>
+              </a:lnSpc>
+            </a:pPr>
+            <a:r>
+              <a:rPr lang="en-US" altLang="zh-CN" dirty="0">
+                <a:solidFill>
+                  <a:srgbClr val="FF0000"/>
+                </a:solidFill>
+              </a:rPr>
+              <a:t>Performance</a:t>
+            </a:r>
+            <a:r>
+              <a:rPr lang="en-US" altLang="zh-CN" dirty="0"/>
+              <a:t> benefits of running on bare-metal, no overhead of hypervisor</a:t>
+            </a:r>
+          </a:p>
+          <a:p>
+            <a:pPr lvl="1">
+              <a:lnSpc>
+                <a:spcPct val="130000"/>
+              </a:lnSpc>
+            </a:pPr>
+            <a:r>
+              <a:rPr lang="en-US" altLang="zh-CN" dirty="0">
+                <a:solidFill>
+                  <a:srgbClr val="FF0000"/>
+                </a:solidFill>
+              </a:rPr>
+              <a:t>Higher density and utilization</a:t>
+            </a:r>
+            <a:r>
+              <a:rPr lang="en-US" altLang="zh-CN" dirty="0"/>
+              <a:t> for resources in the datacenter</a:t>
+            </a:r>
+          </a:p>
+          <a:p>
+            <a:pPr lvl="1">
+              <a:lnSpc>
+                <a:spcPct val="130000"/>
+              </a:lnSpc>
+            </a:pPr>
+            <a:r>
+              <a:rPr lang="en-US" altLang="zh-CN" dirty="0"/>
+              <a:t>Adoption for new technologies is accelerated, put in </a:t>
+            </a:r>
+            <a:r>
+              <a:rPr lang="en-US" altLang="zh-CN" dirty="0">
+                <a:solidFill>
+                  <a:srgbClr val="FF0000"/>
+                </a:solidFill>
+              </a:rPr>
+              <a:t>isolated secure</a:t>
+            </a:r>
+            <a:r>
+              <a:rPr lang="en-US" altLang="zh-CN" dirty="0"/>
+              <a:t> containers</a:t>
+            </a:r>
+          </a:p>
+          <a:p>
+            <a:pPr lvl="1">
+              <a:lnSpc>
+                <a:spcPct val="130000"/>
+              </a:lnSpc>
+            </a:pPr>
+            <a:r>
+              <a:rPr lang="en-US" altLang="zh-CN" dirty="0"/>
+              <a:t>Reduce “</a:t>
+            </a:r>
+            <a:r>
+              <a:rPr lang="en-US" altLang="zh-CN" dirty="0">
+                <a:solidFill>
+                  <a:srgbClr val="FF0000"/>
+                </a:solidFill>
+              </a:rPr>
+              <a:t>shipping</a:t>
+            </a:r>
+            <a:r>
+              <a:rPr lang="en-US" altLang="zh-CN" dirty="0"/>
+              <a:t>” pains; code is easily streamlined to customers, fast.</a:t>
+            </a:r>
+            <a:endParaRPr lang="zh-CN" altLang="en-US" dirty="0"/>
           </a:p>
         </p:txBody>
       </p:sp>
-      <p:pic>
-        <p:nvPicPr>
-          <p:cNvPr id="7170" name="Picture 2" descr="https://blog.docker.com/media/2015/09/docker-hub-diagram.png"/>
-          <p:cNvPicPr>
-            <a:picLocks noChangeAspect="1" noChangeArrowheads="1"/>
-          </p:cNvPicPr>
+      <p:sp>
+        <p:nvSpPr>
+          <p:cNvPr id="5" name="矩形 4"/>
+          <p:cNvSpPr/>
           <p:nvPr/>
-        </p:nvPicPr>
-        <p:blipFill>
-          <a:blip r:embed="rId2">
-            <a:extLst>
-              <a:ext uri="{28A0092B-C50C-407E-A947-70E740481C1C}">
-                <a14:useLocalDpi xmlns:a14="http://schemas.microsoft.com/office/drawing/2010/main" val="0"/>
-              </a:ext>
-            </a:extLst>
-          </a:blip>
-          <a:srcRect/>
-          <a:stretch>
-            <a:fillRect/>
-          </a:stretch>
-        </p:blipFill>
-        <p:spPr bwMode="auto">
+        </p:nvSpPr>
+        <p:spPr>
           <a:xfrm>
-            <a:off x="638175" y="2132513"/>
-            <a:ext cx="7867650" cy="3419475"/>
+            <a:off x="0" y="6480000"/>
+            <a:ext cx="9144000" cy="360000"/>
           </a:xfrm>
           <a:prstGeom prst="rect">
             <a:avLst/>
           </a:prstGeom>
-          <a:noFill/>
-          <a:extLst>
-            <a:ext uri="{909E8E84-426E-40DD-AFC4-6F175D3DCCD1}">
-              <a14:hiddenFill xmlns:a14="http://schemas.microsoft.com/office/drawing/2010/main">
-                <a:solidFill>
-                  <a:srgbClr val="FFFFFF"/>
-                </a:solidFill>
-              </a14:hiddenFill>
-            </a:ext>
-          </a:extLst>
         </p:spPr>
-      </p:pic>
+        <p:txBody>
+          <a:bodyPr wrap="square" lIns="0" tIns="0" rIns="0" bIns="0" anchor="ctr">
+            <a:noAutofit/>
+          </a:bodyPr>
+          <a:lstStyle/>
+          <a:p>
+            <a:r>
+              <a:rPr lang="zh-CN" altLang="en-US" dirty="0">
+                <a:latin typeface="Times New Roman" panose="02020603050405020304" pitchFamily="18" charset="0"/>
+                <a:ea typeface="黑体" panose="02010609060101010101" pitchFamily="49" charset="-122"/>
+                <a:cs typeface="Times New Roman" panose="02020603050405020304" pitchFamily="18" charset="0"/>
+              </a:rPr>
+              <a:t>参考 </a:t>
+            </a:r>
+            <a:r>
+              <a:rPr lang="en-US" altLang="zh-CN" dirty="0">
+                <a:latin typeface="Times New Roman" panose="02020603050405020304" pitchFamily="18" charset="0"/>
+                <a:ea typeface="黑体" panose="02010609060101010101" pitchFamily="49" charset="-122"/>
+                <a:cs typeface="Times New Roman" panose="02020603050405020304" pitchFamily="18" charset="0"/>
+              </a:rPr>
+              <a:t>https://aucouranton.com/2014/06/13/</a:t>
+            </a:r>
+            <a:r>
+              <a:rPr lang="en-US" altLang="zh-CN" dirty="0" err="1">
+                <a:latin typeface="Times New Roman" panose="02020603050405020304" pitchFamily="18" charset="0"/>
+                <a:ea typeface="黑体" panose="02010609060101010101" pitchFamily="49" charset="-122"/>
+                <a:cs typeface="Times New Roman" panose="02020603050405020304" pitchFamily="18" charset="0"/>
+              </a:rPr>
+              <a:t>linux­-containers-­parallels­lxc-­openvz­-docker-­and­-more</a:t>
+            </a:r>
+            <a:r>
+              <a:rPr lang="en-US" altLang="zh-CN" dirty="0">
+                <a:latin typeface="Times New Roman" panose="02020603050405020304" pitchFamily="18" charset="0"/>
+                <a:ea typeface="黑体" panose="02010609060101010101" pitchFamily="49" charset="-122"/>
+                <a:cs typeface="Times New Roman" panose="02020603050405020304" pitchFamily="18" charset="0"/>
+              </a:rPr>
+              <a:t>/</a:t>
+            </a:r>
+            <a:endParaRPr lang="zh-CN" altLang="en-US" dirty="0">
+              <a:latin typeface="Times New Roman" panose="02020603050405020304" pitchFamily="18" charset="0"/>
+              <a:ea typeface="黑体" panose="02010609060101010101" pitchFamily="49" charset="-122"/>
+              <a:cs typeface="Times New Roman" panose="02020603050405020304" pitchFamily="18" charset="0"/>
+            </a:endParaRPr>
+          </a:p>
+        </p:txBody>
+      </p:sp>
     </p:spTree>
     <p:extLst>
       <p:ext uri="{BB962C8B-B14F-4D97-AF65-F5344CB8AC3E}">
-        <p14:creationId xmlns:p14="http://schemas.microsoft.com/office/powerpoint/2010/main" val="462092172"/>
+        <p14:creationId xmlns:p14="http://schemas.microsoft.com/office/powerpoint/2010/main" val="2912218089"/>
       </p:ext>
     </p:extLst>
   </p:cSld>
@@ -26277,7 +28832,7 @@
           <a:p>
             <a:r>
               <a:rPr lang="zh-CN" altLang="en-US" dirty="0"/>
-              <a:t>有哪些？</a:t>
+              <a:t>能干啥？</a:t>
             </a:r>
           </a:p>
         </p:txBody>
@@ -26294,129 +28849,58 @@
         </p:nvSpPr>
         <p:spPr/>
         <p:txBody>
-          <a:bodyPr>
-            <a:normAutofit/>
-          </a:bodyPr>
+          <a:bodyPr/>
           <a:lstStyle/>
           <a:p>
-            <a:r>
-              <a:rPr lang="en-US" altLang="zh-CN" dirty="0" err="1"/>
-              <a:t>LxC</a:t>
-            </a:r>
-            <a:r>
-              <a:rPr lang="en-US" altLang="zh-CN" dirty="0"/>
-              <a:t> ( Linux Containers )</a:t>
-            </a:r>
-          </a:p>
-          <a:p>
-            <a:pPr lvl="1"/>
-            <a:r>
-              <a:rPr lang="en-US" altLang="zh-CN" dirty="0"/>
-              <a:t>0.1.0 releases in 2008</a:t>
-            </a:r>
-          </a:p>
-          <a:p>
-            <a:pPr lvl="1"/>
-            <a:r>
-              <a:rPr lang="en-US" altLang="zh-CN" dirty="0"/>
-              <a:t>Works with general vanilla Linux kernels off the shelf.</a:t>
-            </a:r>
-          </a:p>
-          <a:p>
-            <a:pPr lvl="1"/>
-            <a:r>
-              <a:rPr lang="en-US" altLang="zh-CN" dirty="0"/>
-              <a:t>GNU GPLv2 License</a:t>
-            </a:r>
-          </a:p>
-          <a:p>
-            <a:pPr lvl="1"/>
-            <a:r>
-              <a:rPr lang="en-US" altLang="zh-CN" dirty="0"/>
-              <a:t>Used as a “container engine” in Docker</a:t>
-            </a:r>
-          </a:p>
-          <a:p>
-            <a:pPr lvl="1"/>
-            <a:r>
-              <a:rPr lang="en-US" altLang="zh-CN" dirty="0"/>
-              <a:t>Google App Engine utilizes an LXC-like technology</a:t>
-            </a:r>
-          </a:p>
-          <a:p>
-            <a:pPr lvl="2"/>
-            <a:r>
-              <a:rPr lang="en-US" altLang="zh-CN" dirty="0">
-                <a:solidFill>
-                  <a:schemeClr val="bg1">
-                    <a:lumMod val="85000"/>
-                  </a:schemeClr>
-                </a:solidFill>
-              </a:rPr>
-              <a:t>Borg </a:t>
-            </a:r>
-            <a:r>
-              <a:rPr lang="zh-CN" altLang="en-US" dirty="0">
-                <a:solidFill>
-                  <a:schemeClr val="bg1">
-                    <a:lumMod val="85000"/>
-                  </a:schemeClr>
-                </a:solidFill>
-              </a:rPr>
-              <a:t>与谷歌早期架构</a:t>
-            </a:r>
-            <a:endParaRPr lang="en-US" altLang="zh-CN" dirty="0">
-              <a:solidFill>
-                <a:schemeClr val="bg1">
-                  <a:lumMod val="85000"/>
-                </a:schemeClr>
-              </a:solidFill>
-            </a:endParaRPr>
-          </a:p>
-          <a:p>
-            <a:pPr lvl="1"/>
-            <a:r>
-              <a:rPr lang="en-US" altLang="zh-CN" dirty="0" err="1"/>
-              <a:t>Parellels</a:t>
-            </a:r>
-            <a:r>
-              <a:rPr lang="en-US" altLang="zh-CN" dirty="0"/>
-              <a:t> </a:t>
-            </a:r>
-            <a:r>
-              <a:rPr lang="en-US" altLang="zh-CN" dirty="0" err="1"/>
-              <a:t>Virtouzzo</a:t>
-            </a:r>
-            <a:r>
-              <a:rPr lang="en-US" altLang="zh-CN" dirty="0"/>
-              <a:t> utilizes LXC</a:t>
-            </a:r>
-          </a:p>
-          <a:p>
-            <a:pPr lvl="1"/>
-            <a:r>
-              <a:rPr lang="en-US" altLang="zh-CN" strike="sngStrike" dirty="0"/>
-              <a:t>Rackspace Cloud Databases utilize LXC</a:t>
-            </a:r>
-          </a:p>
-          <a:p>
-            <a:pPr lvl="1"/>
-            <a:r>
-              <a:rPr lang="en-US" altLang="zh-CN" dirty="0" err="1"/>
-              <a:t>Heroku</a:t>
-            </a:r>
-            <a:r>
-              <a:rPr lang="en-US" altLang="zh-CN" dirty="0"/>
-              <a:t> (Application Deployment Platform) utilize LXC</a:t>
-            </a:r>
-            <a:endParaRPr lang="zh-CN" altLang="en-US" dirty="0"/>
+            <a:endParaRPr lang="zh-CN" altLang="en-US"/>
           </a:p>
         </p:txBody>
       </p:sp>
+      <p:pic>
+        <p:nvPicPr>
+          <p:cNvPr id="7170" name="Picture 2" descr="https://blog.docker.com/media/2015/09/docker-hub-diagram.png"/>
+          <p:cNvPicPr>
+            <a:picLocks noChangeAspect="1" noChangeArrowheads="1"/>
+          </p:cNvPicPr>
+          <p:nvPr/>
+        </p:nvPicPr>
+        <p:blipFill>
+          <a:blip r:embed="rId2">
+            <a:extLst>
+              <a:ext uri="{28A0092B-C50C-407E-A947-70E740481C1C}">
+                <a14:useLocalDpi xmlns:a14="http://schemas.microsoft.com/office/drawing/2010/main" val="0"/>
+              </a:ext>
+            </a:extLst>
+          </a:blip>
+          <a:srcRect/>
+          <a:stretch>
+            <a:fillRect/>
+          </a:stretch>
+        </p:blipFill>
+        <p:spPr bwMode="auto">
+          <a:xfrm>
+            <a:off x="638175" y="2132513"/>
+            <a:ext cx="7867650" cy="3419475"/>
+          </a:xfrm>
+          <a:prstGeom prst="rect">
+            <a:avLst/>
+          </a:prstGeom>
+          <a:noFill/>
+          <a:extLst>
+            <a:ext uri="{909E8E84-426E-40DD-AFC4-6F175D3DCCD1}">
+              <a14:hiddenFill xmlns:a14="http://schemas.microsoft.com/office/drawing/2010/main">
+                <a:solidFill>
+                  <a:srgbClr val="FFFFFF"/>
+                </a:solidFill>
+              </a14:hiddenFill>
+            </a:ext>
+          </a:extLst>
+        </p:spPr>
+      </p:pic>
     </p:spTree>
     <p:extLst>
       <p:ext uri="{BB962C8B-B14F-4D97-AF65-F5344CB8AC3E}">
-        <p14:creationId xmlns:p14="http://schemas.microsoft.com/office/powerpoint/2010/main" val="540380109"/>
+        <p14:creationId xmlns:p14="http://schemas.microsoft.com/office/powerpoint/2010/main" val="462092172"/>
       </p:ext>
     </p:extLst>
   </p:cSld>
@@ -26621,61 +29105,89 @@
         <p:spPr/>
         <p:txBody>
           <a:bodyPr>
-            <a:normAutofit fontScale="70000" lnSpcReduction="20000"/>
+            <a:normAutofit/>
           </a:bodyPr>
           <a:lstStyle/>
           <a:p>
-            <a:pPr>
-              <a:lnSpc>
-                <a:spcPct val="140000"/>
-              </a:lnSpc>
-              <a:spcBef>
-                <a:spcPts val="0"/>
-              </a:spcBef>
-            </a:pPr>
-            <a:r>
-              <a:rPr lang="en-US" altLang="zh-CN" dirty="0"/>
-              <a:t>Warden</a:t>
-            </a:r>
-          </a:p>
-          <a:p>
-            <a:pPr lvl="1">
-              <a:lnSpc>
-                <a:spcPct val="140000"/>
-              </a:lnSpc>
-              <a:spcBef>
-                <a:spcPts val="0"/>
-              </a:spcBef>
-            </a:pPr>
-            <a:r>
-              <a:rPr lang="en-US" altLang="zh-CN" dirty="0"/>
-              <a:t>Developed by Cloud Foundry as an orchestration layer to create application containers. Initially said working with </a:t>
-            </a:r>
             <a:r>
               <a:rPr lang="en-US" altLang="zh-CN" dirty="0" err="1"/>
               <a:t>LxC</a:t>
             </a:r>
             <a:r>
               <a:rPr lang="en-US" altLang="zh-CN" dirty="0"/>
-              <a:t> was “too troublesome”.</a:t>
-            </a:r>
-          </a:p>
-          <a:p>
-            <a:pPr lvl="1">
-              <a:lnSpc>
-                <a:spcPct val="140000"/>
-              </a:lnSpc>
-              <a:spcBef>
-                <a:spcPts val="0"/>
-              </a:spcBef>
-            </a:pPr>
+              <a:t> ( Linux Containers )</a:t>
+            </a:r>
+          </a:p>
+          <a:p>
+            <a:pPr lvl="1"/>
             <a:r>
               <a:rPr lang="en-US" altLang="zh-CN" dirty="0"/>
-              <a:t>(Comparison) Warden and Docker both orchestrate containers controlling the subsystems like </a:t>
-            </a:r>
+              <a:t>0.1.0 releases in 2008</a:t>
+            </a:r>
+          </a:p>
+          <a:p>
+            <a:pPr lvl="1"/>
+            <a:r>
+              <a:rPr lang="en-US" altLang="zh-CN" dirty="0"/>
+              <a:t>Works with general vanilla Linux kernels off the shelf.</a:t>
+            </a:r>
+          </a:p>
+          <a:p>
+            <a:pPr lvl="1"/>
+            <a:r>
+              <a:rPr lang="en-US" altLang="zh-CN" dirty="0"/>
+              <a:t>GNU GPLv2 License</a:t>
+            </a:r>
+          </a:p>
+          <a:p>
+            <a:pPr lvl="1"/>
+            <a:r>
+              <a:rPr lang="en-US" altLang="zh-CN" dirty="0"/>
+              <a:t>Used as a “container engine” in Docker</a:t>
+            </a:r>
+          </a:p>
+          <a:p>
+            <a:pPr lvl="1"/>
+            <a:r>
+              <a:rPr lang="en-US" altLang="zh-CN" dirty="0"/>
+              <a:t>Google App Engine utilizes an LXC-like technology</a:t>
+            </a:r>
+          </a:p>
+          <a:p>
+            <a:pPr lvl="2"/>
+            <a:r>
+              <a:rPr lang="en-US" altLang="zh-CN" dirty="0">
+                <a:solidFill>
+                  <a:schemeClr val="bg1">
+                    <a:lumMod val="85000"/>
+                  </a:schemeClr>
+                </a:solidFill>
+              </a:rPr>
+              <a:t>Borg </a:t>
+            </a:r>
+            <a:r>
+              <a:rPr lang="zh-CN" altLang="en-US" dirty="0">
+                <a:solidFill>
+                  <a:schemeClr val="bg1">
+                    <a:lumMod val="85000"/>
+                  </a:schemeClr>
+                </a:solidFill>
+              </a:rPr>
+              <a:t>与谷歌早期架构</a:t>
+            </a:r>
+            <a:endParaRPr lang="en-US" altLang="zh-CN" dirty="0">
+              <a:solidFill>
+                <a:schemeClr val="bg1">
+                  <a:lumMod val="85000"/>
+                </a:schemeClr>
+              </a:solidFill>
+            </a:endParaRPr>
+          </a:p>
+          <a:p>
+            <a:pPr lvl="1"/>
             <a:r>
               <a:rPr lang="en-US" altLang="zh-CN" dirty="0" err="1"/>
-              <a:t>linux</a:t>
+              <a:t>Parellels</a:t>
             </a:r>
             <a:r>
               <a:rPr lang="en-US" altLang="zh-CN" dirty="0"/>
@@ -26683,91 +29195,29 @@
             </a:r>
             <a:r>
               <a:rPr lang="en-US" altLang="zh-CN" dirty="0" err="1"/>
-              <a:t>cgroups</a:t>
+              <a:t>Virtouzzo</a:t>
             </a:r>
             <a:r>
               <a:rPr lang="en-US" altLang="zh-CN" dirty="0"/>
-              <a:t>, namespaces and security.</a:t>
-            </a:r>
-          </a:p>
-          <a:p>
-            <a:pPr>
-              <a:lnSpc>
-                <a:spcPct val="140000"/>
-              </a:lnSpc>
-              <a:spcBef>
-                <a:spcPts val="0"/>
-              </a:spcBef>
-            </a:pPr>
+              <a:t> utilizes LXC</a:t>
+            </a:r>
+          </a:p>
+          <a:p>
+            <a:pPr lvl="1"/>
+            <a:r>
+              <a:rPr lang="en-US" altLang="zh-CN" strike="sngStrike" dirty="0"/>
+              <a:t>Rackspace Cloud Databases utilize LXC</a:t>
+            </a:r>
+          </a:p>
+          <a:p>
+            <a:pPr lvl="1"/>
+            <a:r>
+              <a:rPr lang="en-US" altLang="zh-CN" dirty="0" err="1"/>
+              <a:t>Heroku</a:t>
+            </a:r>
             <a:r>
               <a:rPr lang="en-US" altLang="zh-CN" dirty="0"/>
-              <a:t>Solaris Containers</a:t>
-            </a:r>
-          </a:p>
-          <a:p>
-            <a:pPr lvl="1">
-              <a:lnSpc>
-                <a:spcPct val="140000"/>
-              </a:lnSpc>
-              <a:spcBef>
-                <a:spcPts val="0"/>
-              </a:spcBef>
-            </a:pPr>
-            <a:r>
-              <a:rPr lang="en-US" altLang="zh-CN" dirty="0"/>
-              <a:t>A “non-</a:t>
-            </a:r>
-            <a:r>
-              <a:rPr lang="en-US" altLang="zh-CN" dirty="0" err="1"/>
-              <a:t>linux</a:t>
-            </a:r>
-            <a:r>
-              <a:rPr lang="en-US" altLang="zh-CN" dirty="0"/>
-              <a:t>” containerization mechanism. Differ from “true” </a:t>
-            </a:r>
-            <a:r>
-              <a:rPr lang="en-US" altLang="zh-CN" dirty="0" err="1"/>
-              <a:t>linux</a:t>
-            </a:r>
-            <a:r>
-              <a:rPr lang="en-US" altLang="zh-CN" dirty="0"/>
-              <a:t> systems of the mainline kernel</a:t>
-            </a:r>
-          </a:p>
-          <a:p>
-            <a:pPr lvl="1">
-              <a:lnSpc>
-                <a:spcPct val="140000"/>
-              </a:lnSpc>
-              <a:spcBef>
-                <a:spcPts val="0"/>
-              </a:spcBef>
-            </a:pPr>
-            <a:r>
-              <a:rPr lang="en-US" altLang="zh-CN" dirty="0"/>
-              <a:t>Utilizes “Zones” as a construct for partitioning system resources. Zones are an enhanced </a:t>
-            </a:r>
-            <a:r>
-              <a:rPr lang="en-US" altLang="zh-CN" i="1" dirty="0" err="1"/>
-              <a:t>chroot</a:t>
-            </a:r>
-            <a:r>
-              <a:rPr lang="en-US" altLang="zh-CN" dirty="0"/>
-              <a:t> mechanism that adds additional features like ones included in ZFS that allow snapshotting and cloning.</a:t>
-            </a:r>
-          </a:p>
-          <a:p>
-            <a:pPr lvl="1">
-              <a:lnSpc>
-                <a:spcPct val="140000"/>
-              </a:lnSpc>
-              <a:spcBef>
-                <a:spcPts val="0"/>
-              </a:spcBef>
-            </a:pPr>
-            <a:r>
-              <a:rPr lang="en-US" altLang="zh-CN" dirty="0"/>
-              <a:t>Zones are commonly compared to FreeBSD Jails</a:t>
+              <a:t> (Application Deployment Platform) utilize LXC</a:t>
             </a:r>
             <a:endParaRPr lang="zh-CN" altLang="en-US" dirty="0"/>
           </a:p>
@@ -26776,7 +29226,7 @@
     </p:spTree>
     <p:extLst>
       <p:ext uri="{BB962C8B-B14F-4D97-AF65-F5344CB8AC3E}">
-        <p14:creationId xmlns:p14="http://schemas.microsoft.com/office/powerpoint/2010/main" val="261578880"/>
+        <p14:creationId xmlns:p14="http://schemas.microsoft.com/office/powerpoint/2010/main" val="540380109"/>
       </p:ext>
     </p:extLst>
   </p:cSld>
@@ -26852,7 +29302,7 @@
             </a:pPr>
             <a:r>
               <a:rPr lang="en-US" altLang="zh-CN" dirty="0"/>
-              <a:t>(Free) BSD Jails</a:t>
+              <a:t>Warden</a:t>
             </a:r>
           </a:p>
           <a:p>
@@ -26866,7 +29316,15 @@
             </a:pPr>
             <a:r>
               <a:rPr lang="en-US" altLang="zh-CN" dirty="0"/>
-              <a:t>Also “Non-Linux” containerization mechanism. Differ from “true” Linux systems of the mainline kernel</a:t>
+              <a:t>Developed by Cloud Foundry as an orchestration layer to create application containers. Initially said working with </a:t>
+            </a:r>
+            <a:r>
+              <a:rPr lang="en-US" altLang="zh-CN" dirty="0" err="1"/>
+              <a:t>LxC</a:t>
+            </a:r>
+            <a:r>
+              <a:rPr lang="en-US" altLang="zh-CN" dirty="0"/>
+              <a:t> was “too troublesome”.</a:t>
             </a:r>
           </a:p>
           <a:p>
@@ -26880,23 +29338,23 @@
             </a:pPr>
             <a:r>
               <a:rPr lang="en-US" altLang="zh-CN" dirty="0"/>
-              <a:t>Also an “enhanced </a:t>
+              <a:t>(Comparison) Warden and Docker both orchestrate containers controlling the subsystems like </a:t>
             </a:r>
             <a:r>
               <a:rPr lang="en-US" altLang="zh-CN" dirty="0" err="1"/>
-              <a:t>chroot</a:t>
+              <a:t>linux</a:t>
             </a:r>
             <a:r>
               <a:rPr lang="en-US" altLang="zh-CN" dirty="0"/>
-              <a:t>”-like mechanism where not only does it use </a:t>
+              <a:t> </a:t>
             </a:r>
             <a:r>
               <a:rPr lang="en-US" altLang="zh-CN" dirty="0" err="1"/>
-              <a:t>chroot</a:t>
+              <a:t>cgroups</a:t>
             </a:r>
             <a:r>
               <a:rPr lang="en-US" altLang="zh-CN" dirty="0"/>
-              <a:t> to segregate the file system but it also does the same for users, processes and networks.</a:t>
+              <a:t>, namespaces and security.</a:t>
             </a:r>
           </a:p>
           <a:p>
@@ -26910,7 +29368,7 @@
             </a:pPr>
             <a:r>
               <a:rPr lang="en-US" altLang="zh-CN" dirty="0"/>
-              <a:t>Linux V-Server</a:t>
+              <a:t>Solaris Containers</a:t>
             </a:r>
           </a:p>
           <a:p>
@@ -26924,7 +29382,23 @@
             </a:pPr>
             <a:r>
               <a:rPr lang="en-US" altLang="zh-CN" dirty="0"/>
-              <a:t>GNU GPL v2</a:t>
+              <a:t>A “non-</a:t>
+            </a:r>
+            <a:r>
+              <a:rPr lang="en-US" altLang="zh-CN" dirty="0" err="1"/>
+              <a:t>linux</a:t>
+            </a:r>
+            <a:r>
+              <a:rPr lang="en-US" altLang="zh-CN" dirty="0"/>
+              <a:t>” containerization mechanism. Differ from “true” </a:t>
+            </a:r>
+            <a:r>
+              <a:rPr lang="en-US" altLang="zh-CN" dirty="0" err="1"/>
+              <a:t>linux</a:t>
+            </a:r>
+            <a:r>
+              <a:rPr lang="en-US" altLang="zh-CN" dirty="0"/>
+              <a:t> systems of the mainline kernel</a:t>
             </a:r>
           </a:p>
           <a:p>
@@ -26938,7 +29412,15 @@
             </a:pPr>
             <a:r>
               <a:rPr lang="en-US" altLang="zh-CN" dirty="0"/>
-              <a:t>Patched kernel to enable OS-level virtualization</a:t>
+              <a:t>Utilizes “Zones” as a construct for partitioning system resources. Zones are an enhanced </a:t>
+            </a:r>
+            <a:r>
+              <a:rPr lang="en-US" altLang="zh-CN" i="1" dirty="0" err="1"/>
+              <a:t>chroot</a:t>
+            </a:r>
+            <a:r>
+              <a:rPr lang="en-US" altLang="zh-CN" dirty="0"/>
+              <a:t> mechanism that adds additional features like ones included in ZFS that allow snapshotting and cloning.</a:t>
             </a:r>
           </a:p>
           <a:p>
@@ -26952,37 +29434,7 @@
             </a:pPr>
             <a:r>
               <a:rPr lang="en-US" altLang="zh-CN" dirty="0"/>
-              <a:t>Partitions of CPU, Memory, Network, Filesystem are called “Security Contexts” which uses a </a:t>
-            </a:r>
-            <a:r>
-              <a:rPr lang="en-US" altLang="zh-CN" dirty="0" err="1"/>
-              <a:t>chroot</a:t>
-            </a:r>
-            <a:r>
-              <a:rPr lang="en-US" altLang="zh-CN" dirty="0"/>
-              <a:t>-like mechanism</a:t>
-            </a:r>
-          </a:p>
-          <a:p>
-            <a:pPr lvl="1">
-              <a:lnSpc>
-                <a:spcPct val="140000"/>
-              </a:lnSpc>
-              <a:spcBef>
-                <a:spcPts val="0"/>
-              </a:spcBef>
-            </a:pPr>
-            <a:r>
-              <a:rPr lang="en-US" altLang="zh-CN" dirty="0"/>
-              <a:t>Utilizes </a:t>
-            </a:r>
-            <a:r>
-              <a:rPr lang="en-US" altLang="zh-CN" dirty="0" err="1"/>
-              <a:t>CoW</a:t>
-            </a:r>
-            <a:r>
-              <a:rPr lang="en-US" altLang="zh-CN" dirty="0"/>
-              <a:t> (Copy on Write) file systems to save storage space.</a:t>
+              <a:t>Zones are commonly compared to FreeBSD Jails</a:t>
             </a:r>
             <a:endParaRPr lang="zh-CN" altLang="en-US" dirty="0"/>
           </a:p>
@@ -26991,7 +29443,7 @@
     </p:spTree>
     <p:extLst>
       <p:ext uri="{BB962C8B-B14F-4D97-AF65-F5344CB8AC3E}">
-        <p14:creationId xmlns:p14="http://schemas.microsoft.com/office/powerpoint/2010/main" val="346341680"/>
+        <p14:creationId xmlns:p14="http://schemas.microsoft.com/office/powerpoint/2010/main" val="261578880"/>
       </p:ext>
     </p:extLst>
   </p:cSld>
@@ -27053,7 +29505,7 @@
         <p:spPr/>
         <p:txBody>
           <a:bodyPr>
-            <a:normAutofit/>
+            <a:normAutofit fontScale="70000" lnSpcReduction="20000"/>
           </a:bodyPr>
           <a:lstStyle/>
           <a:p>
@@ -27066,12 +29518,8 @@
               </a:spcBef>
             </a:pPr>
             <a:r>
-              <a:rPr lang="en-US" altLang="zh-CN" sz="2000" dirty="0" err="1"/>
-              <a:t>iCore</a:t>
-            </a:r>
-            <a:r>
-              <a:rPr lang="en-US" altLang="zh-CN" sz="2000" dirty="0"/>
-              <a:t> Virtual Accounts</a:t>
+              <a:rPr lang="en-US" altLang="zh-CN" dirty="0"/>
+              <a:t>(Free) BSD Jails</a:t>
             </a:r>
           </a:p>
           <a:p>
@@ -27084,8 +29532,8 @@
               </a:spcBef>
             </a:pPr>
             <a:r>
-              <a:rPr lang="en-US" altLang="zh-CN" sz="1800" dirty="0"/>
-              <a:t>A Free Windows XP container solution.</a:t>
+              <a:rPr lang="en-US" altLang="zh-CN" dirty="0"/>
+              <a:t>Also “Non-Linux” containerization mechanism. Differ from “true” Linux systems of the mainline kernel</a:t>
             </a:r>
           </a:p>
           <a:p>
@@ -27098,8 +29546,38 @@
               </a:spcBef>
             </a:pPr>
             <a:r>
-              <a:rPr lang="en-US" altLang="zh-CN" sz="1800" dirty="0"/>
-              <a:t>Provides OS-level isolated computing environments for XP</a:t>
+              <a:rPr lang="en-US" altLang="zh-CN" dirty="0"/>
+              <a:t>Also an “enhanced </a:t>
+            </a:r>
+            <a:r>
+              <a:rPr lang="en-US" altLang="zh-CN" dirty="0" err="1"/>
+              <a:t>chroot</a:t>
+            </a:r>
+            <a:r>
+              <a:rPr lang="en-US" altLang="zh-CN" dirty="0"/>
+              <a:t>”-like mechanism where not only does it use </a:t>
+            </a:r>
+            <a:r>
+              <a:rPr lang="en-US" altLang="zh-CN" dirty="0" err="1"/>
+              <a:t>chroot</a:t>
+            </a:r>
+            <a:r>
+              <a:rPr lang="en-US" altLang="zh-CN" dirty="0"/>
+              <a:t> to segregate the file system but it also does the same for users, processes and networks.</a:t>
+            </a:r>
+          </a:p>
+          <a:p>
+            <a:pPr>
+              <a:lnSpc>
+                <a:spcPct val="140000"/>
+              </a:lnSpc>
+              <a:spcBef>
+                <a:spcPts val="0"/>
+              </a:spcBef>
+            </a:pPr>
+            <a:r>
+              <a:rPr lang="en-US" altLang="zh-CN" dirty="0"/>
+              <a:t>Linux V-Server</a:t>
             </a:r>
           </a:p>
           <a:p>
@@ -27112,30 +29590,9 @@
               </a:spcBef>
             </a:pPr>
             <a:r>
-              <a:rPr lang="en-US" altLang="zh-CN" sz="1800" dirty="0">
-                <a:hlinkClick r:id="rId2"/>
-              </a:rPr>
-              <a:t>https://icoresoftware.com/index.html</a:t>
-            </a:r>
-            <a:r>
-              <a:rPr lang="en-US" altLang="zh-CN" sz="1800" dirty="0"/>
-              <a:t> (obsolete!)</a:t>
-            </a:r>
-          </a:p>
-          <a:p>
-            <a:pPr>
-              <a:lnSpc>
-                <a:spcPct val="140000"/>
-              </a:lnSpc>
-              <a:spcBef>
-                <a:spcPts val="0"/>
-              </a:spcBef>
-            </a:pPr>
-            <a:r>
-              <a:rPr lang="en-US" altLang="zh-CN" sz="2000" dirty="0" err="1"/>
-              <a:t>Sandboxie</a:t>
-            </a:r>
-            <a:endParaRPr lang="en-US" altLang="zh-CN" sz="2000" dirty="0"/>
+              <a:rPr lang="en-US" altLang="zh-CN" dirty="0"/>
+              <a:t>GNU GPL v2</a:t>
+            </a:r>
           </a:p>
           <a:p>
             <a:pPr lvl="1">
@@ -27147,16 +29604,8 @@
               </a:spcBef>
             </a:pPr>
             <a:r>
-              <a:rPr lang="en-US" altLang="zh-CN" sz="1800" dirty="0"/>
-              <a:t>Developed by </a:t>
-            </a:r>
-            <a:r>
-              <a:rPr lang="en-US" altLang="zh-CN" sz="1800" dirty="0" err="1"/>
-              <a:t>Invincea</a:t>
-            </a:r>
-            <a:r>
-              <a:rPr lang="en-US" altLang="zh-CN" sz="1800" dirty="0"/>
-              <a:t> for Windows XP</a:t>
+              <a:rPr lang="en-US" altLang="zh-CN" dirty="0"/>
+              <a:t>Patched kernel to enable OS-level virtualization</a:t>
             </a:r>
           </a:p>
           <a:p>
@@ -27169,8 +29618,16 @@
               </a:spcBef>
             </a:pPr>
             <a:r>
-              <a:rPr lang="en-US" altLang="zh-CN" sz="1800" dirty="0"/>
-              <a:t>“Sandboxes”, like a container, are created for isolated environments.</a:t>
+              <a:rPr lang="en-US" altLang="zh-CN" dirty="0"/>
+              <a:t>Partitions of CPU, Memory, Network, Filesystem are called “Security Contexts” which uses a </a:t>
+            </a:r>
+            <a:r>
+              <a:rPr lang="en-US" altLang="zh-CN" dirty="0" err="1"/>
+              <a:t>chroot</a:t>
+            </a:r>
+            <a:r>
+              <a:rPr lang="en-US" altLang="zh-CN" dirty="0"/>
+              <a:t>-like mechanism</a:t>
             </a:r>
           </a:p>
           <a:p>
@@ -27183,64 +29640,25 @@
               </a:spcBef>
             </a:pPr>
             <a:r>
-              <a:rPr lang="en-US" altLang="zh-CN" sz="1800" dirty="0">
-                <a:hlinkClick r:id="rId3"/>
-              </a:rPr>
-              <a:t>http://www.sandboxie.com/</a:t>
-            </a:r>
-            <a:r>
-              <a:rPr lang="en-US" altLang="zh-CN" sz="1800" dirty="0"/>
-              <a:t> </a:t>
-            </a:r>
-            <a:endParaRPr lang="zh-CN" altLang="en-US" sz="1800" dirty="0"/>
+              <a:rPr lang="en-US" altLang="zh-CN" dirty="0"/>
+              <a:t>Utilizes </a:t>
+            </a:r>
+            <a:r>
+              <a:rPr lang="en-US" altLang="zh-CN" dirty="0" err="1"/>
+              <a:t>CoW</a:t>
+            </a:r>
+            <a:r>
+              <a:rPr lang="en-US" altLang="zh-CN" dirty="0"/>
+              <a:t> (Copy on Write) file systems to save storage space.</a:t>
+            </a:r>
+            <a:endParaRPr lang="zh-CN" altLang="en-US" dirty="0"/>
           </a:p>
         </p:txBody>
       </p:sp>
-      <p:pic>
-        <p:nvPicPr>
-          <p:cNvPr id="9218" name="Picture 2" descr="http://www.sandboxie.com/img/NewGui/MainWindow.png"/>
-          <p:cNvPicPr>
-            <a:picLocks noChangeAspect="1" noChangeArrowheads="1"/>
-          </p:cNvPicPr>
-          <p:nvPr/>
-        </p:nvPicPr>
-        <p:blipFill>
-          <a:blip r:embed="rId4">
-            <a:extLst>
-              <a:ext uri="{28A0092B-C50C-407E-A947-70E740481C1C}">
-                <a14:useLocalDpi xmlns:a14="http://schemas.microsoft.com/office/drawing/2010/main" val="0"/>
-              </a:ext>
-            </a:extLst>
-          </a:blip>
-          <a:srcRect/>
-          <a:stretch>
-            <a:fillRect/>
-          </a:stretch>
-        </p:blipFill>
-        <p:spPr bwMode="auto">
-          <a:xfrm>
-            <a:off x="2348630" y="5043292"/>
-            <a:ext cx="4448696" cy="1730049"/>
-          </a:xfrm>
-          <a:prstGeom prst="rect">
-            <a:avLst/>
-          </a:prstGeom>
-          <a:noFill/>
-          <a:extLst>
-            <a:ext uri="{909E8E84-426E-40DD-AFC4-6F175D3DCCD1}">
-              <a14:hiddenFill xmlns:a14="http://schemas.microsoft.com/office/drawing/2010/main">
-                <a:solidFill>
-                  <a:srgbClr val="FFFFFF"/>
-                </a:solidFill>
-              </a14:hiddenFill>
-            </a:ext>
-          </a:extLst>
-        </p:spPr>
-      </p:pic>
     </p:spTree>
     <p:extLst>
       <p:ext uri="{BB962C8B-B14F-4D97-AF65-F5344CB8AC3E}">
-        <p14:creationId xmlns:p14="http://schemas.microsoft.com/office/powerpoint/2010/main" val="3654341787"/>
+        <p14:creationId xmlns:p14="http://schemas.microsoft.com/office/powerpoint/2010/main" val="346341680"/>
       </p:ext>
     </p:extLst>
   </p:cSld>
@@ -27284,7 +29702,7 @@
           <a:p>
             <a:r>
               <a:rPr lang="zh-CN" altLang="en-US" dirty="0"/>
-              <a:t>主流实现</a:t>
+              <a:t>有哪些？</a:t>
             </a:r>
           </a:p>
         </p:txBody>
@@ -27301,163 +29719,160 @@
         </p:nvSpPr>
         <p:spPr/>
         <p:txBody>
-          <a:bodyPr/>
+          <a:bodyPr>
+            <a:normAutofit/>
+          </a:bodyPr>
           <a:lstStyle/>
           <a:p>
             <a:pPr>
               <a:lnSpc>
-                <a:spcPct val="120000"/>
+                <a:spcPct val="140000"/>
               </a:lnSpc>
               <a:spcBef>
                 <a:spcPts val="0"/>
               </a:spcBef>
             </a:pPr>
             <a:r>
-              <a:rPr lang="zh-CN" altLang="en-US" dirty="0"/>
-              <a:t>开源的应用容器引擎</a:t>
-            </a:r>
-            <a:endParaRPr lang="en-US" altLang="zh-CN" dirty="0"/>
+              <a:rPr lang="en-US" altLang="zh-CN" sz="2000" dirty="0" err="1"/>
+              <a:t>iCore</a:t>
+            </a:r>
+            <a:r>
+              <a:rPr lang="en-US" altLang="zh-CN" sz="2000" dirty="0"/>
+              <a:t> Virtual Accounts</a:t>
+            </a:r>
           </a:p>
           <a:p>
             <a:pPr lvl="1">
               <a:lnSpc>
-                <a:spcPct val="120000"/>
+                <a:spcPct val="140000"/>
               </a:lnSpc>
               <a:spcBef>
                 <a:spcPts val="0"/>
               </a:spcBef>
             </a:pPr>
             <a:r>
-              <a:rPr lang="zh-CN" altLang="en-US" dirty="0"/>
-              <a:t>让开发者打包应用以及依赖包到一个可移植的容器中</a:t>
-            </a:r>
-            <a:endParaRPr lang="en-US" altLang="zh-CN" dirty="0"/>
+              <a:rPr lang="en-US" altLang="zh-CN" sz="1800" dirty="0"/>
+              <a:t>A Free Windows XP container solution.</a:t>
+            </a:r>
           </a:p>
           <a:p>
             <a:pPr lvl="1">
               <a:lnSpc>
-                <a:spcPct val="120000"/>
+                <a:spcPct val="140000"/>
               </a:lnSpc>
               <a:spcBef>
                 <a:spcPts val="0"/>
               </a:spcBef>
             </a:pPr>
             <a:r>
-              <a:rPr lang="zh-CN" altLang="en-US" dirty="0"/>
-              <a:t>然后发布到任何流行的 </a:t>
-            </a:r>
-            <a:r>
-              <a:rPr lang="en-US" altLang="zh-CN" dirty="0"/>
-              <a:t>Linux </a:t>
-            </a:r>
-            <a:r>
-              <a:rPr lang="zh-CN" altLang="en-US" dirty="0"/>
-              <a:t>机器上</a:t>
-            </a:r>
-            <a:endParaRPr lang="en-US" altLang="zh-CN" dirty="0"/>
-          </a:p>
-          <a:p>
-            <a:pPr>
+              <a:rPr lang="en-US" altLang="zh-CN" sz="1800" dirty="0"/>
+              <a:t>Provides OS-level isolated computing environments for XP</a:t>
+            </a:r>
+          </a:p>
+          <a:p>
+            <a:pPr lvl="1">
               <a:lnSpc>
-                <a:spcPct val="120000"/>
+                <a:spcPct val="140000"/>
               </a:lnSpc>
               <a:spcBef>
                 <a:spcPts val="0"/>
               </a:spcBef>
             </a:pPr>
             <a:r>
-              <a:rPr lang="zh-CN" altLang="en-US" dirty="0"/>
-              <a:t>完全使用沙箱机制</a:t>
-            </a:r>
-            <a:endParaRPr lang="en-US" altLang="zh-CN" dirty="0"/>
-          </a:p>
-          <a:p>
-            <a:pPr lvl="1">
+              <a:rPr lang="en-US" altLang="zh-CN" sz="1800" dirty="0">
+                <a:hlinkClick r:id="rId2"/>
+              </a:rPr>
+              <a:t>https://icoresoftware.com/index.html</a:t>
+            </a:r>
+            <a:r>
+              <a:rPr lang="en-US" altLang="zh-CN" sz="1800" dirty="0"/>
+              <a:t> (obsolete!)</a:t>
+            </a:r>
+          </a:p>
+          <a:p>
+            <a:pPr>
               <a:lnSpc>
-                <a:spcPct val="120000"/>
+                <a:spcPct val="140000"/>
               </a:lnSpc>
               <a:spcBef>
                 <a:spcPts val="0"/>
               </a:spcBef>
             </a:pPr>
             <a:r>
-              <a:rPr lang="zh-CN" altLang="en-US" dirty="0"/>
-              <a:t>相互之间不会有任何接口 </a:t>
-            </a:r>
-            <a:r>
-              <a:rPr lang="zh-CN" altLang="en-US" sz="1800" dirty="0">
-                <a:solidFill>
-                  <a:schemeClr val="bg1">
-                    <a:lumMod val="65000"/>
-                  </a:schemeClr>
-                </a:solidFill>
-              </a:rPr>
-              <a:t>类似 </a:t>
-            </a:r>
-            <a:r>
-              <a:rPr lang="en-US" altLang="zh-CN" sz="1800" dirty="0">
-                <a:solidFill>
-                  <a:schemeClr val="bg1">
-                    <a:lumMod val="65000"/>
-                  </a:schemeClr>
-                </a:solidFill>
-              </a:rPr>
-              <a:t>iPhone/Android </a:t>
-            </a:r>
-            <a:r>
-              <a:rPr lang="zh-CN" altLang="en-US" sz="1800" dirty="0">
-                <a:solidFill>
-                  <a:schemeClr val="bg1">
-                    <a:lumMod val="65000"/>
-                  </a:schemeClr>
-                </a:solidFill>
-              </a:rPr>
-              <a:t>的 </a:t>
-            </a:r>
-            <a:r>
-              <a:rPr lang="en-US" altLang="zh-CN" sz="1800" dirty="0">
-                <a:solidFill>
-                  <a:schemeClr val="bg1">
-                    <a:lumMod val="65000"/>
-                  </a:schemeClr>
-                </a:solidFill>
-              </a:rPr>
-              <a:t>app</a:t>
-            </a:r>
-            <a:endParaRPr lang="en-US" altLang="zh-CN" dirty="0">
-              <a:solidFill>
-                <a:schemeClr val="bg1">
-                  <a:lumMod val="65000"/>
-                </a:schemeClr>
-              </a:solidFill>
-            </a:endParaRPr>
+              <a:rPr lang="en-US" altLang="zh-CN" sz="2000" dirty="0" err="1"/>
+              <a:t>Sandboxie</a:t>
+            </a:r>
+            <a:endParaRPr lang="en-US" altLang="zh-CN" sz="2000" dirty="0"/>
           </a:p>
           <a:p>
             <a:pPr lvl="1">
               <a:lnSpc>
-                <a:spcPct val="120000"/>
+                <a:spcPct val="140000"/>
               </a:lnSpc>
               <a:spcBef>
                 <a:spcPts val="0"/>
               </a:spcBef>
             </a:pPr>
             <a:r>
-              <a:rPr lang="zh-CN" altLang="en-US" dirty="0"/>
-              <a:t>几乎没有性能开销，可以很容易地在机器和数据中心中运行。</a:t>
-            </a:r>
+              <a:rPr lang="en-US" altLang="zh-CN" sz="1800" dirty="0"/>
+              <a:t>Developed by </a:t>
+            </a:r>
+            <a:r>
+              <a:rPr lang="en-US" altLang="zh-CN" sz="1800" dirty="0" err="1"/>
+              <a:t>Invincea</a:t>
+            </a:r>
+            <a:r>
+              <a:rPr lang="en-US" altLang="zh-CN" sz="1800" dirty="0"/>
+              <a:t> for Windows XP</a:t>
+            </a:r>
+          </a:p>
+          <a:p>
+            <a:pPr lvl="1">
+              <a:lnSpc>
+                <a:spcPct val="140000"/>
+              </a:lnSpc>
+              <a:spcBef>
+                <a:spcPts val="0"/>
+              </a:spcBef>
+            </a:pPr>
+            <a:r>
+              <a:rPr lang="en-US" altLang="zh-CN" sz="1800" dirty="0"/>
+              <a:t>“Sandboxes”, like a container, are created for isolated environments.</a:t>
+            </a:r>
+          </a:p>
+          <a:p>
+            <a:pPr lvl="1">
+              <a:lnSpc>
+                <a:spcPct val="140000"/>
+              </a:lnSpc>
+              <a:spcBef>
+                <a:spcPts val="0"/>
+              </a:spcBef>
+            </a:pPr>
+            <a:r>
+              <a:rPr lang="en-US" altLang="zh-CN" sz="1800" dirty="0">
+                <a:hlinkClick r:id="rId3"/>
+              </a:rPr>
+              <a:t>http://www.sandboxie.com/</a:t>
+            </a:r>
+            <a:r>
+              <a:rPr lang="en-US" altLang="zh-CN" sz="1800" dirty="0"/>
+              <a:t> </a:t>
+            </a:r>
+            <a:endParaRPr lang="zh-CN" altLang="en-US" sz="1800" dirty="0"/>
           </a:p>
         </p:txBody>
       </p:sp>
       <p:pic>
         <p:nvPicPr>
-          <p:cNvPr id="3074" name="Picture 2" descr="http://2yj23r14cytosbxol4cavq337g.wpengine.netdna-cdn.com/wp-content/uploads/2014/12/docker.png"/>
+          <p:cNvPr id="9218" name="Picture 2" descr="http://www.sandboxie.com/img/NewGui/MainWindow.png"/>
           <p:cNvPicPr>
             <a:picLocks noChangeAspect="1" noChangeArrowheads="1"/>
           </p:cNvPicPr>
           <p:nvPr/>
         </p:nvPicPr>
         <p:blipFill>
-          <a:blip r:embed="rId2" cstate="print">
+          <a:blip r:embed="rId4">
             <a:extLst>
               <a:ext uri="{28A0092B-C50C-407E-A947-70E740481C1C}">
                 <a14:useLocalDpi xmlns:a14="http://schemas.microsoft.com/office/drawing/2010/main" val="0"/>
@@ -27471,8 +29886,8 @@
         </p:blipFill>
         <p:spPr bwMode="auto">
           <a:xfrm>
-            <a:off x="4445739" y="357102"/>
-            <a:ext cx="3960000" cy="1341610"/>
+            <a:off x="2348630" y="5043292"/>
+            <a:ext cx="4448696" cy="1730049"/>
           </a:xfrm>
           <a:prstGeom prst="rect">
             <a:avLst/>
@@ -27492,7 +29907,7 @@
     </p:spTree>
     <p:extLst>
       <p:ext uri="{BB962C8B-B14F-4D97-AF65-F5344CB8AC3E}">
-        <p14:creationId xmlns:p14="http://schemas.microsoft.com/office/powerpoint/2010/main" val="1758742011"/>
+        <p14:creationId xmlns:p14="http://schemas.microsoft.com/office/powerpoint/2010/main" val="3654341787"/>
       </p:ext>
     </p:extLst>
   </p:cSld>
@@ -27553,6 +29968,258 @@
         </p:nvSpPr>
         <p:spPr/>
         <p:txBody>
+          <a:bodyPr/>
+          <a:lstStyle/>
+          <a:p>
+            <a:pPr>
+              <a:lnSpc>
+                <a:spcPct val="120000"/>
+              </a:lnSpc>
+              <a:spcBef>
+                <a:spcPts val="0"/>
+              </a:spcBef>
+            </a:pPr>
+            <a:r>
+              <a:rPr lang="zh-CN" altLang="en-US" dirty="0"/>
+              <a:t>开源的应用容器引擎</a:t>
+            </a:r>
+            <a:endParaRPr lang="en-US" altLang="zh-CN" dirty="0"/>
+          </a:p>
+          <a:p>
+            <a:pPr lvl="1">
+              <a:lnSpc>
+                <a:spcPct val="120000"/>
+              </a:lnSpc>
+              <a:spcBef>
+                <a:spcPts val="0"/>
+              </a:spcBef>
+            </a:pPr>
+            <a:r>
+              <a:rPr lang="zh-CN" altLang="en-US" dirty="0"/>
+              <a:t>让开发者打包应用以及依赖包到一个可移植的容器中</a:t>
+            </a:r>
+            <a:endParaRPr lang="en-US" altLang="zh-CN" dirty="0"/>
+          </a:p>
+          <a:p>
+            <a:pPr lvl="1">
+              <a:lnSpc>
+                <a:spcPct val="120000"/>
+              </a:lnSpc>
+              <a:spcBef>
+                <a:spcPts val="0"/>
+              </a:spcBef>
+            </a:pPr>
+            <a:r>
+              <a:rPr lang="zh-CN" altLang="en-US" dirty="0"/>
+              <a:t>然后发布到任何流行的 </a:t>
+            </a:r>
+            <a:r>
+              <a:rPr lang="en-US" altLang="zh-CN" dirty="0"/>
+              <a:t>Linux </a:t>
+            </a:r>
+            <a:r>
+              <a:rPr lang="zh-CN" altLang="en-US" dirty="0"/>
+              <a:t>机器上</a:t>
+            </a:r>
+            <a:endParaRPr lang="en-US" altLang="zh-CN" dirty="0"/>
+          </a:p>
+          <a:p>
+            <a:pPr>
+              <a:lnSpc>
+                <a:spcPct val="120000"/>
+              </a:lnSpc>
+              <a:spcBef>
+                <a:spcPts val="0"/>
+              </a:spcBef>
+            </a:pPr>
+            <a:r>
+              <a:rPr lang="zh-CN" altLang="en-US" dirty="0"/>
+              <a:t>完全使用沙箱机制</a:t>
+            </a:r>
+            <a:endParaRPr lang="en-US" altLang="zh-CN" dirty="0"/>
+          </a:p>
+          <a:p>
+            <a:pPr lvl="1">
+              <a:lnSpc>
+                <a:spcPct val="120000"/>
+              </a:lnSpc>
+              <a:spcBef>
+                <a:spcPts val="0"/>
+              </a:spcBef>
+            </a:pPr>
+            <a:r>
+              <a:rPr lang="zh-CN" altLang="en-US" dirty="0"/>
+              <a:t>相互之间不会有任何接口 </a:t>
+            </a:r>
+            <a:r>
+              <a:rPr lang="zh-CN" altLang="en-US" sz="1800" dirty="0">
+                <a:solidFill>
+                  <a:schemeClr val="bg1">
+                    <a:lumMod val="65000"/>
+                  </a:schemeClr>
+                </a:solidFill>
+              </a:rPr>
+              <a:t>类似 </a:t>
+            </a:r>
+            <a:r>
+              <a:rPr lang="en-US" altLang="zh-CN" sz="1800" dirty="0">
+                <a:solidFill>
+                  <a:schemeClr val="bg1">
+                    <a:lumMod val="65000"/>
+                  </a:schemeClr>
+                </a:solidFill>
+              </a:rPr>
+              <a:t>iPhone/Android </a:t>
+            </a:r>
+            <a:r>
+              <a:rPr lang="zh-CN" altLang="en-US" sz="1800" dirty="0">
+                <a:solidFill>
+                  <a:schemeClr val="bg1">
+                    <a:lumMod val="65000"/>
+                  </a:schemeClr>
+                </a:solidFill>
+              </a:rPr>
+              <a:t>的 </a:t>
+            </a:r>
+            <a:r>
+              <a:rPr lang="en-US" altLang="zh-CN" sz="1800" dirty="0">
+                <a:solidFill>
+                  <a:schemeClr val="bg1">
+                    <a:lumMod val="65000"/>
+                  </a:schemeClr>
+                </a:solidFill>
+              </a:rPr>
+              <a:t>app</a:t>
+            </a:r>
+            <a:endParaRPr lang="en-US" altLang="zh-CN" dirty="0">
+              <a:solidFill>
+                <a:schemeClr val="bg1">
+                  <a:lumMod val="65000"/>
+                </a:schemeClr>
+              </a:solidFill>
+            </a:endParaRPr>
+          </a:p>
+          <a:p>
+            <a:pPr lvl="1">
+              <a:lnSpc>
+                <a:spcPct val="120000"/>
+              </a:lnSpc>
+              <a:spcBef>
+                <a:spcPts val="0"/>
+              </a:spcBef>
+            </a:pPr>
+            <a:r>
+              <a:rPr lang="zh-CN" altLang="en-US" dirty="0"/>
+              <a:t>几乎没有性能开销，可以很容易地在机器和数据中心中运行。</a:t>
+            </a:r>
+          </a:p>
+        </p:txBody>
+      </p:sp>
+      <p:pic>
+        <p:nvPicPr>
+          <p:cNvPr id="3074" name="Picture 2" descr="http://2yj23r14cytosbxol4cavq337g.wpengine.netdna-cdn.com/wp-content/uploads/2014/12/docker.png"/>
+          <p:cNvPicPr>
+            <a:picLocks noChangeAspect="1" noChangeArrowheads="1"/>
+          </p:cNvPicPr>
+          <p:nvPr/>
+        </p:nvPicPr>
+        <p:blipFill>
+          <a:blip r:embed="rId2" cstate="print">
+            <a:extLst>
+              <a:ext uri="{28A0092B-C50C-407E-A947-70E740481C1C}">
+                <a14:useLocalDpi xmlns:a14="http://schemas.microsoft.com/office/drawing/2010/main" val="0"/>
+              </a:ext>
+            </a:extLst>
+          </a:blip>
+          <a:srcRect/>
+          <a:stretch>
+            <a:fillRect/>
+          </a:stretch>
+        </p:blipFill>
+        <p:spPr bwMode="auto">
+          <a:xfrm>
+            <a:off x="4445739" y="357102"/>
+            <a:ext cx="3960000" cy="1341610"/>
+          </a:xfrm>
+          <a:prstGeom prst="rect">
+            <a:avLst/>
+          </a:prstGeom>
+          <a:noFill/>
+          <a:extLst>
+            <a:ext uri="{909E8E84-426E-40DD-AFC4-6F175D3DCCD1}">
+              <a14:hiddenFill xmlns:a14="http://schemas.microsoft.com/office/drawing/2010/main">
+                <a:solidFill>
+                  <a:srgbClr val="FFFFFF"/>
+                </a:solidFill>
+              </a14:hiddenFill>
+            </a:ext>
+          </a:extLst>
+        </p:spPr>
+      </p:pic>
+    </p:spTree>
+    <p:extLst>
+      <p:ext uri="{BB962C8B-B14F-4D97-AF65-F5344CB8AC3E}">
+        <p14:creationId xmlns:p14="http://schemas.microsoft.com/office/powerpoint/2010/main" val="1758742011"/>
+      </p:ext>
+    </p:extLst>
+  </p:cSld>
+  <p:clrMapOvr>
+    <a:masterClrMapping/>
+  </p:clrMapOvr>
+</p:sld>
+</file>
+
+<file path=ppt/slides/slide45.xml><?xml version="1.0" encoding="utf-8"?>
+<p:sld xmlns:a="http://schemas.openxmlformats.org/drawingml/2006/main" xmlns:r="http://schemas.openxmlformats.org/officeDocument/2006/relationships" xmlns:p="http://schemas.openxmlformats.org/presentationml/2006/main">
+  <p:cSld>
+    <p:spTree>
+      <p:nvGrpSpPr>
+        <p:cNvPr id="1" name=""/>
+        <p:cNvGrpSpPr/>
+        <p:nvPr/>
+      </p:nvGrpSpPr>
+      <p:grpSpPr>
+        <a:xfrm>
+          <a:off x="0" y="0"/>
+          <a:ext cx="0" cy="0"/>
+          <a:chOff x="0" y="0"/>
+          <a:chExt cx="0" cy="0"/>
+        </a:xfrm>
+      </p:grpSpPr>
+      <p:sp>
+        <p:nvSpPr>
+          <p:cNvPr id="2" name="标题 1"/>
+          <p:cNvSpPr>
+            <a:spLocks noGrp="1"/>
+          </p:cNvSpPr>
+          <p:nvPr>
+            <p:ph type="title"/>
+          </p:nvPr>
+        </p:nvSpPr>
+        <p:spPr/>
+        <p:txBody>
+          <a:bodyPr/>
+          <a:lstStyle/>
+          <a:p>
+            <a:r>
+              <a:rPr lang="zh-CN" altLang="en-US" dirty="0"/>
+              <a:t>主流实现</a:t>
+            </a:r>
+          </a:p>
+        </p:txBody>
+      </p:sp>
+      <p:sp>
+        <p:nvSpPr>
+          <p:cNvPr id="3" name="内容占位符 2"/>
+          <p:cNvSpPr>
+            <a:spLocks noGrp="1"/>
+          </p:cNvSpPr>
+          <p:nvPr>
+            <p:ph idx="1"/>
+          </p:nvPr>
+        </p:nvSpPr>
+        <p:spPr/>
+        <p:txBody>
           <a:bodyPr>
             <a:normAutofit/>
           </a:bodyPr>
@@ -27752,7 +30419,7 @@
 </p:sld>
 </file>
 
-<file path=ppt/slides/slide45.xml><?xml version="1.0" encoding="utf-8"?>
+<file path=ppt/slides/slide46.xml><?xml version="1.0" encoding="utf-8"?>
 <p:sld xmlns:a="http://schemas.openxmlformats.org/drawingml/2006/main" xmlns:r="http://schemas.openxmlformats.org/officeDocument/2006/relationships" xmlns:p="http://schemas.openxmlformats.org/presentationml/2006/main">
   <p:cSld>
     <p:spTree>
@@ -27917,7 +30584,7 @@
 </p:sld>
 </file>
 
-<file path=ppt/slides/slide46.xml><?xml version="1.0" encoding="utf-8"?>
+<file path=ppt/slides/slide47.xml><?xml version="1.0" encoding="utf-8"?>
 <p:sld xmlns:a="http://schemas.openxmlformats.org/drawingml/2006/main" xmlns:r="http://schemas.openxmlformats.org/officeDocument/2006/relationships" xmlns:p="http://schemas.openxmlformats.org/presentationml/2006/main">
   <p:cSld>
     <p:spTree>
@@ -28020,358 +30687,6 @@
     <p:extLst>
       <p:ext uri="{BB962C8B-B14F-4D97-AF65-F5344CB8AC3E}">
         <p14:creationId xmlns:p14="http://schemas.microsoft.com/office/powerpoint/2010/main" val="535106082"/>
-      </p:ext>
-    </p:extLst>
-  </p:cSld>
-  <p:clrMapOvr>
-    <a:masterClrMapping/>
-  </p:clrMapOvr>
-</p:sld>
-</file>
-
-<file path=ppt/slides/slide47.xml><?xml version="1.0" encoding="utf-8"?>
-<p:sld xmlns:a="http://schemas.openxmlformats.org/drawingml/2006/main" xmlns:r="http://schemas.openxmlformats.org/officeDocument/2006/relationships" xmlns:p="http://schemas.openxmlformats.org/presentationml/2006/main">
-  <p:cSld>
-    <p:spTree>
-      <p:nvGrpSpPr>
-        <p:cNvPr id="1" name=""/>
-        <p:cNvGrpSpPr/>
-        <p:nvPr/>
-      </p:nvGrpSpPr>
-      <p:grpSpPr>
-        <a:xfrm>
-          <a:off x="0" y="0"/>
-          <a:ext cx="0" cy="0"/>
-          <a:chOff x="0" y="0"/>
-          <a:chExt cx="0" cy="0"/>
-        </a:xfrm>
-      </p:grpSpPr>
-      <p:sp>
-        <p:nvSpPr>
-          <p:cNvPr id="2" name="标题 1"/>
-          <p:cNvSpPr>
-            <a:spLocks noGrp="1"/>
-          </p:cNvSpPr>
-          <p:nvPr>
-            <p:ph type="title"/>
-          </p:nvPr>
-        </p:nvSpPr>
-        <p:spPr/>
-        <p:txBody>
-          <a:bodyPr/>
-          <a:lstStyle/>
-          <a:p>
-            <a:r>
-              <a:rPr lang="zh-CN" altLang="en-US" dirty="0"/>
-              <a:t>技术基础</a:t>
-            </a:r>
-          </a:p>
-        </p:txBody>
-      </p:sp>
-      <p:sp>
-        <p:nvSpPr>
-          <p:cNvPr id="3" name="内容占位符 2"/>
-          <p:cNvSpPr>
-            <a:spLocks noGrp="1"/>
-          </p:cNvSpPr>
-          <p:nvPr>
-            <p:ph idx="1"/>
-          </p:nvPr>
-        </p:nvSpPr>
-        <p:spPr>
-          <a:xfrm>
-            <a:off x="628650" y="1825624"/>
-            <a:ext cx="7886700" cy="5032375"/>
-          </a:xfrm>
-        </p:spPr>
-        <p:txBody>
-          <a:bodyPr>
-            <a:normAutofit fontScale="62500" lnSpcReduction="20000"/>
-          </a:bodyPr>
-          <a:lstStyle/>
-          <a:p>
-            <a:pPr>
-              <a:lnSpc>
-                <a:spcPct val="140000"/>
-              </a:lnSpc>
-              <a:spcBef>
-                <a:spcPts val="0"/>
-              </a:spcBef>
-            </a:pPr>
-            <a:r>
-              <a:rPr lang="en-US" altLang="zh-CN" dirty="0" err="1"/>
-              <a:t>Sysjail</a:t>
-            </a:r>
-            <a:endParaRPr lang="en-US" altLang="zh-CN" dirty="0"/>
-          </a:p>
-          <a:p>
-            <a:pPr lvl="1">
-              <a:lnSpc>
-                <a:spcPct val="140000"/>
-              </a:lnSpc>
-              <a:spcBef>
-                <a:spcPts val="0"/>
-              </a:spcBef>
-            </a:pPr>
-            <a:r>
-              <a:rPr lang="en-US" altLang="zh-CN" dirty="0"/>
-              <a:t>A </a:t>
-            </a:r>
-            <a:r>
-              <a:rPr lang="en-US" altLang="zh-CN" dirty="0" err="1"/>
-              <a:t>userspace</a:t>
-            </a:r>
-            <a:r>
-              <a:rPr lang="en-US" altLang="zh-CN" dirty="0"/>
-              <a:t> virtualization tool developed for Open BSD systems. Much like the </a:t>
-            </a:r>
-            <a:r>
-              <a:rPr lang="en-US" altLang="zh-CN" dirty="0" err="1"/>
-              <a:t>FreeBSS</a:t>
-            </a:r>
-            <a:r>
-              <a:rPr lang="en-US" altLang="zh-CN" dirty="0"/>
-              <a:t> “jail”</a:t>
-            </a:r>
-          </a:p>
-          <a:p>
-            <a:pPr>
-              <a:lnSpc>
-                <a:spcPct val="140000"/>
-              </a:lnSpc>
-              <a:spcBef>
-                <a:spcPts val="0"/>
-              </a:spcBef>
-            </a:pPr>
-            <a:r>
-              <a:rPr lang="en-US" altLang="zh-CN" dirty="0" err="1"/>
-              <a:t>Chroot</a:t>
-            </a:r>
-            <a:endParaRPr lang="en-US" altLang="zh-CN" dirty="0"/>
-          </a:p>
-          <a:p>
-            <a:pPr lvl="1">
-              <a:lnSpc>
-                <a:spcPct val="140000"/>
-              </a:lnSpc>
-              <a:spcBef>
-                <a:spcPts val="0"/>
-              </a:spcBef>
-            </a:pPr>
-            <a:r>
-              <a:rPr lang="en-US" altLang="zh-CN" dirty="0"/>
-              <a:t>Kernel level function that allows a program to run in a host system in its own root </a:t>
-            </a:r>
-            <a:r>
-              <a:rPr lang="en-US" altLang="zh-CN" dirty="0" err="1"/>
-              <a:t>filesytem</a:t>
-            </a:r>
-            <a:r>
-              <a:rPr lang="en-US" altLang="zh-CN" dirty="0"/>
-              <a:t>.</a:t>
-            </a:r>
-          </a:p>
-          <a:p>
-            <a:pPr>
-              <a:lnSpc>
-                <a:spcPct val="140000"/>
-              </a:lnSpc>
-              <a:spcBef>
-                <a:spcPts val="0"/>
-              </a:spcBef>
-            </a:pPr>
-            <a:r>
-              <a:rPr lang="en-US" altLang="zh-CN" b="1" dirty="0" err="1">
-                <a:solidFill>
-                  <a:srgbClr val="FF0000"/>
-                </a:solidFill>
-              </a:rPr>
-              <a:t>Cgroups</a:t>
-            </a:r>
-            <a:endParaRPr lang="en-US" altLang="zh-CN" b="1" dirty="0">
-              <a:solidFill>
-                <a:srgbClr val="FF0000"/>
-              </a:solidFill>
-            </a:endParaRPr>
-          </a:p>
-          <a:p>
-            <a:pPr lvl="1">
-              <a:lnSpc>
-                <a:spcPct val="140000"/>
-              </a:lnSpc>
-              <a:spcBef>
-                <a:spcPts val="0"/>
-              </a:spcBef>
-            </a:pPr>
-            <a:r>
-              <a:rPr lang="en-US" altLang="zh-CN" dirty="0"/>
-              <a:t>Developed in 2006, used initially by Google Search</a:t>
-            </a:r>
-          </a:p>
-          <a:p>
-            <a:pPr lvl="1">
-              <a:lnSpc>
-                <a:spcPct val="140000"/>
-              </a:lnSpc>
-              <a:spcBef>
-                <a:spcPts val="0"/>
-              </a:spcBef>
-            </a:pPr>
-            <a:r>
-              <a:rPr lang="en-US" altLang="zh-CN" dirty="0"/>
-              <a:t>Unified in </a:t>
-            </a:r>
-            <a:r>
-              <a:rPr lang="en-US" altLang="zh-CN" dirty="0" err="1"/>
-              <a:t>linux</a:t>
-            </a:r>
-            <a:r>
-              <a:rPr lang="en-US" altLang="zh-CN" dirty="0"/>
-              <a:t> kernel by 2013.</a:t>
-            </a:r>
-          </a:p>
-          <a:p>
-            <a:pPr>
-              <a:lnSpc>
-                <a:spcPct val="140000"/>
-              </a:lnSpc>
-              <a:spcBef>
-                <a:spcPts val="0"/>
-              </a:spcBef>
-            </a:pPr>
-            <a:r>
-              <a:rPr lang="en-US" altLang="zh-CN" b="1" dirty="0">
-                <a:solidFill>
-                  <a:srgbClr val="FF0000"/>
-                </a:solidFill>
-              </a:rPr>
-              <a:t>Namespaces</a:t>
-            </a:r>
-          </a:p>
-          <a:p>
-            <a:pPr lvl="1">
-              <a:lnSpc>
-                <a:spcPct val="140000"/>
-              </a:lnSpc>
-              <a:spcBef>
-                <a:spcPts val="0"/>
-              </a:spcBef>
-            </a:pPr>
-            <a:r>
-              <a:rPr lang="en-US" altLang="zh-CN" dirty="0"/>
-              <a:t>Construct that allows partitioning and isolation of different resources so that they are only available to</a:t>
-            </a:r>
-          </a:p>
-          <a:p>
-            <a:pPr lvl="1">
-              <a:lnSpc>
-                <a:spcPct val="140000"/>
-              </a:lnSpc>
-              <a:spcBef>
-                <a:spcPts val="0"/>
-              </a:spcBef>
-            </a:pPr>
-            <a:r>
-              <a:rPr lang="en-US" altLang="zh-CN" dirty="0"/>
-              <a:t>the processes in the container. Namespaces are Network (NET), UTS(hostname), PROC(process id), MNT</a:t>
-            </a:r>
-          </a:p>
-          <a:p>
-            <a:pPr lvl="1">
-              <a:lnSpc>
-                <a:spcPct val="140000"/>
-              </a:lnSpc>
-              <a:spcBef>
-                <a:spcPts val="0"/>
-              </a:spcBef>
-            </a:pPr>
-            <a:r>
-              <a:rPr lang="en-US" altLang="zh-CN" dirty="0"/>
-              <a:t>(mount), IPC and User (Security </a:t>
-            </a:r>
-            <a:r>
-              <a:rPr lang="en-US" altLang="zh-CN" dirty="0" err="1"/>
-              <a:t>Seperation</a:t>
-            </a:r>
-            <a:r>
-              <a:rPr lang="en-US" altLang="zh-CN" dirty="0"/>
-              <a:t>)</a:t>
-            </a:r>
-          </a:p>
-          <a:p>
-            <a:pPr>
-              <a:lnSpc>
-                <a:spcPct val="140000"/>
-              </a:lnSpc>
-              <a:spcBef>
-                <a:spcPts val="0"/>
-              </a:spcBef>
-            </a:pPr>
-            <a:r>
-              <a:rPr lang="en-US" altLang="zh-CN" dirty="0" err="1"/>
-              <a:t>Libcontainer</a:t>
-            </a:r>
-            <a:endParaRPr lang="en-US" altLang="zh-CN" dirty="0"/>
-          </a:p>
-          <a:p>
-            <a:pPr lvl="1">
-              <a:lnSpc>
-                <a:spcPct val="140000"/>
-              </a:lnSpc>
-              <a:spcBef>
-                <a:spcPts val="0"/>
-              </a:spcBef>
-            </a:pPr>
-            <a:r>
-              <a:rPr lang="en-US" altLang="zh-CN" dirty="0"/>
-              <a:t>Written in Go programming language and developed by </a:t>
-            </a:r>
-            <a:r>
-              <a:rPr lang="en-US" altLang="zh-CN" dirty="0" err="1"/>
-              <a:t>dotCloud</a:t>
-            </a:r>
-            <a:r>
-              <a:rPr lang="en-US" altLang="zh-CN" dirty="0"/>
-              <a:t>/Docker it is a native Go</a:t>
-            </a:r>
-          </a:p>
-          <a:p>
-            <a:pPr lvl="1">
-              <a:lnSpc>
-                <a:spcPct val="140000"/>
-              </a:lnSpc>
-              <a:spcBef>
-                <a:spcPts val="0"/>
-              </a:spcBef>
-            </a:pPr>
-            <a:r>
-              <a:rPr lang="en-US" altLang="zh-CN" dirty="0"/>
-              <a:t>implementation of “</a:t>
-            </a:r>
-            <a:r>
-              <a:rPr lang="en-US" altLang="zh-CN" dirty="0" err="1"/>
-              <a:t>lxc</a:t>
-            </a:r>
-            <a:r>
-              <a:rPr lang="en-US" altLang="zh-CN" dirty="0"/>
-              <a:t>-like” control over </a:t>
-            </a:r>
-            <a:r>
-              <a:rPr lang="en-US" altLang="zh-CN" dirty="0" err="1"/>
-              <a:t>cgroups</a:t>
-            </a:r>
-            <a:r>
-              <a:rPr lang="en-US" altLang="zh-CN" dirty="0"/>
-              <a:t> and namespaces.</a:t>
-            </a:r>
-            <a:endParaRPr lang="zh-CN" altLang="en-US" dirty="0"/>
-          </a:p>
-        </p:txBody>
-      </p:sp>
-    </p:spTree>
-    <p:extLst>
-      <p:ext uri="{BB962C8B-B14F-4D97-AF65-F5344CB8AC3E}">
-        <p14:creationId xmlns:p14="http://schemas.microsoft.com/office/powerpoint/2010/main" val="3086243988"/>
       </p:ext>
     </p:extLst>
   </p:cSld>
@@ -28438,7 +30753,7 @@
         </p:spPr>
         <p:txBody>
           <a:bodyPr>
-            <a:normAutofit/>
+            <a:normAutofit fontScale="62500" lnSpcReduction="20000"/>
           </a:bodyPr>
           <a:lstStyle/>
           <a:p>
@@ -28450,55 +30765,280 @@
                 <a:spcPts val="0"/>
               </a:spcBef>
             </a:pPr>
+            <a:r>
+              <a:rPr lang="en-US" altLang="zh-CN" dirty="0" err="1"/>
+              <a:t>Sysjail</a:t>
+            </a:r>
+            <a:endParaRPr lang="en-US" altLang="zh-CN" dirty="0"/>
+          </a:p>
+          <a:p>
+            <a:pPr lvl="1">
+              <a:lnSpc>
+                <a:spcPct val="140000"/>
+              </a:lnSpc>
+              <a:spcBef>
+                <a:spcPts val="0"/>
+              </a:spcBef>
+            </a:pPr>
+            <a:r>
+              <a:rPr lang="en-US" altLang="zh-CN" dirty="0"/>
+              <a:t>A </a:t>
+            </a:r>
+            <a:r>
+              <a:rPr lang="en-US" altLang="zh-CN" dirty="0" err="1"/>
+              <a:t>userspace</a:t>
+            </a:r>
+            <a:r>
+              <a:rPr lang="en-US" altLang="zh-CN" dirty="0"/>
+              <a:t> virtualization tool developed for Open BSD systems. Much like the </a:t>
+            </a:r>
+            <a:r>
+              <a:rPr lang="en-US" altLang="zh-CN" dirty="0" err="1"/>
+              <a:t>FreeBSS</a:t>
+            </a:r>
+            <a:r>
+              <a:rPr lang="en-US" altLang="zh-CN" dirty="0"/>
+              <a:t> “jail”</a:t>
+            </a:r>
+          </a:p>
+          <a:p>
+            <a:pPr>
+              <a:lnSpc>
+                <a:spcPct val="140000"/>
+              </a:lnSpc>
+              <a:spcBef>
+                <a:spcPts val="0"/>
+              </a:spcBef>
+            </a:pPr>
+            <a:r>
+              <a:rPr lang="en-US" altLang="zh-CN" dirty="0" err="1"/>
+              <a:t>Chroot</a:t>
+            </a:r>
+            <a:endParaRPr lang="en-US" altLang="zh-CN" dirty="0"/>
+          </a:p>
+          <a:p>
+            <a:pPr lvl="1">
+              <a:lnSpc>
+                <a:spcPct val="140000"/>
+              </a:lnSpc>
+              <a:spcBef>
+                <a:spcPts val="0"/>
+              </a:spcBef>
+            </a:pPr>
+            <a:r>
+              <a:rPr lang="en-US" altLang="zh-CN" dirty="0"/>
+              <a:t>Kernel level function that allows a program to run in a host system in its own root </a:t>
+            </a:r>
+            <a:r>
+              <a:rPr lang="en-US" altLang="zh-CN" dirty="0" err="1"/>
+              <a:t>filesytem</a:t>
+            </a:r>
+            <a:r>
+              <a:rPr lang="en-US" altLang="zh-CN" dirty="0"/>
+              <a:t>.</a:t>
+            </a:r>
+          </a:p>
+          <a:p>
+            <a:pPr>
+              <a:lnSpc>
+                <a:spcPct val="140000"/>
+              </a:lnSpc>
+              <a:spcBef>
+                <a:spcPts val="0"/>
+              </a:spcBef>
+            </a:pPr>
+            <a:r>
+              <a:rPr lang="en-US" altLang="zh-CN" b="1" dirty="0" err="1">
+                <a:solidFill>
+                  <a:srgbClr val="FF0000"/>
+                </a:solidFill>
+              </a:rPr>
+              <a:t>Cgroups</a:t>
+            </a:r>
+            <a:endParaRPr lang="en-US" altLang="zh-CN" b="1" dirty="0">
+              <a:solidFill>
+                <a:srgbClr val="FF0000"/>
+              </a:solidFill>
+            </a:endParaRPr>
+          </a:p>
+          <a:p>
+            <a:pPr lvl="1">
+              <a:lnSpc>
+                <a:spcPct val="140000"/>
+              </a:lnSpc>
+              <a:spcBef>
+                <a:spcPts val="0"/>
+              </a:spcBef>
+            </a:pPr>
+            <a:r>
+              <a:rPr lang="en-US" altLang="zh-CN" dirty="0"/>
+              <a:t>Developed in 2006, used initially by Google Search</a:t>
+            </a:r>
+          </a:p>
+          <a:p>
+            <a:pPr lvl="1">
+              <a:lnSpc>
+                <a:spcPct val="140000"/>
+              </a:lnSpc>
+              <a:spcBef>
+                <a:spcPts val="0"/>
+              </a:spcBef>
+            </a:pPr>
+            <a:r>
+              <a:rPr lang="en-US" altLang="zh-CN" dirty="0"/>
+              <a:t>Unified in </a:t>
+            </a:r>
+            <a:r>
+              <a:rPr lang="en-US" altLang="zh-CN" dirty="0" err="1"/>
+              <a:t>linux</a:t>
+            </a:r>
+            <a:r>
+              <a:rPr lang="en-US" altLang="zh-CN" dirty="0"/>
+              <a:t> kernel by 2013.</a:t>
+            </a:r>
+          </a:p>
+          <a:p>
+            <a:pPr>
+              <a:lnSpc>
+                <a:spcPct val="140000"/>
+              </a:lnSpc>
+              <a:spcBef>
+                <a:spcPts val="0"/>
+              </a:spcBef>
+            </a:pPr>
+            <a:r>
+              <a:rPr lang="en-US" altLang="zh-CN" b="1" dirty="0">
+                <a:solidFill>
+                  <a:srgbClr val="FF0000"/>
+                </a:solidFill>
+              </a:rPr>
+              <a:t>Namespaces</a:t>
+            </a:r>
+          </a:p>
+          <a:p>
+            <a:pPr lvl="1">
+              <a:lnSpc>
+                <a:spcPct val="140000"/>
+              </a:lnSpc>
+              <a:spcBef>
+                <a:spcPts val="0"/>
+              </a:spcBef>
+            </a:pPr>
+            <a:r>
+              <a:rPr lang="en-US" altLang="zh-CN" dirty="0"/>
+              <a:t>Construct that allows partitioning and isolation of different resources so that they are only available to</a:t>
+            </a:r>
+          </a:p>
+          <a:p>
+            <a:pPr lvl="1">
+              <a:lnSpc>
+                <a:spcPct val="140000"/>
+              </a:lnSpc>
+              <a:spcBef>
+                <a:spcPts val="0"/>
+              </a:spcBef>
+            </a:pPr>
+            <a:r>
+              <a:rPr lang="en-US" altLang="zh-CN" dirty="0"/>
+              <a:t>the processes in the container. Namespaces are Network (NET), UTS(hostname), PROC(process id), MNT</a:t>
+            </a:r>
+          </a:p>
+          <a:p>
+            <a:pPr lvl="1">
+              <a:lnSpc>
+                <a:spcPct val="140000"/>
+              </a:lnSpc>
+              <a:spcBef>
+                <a:spcPts val="0"/>
+              </a:spcBef>
+            </a:pPr>
+            <a:r>
+              <a:rPr lang="en-US" altLang="zh-CN" dirty="0"/>
+              <a:t>(mount), IPC and User (Security </a:t>
+            </a:r>
+            <a:r>
+              <a:rPr lang="en-US" altLang="zh-CN" dirty="0" err="1"/>
+              <a:t>Seperation</a:t>
+            </a:r>
+            <a:r>
+              <a:rPr lang="en-US" altLang="zh-CN" dirty="0"/>
+              <a:t>)</a:t>
+            </a:r>
+          </a:p>
+          <a:p>
+            <a:pPr>
+              <a:lnSpc>
+                <a:spcPct val="140000"/>
+              </a:lnSpc>
+              <a:spcBef>
+                <a:spcPts val="0"/>
+              </a:spcBef>
+            </a:pPr>
+            <a:r>
+              <a:rPr lang="en-US" altLang="zh-CN" dirty="0" err="1"/>
+              <a:t>Libcontainer</a:t>
+            </a:r>
+            <a:endParaRPr lang="en-US" altLang="zh-CN" dirty="0"/>
+          </a:p>
+          <a:p>
+            <a:pPr lvl="1">
+              <a:lnSpc>
+                <a:spcPct val="140000"/>
+              </a:lnSpc>
+              <a:spcBef>
+                <a:spcPts val="0"/>
+              </a:spcBef>
+            </a:pPr>
+            <a:r>
+              <a:rPr lang="en-US" altLang="zh-CN" dirty="0"/>
+              <a:t>Written in Go programming language and developed by </a:t>
+            </a:r>
+            <a:r>
+              <a:rPr lang="en-US" altLang="zh-CN" dirty="0" err="1"/>
+              <a:t>dotCloud</a:t>
+            </a:r>
+            <a:r>
+              <a:rPr lang="en-US" altLang="zh-CN" dirty="0"/>
+              <a:t>/Docker it is a native Go</a:t>
+            </a:r>
+          </a:p>
+          <a:p>
+            <a:pPr lvl="1">
+              <a:lnSpc>
+                <a:spcPct val="140000"/>
+              </a:lnSpc>
+              <a:spcBef>
+                <a:spcPts val="0"/>
+              </a:spcBef>
+            </a:pPr>
+            <a:r>
+              <a:rPr lang="en-US" altLang="zh-CN" dirty="0"/>
+              <a:t>implementation of “</a:t>
+            </a:r>
+            <a:r>
+              <a:rPr lang="en-US" altLang="zh-CN" dirty="0" err="1"/>
+              <a:t>lxc</a:t>
+            </a:r>
+            <a:r>
+              <a:rPr lang="en-US" altLang="zh-CN" dirty="0"/>
+              <a:t>-like” control over </a:t>
+            </a:r>
+            <a:r>
+              <a:rPr lang="en-US" altLang="zh-CN" dirty="0" err="1"/>
+              <a:t>cgroups</a:t>
+            </a:r>
+            <a:r>
+              <a:rPr lang="en-US" altLang="zh-CN" dirty="0"/>
+              <a:t> and namespaces.</a:t>
+            </a:r>
             <a:endParaRPr lang="zh-CN" altLang="en-US" dirty="0"/>
           </a:p>
         </p:txBody>
       </p:sp>
-      <p:pic>
-        <p:nvPicPr>
-          <p:cNvPr id="17410" name="Picture 2" descr="http://cdn.linuxaria.com/wp-content/uploads/2014/01/chroot-ori12.png"/>
-          <p:cNvPicPr>
-            <a:picLocks noChangeAspect="1" noChangeArrowheads="1"/>
-          </p:cNvPicPr>
-          <p:nvPr/>
-        </p:nvPicPr>
-        <p:blipFill>
-          <a:blip r:embed="rId3">
-            <a:extLst>
-              <a:ext uri="{28A0092B-C50C-407E-A947-70E740481C1C}">
-                <a14:useLocalDpi xmlns:a14="http://schemas.microsoft.com/office/drawing/2010/main" val="0"/>
-              </a:ext>
-            </a:extLst>
-          </a:blip>
-          <a:srcRect/>
-          <a:stretch>
-            <a:fillRect/>
-          </a:stretch>
-        </p:blipFill>
-        <p:spPr bwMode="auto">
-          <a:xfrm>
-            <a:off x="1322899" y="2158445"/>
-            <a:ext cx="6072768" cy="3270623"/>
-          </a:xfrm>
-          <a:prstGeom prst="rect">
-            <a:avLst/>
-          </a:prstGeom>
-          <a:noFill/>
-          <a:extLst>
-            <a:ext uri="{909E8E84-426E-40DD-AFC4-6F175D3DCCD1}">
-              <a14:hiddenFill xmlns:a14="http://schemas.microsoft.com/office/drawing/2010/main">
-                <a:solidFill>
-                  <a:srgbClr val="FFFFFF"/>
-                </a:solidFill>
-              </a14:hiddenFill>
-            </a:ext>
-          </a:extLst>
-        </p:spPr>
-      </p:pic>
     </p:spTree>
     <p:extLst>
       <p:ext uri="{BB962C8B-B14F-4D97-AF65-F5344CB8AC3E}">
-        <p14:creationId xmlns:p14="http://schemas.microsoft.com/office/powerpoint/2010/main" val="3515161699"/>
+        <p14:creationId xmlns:p14="http://schemas.microsoft.com/office/powerpoint/2010/main" val="3086243988"/>
       </p:ext>
     </p:extLst>
   </p:cSld>
@@ -28583,7 +31123,7 @@
       </p:sp>
       <p:pic>
         <p:nvPicPr>
-          <p:cNvPr id="16386" name="Picture 2" descr="http://img4.07net01.com/upload/images/2016/04/14/102088141253364.png"/>
+          <p:cNvPr id="17410" name="Picture 2" descr="http://cdn.linuxaria.com/wp-content/uploads/2014/01/chroot-ori12.png"/>
           <p:cNvPicPr>
             <a:picLocks noChangeAspect="1" noChangeArrowheads="1"/>
           </p:cNvPicPr>
@@ -28604,8 +31144,8 @@
         </p:blipFill>
         <p:spPr bwMode="auto">
           <a:xfrm>
-            <a:off x="72000" y="1800000"/>
-            <a:ext cx="9000000" cy="4846155"/>
+            <a:off x="1322899" y="2158445"/>
+            <a:ext cx="6072768" cy="3270623"/>
           </a:xfrm>
           <a:prstGeom prst="rect">
             <a:avLst/>
@@ -28625,7 +31165,7 @@
     </p:spTree>
     <p:extLst>
       <p:ext uri="{BB962C8B-B14F-4D97-AF65-F5344CB8AC3E}">
-        <p14:creationId xmlns:p14="http://schemas.microsoft.com/office/powerpoint/2010/main" val="2659956871"/>
+        <p14:creationId xmlns:p14="http://schemas.microsoft.com/office/powerpoint/2010/main" val="3515161699"/>
       </p:ext>
     </p:extLst>
   </p:cSld>
@@ -29273,7 +31813,7 @@
       </p:sp>
       <p:pic>
         <p:nvPicPr>
-          <p:cNvPr id="18434" name="Picture 2" descr="http://www.am-utils.org/docs/unionfs-tr/figures/stacking_fanout.png"/>
+          <p:cNvPr id="16386" name="Picture 2" descr="http://img4.07net01.com/upload/images/2016/04/14/102088141253364.png"/>
           <p:cNvPicPr>
             <a:picLocks noChangeAspect="1" noChangeArrowheads="1"/>
           </p:cNvPicPr>
@@ -29294,8 +31834,8 @@
         </p:blipFill>
         <p:spPr bwMode="auto">
           <a:xfrm>
-            <a:off x="1800000" y="1825624"/>
-            <a:ext cx="4962525" cy="3886201"/>
+            <a:off x="72000" y="1800000"/>
+            <a:ext cx="9000000" cy="4846155"/>
           </a:xfrm>
           <a:prstGeom prst="rect">
             <a:avLst/>
@@ -29312,64 +31852,10 @@
           </a:extLst>
         </p:spPr>
       </p:pic>
-      <p:sp>
-        <p:nvSpPr>
-          <p:cNvPr id="6" name="矩形 5"/>
-          <p:cNvSpPr/>
-          <p:nvPr/>
-        </p:nvSpPr>
-        <p:spPr>
-          <a:xfrm>
-            <a:off x="1800000" y="6480000"/>
-            <a:ext cx="7200000" cy="360000"/>
-          </a:xfrm>
-          <a:prstGeom prst="rect">
-            <a:avLst/>
-          </a:prstGeom>
-        </p:spPr>
-        <p:txBody>
-          <a:bodyPr wrap="square" lIns="0" tIns="0" rIns="0" bIns="0" anchor="ctr">
-            <a:noAutofit/>
-          </a:bodyPr>
-          <a:lstStyle/>
-          <a:p>
-            <a:r>
-              <a:rPr lang="zh-CN" altLang="en-US" dirty="0">
-                <a:latin typeface="Times New Roman" panose="02020603050405020304" pitchFamily="18" charset="0"/>
-                <a:ea typeface="黑体" panose="02010609060101010101" pitchFamily="49" charset="-122"/>
-                <a:cs typeface="Times New Roman" panose="02020603050405020304" pitchFamily="18" charset="0"/>
-              </a:rPr>
-              <a:t>参考 </a:t>
-            </a:r>
-            <a:r>
-              <a:rPr lang="en-US" altLang="zh-CN" dirty="0">
-                <a:latin typeface="Times New Roman" panose="02020603050405020304" pitchFamily="18" charset="0"/>
-                <a:ea typeface="黑体" panose="02010609060101010101" pitchFamily="49" charset="-122"/>
-                <a:cs typeface="Times New Roman" panose="02020603050405020304" pitchFamily="18" charset="0"/>
-                <a:hlinkClick r:id="rId4"/>
-              </a:rPr>
-              <a:t>http://www.am-utils.org/docs/unionfs-tr/figures/stacking_fanout.png</a:t>
-            </a:r>
-            <a:r>
-              <a:rPr lang="en-US" altLang="zh-CN" dirty="0">
-                <a:latin typeface="Times New Roman" panose="02020603050405020304" pitchFamily="18" charset="0"/>
-                <a:ea typeface="黑体" panose="02010609060101010101" pitchFamily="49" charset="-122"/>
-                <a:cs typeface="Times New Roman" panose="02020603050405020304" pitchFamily="18" charset="0"/>
-              </a:rPr>
-              <a:t> </a:t>
-            </a:r>
-            <a:endParaRPr lang="zh-CN" altLang="en-US" dirty="0">
-              <a:latin typeface="Times New Roman" panose="02020603050405020304" pitchFamily="18" charset="0"/>
-              <a:ea typeface="黑体" panose="02010609060101010101" pitchFamily="49" charset="-122"/>
-              <a:cs typeface="Times New Roman" panose="02020603050405020304" pitchFamily="18" charset="0"/>
-            </a:endParaRPr>
-          </a:p>
-        </p:txBody>
-      </p:sp>
     </p:spTree>
     <p:extLst>
       <p:ext uri="{BB962C8B-B14F-4D97-AF65-F5344CB8AC3E}">
-        <p14:creationId xmlns:p14="http://schemas.microsoft.com/office/powerpoint/2010/main" val="2905142692"/>
+        <p14:creationId xmlns:p14="http://schemas.microsoft.com/office/powerpoint/2010/main" val="2659956871"/>
       </p:ext>
     </p:extLst>
   </p:cSld>
@@ -29413,6 +31899,187 @@
           <a:p>
             <a:r>
               <a:rPr lang="zh-CN" altLang="en-US" dirty="0"/>
+              <a:t>技术基础</a:t>
+            </a:r>
+          </a:p>
+        </p:txBody>
+      </p:sp>
+      <p:sp>
+        <p:nvSpPr>
+          <p:cNvPr id="3" name="内容占位符 2"/>
+          <p:cNvSpPr>
+            <a:spLocks noGrp="1"/>
+          </p:cNvSpPr>
+          <p:nvPr>
+            <p:ph idx="1"/>
+          </p:nvPr>
+        </p:nvSpPr>
+        <p:spPr>
+          <a:xfrm>
+            <a:off x="628650" y="1825624"/>
+            <a:ext cx="7886700" cy="5032375"/>
+          </a:xfrm>
+        </p:spPr>
+        <p:txBody>
+          <a:bodyPr>
+            <a:normAutofit/>
+          </a:bodyPr>
+          <a:lstStyle/>
+          <a:p>
+            <a:pPr>
+              <a:lnSpc>
+                <a:spcPct val="140000"/>
+              </a:lnSpc>
+              <a:spcBef>
+                <a:spcPts val="0"/>
+              </a:spcBef>
+            </a:pPr>
+            <a:endParaRPr lang="zh-CN" altLang="en-US" dirty="0"/>
+          </a:p>
+        </p:txBody>
+      </p:sp>
+      <p:pic>
+        <p:nvPicPr>
+          <p:cNvPr id="18434" name="Picture 2" descr="http://www.am-utils.org/docs/unionfs-tr/figures/stacking_fanout.png"/>
+          <p:cNvPicPr>
+            <a:picLocks noChangeAspect="1" noChangeArrowheads="1"/>
+          </p:cNvPicPr>
+          <p:nvPr/>
+        </p:nvPicPr>
+        <p:blipFill>
+          <a:blip r:embed="rId3">
+            <a:extLst>
+              <a:ext uri="{28A0092B-C50C-407E-A947-70E740481C1C}">
+                <a14:useLocalDpi xmlns:a14="http://schemas.microsoft.com/office/drawing/2010/main" val="0"/>
+              </a:ext>
+            </a:extLst>
+          </a:blip>
+          <a:srcRect/>
+          <a:stretch>
+            <a:fillRect/>
+          </a:stretch>
+        </p:blipFill>
+        <p:spPr bwMode="auto">
+          <a:xfrm>
+            <a:off x="1800000" y="1825624"/>
+            <a:ext cx="4962525" cy="3886201"/>
+          </a:xfrm>
+          <a:prstGeom prst="rect">
+            <a:avLst/>
+          </a:prstGeom>
+          <a:noFill/>
+          <a:extLst>
+            <a:ext uri="{909E8E84-426E-40DD-AFC4-6F175D3DCCD1}">
+              <a14:hiddenFill xmlns:a14="http://schemas.microsoft.com/office/drawing/2010/main">
+                <a:solidFill>
+                  <a:srgbClr val="FFFFFF"/>
+                </a:solidFill>
+              </a14:hiddenFill>
+            </a:ext>
+          </a:extLst>
+        </p:spPr>
+      </p:pic>
+      <p:sp>
+        <p:nvSpPr>
+          <p:cNvPr id="6" name="矩形 5"/>
+          <p:cNvSpPr/>
+          <p:nvPr/>
+        </p:nvSpPr>
+        <p:spPr>
+          <a:xfrm>
+            <a:off x="1800000" y="6480000"/>
+            <a:ext cx="7200000" cy="360000"/>
+          </a:xfrm>
+          <a:prstGeom prst="rect">
+            <a:avLst/>
+          </a:prstGeom>
+        </p:spPr>
+        <p:txBody>
+          <a:bodyPr wrap="square" lIns="0" tIns="0" rIns="0" bIns="0" anchor="ctr">
+            <a:noAutofit/>
+          </a:bodyPr>
+          <a:lstStyle/>
+          <a:p>
+            <a:r>
+              <a:rPr lang="zh-CN" altLang="en-US" dirty="0">
+                <a:latin typeface="Times New Roman" panose="02020603050405020304" pitchFamily="18" charset="0"/>
+                <a:ea typeface="黑体" panose="02010609060101010101" pitchFamily="49" charset="-122"/>
+                <a:cs typeface="Times New Roman" panose="02020603050405020304" pitchFamily="18" charset="0"/>
+              </a:rPr>
+              <a:t>参考 </a:t>
+            </a:r>
+            <a:r>
+              <a:rPr lang="en-US" altLang="zh-CN" dirty="0">
+                <a:latin typeface="Times New Roman" panose="02020603050405020304" pitchFamily="18" charset="0"/>
+                <a:ea typeface="黑体" panose="02010609060101010101" pitchFamily="49" charset="-122"/>
+                <a:cs typeface="Times New Roman" panose="02020603050405020304" pitchFamily="18" charset="0"/>
+                <a:hlinkClick r:id="rId4"/>
+              </a:rPr>
+              <a:t>http://www.am-utils.org/docs/unionfs-tr/figures/stacking_fanout.png</a:t>
+            </a:r>
+            <a:r>
+              <a:rPr lang="en-US" altLang="zh-CN" dirty="0">
+                <a:latin typeface="Times New Roman" panose="02020603050405020304" pitchFamily="18" charset="0"/>
+                <a:ea typeface="黑体" panose="02010609060101010101" pitchFamily="49" charset="-122"/>
+                <a:cs typeface="Times New Roman" panose="02020603050405020304" pitchFamily="18" charset="0"/>
+              </a:rPr>
+              <a:t> </a:t>
+            </a:r>
+            <a:endParaRPr lang="zh-CN" altLang="en-US" dirty="0">
+              <a:latin typeface="Times New Roman" panose="02020603050405020304" pitchFamily="18" charset="0"/>
+              <a:ea typeface="黑体" panose="02010609060101010101" pitchFamily="49" charset="-122"/>
+              <a:cs typeface="Times New Roman" panose="02020603050405020304" pitchFamily="18" charset="0"/>
+            </a:endParaRPr>
+          </a:p>
+        </p:txBody>
+      </p:sp>
+    </p:spTree>
+    <p:extLst>
+      <p:ext uri="{BB962C8B-B14F-4D97-AF65-F5344CB8AC3E}">
+        <p14:creationId xmlns:p14="http://schemas.microsoft.com/office/powerpoint/2010/main" val="2905142692"/>
+      </p:ext>
+    </p:extLst>
+  </p:cSld>
+  <p:clrMapOvr>
+    <a:masterClrMapping/>
+  </p:clrMapOvr>
+</p:sld>
+</file>
+
+<file path=ppt/slides/slide52.xml><?xml version="1.0" encoding="utf-8"?>
+<p:sld xmlns:a="http://schemas.openxmlformats.org/drawingml/2006/main" xmlns:r="http://schemas.openxmlformats.org/officeDocument/2006/relationships" xmlns:p="http://schemas.openxmlformats.org/presentationml/2006/main">
+  <p:cSld>
+    <p:spTree>
+      <p:nvGrpSpPr>
+        <p:cNvPr id="1" name=""/>
+        <p:cNvGrpSpPr/>
+        <p:nvPr/>
+      </p:nvGrpSpPr>
+      <p:grpSpPr>
+        <a:xfrm>
+          <a:off x="0" y="0"/>
+          <a:ext cx="0" cy="0"/>
+          <a:chOff x="0" y="0"/>
+          <a:chExt cx="0" cy="0"/>
+        </a:xfrm>
+      </p:grpSpPr>
+      <p:sp>
+        <p:nvSpPr>
+          <p:cNvPr id="2" name="标题 1"/>
+          <p:cNvSpPr>
+            <a:spLocks noGrp="1"/>
+          </p:cNvSpPr>
+          <p:nvPr>
+            <p:ph type="title"/>
+          </p:nvPr>
+        </p:nvSpPr>
+        <p:spPr/>
+        <p:txBody>
+          <a:bodyPr/>
+          <a:lstStyle/>
+          <a:p>
+            <a:r>
+              <a:rPr lang="zh-CN" altLang="en-US" dirty="0"/>
               <a:t>干货 </a:t>
             </a:r>
             <a:r>
@@ -29729,7 +32396,7 @@
 </p:sld>
 </file>
 
-<file path=ppt/slides/slide52.xml><?xml version="1.0" encoding="utf-8"?>
+<file path=ppt/slides/slide53.xml><?xml version="1.0" encoding="utf-8"?>
 <p:sld xmlns:a="http://schemas.openxmlformats.org/drawingml/2006/main" xmlns:r="http://schemas.openxmlformats.org/officeDocument/2006/relationships" xmlns:p="http://schemas.openxmlformats.org/presentationml/2006/main">
   <p:cSld>
     <p:spTree>
@@ -30512,538 +33179,6 @@
 </p:sld>
 </file>
 
-<file path=ppt/slides/slide53.xml><?xml version="1.0" encoding="utf-8"?>
-<p:sld xmlns:a="http://schemas.openxmlformats.org/drawingml/2006/main" xmlns:r="http://schemas.openxmlformats.org/officeDocument/2006/relationships" xmlns:p="http://schemas.openxmlformats.org/presentationml/2006/main">
-  <p:cSld>
-    <p:spTree>
-      <p:nvGrpSpPr>
-        <p:cNvPr id="1" name=""/>
-        <p:cNvGrpSpPr/>
-        <p:nvPr/>
-      </p:nvGrpSpPr>
-      <p:grpSpPr>
-        <a:xfrm>
-          <a:off x="0" y="0"/>
-          <a:ext cx="0" cy="0"/>
-          <a:chOff x="0" y="0"/>
-          <a:chExt cx="0" cy="0"/>
-        </a:xfrm>
-      </p:grpSpPr>
-      <p:sp>
-        <p:nvSpPr>
-          <p:cNvPr id="2" name="标题 1"/>
-          <p:cNvSpPr>
-            <a:spLocks noGrp="1"/>
-          </p:cNvSpPr>
-          <p:nvPr>
-            <p:ph type="title"/>
-          </p:nvPr>
-        </p:nvSpPr>
-        <p:spPr/>
-        <p:txBody>
-          <a:bodyPr/>
-          <a:lstStyle/>
-          <a:p>
-            <a:r>
-              <a:rPr lang="zh-CN" altLang="en-US" dirty="0"/>
-              <a:t>实践</a:t>
-            </a:r>
-          </a:p>
-        </p:txBody>
-      </p:sp>
-      <p:sp>
-        <p:nvSpPr>
-          <p:cNvPr id="3" name="内容占位符 2"/>
-          <p:cNvSpPr>
-            <a:spLocks noGrp="1"/>
-          </p:cNvSpPr>
-          <p:nvPr>
-            <p:ph idx="1"/>
-          </p:nvPr>
-        </p:nvSpPr>
-        <p:spPr/>
-        <p:txBody>
-          <a:bodyPr>
-            <a:normAutofit fontScale="70000" lnSpcReduction="20000"/>
-          </a:bodyPr>
-          <a:lstStyle/>
-          <a:p>
-            <a:pPr>
-              <a:lnSpc>
-                <a:spcPct val="140000"/>
-              </a:lnSpc>
-              <a:spcBef>
-                <a:spcPts val="0"/>
-              </a:spcBef>
-            </a:pPr>
-            <a:r>
-              <a:rPr lang="zh-CN" altLang="en-US" sz="2900" dirty="0"/>
-              <a:t>安装</a:t>
-            </a:r>
-            <a:endParaRPr lang="en-US" altLang="zh-CN" sz="2900" dirty="0"/>
-          </a:p>
-          <a:p>
-            <a:pPr lvl="1">
-              <a:lnSpc>
-                <a:spcPct val="140000"/>
-              </a:lnSpc>
-              <a:spcBef>
-                <a:spcPts val="0"/>
-              </a:spcBef>
-            </a:pPr>
-            <a:r>
-              <a:rPr lang="en-US" altLang="zh-CN" i="1" dirty="0"/>
-              <a:t>$ </a:t>
-            </a:r>
-            <a:r>
-              <a:rPr lang="en-US" altLang="zh-CN" i="1" dirty="0" err="1"/>
-              <a:t>sudo</a:t>
-            </a:r>
-            <a:r>
-              <a:rPr lang="en-US" altLang="zh-CN" i="1" dirty="0"/>
-              <a:t> apt-get install </a:t>
-            </a:r>
-            <a:r>
-              <a:rPr lang="en-US" altLang="zh-CN" i="1" dirty="0" err="1"/>
-              <a:t>docker</a:t>
-            </a:r>
-            <a:r>
-              <a:rPr lang="en-US" altLang="zh-CN" i="1" dirty="0"/>
-              <a:t>-engine</a:t>
-            </a:r>
-          </a:p>
-          <a:p>
-            <a:pPr lvl="1">
-              <a:lnSpc>
-                <a:spcPct val="140000"/>
-              </a:lnSpc>
-              <a:spcBef>
-                <a:spcPts val="0"/>
-              </a:spcBef>
-            </a:pPr>
-            <a:r>
-              <a:rPr lang="en-US" altLang="zh-CN" i="1" dirty="0">
-                <a:solidFill>
-                  <a:schemeClr val="bg1">
-                    <a:lumMod val="75000"/>
-                  </a:schemeClr>
-                </a:solidFill>
-              </a:rPr>
-              <a:t>$ </a:t>
-            </a:r>
-            <a:r>
-              <a:rPr lang="en-US" altLang="zh-CN" i="1" dirty="0" err="1">
-                <a:solidFill>
-                  <a:schemeClr val="bg1">
-                    <a:lumMod val="75000"/>
-                  </a:schemeClr>
-                </a:solidFill>
-              </a:rPr>
-              <a:t>sudo</a:t>
-            </a:r>
-            <a:r>
-              <a:rPr lang="en-US" altLang="zh-CN" i="1" dirty="0">
-                <a:solidFill>
-                  <a:schemeClr val="bg1">
-                    <a:lumMod val="75000"/>
-                  </a:schemeClr>
-                </a:solidFill>
-              </a:rPr>
-              <a:t> apt-get upgrade </a:t>
-            </a:r>
-            <a:r>
-              <a:rPr lang="en-US" altLang="zh-CN" i="1" dirty="0" err="1">
-                <a:solidFill>
-                  <a:schemeClr val="bg1">
-                    <a:lumMod val="75000"/>
-                  </a:schemeClr>
-                </a:solidFill>
-              </a:rPr>
-              <a:t>docker</a:t>
-            </a:r>
-            <a:r>
-              <a:rPr lang="en-US" altLang="zh-CN" i="1" dirty="0">
-                <a:solidFill>
-                  <a:schemeClr val="bg1">
-                    <a:lumMod val="75000"/>
-                  </a:schemeClr>
-                </a:solidFill>
-              </a:rPr>
-              <a:t>-engine (</a:t>
-            </a:r>
-            <a:r>
-              <a:rPr lang="zh-CN" altLang="en-US" i="1" dirty="0">
-                <a:solidFill>
-                  <a:schemeClr val="bg1">
-                    <a:lumMod val="75000"/>
-                  </a:schemeClr>
-                </a:solidFill>
-              </a:rPr>
-              <a:t>升级</a:t>
-            </a:r>
-            <a:r>
-              <a:rPr lang="en-US" altLang="zh-CN" i="1" dirty="0">
-                <a:solidFill>
-                  <a:schemeClr val="bg1">
-                    <a:lumMod val="75000"/>
-                  </a:schemeClr>
-                </a:solidFill>
-              </a:rPr>
-              <a:t>)</a:t>
-            </a:r>
-          </a:p>
-          <a:p>
-            <a:pPr>
-              <a:lnSpc>
-                <a:spcPct val="140000"/>
-              </a:lnSpc>
-              <a:spcBef>
-                <a:spcPts val="0"/>
-              </a:spcBef>
-            </a:pPr>
-            <a:r>
-              <a:rPr lang="zh-CN" altLang="en-US" sz="2900" dirty="0"/>
-              <a:t>开服务 </a:t>
-            </a:r>
-            <a:r>
-              <a:rPr lang="en-US" altLang="zh-CN" sz="2900" dirty="0"/>
-              <a:t>(</a:t>
-            </a:r>
-            <a:r>
-              <a:rPr lang="zh-CN" altLang="en-US" sz="2900" dirty="0"/>
-              <a:t>守护进程</a:t>
-            </a:r>
-            <a:r>
-              <a:rPr lang="en-US" altLang="zh-CN" sz="2900" dirty="0"/>
-              <a:t>)</a:t>
-            </a:r>
-          </a:p>
-          <a:p>
-            <a:pPr lvl="1">
-              <a:lnSpc>
-                <a:spcPct val="140000"/>
-              </a:lnSpc>
-              <a:spcBef>
-                <a:spcPts val="0"/>
-              </a:spcBef>
-            </a:pPr>
-            <a:r>
-              <a:rPr lang="en-US" altLang="zh-CN" i="1" dirty="0"/>
-              <a:t>$ </a:t>
-            </a:r>
-            <a:r>
-              <a:rPr lang="en-US" altLang="zh-CN" i="1" dirty="0" err="1"/>
-              <a:t>sudo</a:t>
-            </a:r>
-            <a:r>
-              <a:rPr lang="en-US" altLang="zh-CN" i="1" dirty="0"/>
-              <a:t> service </a:t>
-            </a:r>
-            <a:r>
-              <a:rPr lang="en-US" altLang="zh-CN" i="1" dirty="0" err="1"/>
-              <a:t>docker</a:t>
-            </a:r>
-            <a:r>
-              <a:rPr lang="en-US" altLang="zh-CN" i="1" dirty="0"/>
-              <a:t> start</a:t>
-            </a:r>
-          </a:p>
-          <a:p>
-            <a:pPr lvl="1">
-              <a:lnSpc>
-                <a:spcPct val="140000"/>
-              </a:lnSpc>
-              <a:spcBef>
-                <a:spcPts val="0"/>
-              </a:spcBef>
-            </a:pPr>
-            <a:r>
-              <a:rPr lang="en-US" altLang="zh-CN" i="1" dirty="0">
-                <a:solidFill>
-                  <a:schemeClr val="bg1">
-                    <a:lumMod val="75000"/>
-                  </a:schemeClr>
-                </a:solidFill>
-              </a:rPr>
-              <a:t>$ </a:t>
-            </a:r>
-            <a:r>
-              <a:rPr lang="en-US" altLang="zh-CN" i="1" dirty="0" err="1">
-                <a:solidFill>
-                  <a:schemeClr val="bg1">
-                    <a:lumMod val="75000"/>
-                  </a:schemeClr>
-                </a:solidFill>
-              </a:rPr>
-              <a:t>sudo</a:t>
-            </a:r>
-            <a:r>
-              <a:rPr lang="en-US" altLang="zh-CN" i="1" dirty="0">
-                <a:solidFill>
-                  <a:schemeClr val="bg1">
-                    <a:lumMod val="75000"/>
-                  </a:schemeClr>
-                </a:solidFill>
-              </a:rPr>
-              <a:t> </a:t>
-            </a:r>
-            <a:r>
-              <a:rPr lang="en-US" altLang="zh-CN" i="1" dirty="0" err="1">
-                <a:solidFill>
-                  <a:schemeClr val="bg1">
-                    <a:lumMod val="75000"/>
-                  </a:schemeClr>
-                </a:solidFill>
-              </a:rPr>
-              <a:t>systemctl</a:t>
-            </a:r>
-            <a:r>
-              <a:rPr lang="en-US" altLang="zh-CN" i="1" dirty="0">
-                <a:solidFill>
-                  <a:schemeClr val="bg1">
-                    <a:lumMod val="75000"/>
-                  </a:schemeClr>
-                </a:solidFill>
-              </a:rPr>
-              <a:t> enable </a:t>
-            </a:r>
-            <a:r>
-              <a:rPr lang="en-US" altLang="zh-CN" i="1" dirty="0" err="1">
-                <a:solidFill>
-                  <a:schemeClr val="bg1">
-                    <a:lumMod val="75000"/>
-                  </a:schemeClr>
-                </a:solidFill>
-              </a:rPr>
-              <a:t>docker</a:t>
-            </a:r>
-            <a:r>
-              <a:rPr lang="en-US" altLang="zh-CN" i="1" dirty="0">
-                <a:solidFill>
-                  <a:schemeClr val="bg1">
-                    <a:lumMod val="75000"/>
-                  </a:schemeClr>
-                </a:solidFill>
-              </a:rPr>
-              <a:t> (</a:t>
-            </a:r>
-            <a:r>
-              <a:rPr lang="zh-CN" altLang="en-US" i="1" dirty="0">
-                <a:solidFill>
-                  <a:schemeClr val="bg1">
-                    <a:lumMod val="75000"/>
-                  </a:schemeClr>
-                </a:solidFill>
-              </a:rPr>
-              <a:t>开机运行</a:t>
-            </a:r>
-            <a:r>
-              <a:rPr lang="en-US" altLang="zh-CN" i="1" dirty="0">
-                <a:solidFill>
-                  <a:schemeClr val="bg1">
-                    <a:lumMod val="75000"/>
-                  </a:schemeClr>
-                </a:solidFill>
-              </a:rPr>
-              <a:t>)</a:t>
-            </a:r>
-          </a:p>
-          <a:p>
-            <a:pPr>
-              <a:lnSpc>
-                <a:spcPct val="140000"/>
-              </a:lnSpc>
-              <a:spcBef>
-                <a:spcPts val="0"/>
-              </a:spcBef>
-            </a:pPr>
-            <a:r>
-              <a:rPr lang="zh-CN" altLang="en-US" sz="2900" dirty="0"/>
-              <a:t>走起</a:t>
-            </a:r>
-            <a:endParaRPr lang="en-US" altLang="zh-CN" sz="2900" dirty="0"/>
-          </a:p>
-          <a:p>
-            <a:pPr lvl="1">
-              <a:lnSpc>
-                <a:spcPct val="140000"/>
-              </a:lnSpc>
-              <a:spcBef>
-                <a:spcPts val="0"/>
-              </a:spcBef>
-            </a:pPr>
-            <a:r>
-              <a:rPr lang="en-US" altLang="zh-CN" i="1" dirty="0"/>
-              <a:t> $ </a:t>
-            </a:r>
-            <a:r>
-              <a:rPr lang="en-US" altLang="zh-CN" i="1" dirty="0" err="1"/>
-              <a:t>sudo</a:t>
-            </a:r>
-            <a:r>
-              <a:rPr lang="en-US" altLang="zh-CN" i="1" dirty="0"/>
-              <a:t> </a:t>
-            </a:r>
-            <a:r>
-              <a:rPr lang="en-US" altLang="zh-CN" i="1" dirty="0" err="1"/>
-              <a:t>docker</a:t>
-            </a:r>
-            <a:r>
-              <a:rPr lang="en-US" altLang="zh-CN" i="1" dirty="0"/>
-              <a:t> run hello-world</a:t>
-            </a:r>
-          </a:p>
-          <a:p>
-            <a:pPr>
-              <a:lnSpc>
-                <a:spcPct val="140000"/>
-              </a:lnSpc>
-              <a:spcBef>
-                <a:spcPts val="0"/>
-              </a:spcBef>
-            </a:pPr>
-            <a:r>
-              <a:rPr lang="zh-CN" altLang="en-US" sz="2900" i="1" dirty="0"/>
-              <a:t>免 </a:t>
-            </a:r>
-            <a:r>
-              <a:rPr lang="en-US" altLang="zh-CN" sz="2900" i="1" dirty="0" err="1"/>
-              <a:t>sudo</a:t>
-            </a:r>
-            <a:endParaRPr lang="en-US" altLang="zh-CN" sz="2900" i="1" dirty="0"/>
-          </a:p>
-          <a:p>
-            <a:pPr lvl="1">
-              <a:lnSpc>
-                <a:spcPct val="140000"/>
-              </a:lnSpc>
-              <a:spcBef>
-                <a:spcPts val="0"/>
-              </a:spcBef>
-            </a:pPr>
-            <a:r>
-              <a:rPr lang="en-US" altLang="zh-CN" i="1" dirty="0"/>
-              <a:t>$ </a:t>
-            </a:r>
-            <a:r>
-              <a:rPr lang="en-US" altLang="zh-CN" i="1" dirty="0" err="1"/>
-              <a:t>sudo</a:t>
-            </a:r>
-            <a:r>
-              <a:rPr lang="en-US" altLang="zh-CN" i="1" dirty="0"/>
-              <a:t> </a:t>
-            </a:r>
-            <a:r>
-              <a:rPr lang="en-US" altLang="zh-CN" i="1" dirty="0" err="1"/>
-              <a:t>groupadd</a:t>
-            </a:r>
-            <a:r>
-              <a:rPr lang="en-US" altLang="zh-CN" i="1" dirty="0"/>
-              <a:t> </a:t>
-            </a:r>
-            <a:r>
-              <a:rPr lang="en-US" altLang="zh-CN" i="1" dirty="0" err="1"/>
-              <a:t>docker</a:t>
-            </a:r>
-            <a:endParaRPr lang="en-US" altLang="zh-CN" i="1" dirty="0"/>
-          </a:p>
-          <a:p>
-            <a:pPr lvl="1">
-              <a:lnSpc>
-                <a:spcPct val="140000"/>
-              </a:lnSpc>
-              <a:spcBef>
-                <a:spcPts val="0"/>
-              </a:spcBef>
-            </a:pPr>
-            <a:r>
-              <a:rPr lang="de-DE" altLang="zh-CN" i="1" dirty="0"/>
-              <a:t>$ sudo usermod -aG docker $USER</a:t>
-            </a:r>
-          </a:p>
-          <a:p>
-            <a:pPr lvl="1">
-              <a:lnSpc>
-                <a:spcPct val="140000"/>
-              </a:lnSpc>
-              <a:spcBef>
-                <a:spcPts val="0"/>
-              </a:spcBef>
-            </a:pPr>
-            <a:r>
-              <a:rPr lang="en-US" altLang="zh-CN" i="1" dirty="0"/>
-              <a:t>Log out and log back in.</a:t>
-            </a:r>
-          </a:p>
-        </p:txBody>
-      </p:sp>
-      <p:sp>
-        <p:nvSpPr>
-          <p:cNvPr id="6" name="矩形 5"/>
-          <p:cNvSpPr/>
-          <p:nvPr/>
-        </p:nvSpPr>
-        <p:spPr>
-          <a:xfrm>
-            <a:off x="2520000" y="6480000"/>
-            <a:ext cx="6480000" cy="360000"/>
-          </a:xfrm>
-          <a:prstGeom prst="rect">
-            <a:avLst/>
-          </a:prstGeom>
-        </p:spPr>
-        <p:txBody>
-          <a:bodyPr wrap="square" lIns="0" tIns="0" rIns="0" bIns="0" anchor="ctr">
-            <a:noAutofit/>
-          </a:bodyPr>
-          <a:lstStyle/>
-          <a:p>
-            <a:r>
-              <a:rPr lang="zh-CN" altLang="en-US" dirty="0">
-                <a:latin typeface="Times New Roman" panose="02020603050405020304" pitchFamily="18" charset="0"/>
-                <a:ea typeface="黑体" panose="02010609060101010101" pitchFamily="49" charset="-122"/>
-                <a:cs typeface="Times New Roman" panose="02020603050405020304" pitchFamily="18" charset="0"/>
-              </a:rPr>
-              <a:t>参考 </a:t>
-            </a:r>
-            <a:r>
-              <a:rPr lang="en-US" altLang="zh-CN" dirty="0">
-                <a:latin typeface="Times New Roman" panose="02020603050405020304" pitchFamily="18" charset="0"/>
-                <a:ea typeface="黑体" panose="02010609060101010101" pitchFamily="49" charset="-122"/>
-                <a:cs typeface="Times New Roman" panose="02020603050405020304" pitchFamily="18" charset="0"/>
-                <a:hlinkClick r:id="rId2"/>
-              </a:rPr>
-              <a:t>https://docs.docker.com/engine/installation/linux/ubuntulinux/</a:t>
-            </a:r>
-            <a:r>
-              <a:rPr lang="en-US" altLang="zh-CN" dirty="0">
-                <a:latin typeface="Times New Roman" panose="02020603050405020304" pitchFamily="18" charset="0"/>
-                <a:ea typeface="黑体" panose="02010609060101010101" pitchFamily="49" charset="-122"/>
-                <a:cs typeface="Times New Roman" panose="02020603050405020304" pitchFamily="18" charset="0"/>
-              </a:rPr>
-              <a:t> </a:t>
-            </a:r>
-            <a:endParaRPr lang="zh-CN" altLang="en-US" dirty="0">
-              <a:latin typeface="Times New Roman" panose="02020603050405020304" pitchFamily="18" charset="0"/>
-              <a:ea typeface="黑体" panose="02010609060101010101" pitchFamily="49" charset="-122"/>
-              <a:cs typeface="Times New Roman" panose="02020603050405020304" pitchFamily="18" charset="0"/>
-            </a:endParaRPr>
-          </a:p>
-        </p:txBody>
-      </p:sp>
-    </p:spTree>
-    <p:extLst>
-      <p:ext uri="{BB962C8B-B14F-4D97-AF65-F5344CB8AC3E}">
-        <p14:creationId xmlns:p14="http://schemas.microsoft.com/office/powerpoint/2010/main" val="3537299810"/>
-      </p:ext>
-    </p:extLst>
-  </p:cSld>
-  <p:clrMapOvr>
-    <a:masterClrMapping/>
-  </p:clrMapOvr>
-</p:sld>
-</file>
-
 <file path=ppt/slides/slide54.xml><?xml version="1.0" encoding="utf-8"?>
 <p:sld xmlns:a="http://schemas.openxmlformats.org/drawingml/2006/main" xmlns:r="http://schemas.openxmlformats.org/officeDocument/2006/relationships" xmlns:p="http://schemas.openxmlformats.org/presentationml/2006/main">
   <p:cSld>
@@ -31096,170 +33231,422 @@
         <p:spPr/>
         <p:txBody>
           <a:bodyPr>
-            <a:normAutofit/>
+            <a:normAutofit fontScale="70000" lnSpcReduction="20000"/>
           </a:bodyPr>
           <a:lstStyle/>
           <a:p>
             <a:pPr>
               <a:lnSpc>
-                <a:spcPct val="120000"/>
+                <a:spcPct val="140000"/>
               </a:lnSpc>
               <a:spcBef>
                 <a:spcPts val="0"/>
               </a:spcBef>
             </a:pPr>
             <a:r>
-              <a:rPr lang="zh-CN" altLang="en-US" sz="2000" dirty="0"/>
-              <a:t>卸载</a:t>
-            </a:r>
-            <a:endParaRPr lang="en-US" altLang="zh-CN" sz="2000" dirty="0"/>
+              <a:rPr lang="zh-CN" altLang="en-US" sz="2900" dirty="0"/>
+              <a:t>安装</a:t>
+            </a:r>
+            <a:endParaRPr lang="en-US" altLang="zh-CN" sz="2900" dirty="0"/>
           </a:p>
           <a:p>
             <a:pPr lvl="1">
               <a:lnSpc>
-                <a:spcPct val="120000"/>
+                <a:spcPct val="140000"/>
               </a:lnSpc>
               <a:spcBef>
                 <a:spcPts val="0"/>
               </a:spcBef>
             </a:pPr>
             <a:r>
-              <a:rPr lang="en-US" altLang="zh-CN" sz="1800" i="1" dirty="0"/>
+              <a:rPr lang="en-US" altLang="zh-CN" i="1" dirty="0"/>
               <a:t>$ </a:t>
             </a:r>
             <a:r>
-              <a:rPr lang="en-US" altLang="zh-CN" sz="1800" i="1" dirty="0" err="1"/>
+              <a:rPr lang="en-US" altLang="zh-CN" i="1" dirty="0" err="1"/>
               <a:t>sudo</a:t>
             </a:r>
             <a:r>
-              <a:rPr lang="en-US" altLang="zh-CN" sz="1800" i="1" dirty="0"/>
-              <a:t> apt-get purge </a:t>
-            </a:r>
-            <a:r>
-              <a:rPr lang="en-US" altLang="zh-CN" sz="1800" i="1" dirty="0" err="1"/>
+              <a:rPr lang="en-US" altLang="zh-CN" i="1" dirty="0"/>
+              <a:t> apt-get install </a:t>
+            </a:r>
+            <a:r>
+              <a:rPr lang="en-US" altLang="zh-CN" i="1" dirty="0" err="1"/>
               <a:t>docker</a:t>
             </a:r>
             <a:r>
-              <a:rPr lang="en-US" altLang="zh-CN" sz="1800" i="1" dirty="0"/>
+              <a:rPr lang="en-US" altLang="zh-CN" i="1" dirty="0"/>
               <a:t>-engine</a:t>
             </a:r>
           </a:p>
           <a:p>
-            <a:pPr>
+            <a:pPr lvl="1">
               <a:lnSpc>
-                <a:spcPct val="120000"/>
+                <a:spcPct val="140000"/>
               </a:lnSpc>
               <a:spcBef>
                 <a:spcPts val="0"/>
               </a:spcBef>
             </a:pPr>
             <a:r>
-              <a:rPr lang="zh-CN" altLang="en-US" sz="2000" dirty="0"/>
-              <a:t>或者随依赖一起清除</a:t>
-            </a:r>
-            <a:endParaRPr lang="en-US" altLang="zh-CN" sz="2000" dirty="0"/>
-          </a:p>
-          <a:p>
-            <a:pPr lvl="1">
+              <a:rPr lang="en-US" altLang="zh-CN" i="1" dirty="0">
+                <a:solidFill>
+                  <a:schemeClr val="bg1">
+                    <a:lumMod val="75000"/>
+                  </a:schemeClr>
+                </a:solidFill>
+              </a:rPr>
+              <a:t>$ </a:t>
+            </a:r>
+            <a:r>
+              <a:rPr lang="en-US" altLang="zh-CN" i="1" dirty="0" err="1">
+                <a:solidFill>
+                  <a:schemeClr val="bg1">
+                    <a:lumMod val="75000"/>
+                  </a:schemeClr>
+                </a:solidFill>
+              </a:rPr>
+              <a:t>sudo</a:t>
+            </a:r>
+            <a:r>
+              <a:rPr lang="en-US" altLang="zh-CN" i="1" dirty="0">
+                <a:solidFill>
+                  <a:schemeClr val="bg1">
+                    <a:lumMod val="75000"/>
+                  </a:schemeClr>
+                </a:solidFill>
+              </a:rPr>
+              <a:t> apt-get upgrade </a:t>
+            </a:r>
+            <a:r>
+              <a:rPr lang="en-US" altLang="zh-CN" i="1" dirty="0" err="1">
+                <a:solidFill>
+                  <a:schemeClr val="bg1">
+                    <a:lumMod val="75000"/>
+                  </a:schemeClr>
+                </a:solidFill>
+              </a:rPr>
+              <a:t>docker</a:t>
+            </a:r>
+            <a:r>
+              <a:rPr lang="en-US" altLang="zh-CN" i="1" dirty="0">
+                <a:solidFill>
+                  <a:schemeClr val="bg1">
+                    <a:lumMod val="75000"/>
+                  </a:schemeClr>
+                </a:solidFill>
+              </a:rPr>
+              <a:t>-engine (</a:t>
+            </a:r>
+            <a:r>
+              <a:rPr lang="zh-CN" altLang="en-US" i="1" dirty="0">
+                <a:solidFill>
+                  <a:schemeClr val="bg1">
+                    <a:lumMod val="75000"/>
+                  </a:schemeClr>
+                </a:solidFill>
+              </a:rPr>
+              <a:t>升级</a:t>
+            </a:r>
+            <a:r>
+              <a:rPr lang="en-US" altLang="zh-CN" i="1" dirty="0">
+                <a:solidFill>
+                  <a:schemeClr val="bg1">
+                    <a:lumMod val="75000"/>
+                  </a:schemeClr>
+                </a:solidFill>
+              </a:rPr>
+              <a:t>)</a:t>
+            </a:r>
+          </a:p>
+          <a:p>
+            <a:pPr>
               <a:lnSpc>
-                <a:spcPct val="120000"/>
+                <a:spcPct val="140000"/>
               </a:lnSpc>
               <a:spcBef>
                 <a:spcPts val="0"/>
               </a:spcBef>
             </a:pPr>
             <a:r>
-              <a:rPr lang="en-US" altLang="zh-CN" sz="1800" i="1" dirty="0"/>
-              <a:t>$ </a:t>
-            </a:r>
-            <a:r>
-              <a:rPr lang="en-US" altLang="zh-CN" sz="1800" i="1" dirty="0" err="1"/>
-              <a:t>sudo</a:t>
-            </a:r>
-            <a:r>
-              <a:rPr lang="en-US" altLang="zh-CN" sz="1800" i="1" dirty="0"/>
-              <a:t> apt-get </a:t>
-            </a:r>
-            <a:r>
-              <a:rPr lang="en-US" altLang="zh-CN" sz="1800" i="1" dirty="0" err="1"/>
-              <a:t>autoremove</a:t>
-            </a:r>
-            <a:r>
-              <a:rPr lang="en-US" altLang="zh-CN" sz="1800" i="1" dirty="0"/>
-              <a:t> --purge </a:t>
-            </a:r>
-            <a:r>
-              <a:rPr lang="en-US" altLang="zh-CN" sz="1800" i="1" dirty="0" err="1"/>
-              <a:t>docker</a:t>
-            </a:r>
-            <a:r>
-              <a:rPr lang="en-US" altLang="zh-CN" sz="1800" i="1" dirty="0"/>
-              <a:t>-engine</a:t>
-            </a:r>
-          </a:p>
-          <a:p>
-            <a:pPr>
+              <a:rPr lang="zh-CN" altLang="en-US" sz="2900" dirty="0"/>
+              <a:t>开服务 </a:t>
+            </a:r>
+            <a:r>
+              <a:rPr lang="en-US" altLang="zh-CN" sz="2900" dirty="0"/>
+              <a:t>(</a:t>
+            </a:r>
+            <a:r>
+              <a:rPr lang="zh-CN" altLang="en-US" sz="2900" dirty="0"/>
+              <a:t>守护进程</a:t>
+            </a:r>
+            <a:r>
+              <a:rPr lang="en-US" altLang="zh-CN" sz="2900" dirty="0"/>
+              <a:t>)</a:t>
+            </a:r>
+          </a:p>
+          <a:p>
+            <a:pPr lvl="1">
               <a:lnSpc>
-                <a:spcPct val="120000"/>
+                <a:spcPct val="140000"/>
               </a:lnSpc>
               <a:spcBef>
                 <a:spcPts val="0"/>
               </a:spcBef>
             </a:pPr>
             <a:r>
-              <a:rPr lang="zh-CN" altLang="en-US" sz="2000" dirty="0"/>
-              <a:t>然后删除所有用户数据：所创建容器、卷、配置</a:t>
-            </a:r>
-            <a:endParaRPr lang="en-US" altLang="zh-CN" sz="2000" dirty="0"/>
+              <a:rPr lang="en-US" altLang="zh-CN" i="1" dirty="0"/>
+              <a:t>$ </a:t>
+            </a:r>
+            <a:r>
+              <a:rPr lang="en-US" altLang="zh-CN" i="1" dirty="0" err="1"/>
+              <a:t>sudo</a:t>
+            </a:r>
+            <a:r>
+              <a:rPr lang="en-US" altLang="zh-CN" i="1" dirty="0"/>
+              <a:t> service </a:t>
+            </a:r>
+            <a:r>
+              <a:rPr lang="en-US" altLang="zh-CN" i="1" dirty="0" err="1"/>
+              <a:t>docker</a:t>
+            </a:r>
+            <a:r>
+              <a:rPr lang="en-US" altLang="zh-CN" i="1" dirty="0"/>
+              <a:t> start</a:t>
+            </a:r>
           </a:p>
           <a:p>
             <a:pPr lvl="1">
               <a:lnSpc>
-                <a:spcPct val="120000"/>
+                <a:spcPct val="140000"/>
               </a:lnSpc>
               <a:spcBef>
                 <a:spcPts val="0"/>
               </a:spcBef>
             </a:pPr>
             <a:r>
-              <a:rPr lang="en-US" altLang="zh-CN" sz="1800" i="1" dirty="0"/>
+              <a:rPr lang="en-US" altLang="zh-CN" i="1" dirty="0">
+                <a:solidFill>
+                  <a:schemeClr val="bg1">
+                    <a:lumMod val="75000"/>
+                  </a:schemeClr>
+                </a:solidFill>
+              </a:rPr>
               <a:t>$ </a:t>
             </a:r>
             <a:r>
-              <a:rPr lang="en-US" altLang="zh-CN" sz="1800" i="1" dirty="0" err="1"/>
-              <a:t>rm</a:t>
-            </a:r>
-            <a:r>
-              <a:rPr lang="en-US" altLang="zh-CN" sz="1800" i="1" dirty="0"/>
-              <a:t> -</a:t>
-            </a:r>
-            <a:r>
-              <a:rPr lang="en-US" altLang="zh-CN" sz="1800" i="1" dirty="0" err="1"/>
-              <a:t>rf</a:t>
-            </a:r>
-            <a:r>
-              <a:rPr lang="en-US" altLang="zh-CN" sz="1800" i="1" dirty="0"/>
-              <a:t> /</a:t>
-            </a:r>
-            <a:r>
-              <a:rPr lang="en-US" altLang="zh-CN" sz="1800" i="1" dirty="0" err="1"/>
-              <a:t>var</a:t>
-            </a:r>
-            <a:r>
-              <a:rPr lang="en-US" altLang="zh-CN" sz="1800" i="1" dirty="0"/>
-              <a:t>/lib/</a:t>
-            </a:r>
-            <a:r>
-              <a:rPr lang="en-US" altLang="zh-CN" sz="1800" i="1" dirty="0" err="1"/>
+              <a:rPr lang="en-US" altLang="zh-CN" i="1" dirty="0" err="1">
+                <a:solidFill>
+                  <a:schemeClr val="bg1">
+                    <a:lumMod val="75000"/>
+                  </a:schemeClr>
+                </a:solidFill>
+              </a:rPr>
+              <a:t>sudo</a:t>
+            </a:r>
+            <a:r>
+              <a:rPr lang="en-US" altLang="zh-CN" i="1" dirty="0">
+                <a:solidFill>
+                  <a:schemeClr val="bg1">
+                    <a:lumMod val="75000"/>
+                  </a:schemeClr>
+                </a:solidFill>
+              </a:rPr>
+              <a:t> </a:t>
+            </a:r>
+            <a:r>
+              <a:rPr lang="en-US" altLang="zh-CN" i="1" dirty="0" err="1">
+                <a:solidFill>
+                  <a:schemeClr val="bg1">
+                    <a:lumMod val="75000"/>
+                  </a:schemeClr>
+                </a:solidFill>
+              </a:rPr>
+              <a:t>systemctl</a:t>
+            </a:r>
+            <a:r>
+              <a:rPr lang="en-US" altLang="zh-CN" i="1" dirty="0">
+                <a:solidFill>
+                  <a:schemeClr val="bg1">
+                    <a:lumMod val="75000"/>
+                  </a:schemeClr>
+                </a:solidFill>
+              </a:rPr>
+              <a:t> enable </a:t>
+            </a:r>
+            <a:r>
+              <a:rPr lang="en-US" altLang="zh-CN" i="1" dirty="0" err="1">
+                <a:solidFill>
+                  <a:schemeClr val="bg1">
+                    <a:lumMod val="75000"/>
+                  </a:schemeClr>
+                </a:solidFill>
+              </a:rPr>
               <a:t>docker</a:t>
             </a:r>
-            <a:endParaRPr lang="zh-CN" altLang="en-US" sz="1800" i="1" dirty="0"/>
+            <a:r>
+              <a:rPr lang="en-US" altLang="zh-CN" i="1" dirty="0">
+                <a:solidFill>
+                  <a:schemeClr val="bg1">
+                    <a:lumMod val="75000"/>
+                  </a:schemeClr>
+                </a:solidFill>
+              </a:rPr>
+              <a:t> (</a:t>
+            </a:r>
+            <a:r>
+              <a:rPr lang="zh-CN" altLang="en-US" i="1" dirty="0">
+                <a:solidFill>
+                  <a:schemeClr val="bg1">
+                    <a:lumMod val="75000"/>
+                  </a:schemeClr>
+                </a:solidFill>
+              </a:rPr>
+              <a:t>开机运行</a:t>
+            </a:r>
+            <a:r>
+              <a:rPr lang="en-US" altLang="zh-CN" i="1" dirty="0">
+                <a:solidFill>
+                  <a:schemeClr val="bg1">
+                    <a:lumMod val="75000"/>
+                  </a:schemeClr>
+                </a:solidFill>
+              </a:rPr>
+              <a:t>)</a:t>
+            </a:r>
+          </a:p>
+          <a:p>
+            <a:pPr>
+              <a:lnSpc>
+                <a:spcPct val="140000"/>
+              </a:lnSpc>
+              <a:spcBef>
+                <a:spcPts val="0"/>
+              </a:spcBef>
+            </a:pPr>
+            <a:r>
+              <a:rPr lang="zh-CN" altLang="en-US" sz="2900" dirty="0"/>
+              <a:t>走起</a:t>
+            </a:r>
+            <a:endParaRPr lang="en-US" altLang="zh-CN" sz="2900" dirty="0"/>
+          </a:p>
+          <a:p>
+            <a:pPr lvl="1">
+              <a:lnSpc>
+                <a:spcPct val="140000"/>
+              </a:lnSpc>
+              <a:spcBef>
+                <a:spcPts val="0"/>
+              </a:spcBef>
+            </a:pPr>
+            <a:r>
+              <a:rPr lang="en-US" altLang="zh-CN" i="1" dirty="0"/>
+              <a:t> $ </a:t>
+            </a:r>
+            <a:r>
+              <a:rPr lang="en-US" altLang="zh-CN" i="1" dirty="0" err="1"/>
+              <a:t>sudo</a:t>
+            </a:r>
+            <a:r>
+              <a:rPr lang="en-US" altLang="zh-CN" i="1" dirty="0"/>
+              <a:t> </a:t>
+            </a:r>
+            <a:r>
+              <a:rPr lang="en-US" altLang="zh-CN" i="1" dirty="0" err="1"/>
+              <a:t>docker</a:t>
+            </a:r>
+            <a:r>
+              <a:rPr lang="en-US" altLang="zh-CN" i="1" dirty="0"/>
+              <a:t> run hello-world</a:t>
+            </a:r>
+          </a:p>
+          <a:p>
+            <a:pPr>
+              <a:lnSpc>
+                <a:spcPct val="140000"/>
+              </a:lnSpc>
+              <a:spcBef>
+                <a:spcPts val="0"/>
+              </a:spcBef>
+            </a:pPr>
+            <a:r>
+              <a:rPr lang="zh-CN" altLang="en-US" sz="2900" i="1" dirty="0"/>
+              <a:t>免 </a:t>
+            </a:r>
+            <a:r>
+              <a:rPr lang="en-US" altLang="zh-CN" sz="2900" i="1" dirty="0" err="1"/>
+              <a:t>sudo</a:t>
+            </a:r>
+            <a:endParaRPr lang="en-US" altLang="zh-CN" sz="2900" i="1" dirty="0"/>
+          </a:p>
+          <a:p>
+            <a:pPr lvl="1">
+              <a:lnSpc>
+                <a:spcPct val="140000"/>
+              </a:lnSpc>
+              <a:spcBef>
+                <a:spcPts val="0"/>
+              </a:spcBef>
+            </a:pPr>
+            <a:r>
+              <a:rPr lang="en-US" altLang="zh-CN" i="1" dirty="0"/>
+              <a:t>$ </a:t>
+            </a:r>
+            <a:r>
+              <a:rPr lang="en-US" altLang="zh-CN" i="1" dirty="0" err="1"/>
+              <a:t>sudo</a:t>
+            </a:r>
+            <a:r>
+              <a:rPr lang="en-US" altLang="zh-CN" i="1" dirty="0"/>
+              <a:t> </a:t>
+            </a:r>
+            <a:r>
+              <a:rPr lang="en-US" altLang="zh-CN" i="1" dirty="0" err="1"/>
+              <a:t>groupadd</a:t>
+            </a:r>
+            <a:r>
+              <a:rPr lang="en-US" altLang="zh-CN" i="1" dirty="0"/>
+              <a:t> </a:t>
+            </a:r>
+            <a:r>
+              <a:rPr lang="en-US" altLang="zh-CN" i="1" dirty="0" err="1"/>
+              <a:t>docker</a:t>
+            </a:r>
+            <a:endParaRPr lang="en-US" altLang="zh-CN" i="1" dirty="0"/>
+          </a:p>
+          <a:p>
+            <a:pPr lvl="1">
+              <a:lnSpc>
+                <a:spcPct val="140000"/>
+              </a:lnSpc>
+              <a:spcBef>
+                <a:spcPts val="0"/>
+              </a:spcBef>
+            </a:pPr>
+            <a:r>
+              <a:rPr lang="de-DE" altLang="zh-CN" i="1" dirty="0"/>
+              <a:t>$ sudo usermod -aG docker $USER</a:t>
+            </a:r>
+          </a:p>
+          <a:p>
+            <a:pPr lvl="1">
+              <a:lnSpc>
+                <a:spcPct val="140000"/>
+              </a:lnSpc>
+              <a:spcBef>
+                <a:spcPts val="0"/>
+              </a:spcBef>
+            </a:pPr>
+            <a:r>
+              <a:rPr lang="en-US" altLang="zh-CN" i="1" dirty="0"/>
+              <a:t>Log out and log back in.</a:t>
+            </a:r>
           </a:p>
         </p:txBody>
       </p:sp>
       <p:sp>
         <p:nvSpPr>
-          <p:cNvPr id="4" name="矩形 3"/>
+          <p:cNvPr id="6" name="矩形 5"/>
           <p:cNvSpPr/>
           <p:nvPr/>
         </p:nvSpPr>
@@ -31314,7 +33701,7 @@
     </p:spTree>
     <p:extLst>
       <p:ext uri="{BB962C8B-B14F-4D97-AF65-F5344CB8AC3E}">
-        <p14:creationId xmlns:p14="http://schemas.microsoft.com/office/powerpoint/2010/main" val="750489901"/>
+        <p14:creationId xmlns:p14="http://schemas.microsoft.com/office/powerpoint/2010/main" val="3537299810"/>
       </p:ext>
     </p:extLst>
   </p:cSld>
@@ -31375,173 +33762,226 @@
         </p:nvSpPr>
         <p:spPr/>
         <p:txBody>
-          <a:bodyPr/>
+          <a:bodyPr>
+            <a:normAutofit/>
+          </a:bodyPr>
           <a:lstStyle/>
           <a:p>
-            <a:r>
-              <a:rPr lang="zh-CN" altLang="en-US" dirty="0"/>
-              <a:t>发掘一下</a:t>
-            </a:r>
-            <a:endParaRPr lang="en-US" altLang="zh-CN" dirty="0">
-              <a:hlinkClick r:id="rId2"/>
-            </a:endParaRPr>
-          </a:p>
-          <a:p>
-            <a:pPr lvl="1"/>
-            <a:r>
-              <a:rPr lang="en-US" altLang="zh-CN" dirty="0">
-                <a:hlinkClick r:id="rId2"/>
-              </a:rPr>
-              <a:t>https://hub.docker.com/</a:t>
-            </a:r>
-            <a:endParaRPr lang="en-US" altLang="zh-CN" dirty="0"/>
-          </a:p>
-          <a:p>
-            <a:pPr lvl="1"/>
-            <a:r>
-              <a:rPr lang="en-US" altLang="zh-CN" dirty="0">
-                <a:hlinkClick r:id="rId3"/>
-              </a:rPr>
-              <a:t>https://store.docker.com/</a:t>
-            </a:r>
-            <a:r>
-              <a:rPr lang="en-US" altLang="zh-CN" dirty="0"/>
-              <a:t> </a:t>
-            </a:r>
-          </a:p>
-          <a:p>
-            <a:r>
-              <a:rPr lang="zh-CN" altLang="en-US" dirty="0"/>
-              <a:t>试一试 </a:t>
-            </a:r>
-            <a:r>
-              <a:rPr lang="en-US" altLang="zh-CN" dirty="0"/>
-              <a:t>Pandas</a:t>
-            </a:r>
-            <a:r>
-              <a:rPr lang="zh-CN" altLang="en-US" dirty="0"/>
-              <a:t>，与直接部署比较</a:t>
-            </a:r>
-            <a:endParaRPr lang="en-US" altLang="zh-CN" dirty="0"/>
-          </a:p>
-          <a:p>
-            <a:pPr lvl="1"/>
-            <a:r>
-              <a:rPr lang="en-US" altLang="zh-CN" sz="2000" dirty="0">
-                <a:hlinkClick r:id="rId4"/>
-              </a:rPr>
-              <a:t>https://store.docker.com/community/images/tailordev/pandas</a:t>
-            </a:r>
-            <a:r>
-              <a:rPr lang="en-US" altLang="zh-CN" sz="2000" dirty="0"/>
-              <a:t> </a:t>
-            </a:r>
-          </a:p>
-          <a:p>
-            <a:pPr lvl="1"/>
-            <a:r>
-              <a:rPr lang="en-US" altLang="zh-CN" sz="2000" dirty="0">
-                <a:hlinkClick r:id="rId5"/>
-              </a:rPr>
-              <a:t>https://pypi.python.org/pypi/pandas</a:t>
-            </a:r>
-            <a:r>
-              <a:rPr lang="en-US" altLang="zh-CN" sz="2000" dirty="0"/>
-              <a:t> </a:t>
-            </a:r>
-          </a:p>
-          <a:p>
-            <a:pPr lvl="1"/>
-            <a:endParaRPr lang="zh-CN" altLang="en-US" dirty="0"/>
+            <a:pPr>
+              <a:lnSpc>
+                <a:spcPct val="120000"/>
+              </a:lnSpc>
+              <a:spcBef>
+                <a:spcPts val="0"/>
+              </a:spcBef>
+            </a:pPr>
+            <a:r>
+              <a:rPr lang="zh-CN" altLang="en-US" sz="2000" dirty="0"/>
+              <a:t>卸载</a:t>
+            </a:r>
+            <a:endParaRPr lang="en-US" altLang="zh-CN" sz="2000" dirty="0"/>
+          </a:p>
+          <a:p>
+            <a:pPr lvl="1">
+              <a:lnSpc>
+                <a:spcPct val="120000"/>
+              </a:lnSpc>
+              <a:spcBef>
+                <a:spcPts val="0"/>
+              </a:spcBef>
+            </a:pPr>
+            <a:r>
+              <a:rPr lang="en-US" altLang="zh-CN" sz="1800" i="1" dirty="0"/>
+              <a:t>$ </a:t>
+            </a:r>
+            <a:r>
+              <a:rPr lang="en-US" altLang="zh-CN" sz="1800" i="1" dirty="0" err="1"/>
+              <a:t>sudo</a:t>
+            </a:r>
+            <a:r>
+              <a:rPr lang="en-US" altLang="zh-CN" sz="1800" i="1" dirty="0"/>
+              <a:t> apt-get purge </a:t>
+            </a:r>
+            <a:r>
+              <a:rPr lang="en-US" altLang="zh-CN" sz="1800" i="1" dirty="0" err="1"/>
+              <a:t>docker</a:t>
+            </a:r>
+            <a:r>
+              <a:rPr lang="en-US" altLang="zh-CN" sz="1800" i="1" dirty="0"/>
+              <a:t>-engine</a:t>
+            </a:r>
+          </a:p>
+          <a:p>
+            <a:pPr>
+              <a:lnSpc>
+                <a:spcPct val="120000"/>
+              </a:lnSpc>
+              <a:spcBef>
+                <a:spcPts val="0"/>
+              </a:spcBef>
+            </a:pPr>
+            <a:r>
+              <a:rPr lang="zh-CN" altLang="en-US" sz="2000" dirty="0"/>
+              <a:t>或者随依赖一起清除</a:t>
+            </a:r>
+            <a:endParaRPr lang="en-US" altLang="zh-CN" sz="2000" dirty="0"/>
+          </a:p>
+          <a:p>
+            <a:pPr lvl="1">
+              <a:lnSpc>
+                <a:spcPct val="120000"/>
+              </a:lnSpc>
+              <a:spcBef>
+                <a:spcPts val="0"/>
+              </a:spcBef>
+            </a:pPr>
+            <a:r>
+              <a:rPr lang="en-US" altLang="zh-CN" sz="1800" i="1" dirty="0"/>
+              <a:t>$ </a:t>
+            </a:r>
+            <a:r>
+              <a:rPr lang="en-US" altLang="zh-CN" sz="1800" i="1" dirty="0" err="1"/>
+              <a:t>sudo</a:t>
+            </a:r>
+            <a:r>
+              <a:rPr lang="en-US" altLang="zh-CN" sz="1800" i="1" dirty="0"/>
+              <a:t> apt-get </a:t>
+            </a:r>
+            <a:r>
+              <a:rPr lang="en-US" altLang="zh-CN" sz="1800" i="1" dirty="0" err="1"/>
+              <a:t>autoremove</a:t>
+            </a:r>
+            <a:r>
+              <a:rPr lang="en-US" altLang="zh-CN" sz="1800" i="1" dirty="0"/>
+              <a:t> --purge </a:t>
+            </a:r>
+            <a:r>
+              <a:rPr lang="en-US" altLang="zh-CN" sz="1800" i="1" dirty="0" err="1"/>
+              <a:t>docker</a:t>
+            </a:r>
+            <a:r>
+              <a:rPr lang="en-US" altLang="zh-CN" sz="1800" i="1" dirty="0"/>
+              <a:t>-engine</a:t>
+            </a:r>
+          </a:p>
+          <a:p>
+            <a:pPr>
+              <a:lnSpc>
+                <a:spcPct val="120000"/>
+              </a:lnSpc>
+              <a:spcBef>
+                <a:spcPts val="0"/>
+              </a:spcBef>
+            </a:pPr>
+            <a:r>
+              <a:rPr lang="zh-CN" altLang="en-US" sz="2000" dirty="0"/>
+              <a:t>然后删除所有用户数据：所创建容器、卷、配置</a:t>
+            </a:r>
+            <a:endParaRPr lang="en-US" altLang="zh-CN" sz="2000" dirty="0"/>
+          </a:p>
+          <a:p>
+            <a:pPr lvl="1">
+              <a:lnSpc>
+                <a:spcPct val="120000"/>
+              </a:lnSpc>
+              <a:spcBef>
+                <a:spcPts val="0"/>
+              </a:spcBef>
+            </a:pPr>
+            <a:r>
+              <a:rPr lang="en-US" altLang="zh-CN" sz="1800" i="1" dirty="0"/>
+              <a:t>$ </a:t>
+            </a:r>
+            <a:r>
+              <a:rPr lang="en-US" altLang="zh-CN" sz="1800" i="1" dirty="0" err="1"/>
+              <a:t>rm</a:t>
+            </a:r>
+            <a:r>
+              <a:rPr lang="en-US" altLang="zh-CN" sz="1800" i="1" dirty="0"/>
+              <a:t> -</a:t>
+            </a:r>
+            <a:r>
+              <a:rPr lang="en-US" altLang="zh-CN" sz="1800" i="1" dirty="0" err="1"/>
+              <a:t>rf</a:t>
+            </a:r>
+            <a:r>
+              <a:rPr lang="en-US" altLang="zh-CN" sz="1800" i="1" dirty="0"/>
+              <a:t> /</a:t>
+            </a:r>
+            <a:r>
+              <a:rPr lang="en-US" altLang="zh-CN" sz="1800" i="1" dirty="0" err="1"/>
+              <a:t>var</a:t>
+            </a:r>
+            <a:r>
+              <a:rPr lang="en-US" altLang="zh-CN" sz="1800" i="1" dirty="0"/>
+              <a:t>/lib/</a:t>
+            </a:r>
+            <a:r>
+              <a:rPr lang="en-US" altLang="zh-CN" sz="1800" i="1" dirty="0" err="1"/>
+              <a:t>docker</a:t>
+            </a:r>
+            <a:endParaRPr lang="zh-CN" altLang="en-US" sz="1800" i="1" dirty="0"/>
           </a:p>
         </p:txBody>
       </p:sp>
-      <p:pic>
-        <p:nvPicPr>
-          <p:cNvPr id="8194" name="Picture 2" descr="https://www.docker.com/sites/default/files/Icon-Cloud-white.png"/>
-          <p:cNvPicPr>
-            <a:picLocks noChangeAspect="1" noChangeArrowheads="1"/>
-          </p:cNvPicPr>
+      <p:sp>
+        <p:nvSpPr>
+          <p:cNvPr id="4" name="矩形 3"/>
+          <p:cNvSpPr/>
           <p:nvPr/>
-        </p:nvPicPr>
-        <p:blipFill>
-          <a:blip r:embed="rId6" cstate="print">
-            <a:extLst>
-              <a:ext uri="{28A0092B-C50C-407E-A947-70E740481C1C}">
-                <a14:useLocalDpi xmlns:a14="http://schemas.microsoft.com/office/drawing/2010/main" val="0"/>
-              </a:ext>
-            </a:extLst>
-          </a:blip>
-          <a:srcRect/>
-          <a:stretch>
-            <a:fillRect/>
-          </a:stretch>
-        </p:blipFill>
-        <p:spPr bwMode="auto">
+        </p:nvSpPr>
+        <p:spPr>
           <a:xfrm>
-            <a:off x="1065840" y="3926910"/>
-            <a:ext cx="2659523" cy="2770450"/>
+            <a:off x="2520000" y="6480000"/>
+            <a:ext cx="6480000" cy="360000"/>
           </a:xfrm>
           <a:prstGeom prst="rect">
             <a:avLst/>
           </a:prstGeom>
-          <a:noFill/>
-          <a:extLst>
-            <a:ext uri="{909E8E84-426E-40DD-AFC4-6F175D3DCCD1}">
-              <a14:hiddenFill xmlns:a14="http://schemas.microsoft.com/office/drawing/2010/main">
-                <a:solidFill>
-                  <a:srgbClr val="FFFFFF"/>
-                </a:solidFill>
-              </a14:hiddenFill>
-            </a:ext>
-          </a:extLst>
         </p:spPr>
-      </p:pic>
-      <p:pic>
-        <p:nvPicPr>
-          <p:cNvPr id="8196" name="Picture 4" descr="http://www.dataschool.io/content/images/2016/05/python_pandas.jpg"/>
-          <p:cNvPicPr>
-            <a:picLocks noChangeAspect="1" noChangeArrowheads="1"/>
-          </p:cNvPicPr>
-          <p:nvPr/>
-        </p:nvPicPr>
-        <p:blipFill>
-          <a:blip r:embed="rId7">
-            <a:extLst>
-              <a:ext uri="{28A0092B-C50C-407E-A947-70E740481C1C}">
-                <a14:useLocalDpi xmlns:a14="http://schemas.microsoft.com/office/drawing/2010/main" val="0"/>
-              </a:ext>
-            </a:extLst>
-          </a:blip>
-          <a:srcRect/>
-          <a:stretch>
-            <a:fillRect/>
-          </a:stretch>
-        </p:blipFill>
-        <p:spPr bwMode="auto">
-          <a:xfrm>
-            <a:off x="4439477" y="4233025"/>
-            <a:ext cx="3562350" cy="1866901"/>
-          </a:xfrm>
-          <a:prstGeom prst="rect">
-            <a:avLst/>
-          </a:prstGeom>
-          <a:noFill/>
-          <a:extLst>
-            <a:ext uri="{909E8E84-426E-40DD-AFC4-6F175D3DCCD1}">
-              <a14:hiddenFill xmlns:a14="http://schemas.microsoft.com/office/drawing/2010/main">
-                <a:solidFill>
-                  <a:srgbClr val="FFFFFF"/>
-                </a:solidFill>
-              </a14:hiddenFill>
-            </a:ext>
-          </a:extLst>
-        </p:spPr>
-      </p:pic>
+        <p:txBody>
+          <a:bodyPr wrap="square" lIns="0" tIns="0" rIns="0" bIns="0" anchor="ctr">
+            <a:noAutofit/>
+          </a:bodyPr>
+          <a:lstStyle/>
+          <a:p>
+            <a:r>
+              <a:rPr lang="zh-CN" altLang="en-US" dirty="0">
+                <a:latin typeface="Times New Roman" panose="02020603050405020304" pitchFamily="18" charset="0"/>
+                <a:ea typeface="黑体" panose="02010609060101010101" pitchFamily="49" charset="-122"/>
+                <a:cs typeface="Times New Roman" panose="02020603050405020304" pitchFamily="18" charset="0"/>
+              </a:rPr>
+              <a:t>参考 </a:t>
+            </a:r>
+            <a:r>
+              <a:rPr lang="en-US" altLang="zh-CN" dirty="0">
+                <a:latin typeface="Times New Roman" panose="02020603050405020304" pitchFamily="18" charset="0"/>
+                <a:ea typeface="黑体" panose="02010609060101010101" pitchFamily="49" charset="-122"/>
+                <a:cs typeface="Times New Roman" panose="02020603050405020304" pitchFamily="18" charset="0"/>
+                <a:hlinkClick r:id="rId2"/>
+              </a:rPr>
+              <a:t>https://docs.docker.com/engine/installation/linux/ubuntulinux/</a:t>
+            </a:r>
+            <a:r>
+              <a:rPr lang="en-US" altLang="zh-CN" dirty="0">
+                <a:latin typeface="Times New Roman" panose="02020603050405020304" pitchFamily="18" charset="0"/>
+                <a:ea typeface="黑体" panose="02010609060101010101" pitchFamily="49" charset="-122"/>
+                <a:cs typeface="Times New Roman" panose="02020603050405020304" pitchFamily="18" charset="0"/>
+              </a:rPr>
+              <a:t> </a:t>
+            </a:r>
+            <a:endParaRPr lang="zh-CN" altLang="en-US" dirty="0">
+              <a:latin typeface="Times New Roman" panose="02020603050405020304" pitchFamily="18" charset="0"/>
+              <a:ea typeface="黑体" panose="02010609060101010101" pitchFamily="49" charset="-122"/>
+              <a:cs typeface="Times New Roman" panose="02020603050405020304" pitchFamily="18" charset="0"/>
+            </a:endParaRPr>
+          </a:p>
+        </p:txBody>
+      </p:sp>
     </p:spTree>
     <p:extLst>
       <p:ext uri="{BB962C8B-B14F-4D97-AF65-F5344CB8AC3E}">
-        <p14:creationId xmlns:p14="http://schemas.microsoft.com/office/powerpoint/2010/main" val="440416103"/>
+        <p14:creationId xmlns:p14="http://schemas.microsoft.com/office/powerpoint/2010/main" val="750489901"/>
       </p:ext>
     </p:extLst>
   </p:cSld>
@@ -31602,6 +34042,233 @@
         </p:nvSpPr>
         <p:spPr/>
         <p:txBody>
+          <a:bodyPr/>
+          <a:lstStyle/>
+          <a:p>
+            <a:r>
+              <a:rPr lang="zh-CN" altLang="en-US" dirty="0"/>
+              <a:t>发掘一下</a:t>
+            </a:r>
+            <a:endParaRPr lang="en-US" altLang="zh-CN" dirty="0">
+              <a:hlinkClick r:id="rId2"/>
+            </a:endParaRPr>
+          </a:p>
+          <a:p>
+            <a:pPr lvl="1"/>
+            <a:r>
+              <a:rPr lang="en-US" altLang="zh-CN" dirty="0">
+                <a:hlinkClick r:id="rId2"/>
+              </a:rPr>
+              <a:t>https://hub.docker.com/</a:t>
+            </a:r>
+            <a:endParaRPr lang="en-US" altLang="zh-CN" dirty="0"/>
+          </a:p>
+          <a:p>
+            <a:pPr lvl="1"/>
+            <a:r>
+              <a:rPr lang="en-US" altLang="zh-CN" dirty="0">
+                <a:hlinkClick r:id="rId3"/>
+              </a:rPr>
+              <a:t>https://store.docker.com/</a:t>
+            </a:r>
+            <a:r>
+              <a:rPr lang="en-US" altLang="zh-CN" dirty="0"/>
+              <a:t> </a:t>
+            </a:r>
+          </a:p>
+          <a:p>
+            <a:r>
+              <a:rPr lang="zh-CN" altLang="en-US" dirty="0"/>
+              <a:t>试一试 </a:t>
+            </a:r>
+            <a:r>
+              <a:rPr lang="en-US" altLang="zh-CN" dirty="0"/>
+              <a:t>Pandas</a:t>
+            </a:r>
+            <a:r>
+              <a:rPr lang="zh-CN" altLang="en-US" dirty="0"/>
+              <a:t>，与直接部署比较</a:t>
+            </a:r>
+            <a:endParaRPr lang="en-US" altLang="zh-CN" dirty="0"/>
+          </a:p>
+          <a:p>
+            <a:pPr lvl="1"/>
+            <a:r>
+              <a:rPr lang="en-US" altLang="zh-CN" sz="2000" dirty="0">
+                <a:hlinkClick r:id="rId4"/>
+              </a:rPr>
+              <a:t>https://store.docker.com/community/images/tailordev/pandas</a:t>
+            </a:r>
+            <a:r>
+              <a:rPr lang="en-US" altLang="zh-CN" sz="2000" dirty="0"/>
+              <a:t> </a:t>
+            </a:r>
+          </a:p>
+          <a:p>
+            <a:pPr lvl="1"/>
+            <a:r>
+              <a:rPr lang="en-US" altLang="zh-CN" sz="2000" dirty="0">
+                <a:hlinkClick r:id="rId5"/>
+              </a:rPr>
+              <a:t>https://pypi.python.org/pypi/pandas</a:t>
+            </a:r>
+            <a:r>
+              <a:rPr lang="en-US" altLang="zh-CN" sz="2000" dirty="0"/>
+              <a:t> </a:t>
+            </a:r>
+          </a:p>
+          <a:p>
+            <a:pPr lvl="1"/>
+            <a:endParaRPr lang="zh-CN" altLang="en-US" dirty="0"/>
+          </a:p>
+        </p:txBody>
+      </p:sp>
+      <p:pic>
+        <p:nvPicPr>
+          <p:cNvPr id="8194" name="Picture 2" descr="https://www.docker.com/sites/default/files/Icon-Cloud-white.png"/>
+          <p:cNvPicPr>
+            <a:picLocks noChangeAspect="1" noChangeArrowheads="1"/>
+          </p:cNvPicPr>
+          <p:nvPr/>
+        </p:nvPicPr>
+        <p:blipFill>
+          <a:blip r:embed="rId6" cstate="print">
+            <a:extLst>
+              <a:ext uri="{28A0092B-C50C-407E-A947-70E740481C1C}">
+                <a14:useLocalDpi xmlns:a14="http://schemas.microsoft.com/office/drawing/2010/main" val="0"/>
+              </a:ext>
+            </a:extLst>
+          </a:blip>
+          <a:srcRect/>
+          <a:stretch>
+            <a:fillRect/>
+          </a:stretch>
+        </p:blipFill>
+        <p:spPr bwMode="auto">
+          <a:xfrm>
+            <a:off x="1065840" y="3926910"/>
+            <a:ext cx="2659523" cy="2770450"/>
+          </a:xfrm>
+          <a:prstGeom prst="rect">
+            <a:avLst/>
+          </a:prstGeom>
+          <a:noFill/>
+          <a:extLst>
+            <a:ext uri="{909E8E84-426E-40DD-AFC4-6F175D3DCCD1}">
+              <a14:hiddenFill xmlns:a14="http://schemas.microsoft.com/office/drawing/2010/main">
+                <a:solidFill>
+                  <a:srgbClr val="FFFFFF"/>
+                </a:solidFill>
+              </a14:hiddenFill>
+            </a:ext>
+          </a:extLst>
+        </p:spPr>
+      </p:pic>
+      <p:pic>
+        <p:nvPicPr>
+          <p:cNvPr id="8196" name="Picture 4" descr="http://www.dataschool.io/content/images/2016/05/python_pandas.jpg"/>
+          <p:cNvPicPr>
+            <a:picLocks noChangeAspect="1" noChangeArrowheads="1"/>
+          </p:cNvPicPr>
+          <p:nvPr/>
+        </p:nvPicPr>
+        <p:blipFill>
+          <a:blip r:embed="rId7">
+            <a:extLst>
+              <a:ext uri="{28A0092B-C50C-407E-A947-70E740481C1C}">
+                <a14:useLocalDpi xmlns:a14="http://schemas.microsoft.com/office/drawing/2010/main" val="0"/>
+              </a:ext>
+            </a:extLst>
+          </a:blip>
+          <a:srcRect/>
+          <a:stretch>
+            <a:fillRect/>
+          </a:stretch>
+        </p:blipFill>
+        <p:spPr bwMode="auto">
+          <a:xfrm>
+            <a:off x="4439477" y="4233025"/>
+            <a:ext cx="3562350" cy="1866901"/>
+          </a:xfrm>
+          <a:prstGeom prst="rect">
+            <a:avLst/>
+          </a:prstGeom>
+          <a:noFill/>
+          <a:extLst>
+            <a:ext uri="{909E8E84-426E-40DD-AFC4-6F175D3DCCD1}">
+              <a14:hiddenFill xmlns:a14="http://schemas.microsoft.com/office/drawing/2010/main">
+                <a:solidFill>
+                  <a:srgbClr val="FFFFFF"/>
+                </a:solidFill>
+              </a14:hiddenFill>
+            </a:ext>
+          </a:extLst>
+        </p:spPr>
+      </p:pic>
+    </p:spTree>
+    <p:extLst>
+      <p:ext uri="{BB962C8B-B14F-4D97-AF65-F5344CB8AC3E}">
+        <p14:creationId xmlns:p14="http://schemas.microsoft.com/office/powerpoint/2010/main" val="440416103"/>
+      </p:ext>
+    </p:extLst>
+  </p:cSld>
+  <p:clrMapOvr>
+    <a:masterClrMapping/>
+  </p:clrMapOvr>
+</p:sld>
+</file>
+
+<file path=ppt/slides/slide57.xml><?xml version="1.0" encoding="utf-8"?>
+<p:sld xmlns:a="http://schemas.openxmlformats.org/drawingml/2006/main" xmlns:r="http://schemas.openxmlformats.org/officeDocument/2006/relationships" xmlns:p="http://schemas.openxmlformats.org/presentationml/2006/main">
+  <p:cSld>
+    <p:spTree>
+      <p:nvGrpSpPr>
+        <p:cNvPr id="1" name=""/>
+        <p:cNvGrpSpPr/>
+        <p:nvPr/>
+      </p:nvGrpSpPr>
+      <p:grpSpPr>
+        <a:xfrm>
+          <a:off x="0" y="0"/>
+          <a:ext cx="0" cy="0"/>
+          <a:chOff x="0" y="0"/>
+          <a:chExt cx="0" cy="0"/>
+        </a:xfrm>
+      </p:grpSpPr>
+      <p:sp>
+        <p:nvSpPr>
+          <p:cNvPr id="2" name="标题 1"/>
+          <p:cNvSpPr>
+            <a:spLocks noGrp="1"/>
+          </p:cNvSpPr>
+          <p:nvPr>
+            <p:ph type="title"/>
+          </p:nvPr>
+        </p:nvSpPr>
+        <p:spPr/>
+        <p:txBody>
+          <a:bodyPr/>
+          <a:lstStyle/>
+          <a:p>
+            <a:r>
+              <a:rPr lang="zh-CN" altLang="en-US" dirty="0"/>
+              <a:t>实践</a:t>
+            </a:r>
+          </a:p>
+        </p:txBody>
+      </p:sp>
+      <p:sp>
+        <p:nvSpPr>
+          <p:cNvPr id="3" name="内容占位符 2"/>
+          <p:cNvSpPr>
+            <a:spLocks noGrp="1"/>
+          </p:cNvSpPr>
+          <p:nvPr>
+            <p:ph idx="1"/>
+          </p:nvPr>
+        </p:nvSpPr>
+        <p:spPr/>
+        <p:txBody>
           <a:bodyPr>
             <a:normAutofit fontScale="55000" lnSpcReduction="20000"/>
           </a:bodyPr>
@@ -31879,7 +34546,7 @@
 </p:sld>
 </file>
 
-<file path=ppt/slides/slide57.xml><?xml version="1.0" encoding="utf-8"?>
+<file path=ppt/slides/slide58.xml><?xml version="1.0" encoding="utf-8"?>
 <p:sld xmlns:a="http://schemas.openxmlformats.org/drawingml/2006/main" xmlns:r="http://schemas.openxmlformats.org/officeDocument/2006/relationships" xmlns:p="http://schemas.openxmlformats.org/presentationml/2006/main">
   <p:cSld>
     <p:spTree>

--- a/data-center-2017-c03-05.pptx
+++ b/data-center-2017-c03-05.pptx
@@ -5,7 +5,7 @@
     <p:sldMasterId id="2147483660" r:id="rId1"/>
   </p:sldMasterIdLst>
   <p:notesMasterIdLst>
-    <p:notesMasterId r:id="rId60"/>
+    <p:notesMasterId r:id="rId61"/>
   </p:notesMasterIdLst>
   <p:sldIdLst>
     <p:sldId id="256" r:id="rId2"/>
@@ -64,8 +64,9 @@
     <p:sldId id="335" r:id="rId55"/>
     <p:sldId id="336" r:id="rId56"/>
     <p:sldId id="337" r:id="rId57"/>
-    <p:sldId id="338" r:id="rId58"/>
-    <p:sldId id="339" r:id="rId59"/>
+    <p:sldId id="346" r:id="rId58"/>
+    <p:sldId id="347" r:id="rId59"/>
+    <p:sldId id="339" r:id="rId60"/>
   </p:sldIdLst>
   <p:sldSz cx="9144000" cy="6858000" type="screen4x3"/>
   <p:notesSz cx="6858000" cy="9144000"/>
@@ -3884,7 +3885,7 @@
           <a:p>
             <a:fld id="{1F43A38B-B670-42C4-AECA-F26E06CFF6E9}" type="datetimeFigureOut">
               <a:rPr lang="zh-CN" altLang="en-US" smtClean="0"/>
-              <a:t>2017/9/21</a:t>
+              <a:t>2017/9/22</a:t>
             </a:fld>
             <a:endParaRPr lang="zh-CN" altLang="en-US"/>
           </a:p>
@@ -6642,7 +6643,7 @@
           <a:p>
             <a:fld id="{59890BD5-1E1C-4C30-A502-83AE4551E3F9}" type="datetimeFigureOut">
               <a:rPr lang="zh-CN" altLang="en-US" smtClean="0"/>
-              <a:t>2017/9/21</a:t>
+              <a:t>2017/9/22</a:t>
             </a:fld>
             <a:endParaRPr lang="zh-CN" altLang="en-US"/>
           </a:p>
@@ -6812,7 +6813,7 @@
           <a:p>
             <a:fld id="{59890BD5-1E1C-4C30-A502-83AE4551E3F9}" type="datetimeFigureOut">
               <a:rPr lang="zh-CN" altLang="en-US" smtClean="0"/>
-              <a:t>2017/9/21</a:t>
+              <a:t>2017/9/22</a:t>
             </a:fld>
             <a:endParaRPr lang="zh-CN" altLang="en-US"/>
           </a:p>
@@ -6992,7 +6993,7 @@
           <a:p>
             <a:fld id="{59890BD5-1E1C-4C30-A502-83AE4551E3F9}" type="datetimeFigureOut">
               <a:rPr lang="zh-CN" altLang="en-US" smtClean="0"/>
-              <a:t>2017/9/21</a:t>
+              <a:t>2017/9/22</a:t>
             </a:fld>
             <a:endParaRPr lang="zh-CN" altLang="en-US"/>
           </a:p>
@@ -7162,7 +7163,7 @@
           <a:p>
             <a:fld id="{59890BD5-1E1C-4C30-A502-83AE4551E3F9}" type="datetimeFigureOut">
               <a:rPr lang="zh-CN" altLang="en-US" smtClean="0"/>
-              <a:t>2017/9/21</a:t>
+              <a:t>2017/9/22</a:t>
             </a:fld>
             <a:endParaRPr lang="zh-CN" altLang="en-US"/>
           </a:p>
@@ -7406,7 +7407,7 @@
           <a:p>
             <a:fld id="{59890BD5-1E1C-4C30-A502-83AE4551E3F9}" type="datetimeFigureOut">
               <a:rPr lang="zh-CN" altLang="en-US" smtClean="0"/>
-              <a:t>2017/9/21</a:t>
+              <a:t>2017/9/22</a:t>
             </a:fld>
             <a:endParaRPr lang="zh-CN" altLang="en-US"/>
           </a:p>
@@ -7638,7 +7639,7 @@
           <a:p>
             <a:fld id="{59890BD5-1E1C-4C30-A502-83AE4551E3F9}" type="datetimeFigureOut">
               <a:rPr lang="zh-CN" altLang="en-US" smtClean="0"/>
-              <a:t>2017/9/21</a:t>
+              <a:t>2017/9/22</a:t>
             </a:fld>
             <a:endParaRPr lang="zh-CN" altLang="en-US"/>
           </a:p>
@@ -8005,7 +8006,7 @@
           <a:p>
             <a:fld id="{59890BD5-1E1C-4C30-A502-83AE4551E3F9}" type="datetimeFigureOut">
               <a:rPr lang="zh-CN" altLang="en-US" smtClean="0"/>
-              <a:t>2017/9/21</a:t>
+              <a:t>2017/9/22</a:t>
             </a:fld>
             <a:endParaRPr lang="zh-CN" altLang="en-US"/>
           </a:p>
@@ -8123,7 +8124,7 @@
           <a:p>
             <a:fld id="{59890BD5-1E1C-4C30-A502-83AE4551E3F9}" type="datetimeFigureOut">
               <a:rPr lang="zh-CN" altLang="en-US" smtClean="0"/>
-              <a:t>2017/9/21</a:t>
+              <a:t>2017/9/22</a:t>
             </a:fld>
             <a:endParaRPr lang="zh-CN" altLang="en-US"/>
           </a:p>
@@ -8218,7 +8219,7 @@
           <a:p>
             <a:fld id="{59890BD5-1E1C-4C30-A502-83AE4551E3F9}" type="datetimeFigureOut">
               <a:rPr lang="zh-CN" altLang="en-US" smtClean="0"/>
-              <a:t>2017/9/21</a:t>
+              <a:t>2017/9/22</a:t>
             </a:fld>
             <a:endParaRPr lang="zh-CN" altLang="en-US"/>
           </a:p>
@@ -8495,7 +8496,7 @@
           <a:p>
             <a:fld id="{59890BD5-1E1C-4C30-A502-83AE4551E3F9}" type="datetimeFigureOut">
               <a:rPr lang="zh-CN" altLang="en-US" smtClean="0"/>
-              <a:t>2017/9/21</a:t>
+              <a:t>2017/9/22</a:t>
             </a:fld>
             <a:endParaRPr lang="zh-CN" altLang="en-US"/>
           </a:p>
@@ -8752,7 +8753,7 @@
           <a:p>
             <a:fld id="{59890BD5-1E1C-4C30-A502-83AE4551E3F9}" type="datetimeFigureOut">
               <a:rPr lang="zh-CN" altLang="en-US" smtClean="0"/>
-              <a:t>2017/9/21</a:t>
+              <a:t>2017/9/22</a:t>
             </a:fld>
             <a:endParaRPr lang="zh-CN" altLang="en-US"/>
           </a:p>
@@ -8965,7 +8966,7 @@
           <a:p>
             <a:fld id="{59890BD5-1E1C-4C30-A502-83AE4551E3F9}" type="datetimeFigureOut">
               <a:rPr lang="zh-CN" altLang="en-US" smtClean="0"/>
-              <a:t>2017/9/21</a:t>
+              <a:t>2017/9/22</a:t>
             </a:fld>
             <a:endParaRPr lang="zh-CN" altLang="en-US"/>
           </a:p>
@@ -34079,43 +34080,16 @@
           <a:p>
             <a:r>
               <a:rPr lang="zh-CN" altLang="en-US" dirty="0"/>
-              <a:t>试一试 </a:t>
-            </a:r>
-            <a:r>
-              <a:rPr lang="en-US" altLang="zh-CN" dirty="0"/>
-              <a:t>Pandas</a:t>
-            </a:r>
+              <a:t>比较虚拟机与容器</a:t>
+            </a:r>
+            <a:endParaRPr lang="en-US" altLang="zh-CN" dirty="0"/>
+          </a:p>
+          <a:p>
             <a:r>
               <a:rPr lang="zh-CN" altLang="en-US" dirty="0"/>
-              <a:t>，与直接部署比较</a:t>
+              <a:t>让虚拟机与容器合作</a:t>
             </a:r>
             <a:endParaRPr lang="en-US" altLang="zh-CN" dirty="0"/>
-          </a:p>
-          <a:p>
-            <a:pPr lvl="1"/>
-            <a:r>
-              <a:rPr lang="en-US" altLang="zh-CN" sz="2000" dirty="0">
-                <a:hlinkClick r:id="rId4"/>
-              </a:rPr>
-              <a:t>https://store.docker.com/community/images/tailordev/pandas</a:t>
-            </a:r>
-            <a:r>
-              <a:rPr lang="en-US" altLang="zh-CN" sz="2000" dirty="0"/>
-              <a:t> </a:t>
-            </a:r>
-          </a:p>
-          <a:p>
-            <a:pPr lvl="1"/>
-            <a:r>
-              <a:rPr lang="en-US" altLang="zh-CN" sz="2000" dirty="0">
-                <a:hlinkClick r:id="rId5"/>
-              </a:rPr>
-              <a:t>https://pypi.python.org/pypi/pandas</a:t>
-            </a:r>
-            <a:r>
-              <a:rPr lang="en-US" altLang="zh-CN" sz="2000" dirty="0"/>
-              <a:t> </a:t>
-            </a:r>
           </a:p>
           <a:p>
             <a:pPr lvl="1"/>
@@ -34125,84 +34099,38 @@
       </p:sp>
       <p:pic>
         <p:nvPicPr>
-          <p:cNvPr id="8194" name="Picture 2" descr="https://www.docker.com/sites/default/files/Icon-Cloud-white.png"/>
+          <p:cNvPr id="5" name="图片 4">
+            <a:extLst>
+              <a:ext uri="{FF2B5EF4-FFF2-40B4-BE49-F238E27FC236}">
+                <a16:creationId xmlns:a16="http://schemas.microsoft.com/office/drawing/2014/main" id="{2E8EA35F-E76D-4626-8AA5-E038BD1AB957}"/>
+              </a:ext>
+            </a:extLst>
+          </p:cNvPr>
           <p:cNvPicPr>
-            <a:picLocks noChangeAspect="1" noChangeArrowheads="1"/>
+            <a:picLocks noChangeAspect="1"/>
           </p:cNvPicPr>
           <p:nvPr/>
         </p:nvPicPr>
         <p:blipFill>
-          <a:blip r:embed="rId6" cstate="print">
+          <a:blip r:embed="rId4">
             <a:extLst>
               <a:ext uri="{28A0092B-C50C-407E-A947-70E740481C1C}">
                 <a14:useLocalDpi xmlns:a14="http://schemas.microsoft.com/office/drawing/2010/main" val="0"/>
               </a:ext>
             </a:extLst>
           </a:blip>
-          <a:srcRect/>
           <a:stretch>
             <a:fillRect/>
           </a:stretch>
         </p:blipFill>
-        <p:spPr bwMode="auto">
+        <p:spPr>
           <a:xfrm>
-            <a:off x="1065840" y="3926910"/>
-            <a:ext cx="2659523" cy="2770450"/>
+            <a:off x="720000" y="4140000"/>
+            <a:ext cx="7419480" cy="2520000"/>
           </a:xfrm>
           <a:prstGeom prst="rect">
             <a:avLst/>
           </a:prstGeom>
-          <a:noFill/>
-          <a:extLst>
-            <a:ext uri="{909E8E84-426E-40DD-AFC4-6F175D3DCCD1}">
-              <a14:hiddenFill xmlns:a14="http://schemas.microsoft.com/office/drawing/2010/main">
-                <a:solidFill>
-                  <a:srgbClr val="FFFFFF"/>
-                </a:solidFill>
-              </a14:hiddenFill>
-            </a:ext>
-          </a:extLst>
-        </p:spPr>
-      </p:pic>
-      <p:pic>
-        <p:nvPicPr>
-          <p:cNvPr id="8196" name="Picture 4" descr="http://www.dataschool.io/content/images/2016/05/python_pandas.jpg"/>
-          <p:cNvPicPr>
-            <a:picLocks noChangeAspect="1" noChangeArrowheads="1"/>
-          </p:cNvPicPr>
-          <p:nvPr/>
-        </p:nvPicPr>
-        <p:blipFill>
-          <a:blip r:embed="rId7">
-            <a:extLst>
-              <a:ext uri="{28A0092B-C50C-407E-A947-70E740481C1C}">
-                <a14:useLocalDpi xmlns:a14="http://schemas.microsoft.com/office/drawing/2010/main" val="0"/>
-              </a:ext>
-            </a:extLst>
-          </a:blip>
-          <a:srcRect/>
-          <a:stretch>
-            <a:fillRect/>
-          </a:stretch>
-        </p:blipFill>
-        <p:spPr bwMode="auto">
-          <a:xfrm>
-            <a:off x="4439477" y="4233025"/>
-            <a:ext cx="3562350" cy="1866901"/>
-          </a:xfrm>
-          <a:prstGeom prst="rect">
-            <a:avLst/>
-          </a:prstGeom>
-          <a:noFill/>
-          <a:extLst>
-            <a:ext uri="{909E8E84-426E-40DD-AFC4-6F175D3DCCD1}">
-              <a14:hiddenFill xmlns:a14="http://schemas.microsoft.com/office/drawing/2010/main">
-                <a:solidFill>
-                  <a:srgbClr val="FFFFFF"/>
-                </a:solidFill>
-              </a14:hiddenFill>
-            </a:ext>
-          </a:extLst>
         </p:spPr>
       </p:pic>
     </p:spTree>
@@ -34237,7 +34165,13 @@
       </p:grpSpPr>
       <p:sp>
         <p:nvSpPr>
-          <p:cNvPr id="2" name="标题 1"/>
+          <p:cNvPr id="2" name="标题 1">
+            <a:extLst>
+              <a:ext uri="{FF2B5EF4-FFF2-40B4-BE49-F238E27FC236}">
+                <a16:creationId xmlns:a16="http://schemas.microsoft.com/office/drawing/2014/main" id="{49417715-838B-4F2E-A5D9-B5FC9024524B}"/>
+              </a:ext>
+            </a:extLst>
+          </p:cNvPr>
           <p:cNvSpPr>
             <a:spLocks noGrp="1"/>
           </p:cNvSpPr>
@@ -34257,286 +34191,84 @@
           </a:p>
         </p:txBody>
       </p:sp>
-      <p:sp>
-        <p:nvSpPr>
-          <p:cNvPr id="3" name="内容占位符 2"/>
-          <p:cNvSpPr>
-            <a:spLocks noGrp="1"/>
-          </p:cNvSpPr>
+      <p:pic>
+        <p:nvPicPr>
+          <p:cNvPr id="5" name="内容占位符 4">
+            <a:extLst>
+              <a:ext uri="{FF2B5EF4-FFF2-40B4-BE49-F238E27FC236}">
+                <a16:creationId xmlns:a16="http://schemas.microsoft.com/office/drawing/2014/main" id="{53341E3D-9017-411C-B8CD-53378286E879}"/>
+              </a:ext>
+            </a:extLst>
+          </p:cNvPr>
+          <p:cNvPicPr>
+            <a:picLocks noGrp="1" noChangeAspect="1"/>
+          </p:cNvPicPr>
           <p:nvPr>
             <p:ph idx="1"/>
           </p:nvPr>
+        </p:nvPicPr>
+        <p:blipFill>
+          <a:blip r:embed="rId2">
+            <a:extLst>
+              <a:ext uri="{28A0092B-C50C-407E-A947-70E740481C1C}">
+                <a14:useLocalDpi xmlns:a14="http://schemas.microsoft.com/office/drawing/2010/main" val="0"/>
+              </a:ext>
+            </a:extLst>
+          </a:blip>
+          <a:stretch>
+            <a:fillRect/>
+          </a:stretch>
+        </p:blipFill>
+        <p:spPr>
+          <a:xfrm>
+            <a:off x="1773112" y="1825625"/>
+            <a:ext cx="5597776" cy="4351338"/>
+          </a:xfrm>
+        </p:spPr>
+      </p:pic>
+      <p:sp>
+        <p:nvSpPr>
+          <p:cNvPr id="6" name="矩形 5">
+            <a:extLst>
+              <a:ext uri="{FF2B5EF4-FFF2-40B4-BE49-F238E27FC236}">
+                <a16:creationId xmlns:a16="http://schemas.microsoft.com/office/drawing/2014/main" id="{5A036668-BB1F-4E7D-848C-2FB41760BD51}"/>
+              </a:ext>
+            </a:extLst>
+          </p:cNvPr>
+          <p:cNvSpPr/>
+          <p:nvPr/>
         </p:nvSpPr>
-        <p:spPr/>
+        <p:spPr>
+          <a:xfrm>
+            <a:off x="1080000" y="6488389"/>
+            <a:ext cx="7920000" cy="360000"/>
+          </a:xfrm>
+          <a:prstGeom prst="rect">
+            <a:avLst/>
+          </a:prstGeom>
+        </p:spPr>
         <p:txBody>
           <a:bodyPr>
-            <a:normAutofit fontScale="55000" lnSpcReduction="20000"/>
+            <a:noAutofit/>
           </a:bodyPr>
           <a:lstStyle/>
           <a:p>
-            <a:pPr>
-              <a:lnSpc>
-                <a:spcPct val="130000"/>
-              </a:lnSpc>
-              <a:spcBef>
-                <a:spcPts val="0"/>
-              </a:spcBef>
-            </a:pPr>
-            <a:r>
-              <a:rPr lang="en-US" altLang="zh-CN" dirty="0"/>
-              <a:t>Pandas Dependencies</a:t>
-            </a:r>
-          </a:p>
-          <a:p>
-            <a:pPr lvl="1">
-              <a:lnSpc>
-                <a:spcPct val="130000"/>
-              </a:lnSpc>
-              <a:spcBef>
-                <a:spcPts val="0"/>
-              </a:spcBef>
-            </a:pPr>
-            <a:r>
-              <a:rPr lang="en-US" altLang="zh-CN" dirty="0" err="1"/>
-              <a:t>setuptools</a:t>
-            </a:r>
-            <a:endParaRPr lang="en-US" altLang="zh-CN" dirty="0"/>
-          </a:p>
-          <a:p>
-            <a:pPr lvl="1">
-              <a:lnSpc>
-                <a:spcPct val="130000"/>
-              </a:lnSpc>
-              <a:spcBef>
-                <a:spcPts val="0"/>
-              </a:spcBef>
-            </a:pPr>
-            <a:r>
-              <a:rPr lang="en-US" altLang="zh-CN" dirty="0" err="1"/>
-              <a:t>NumPy</a:t>
-            </a:r>
-            <a:r>
-              <a:rPr lang="en-US" altLang="zh-CN" dirty="0"/>
-              <a:t>: 1.7.1 or higher</a:t>
-            </a:r>
-          </a:p>
-          <a:p>
-            <a:pPr lvl="1">
-              <a:lnSpc>
-                <a:spcPct val="130000"/>
-              </a:lnSpc>
-              <a:spcBef>
-                <a:spcPts val="0"/>
-              </a:spcBef>
-            </a:pPr>
-            <a:r>
-              <a:rPr lang="en-US" altLang="zh-CN" dirty="0"/>
-              <a:t>python-</a:t>
-            </a:r>
-            <a:r>
-              <a:rPr lang="en-US" altLang="zh-CN" dirty="0" err="1"/>
-              <a:t>dateutil</a:t>
-            </a:r>
-            <a:r>
-              <a:rPr lang="en-US" altLang="zh-CN" dirty="0"/>
-              <a:t>: 1.5 or higher</a:t>
-            </a:r>
-          </a:p>
-          <a:p>
-            <a:pPr lvl="1">
-              <a:lnSpc>
-                <a:spcPct val="130000"/>
-              </a:lnSpc>
-              <a:spcBef>
-                <a:spcPts val="0"/>
-              </a:spcBef>
-            </a:pPr>
-            <a:r>
-              <a:rPr lang="en-US" altLang="zh-CN" dirty="0" err="1"/>
-              <a:t>pytz</a:t>
-            </a:r>
-            <a:r>
-              <a:rPr lang="en-US" altLang="zh-CN" dirty="0"/>
-              <a:t>: Needed for time zone support</a:t>
-            </a:r>
-          </a:p>
-          <a:p>
-            <a:pPr>
-              <a:lnSpc>
-                <a:spcPct val="130000"/>
-              </a:lnSpc>
-              <a:spcBef>
-                <a:spcPts val="0"/>
-              </a:spcBef>
-            </a:pPr>
-            <a:r>
-              <a:rPr lang="en-US" altLang="zh-CN" dirty="0"/>
-              <a:t>Recommended Dependencies (for performance)</a:t>
-            </a:r>
-          </a:p>
-          <a:p>
-            <a:pPr lvl="1">
-              <a:lnSpc>
-                <a:spcPct val="130000"/>
-              </a:lnSpc>
-              <a:spcBef>
-                <a:spcPts val="0"/>
-              </a:spcBef>
-            </a:pPr>
-            <a:r>
-              <a:rPr lang="en-US" altLang="zh-CN" dirty="0" err="1"/>
-              <a:t>numexpr</a:t>
-            </a:r>
-            <a:r>
-              <a:rPr lang="en-US" altLang="zh-CN" dirty="0"/>
-              <a:t>: for accelerating certain numerical operations. </a:t>
-            </a:r>
-            <a:r>
-              <a:rPr lang="en-US" altLang="zh-CN" dirty="0" err="1"/>
-              <a:t>numexpr</a:t>
-            </a:r>
-            <a:r>
-              <a:rPr lang="en-US" altLang="zh-CN" dirty="0"/>
-              <a:t> uses multiple cores as well as smart chunking and caching to achieve large speedups. If installed, must be Version 2.1 or higher (excluding a buggy 2.4.4). Version 2.4.6 or higher is highly recommended.</a:t>
-            </a:r>
-          </a:p>
-          <a:p>
-            <a:pPr lvl="1">
-              <a:lnSpc>
-                <a:spcPct val="130000"/>
-              </a:lnSpc>
-              <a:spcBef>
-                <a:spcPts val="0"/>
-              </a:spcBef>
-            </a:pPr>
-            <a:r>
-              <a:rPr lang="en-US" altLang="zh-CN" dirty="0"/>
-              <a:t>bottleneck: for accelerating certain types of nan evaluations. bottleneck uses specialized </a:t>
-            </a:r>
-            <a:r>
-              <a:rPr lang="en-US" altLang="zh-CN" dirty="0" err="1"/>
-              <a:t>cython</a:t>
-            </a:r>
-            <a:r>
-              <a:rPr lang="en-US" altLang="zh-CN" dirty="0"/>
-              <a:t> routines to achieve large speedups.</a:t>
-            </a:r>
-          </a:p>
-          <a:p>
-            <a:pPr>
-              <a:lnSpc>
-                <a:spcPct val="130000"/>
-              </a:lnSpc>
-              <a:spcBef>
-                <a:spcPts val="0"/>
-              </a:spcBef>
-            </a:pPr>
-            <a:r>
-              <a:rPr lang="en-US" altLang="zh-CN" dirty="0"/>
-              <a:t>Optional Dependencies</a:t>
-            </a:r>
-          </a:p>
-          <a:p>
-            <a:pPr lvl="1">
-              <a:lnSpc>
-                <a:spcPct val="130000"/>
-              </a:lnSpc>
-              <a:spcBef>
-                <a:spcPts val="0"/>
-              </a:spcBef>
-            </a:pPr>
-            <a:r>
-              <a:rPr lang="en-US" altLang="zh-CN" dirty="0" err="1"/>
-              <a:t>Cython</a:t>
-            </a:r>
-            <a:r>
-              <a:rPr lang="en-US" altLang="zh-CN" dirty="0"/>
-              <a:t>: Only necessary to build development version. Version 0.19.1 or higher.</a:t>
-            </a:r>
-          </a:p>
-          <a:p>
-            <a:pPr lvl="1">
-              <a:lnSpc>
-                <a:spcPct val="130000"/>
-              </a:lnSpc>
-              <a:spcBef>
-                <a:spcPts val="0"/>
-              </a:spcBef>
-            </a:pPr>
-            <a:r>
-              <a:rPr lang="en-US" altLang="zh-CN" dirty="0" err="1"/>
-              <a:t>SciPy</a:t>
-            </a:r>
-            <a:r>
-              <a:rPr lang="en-US" altLang="zh-CN" dirty="0"/>
-              <a:t>: miscellaneous statistical functions</a:t>
-            </a:r>
-          </a:p>
-          <a:p>
-            <a:pPr lvl="1">
-              <a:lnSpc>
-                <a:spcPct val="130000"/>
-              </a:lnSpc>
-              <a:spcBef>
-                <a:spcPts val="0"/>
-              </a:spcBef>
-            </a:pPr>
-            <a:r>
-              <a:rPr lang="en-US" altLang="zh-CN" dirty="0" err="1"/>
-              <a:t>xarray</a:t>
-            </a:r>
-            <a:r>
-              <a:rPr lang="en-US" altLang="zh-CN" dirty="0"/>
-              <a:t>: pandas like handling for &gt; 2 dims, needed for converting Panels to </a:t>
-            </a:r>
-            <a:r>
-              <a:rPr lang="en-US" altLang="zh-CN" dirty="0" err="1"/>
-              <a:t>xarray</a:t>
-            </a:r>
-            <a:r>
-              <a:rPr lang="en-US" altLang="zh-CN" dirty="0"/>
-              <a:t> objects. Version 0.7.0 or higher is recommended.</a:t>
-            </a:r>
-          </a:p>
-          <a:p>
-            <a:pPr lvl="1">
-              <a:lnSpc>
-                <a:spcPct val="130000"/>
-              </a:lnSpc>
-              <a:spcBef>
-                <a:spcPts val="0"/>
-              </a:spcBef>
-            </a:pPr>
-            <a:r>
-              <a:rPr lang="en-US" altLang="zh-CN" dirty="0" err="1"/>
-              <a:t>PyTables</a:t>
-            </a:r>
-            <a:r>
-              <a:rPr lang="en-US" altLang="zh-CN" dirty="0"/>
-              <a:t>: necessary for HDF5-based storage. Version 3.0.0 or higher required, Version 3.2.1 or higher highly recommended.</a:t>
-            </a:r>
-          </a:p>
-          <a:p>
-            <a:pPr lvl="1">
-              <a:lnSpc>
-                <a:spcPct val="130000"/>
-              </a:lnSpc>
-              <a:spcBef>
-                <a:spcPts val="0"/>
-              </a:spcBef>
-            </a:pPr>
-            <a:r>
-              <a:rPr lang="en-US" altLang="zh-CN" dirty="0"/>
-              <a:t>… …</a:t>
-            </a:r>
-            <a:endParaRPr lang="zh-CN" altLang="en-US" dirty="0"/>
+            <a:pPr algn="r"/>
+            <a:r>
+              <a:rPr lang="zh-CN" altLang="en-US" dirty="0">
+                <a:latin typeface="Times New Roman" panose="02020603050405020304" pitchFamily="18" charset="0"/>
+                <a:ea typeface="黑体" panose="02010609060101010101" pitchFamily="49" charset="-122"/>
+                <a:cs typeface="Times New Roman" panose="02020603050405020304" pitchFamily="18" charset="0"/>
+              </a:rPr>
+              <a:t>https://nickjanetakis.com/blog/comparing-virtual-machines-vs-docker-containers</a:t>
+            </a:r>
           </a:p>
         </p:txBody>
       </p:sp>
     </p:spTree>
     <p:extLst>
       <p:ext uri="{BB962C8B-B14F-4D97-AF65-F5344CB8AC3E}">
-        <p14:creationId xmlns:p14="http://schemas.microsoft.com/office/powerpoint/2010/main" val="1732679957"/>
+        <p14:creationId xmlns:p14="http://schemas.microsoft.com/office/powerpoint/2010/main" val="72368527"/>
       </p:ext>
     </p:extLst>
   </p:cSld>
@@ -34547,6 +34279,138 @@
 </file>
 
 <file path=ppt/slides/slide58.xml><?xml version="1.0" encoding="utf-8"?>
+<p:sld xmlns:a="http://schemas.openxmlformats.org/drawingml/2006/main" xmlns:r="http://schemas.openxmlformats.org/officeDocument/2006/relationships" xmlns:p="http://schemas.openxmlformats.org/presentationml/2006/main">
+  <p:cSld>
+    <p:spTree>
+      <p:nvGrpSpPr>
+        <p:cNvPr id="1" name=""/>
+        <p:cNvGrpSpPr/>
+        <p:nvPr/>
+      </p:nvGrpSpPr>
+      <p:grpSpPr>
+        <a:xfrm>
+          <a:off x="0" y="0"/>
+          <a:ext cx="0" cy="0"/>
+          <a:chOff x="0" y="0"/>
+          <a:chExt cx="0" cy="0"/>
+        </a:xfrm>
+      </p:grpSpPr>
+      <p:sp>
+        <p:nvSpPr>
+          <p:cNvPr id="2" name="标题 1">
+            <a:extLst>
+              <a:ext uri="{FF2B5EF4-FFF2-40B4-BE49-F238E27FC236}">
+                <a16:creationId xmlns:a16="http://schemas.microsoft.com/office/drawing/2014/main" id="{7DA696E8-8FE7-4173-BA76-3AD95DBABB3E}"/>
+              </a:ext>
+            </a:extLst>
+          </p:cNvPr>
+          <p:cNvSpPr>
+            <a:spLocks noGrp="1"/>
+          </p:cNvSpPr>
+          <p:nvPr>
+            <p:ph type="title"/>
+          </p:nvPr>
+        </p:nvSpPr>
+        <p:spPr/>
+        <p:txBody>
+          <a:bodyPr/>
+          <a:lstStyle/>
+          <a:p>
+            <a:r>
+              <a:rPr lang="zh-CN" altLang="en-US" dirty="0"/>
+              <a:t>实践</a:t>
+            </a:r>
+          </a:p>
+        </p:txBody>
+      </p:sp>
+      <p:pic>
+        <p:nvPicPr>
+          <p:cNvPr id="5" name="内容占位符 4">
+            <a:extLst>
+              <a:ext uri="{FF2B5EF4-FFF2-40B4-BE49-F238E27FC236}">
+                <a16:creationId xmlns:a16="http://schemas.microsoft.com/office/drawing/2014/main" id="{7414B9E4-3ABA-448C-B6F6-91634B03F0F4}"/>
+              </a:ext>
+            </a:extLst>
+          </p:cNvPr>
+          <p:cNvPicPr>
+            <a:picLocks noGrp="1" noChangeAspect="1"/>
+          </p:cNvPicPr>
+          <p:nvPr>
+            <p:ph idx="1"/>
+          </p:nvPr>
+        </p:nvPicPr>
+        <p:blipFill>
+          <a:blip r:embed="rId2">
+            <a:extLst>
+              <a:ext uri="{28A0092B-C50C-407E-A947-70E740481C1C}">
+                <a14:useLocalDpi xmlns:a14="http://schemas.microsoft.com/office/drawing/2010/main" val="0"/>
+              </a:ext>
+            </a:extLst>
+          </a:blip>
+          <a:stretch>
+            <a:fillRect/>
+          </a:stretch>
+        </p:blipFill>
+        <p:spPr>
+          <a:xfrm>
+            <a:off x="1000125" y="2291556"/>
+            <a:ext cx="7143750" cy="3419475"/>
+          </a:xfrm>
+        </p:spPr>
+      </p:pic>
+      <p:sp>
+        <p:nvSpPr>
+          <p:cNvPr id="6" name="矩形 5">
+            <a:extLst>
+              <a:ext uri="{FF2B5EF4-FFF2-40B4-BE49-F238E27FC236}">
+                <a16:creationId xmlns:a16="http://schemas.microsoft.com/office/drawing/2014/main" id="{3BB848FE-9AAB-4302-9EF3-D5C490E97A70}"/>
+              </a:ext>
+            </a:extLst>
+          </p:cNvPr>
+          <p:cNvSpPr/>
+          <p:nvPr/>
+        </p:nvSpPr>
+        <p:spPr>
+          <a:xfrm>
+            <a:off x="1080000" y="6480000"/>
+            <a:ext cx="7920000" cy="360000"/>
+          </a:xfrm>
+          <a:prstGeom prst="rect">
+            <a:avLst/>
+          </a:prstGeom>
+        </p:spPr>
+        <p:txBody>
+          <a:bodyPr>
+            <a:noAutofit/>
+          </a:bodyPr>
+          <a:lstStyle/>
+          <a:p>
+            <a:pPr algn="r"/>
+            <a:r>
+              <a:rPr lang="zh-CN" altLang="en-US" dirty="0">
+                <a:latin typeface="Times New Roman" panose="02020603050405020304" pitchFamily="18" charset="0"/>
+                <a:ea typeface="黑体" panose="02010609060101010101" pitchFamily="49" charset="-122"/>
+                <a:cs typeface="Times New Roman" panose="02020603050405020304" pitchFamily="18" charset="0"/>
+              </a:rPr>
+              <a:t>https://nickjanetakis.com/blog/comparing-virtual-machines-vs-docker-containers</a:t>
+            </a:r>
+          </a:p>
+        </p:txBody>
+      </p:sp>
+    </p:spTree>
+    <p:extLst>
+      <p:ext uri="{BB962C8B-B14F-4D97-AF65-F5344CB8AC3E}">
+        <p14:creationId xmlns:p14="http://schemas.microsoft.com/office/powerpoint/2010/main" val="104880500"/>
+      </p:ext>
+    </p:extLst>
+  </p:cSld>
+  <p:clrMapOvr>
+    <a:masterClrMapping/>
+  </p:clrMapOvr>
+</p:sld>
+</file>
+
+<file path=ppt/slides/slide59.xml><?xml version="1.0" encoding="utf-8"?>
 <p:sld xmlns:a="http://schemas.openxmlformats.org/drawingml/2006/main" xmlns:r="http://schemas.openxmlformats.org/officeDocument/2006/relationships" xmlns:p="http://schemas.openxmlformats.org/presentationml/2006/main">
   <p:cSld>
     <p:spTree>

--- a/data-center-2017-c03-05.pptx
+++ b/data-center-2017-c03-05.pptx
@@ -3885,7 +3885,7 @@
           <a:p>
             <a:fld id="{1F43A38B-B670-42C4-AECA-F26E06CFF6E9}" type="datetimeFigureOut">
               <a:rPr lang="zh-CN" altLang="en-US" smtClean="0"/>
-              <a:t>2017/9/22</a:t>
+              <a:t>2017/9/26</a:t>
             </a:fld>
             <a:endParaRPr lang="zh-CN" altLang="en-US"/>
           </a:p>
@@ -6643,7 +6643,7 @@
           <a:p>
             <a:fld id="{59890BD5-1E1C-4C30-A502-83AE4551E3F9}" type="datetimeFigureOut">
               <a:rPr lang="zh-CN" altLang="en-US" smtClean="0"/>
-              <a:t>2017/9/22</a:t>
+              <a:t>2017/9/26</a:t>
             </a:fld>
             <a:endParaRPr lang="zh-CN" altLang="en-US"/>
           </a:p>
@@ -6813,7 +6813,7 @@
           <a:p>
             <a:fld id="{59890BD5-1E1C-4C30-A502-83AE4551E3F9}" type="datetimeFigureOut">
               <a:rPr lang="zh-CN" altLang="en-US" smtClean="0"/>
-              <a:t>2017/9/22</a:t>
+              <a:t>2017/9/26</a:t>
             </a:fld>
             <a:endParaRPr lang="zh-CN" altLang="en-US"/>
           </a:p>
@@ -6993,7 +6993,7 @@
           <a:p>
             <a:fld id="{59890BD5-1E1C-4C30-A502-83AE4551E3F9}" type="datetimeFigureOut">
               <a:rPr lang="zh-CN" altLang="en-US" smtClean="0"/>
-              <a:t>2017/9/22</a:t>
+              <a:t>2017/9/26</a:t>
             </a:fld>
             <a:endParaRPr lang="zh-CN" altLang="en-US"/>
           </a:p>
@@ -7163,7 +7163,7 @@
           <a:p>
             <a:fld id="{59890BD5-1E1C-4C30-A502-83AE4551E3F9}" type="datetimeFigureOut">
               <a:rPr lang="zh-CN" altLang="en-US" smtClean="0"/>
-              <a:t>2017/9/22</a:t>
+              <a:t>2017/9/26</a:t>
             </a:fld>
             <a:endParaRPr lang="zh-CN" altLang="en-US"/>
           </a:p>
@@ -7407,7 +7407,7 @@
           <a:p>
             <a:fld id="{59890BD5-1E1C-4C30-A502-83AE4551E3F9}" type="datetimeFigureOut">
               <a:rPr lang="zh-CN" altLang="en-US" smtClean="0"/>
-              <a:t>2017/9/22</a:t>
+              <a:t>2017/9/26</a:t>
             </a:fld>
             <a:endParaRPr lang="zh-CN" altLang="en-US"/>
           </a:p>
@@ -7639,7 +7639,7 @@
           <a:p>
             <a:fld id="{59890BD5-1E1C-4C30-A502-83AE4551E3F9}" type="datetimeFigureOut">
               <a:rPr lang="zh-CN" altLang="en-US" smtClean="0"/>
-              <a:t>2017/9/22</a:t>
+              <a:t>2017/9/26</a:t>
             </a:fld>
             <a:endParaRPr lang="zh-CN" altLang="en-US"/>
           </a:p>
@@ -8006,7 +8006,7 @@
           <a:p>
             <a:fld id="{59890BD5-1E1C-4C30-A502-83AE4551E3F9}" type="datetimeFigureOut">
               <a:rPr lang="zh-CN" altLang="en-US" smtClean="0"/>
-              <a:t>2017/9/22</a:t>
+              <a:t>2017/9/26</a:t>
             </a:fld>
             <a:endParaRPr lang="zh-CN" altLang="en-US"/>
           </a:p>
@@ -8124,7 +8124,7 @@
           <a:p>
             <a:fld id="{59890BD5-1E1C-4C30-A502-83AE4551E3F9}" type="datetimeFigureOut">
               <a:rPr lang="zh-CN" altLang="en-US" smtClean="0"/>
-              <a:t>2017/9/22</a:t>
+              <a:t>2017/9/26</a:t>
             </a:fld>
             <a:endParaRPr lang="zh-CN" altLang="en-US"/>
           </a:p>
@@ -8219,7 +8219,7 @@
           <a:p>
             <a:fld id="{59890BD5-1E1C-4C30-A502-83AE4551E3F9}" type="datetimeFigureOut">
               <a:rPr lang="zh-CN" altLang="en-US" smtClean="0"/>
-              <a:t>2017/9/22</a:t>
+              <a:t>2017/9/26</a:t>
             </a:fld>
             <a:endParaRPr lang="zh-CN" altLang="en-US"/>
           </a:p>
@@ -8496,7 +8496,7 @@
           <a:p>
             <a:fld id="{59890BD5-1E1C-4C30-A502-83AE4551E3F9}" type="datetimeFigureOut">
               <a:rPr lang="zh-CN" altLang="en-US" smtClean="0"/>
-              <a:t>2017/9/22</a:t>
+              <a:t>2017/9/26</a:t>
             </a:fld>
             <a:endParaRPr lang="zh-CN" altLang="en-US"/>
           </a:p>
@@ -8753,7 +8753,7 @@
           <a:p>
             <a:fld id="{59890BD5-1E1C-4C30-A502-83AE4551E3F9}" type="datetimeFigureOut">
               <a:rPr lang="zh-CN" altLang="en-US" smtClean="0"/>
-              <a:t>2017/9/22</a:t>
+              <a:t>2017/9/26</a:t>
             </a:fld>
             <a:endParaRPr lang="zh-CN" altLang="en-US"/>
           </a:p>
@@ -8966,7 +8966,7 @@
           <a:p>
             <a:fld id="{59890BD5-1E1C-4C30-A502-83AE4551E3F9}" type="datetimeFigureOut">
               <a:rPr lang="zh-CN" altLang="en-US" smtClean="0"/>
-              <a:t>2017/9/22</a:t>
+              <a:t>2017/9/26</a:t>
             </a:fld>
             <a:endParaRPr lang="zh-CN" altLang="en-US"/>
           </a:p>
@@ -24556,6 +24556,13 @@
               <a:rPr lang="en-US" altLang="zh-CN" dirty="0"/>
               <a:t>Vagrant</a:t>
             </a:r>
+          </a:p>
+          <a:p>
+            <a:pPr lvl="1"/>
+            <a:r>
+              <a:rPr lang="en-US" altLang="zh-CN" dirty="0"/>
+              <a:t>https://github.com/ShiZhan/ubuntu-xenial-amd64-docker-cluster</a:t>
+            </a:r>
             <a:endParaRPr lang="zh-CN" altLang="en-US" dirty="0"/>
           </a:p>
         </p:txBody>

--- a/data-center-2017-c03-05.pptx
+++ b/data-center-2017-c03-05.pptx
@@ -5,7 +5,7 @@
     <p:sldMasterId id="2147483660" r:id="rId1"/>
   </p:sldMasterIdLst>
   <p:notesMasterIdLst>
-    <p:notesMasterId r:id="rId61"/>
+    <p:notesMasterId r:id="rId63"/>
   </p:notesMasterIdLst>
   <p:sldIdLst>
     <p:sldId id="256" r:id="rId2"/>
@@ -67,6 +67,8 @@
     <p:sldId id="346" r:id="rId58"/>
     <p:sldId id="347" r:id="rId59"/>
     <p:sldId id="339" r:id="rId60"/>
+    <p:sldId id="348" r:id="rId61"/>
+    <p:sldId id="349" r:id="rId62"/>
   </p:sldIdLst>
   <p:sldSz cx="9144000" cy="6858000" type="screen4x3"/>
   <p:notesSz cx="6858000" cy="9144000"/>
@@ -3885,7 +3887,7 @@
           <a:p>
             <a:fld id="{1F43A38B-B670-42C4-AECA-F26E06CFF6E9}" type="datetimeFigureOut">
               <a:rPr lang="zh-CN" altLang="en-US" smtClean="0"/>
-              <a:t>2017/9/26</a:t>
+              <a:t>2017/9/28</a:t>
             </a:fld>
             <a:endParaRPr lang="zh-CN" altLang="en-US"/>
           </a:p>
@@ -6643,7 +6645,7 @@
           <a:p>
             <a:fld id="{59890BD5-1E1C-4C30-A502-83AE4551E3F9}" type="datetimeFigureOut">
               <a:rPr lang="zh-CN" altLang="en-US" smtClean="0"/>
-              <a:t>2017/9/26</a:t>
+              <a:t>2017/9/28</a:t>
             </a:fld>
             <a:endParaRPr lang="zh-CN" altLang="en-US"/>
           </a:p>
@@ -6813,7 +6815,7 @@
           <a:p>
             <a:fld id="{59890BD5-1E1C-4C30-A502-83AE4551E3F9}" type="datetimeFigureOut">
               <a:rPr lang="zh-CN" altLang="en-US" smtClean="0"/>
-              <a:t>2017/9/26</a:t>
+              <a:t>2017/9/28</a:t>
             </a:fld>
             <a:endParaRPr lang="zh-CN" altLang="en-US"/>
           </a:p>
@@ -6993,7 +6995,7 @@
           <a:p>
             <a:fld id="{59890BD5-1E1C-4C30-A502-83AE4551E3F9}" type="datetimeFigureOut">
               <a:rPr lang="zh-CN" altLang="en-US" smtClean="0"/>
-              <a:t>2017/9/26</a:t>
+              <a:t>2017/9/28</a:t>
             </a:fld>
             <a:endParaRPr lang="zh-CN" altLang="en-US"/>
           </a:p>
@@ -7163,7 +7165,7 @@
           <a:p>
             <a:fld id="{59890BD5-1E1C-4C30-A502-83AE4551E3F9}" type="datetimeFigureOut">
               <a:rPr lang="zh-CN" altLang="en-US" smtClean="0"/>
-              <a:t>2017/9/26</a:t>
+              <a:t>2017/9/28</a:t>
             </a:fld>
             <a:endParaRPr lang="zh-CN" altLang="en-US"/>
           </a:p>
@@ -7407,7 +7409,7 @@
           <a:p>
             <a:fld id="{59890BD5-1E1C-4C30-A502-83AE4551E3F9}" type="datetimeFigureOut">
               <a:rPr lang="zh-CN" altLang="en-US" smtClean="0"/>
-              <a:t>2017/9/26</a:t>
+              <a:t>2017/9/28</a:t>
             </a:fld>
             <a:endParaRPr lang="zh-CN" altLang="en-US"/>
           </a:p>
@@ -7639,7 +7641,7 @@
           <a:p>
             <a:fld id="{59890BD5-1E1C-4C30-A502-83AE4551E3F9}" type="datetimeFigureOut">
               <a:rPr lang="zh-CN" altLang="en-US" smtClean="0"/>
-              <a:t>2017/9/26</a:t>
+              <a:t>2017/9/28</a:t>
             </a:fld>
             <a:endParaRPr lang="zh-CN" altLang="en-US"/>
           </a:p>
@@ -8006,7 +8008,7 @@
           <a:p>
             <a:fld id="{59890BD5-1E1C-4C30-A502-83AE4551E3F9}" type="datetimeFigureOut">
               <a:rPr lang="zh-CN" altLang="en-US" smtClean="0"/>
-              <a:t>2017/9/26</a:t>
+              <a:t>2017/9/28</a:t>
             </a:fld>
             <a:endParaRPr lang="zh-CN" altLang="en-US"/>
           </a:p>
@@ -8124,7 +8126,7 @@
           <a:p>
             <a:fld id="{59890BD5-1E1C-4C30-A502-83AE4551E3F9}" type="datetimeFigureOut">
               <a:rPr lang="zh-CN" altLang="en-US" smtClean="0"/>
-              <a:t>2017/9/26</a:t>
+              <a:t>2017/9/28</a:t>
             </a:fld>
             <a:endParaRPr lang="zh-CN" altLang="en-US"/>
           </a:p>
@@ -8219,7 +8221,7 @@
           <a:p>
             <a:fld id="{59890BD5-1E1C-4C30-A502-83AE4551E3F9}" type="datetimeFigureOut">
               <a:rPr lang="zh-CN" altLang="en-US" smtClean="0"/>
-              <a:t>2017/9/26</a:t>
+              <a:t>2017/9/28</a:t>
             </a:fld>
             <a:endParaRPr lang="zh-CN" altLang="en-US"/>
           </a:p>
@@ -8496,7 +8498,7 @@
           <a:p>
             <a:fld id="{59890BD5-1E1C-4C30-A502-83AE4551E3F9}" type="datetimeFigureOut">
               <a:rPr lang="zh-CN" altLang="en-US" smtClean="0"/>
-              <a:t>2017/9/26</a:t>
+              <a:t>2017/9/28</a:t>
             </a:fld>
             <a:endParaRPr lang="zh-CN" altLang="en-US"/>
           </a:p>
@@ -8753,7 +8755,7 @@
           <a:p>
             <a:fld id="{59890BD5-1E1C-4C30-A502-83AE4551E3F9}" type="datetimeFigureOut">
               <a:rPr lang="zh-CN" altLang="en-US" smtClean="0"/>
-              <a:t>2017/9/26</a:t>
+              <a:t>2017/9/28</a:t>
             </a:fld>
             <a:endParaRPr lang="zh-CN" altLang="en-US"/>
           </a:p>
@@ -8966,7 +8968,7 @@
           <a:p>
             <a:fld id="{59890BD5-1E1C-4C30-A502-83AE4551E3F9}" type="datetimeFigureOut">
               <a:rPr lang="zh-CN" altLang="en-US" smtClean="0"/>
-              <a:t>2017/9/26</a:t>
+              <a:t>2017/9/28</a:t>
             </a:fld>
             <a:endParaRPr lang="zh-CN" altLang="en-US"/>
           </a:p>
@@ -35110,6 +35112,531 @@
 </p:sld>
 </file>
 
+<file path=ppt/slides/slide60.xml><?xml version="1.0" encoding="utf-8"?>
+<p:sld xmlns:a="http://schemas.openxmlformats.org/drawingml/2006/main" xmlns:r="http://schemas.openxmlformats.org/officeDocument/2006/relationships" xmlns:p="http://schemas.openxmlformats.org/presentationml/2006/main">
+  <p:cSld>
+    <p:spTree>
+      <p:nvGrpSpPr>
+        <p:cNvPr id="1" name=""/>
+        <p:cNvGrpSpPr/>
+        <p:nvPr/>
+      </p:nvGrpSpPr>
+      <p:grpSpPr>
+        <a:xfrm>
+          <a:off x="0" y="0"/>
+          <a:ext cx="0" cy="0"/>
+          <a:chOff x="0" y="0"/>
+          <a:chExt cx="0" cy="0"/>
+        </a:xfrm>
+      </p:grpSpPr>
+      <p:sp>
+        <p:nvSpPr>
+          <p:cNvPr id="2" name="标题 1">
+            <a:extLst>
+              <a:ext uri="{FF2B5EF4-FFF2-40B4-BE49-F238E27FC236}">
+                <a16:creationId xmlns:a16="http://schemas.microsoft.com/office/drawing/2014/main" id="{2ACA6D83-3835-44D8-8D44-5931F7864ED5}"/>
+              </a:ext>
+            </a:extLst>
+          </p:cNvPr>
+          <p:cNvSpPr>
+            <a:spLocks noGrp="1"/>
+          </p:cNvSpPr>
+          <p:nvPr>
+            <p:ph type="title"/>
+          </p:nvPr>
+        </p:nvSpPr>
+        <p:spPr/>
+        <p:txBody>
+          <a:bodyPr/>
+          <a:lstStyle/>
+          <a:p>
+            <a:r>
+              <a:rPr lang="zh-CN" altLang="en-US" dirty="0"/>
+              <a:t>阅读列表</a:t>
+            </a:r>
+          </a:p>
+        </p:txBody>
+      </p:sp>
+      <p:sp>
+        <p:nvSpPr>
+          <p:cNvPr id="3" name="内容占位符 2">
+            <a:extLst>
+              <a:ext uri="{FF2B5EF4-FFF2-40B4-BE49-F238E27FC236}">
+                <a16:creationId xmlns:a16="http://schemas.microsoft.com/office/drawing/2014/main" id="{14C78D58-0467-4B27-A9E3-D5365E776D7D}"/>
+              </a:ext>
+            </a:extLst>
+          </p:cNvPr>
+          <p:cNvSpPr>
+            <a:spLocks noGrp="1"/>
+          </p:cNvSpPr>
+          <p:nvPr>
+            <p:ph idx="1"/>
+          </p:nvPr>
+        </p:nvSpPr>
+        <p:spPr/>
+        <p:txBody>
+          <a:bodyPr>
+            <a:normAutofit/>
+          </a:bodyPr>
+          <a:lstStyle/>
+          <a:p>
+            <a:pPr marL="360000" indent="-360000">
+              <a:lnSpc>
+                <a:spcPct val="100000"/>
+              </a:lnSpc>
+              <a:spcBef>
+                <a:spcPts val="0"/>
+              </a:spcBef>
+              <a:buFont typeface="+mj-lt"/>
+              <a:buAutoNum type="arabicPeriod"/>
+            </a:pPr>
+            <a:r>
+              <a:rPr lang="en-US" altLang="zh-CN" sz="1400" dirty="0"/>
+              <a:t>WANG J, BALAZINSKA M. Elastic Memory Management for Cloud Data Analytics[C]//2017 USENIX Annual Technical Conference (USENIX ATC 17). Santa Clara, CA: USENIX Association, 2017: 745–758.</a:t>
+            </a:r>
+          </a:p>
+          <a:p>
+            <a:pPr marL="360000" indent="-360000">
+              <a:lnSpc>
+                <a:spcPct val="100000"/>
+              </a:lnSpc>
+              <a:spcBef>
+                <a:spcPts val="0"/>
+              </a:spcBef>
+              <a:buFont typeface="+mj-lt"/>
+              <a:buAutoNum type="arabicPeriod"/>
+            </a:pPr>
+            <a:r>
+              <a:rPr lang="en-US" altLang="zh-CN" sz="1400" dirty="0"/>
+              <a:t>TAK B</a:t>
+            </a:r>
+            <a:r>
+              <a:rPr lang="zh-CN" altLang="en-US" sz="1400" dirty="0"/>
+              <a:t>等</a:t>
+            </a:r>
+            <a:r>
+              <a:rPr lang="en-US" altLang="zh-CN" sz="1400" dirty="0"/>
+              <a:t>. Understanding Security Implications of Using Containers in the Cloud[C]//2017 USENIX Annual Technical Conference (USENIX ATC 17). Santa Clara, CA: USENIX Association, 2017: 313–319.</a:t>
+            </a:r>
+          </a:p>
+          <a:p>
+            <a:pPr marL="360000" indent="-360000">
+              <a:lnSpc>
+                <a:spcPct val="100000"/>
+              </a:lnSpc>
+              <a:spcBef>
+                <a:spcPts val="0"/>
+              </a:spcBef>
+              <a:buFont typeface="+mj-lt"/>
+              <a:buAutoNum type="arabicPeriod"/>
+            </a:pPr>
+            <a:r>
+              <a:rPr lang="en-US" altLang="zh-CN" sz="1400" dirty="0"/>
+              <a:t>SUN Y</a:t>
+            </a:r>
+            <a:r>
+              <a:rPr lang="zh-CN" altLang="en-US" sz="1400" dirty="0"/>
+              <a:t>等</a:t>
+            </a:r>
+            <a:r>
+              <a:rPr lang="en-US" altLang="zh-CN" sz="1400" dirty="0"/>
+              <a:t>. </a:t>
+            </a:r>
+            <a:r>
+              <a:rPr lang="en-US" altLang="zh-CN" sz="1400" dirty="0" err="1"/>
+              <a:t>SmartCuckoo</a:t>
+            </a:r>
+            <a:r>
+              <a:rPr lang="en-US" altLang="zh-CN" sz="1400" dirty="0"/>
+              <a:t>: A Fast and Cost-Efficient Hashing Index Scheme for Cloud Storage Systems[C]//2017 USENIX Annual Technical Conference (USENIX ATC 17). Santa Clara, CA: USENIX Association, 2017: 553–565.</a:t>
+            </a:r>
+          </a:p>
+          <a:p>
+            <a:pPr marL="360000" indent="-360000">
+              <a:lnSpc>
+                <a:spcPct val="100000"/>
+              </a:lnSpc>
+              <a:spcBef>
+                <a:spcPts val="0"/>
+              </a:spcBef>
+              <a:buFont typeface="+mj-lt"/>
+              <a:buAutoNum type="arabicPeriod"/>
+            </a:pPr>
+            <a:r>
+              <a:rPr lang="en-US" altLang="zh-CN" sz="1400" dirty="0"/>
+              <a:t>SON J</a:t>
+            </a:r>
+            <a:r>
+              <a:rPr lang="zh-CN" altLang="en-US" sz="1400" dirty="0"/>
+              <a:t>等</a:t>
+            </a:r>
+            <a:r>
+              <a:rPr lang="en-US" altLang="zh-CN" sz="1400" dirty="0"/>
+              <a:t>. </a:t>
+            </a:r>
+            <a:r>
+              <a:rPr lang="en-US" altLang="zh-CN" sz="1400" dirty="0" err="1"/>
+              <a:t>Protego</a:t>
+            </a:r>
+            <a:r>
+              <a:rPr lang="en-US" altLang="zh-CN" sz="1400" dirty="0"/>
+              <a:t>: Cloud-Scale Multitenant IPsec Gateway[C]//2017 USENIX Annual Technical Conference (USENIX ATC 17). Santa Clara, CA: USENIX Association, 2017: 473–485.</a:t>
+            </a:r>
+          </a:p>
+          <a:p>
+            <a:pPr marL="360000" indent="-360000">
+              <a:lnSpc>
+                <a:spcPct val="100000"/>
+              </a:lnSpc>
+              <a:spcBef>
+                <a:spcPts val="0"/>
+              </a:spcBef>
+              <a:buFont typeface="+mj-lt"/>
+              <a:buAutoNum type="arabicPeriod"/>
+            </a:pPr>
+            <a:r>
+              <a:rPr lang="en-US" altLang="zh-CN" sz="1400" dirty="0"/>
+              <a:t>PRASAD A</a:t>
+            </a:r>
+            <a:r>
+              <a:rPr lang="zh-CN" altLang="en-US" sz="1400" dirty="0"/>
+              <a:t>等</a:t>
+            </a:r>
+            <a:r>
+              <a:rPr lang="en-US" altLang="zh-CN" sz="1400" dirty="0"/>
+              <a:t>. The RCU-Reader Preemption Problem in VMs[C]//2017 USENIX Annual Technical Conference (USENIX ATC 17). Santa Clara, CA: USENIX Association, 2017: 265–270.</a:t>
+            </a:r>
+          </a:p>
+          <a:p>
+            <a:pPr marL="360000" indent="-360000">
+              <a:lnSpc>
+                <a:spcPct val="100000"/>
+              </a:lnSpc>
+              <a:spcBef>
+                <a:spcPts val="0"/>
+              </a:spcBef>
+              <a:buFont typeface="+mj-lt"/>
+              <a:buAutoNum type="arabicPeriod"/>
+            </a:pPr>
+            <a:r>
+              <a:rPr lang="en-US" altLang="zh-CN" sz="1400" dirty="0"/>
+              <a:t>PENG Y</a:t>
+            </a:r>
+            <a:r>
+              <a:rPr lang="zh-CN" altLang="en-US" sz="1400" dirty="0"/>
+              <a:t>等</a:t>
+            </a:r>
+            <a:r>
+              <a:rPr lang="en-US" altLang="zh-CN" sz="1400" dirty="0"/>
+              <a:t>. </a:t>
+            </a:r>
+            <a:r>
+              <a:rPr lang="en-US" altLang="zh-CN" sz="1400" dirty="0" err="1"/>
+              <a:t>deTector</a:t>
+            </a:r>
+            <a:r>
+              <a:rPr lang="en-US" altLang="zh-CN" sz="1400" dirty="0"/>
+              <a:t>: a Topology-aware Monitoring System for Data Center Networks[C]//2017 USENIX Annual Technical Conference (USENIX ATC 17). Santa Clara, CA: USENIX Association, 2017: 55–68.</a:t>
+            </a:r>
+          </a:p>
+          <a:p>
+            <a:pPr marL="360000" indent="-360000">
+              <a:lnSpc>
+                <a:spcPct val="100000"/>
+              </a:lnSpc>
+              <a:spcBef>
+                <a:spcPts val="0"/>
+              </a:spcBef>
+              <a:buFont typeface="+mj-lt"/>
+              <a:buAutoNum type="arabicPeriod"/>
+            </a:pPr>
+            <a:r>
+              <a:rPr lang="en-US" altLang="zh-CN" sz="1400" dirty="0"/>
+              <a:t>MISRA P A</a:t>
+            </a:r>
+            <a:r>
+              <a:rPr lang="zh-CN" altLang="en-US" sz="1400" dirty="0"/>
+              <a:t>等</a:t>
+            </a:r>
+            <a:r>
+              <a:rPr lang="en-US" altLang="zh-CN" sz="1400" dirty="0"/>
+              <a:t>. Scaling Distributed File Systems in Resource-Harvesting Datacenters[C]//2017 USENIX Annual Technical Conference (USENIX ATC 17). Santa Clara, CA: USENIX Association, 2017: 799–811.</a:t>
+            </a:r>
+            <a:endParaRPr lang="zh-CN" altLang="en-US" sz="1400" dirty="0"/>
+          </a:p>
+        </p:txBody>
+      </p:sp>
+    </p:spTree>
+    <p:extLst>
+      <p:ext uri="{BB962C8B-B14F-4D97-AF65-F5344CB8AC3E}">
+        <p14:creationId xmlns:p14="http://schemas.microsoft.com/office/powerpoint/2010/main" val="4270476344"/>
+      </p:ext>
+    </p:extLst>
+  </p:cSld>
+  <p:clrMapOvr>
+    <a:masterClrMapping/>
+  </p:clrMapOvr>
+</p:sld>
+</file>
+
+<file path=ppt/slides/slide61.xml><?xml version="1.0" encoding="utf-8"?>
+<p:sld xmlns:a="http://schemas.openxmlformats.org/drawingml/2006/main" xmlns:r="http://schemas.openxmlformats.org/officeDocument/2006/relationships" xmlns:p="http://schemas.openxmlformats.org/presentationml/2006/main">
+  <p:cSld>
+    <p:spTree>
+      <p:nvGrpSpPr>
+        <p:cNvPr id="1" name=""/>
+        <p:cNvGrpSpPr/>
+        <p:nvPr/>
+      </p:nvGrpSpPr>
+      <p:grpSpPr>
+        <a:xfrm>
+          <a:off x="0" y="0"/>
+          <a:ext cx="0" cy="0"/>
+          <a:chOff x="0" y="0"/>
+          <a:chExt cx="0" cy="0"/>
+        </a:xfrm>
+      </p:grpSpPr>
+      <p:sp>
+        <p:nvSpPr>
+          <p:cNvPr id="2" name="标题 1">
+            <a:extLst>
+              <a:ext uri="{FF2B5EF4-FFF2-40B4-BE49-F238E27FC236}">
+                <a16:creationId xmlns:a16="http://schemas.microsoft.com/office/drawing/2014/main" id="{2ACA6D83-3835-44D8-8D44-5931F7864ED5}"/>
+              </a:ext>
+            </a:extLst>
+          </p:cNvPr>
+          <p:cNvSpPr>
+            <a:spLocks noGrp="1"/>
+          </p:cNvSpPr>
+          <p:nvPr>
+            <p:ph type="title"/>
+          </p:nvPr>
+        </p:nvSpPr>
+        <p:spPr/>
+        <p:txBody>
+          <a:bodyPr/>
+          <a:lstStyle/>
+          <a:p>
+            <a:r>
+              <a:rPr lang="zh-CN" altLang="en-US" dirty="0"/>
+              <a:t>阅读列表</a:t>
+            </a:r>
+          </a:p>
+        </p:txBody>
+      </p:sp>
+      <p:sp>
+        <p:nvSpPr>
+          <p:cNvPr id="3" name="内容占位符 2">
+            <a:extLst>
+              <a:ext uri="{FF2B5EF4-FFF2-40B4-BE49-F238E27FC236}">
+                <a16:creationId xmlns:a16="http://schemas.microsoft.com/office/drawing/2014/main" id="{14C78D58-0467-4B27-A9E3-D5365E776D7D}"/>
+              </a:ext>
+            </a:extLst>
+          </p:cNvPr>
+          <p:cNvSpPr>
+            <a:spLocks noGrp="1"/>
+          </p:cNvSpPr>
+          <p:nvPr>
+            <p:ph idx="1"/>
+          </p:nvPr>
+        </p:nvSpPr>
+        <p:spPr/>
+        <p:txBody>
+          <a:bodyPr>
+            <a:normAutofit lnSpcReduction="10000"/>
+          </a:bodyPr>
+          <a:lstStyle/>
+          <a:p>
+            <a:pPr marL="360000" indent="-360000">
+              <a:lnSpc>
+                <a:spcPct val="120000"/>
+              </a:lnSpc>
+              <a:spcBef>
+                <a:spcPts val="0"/>
+              </a:spcBef>
+              <a:buFont typeface="+mj-lt"/>
+              <a:buAutoNum type="arabicPeriod"/>
+            </a:pPr>
+            <a:r>
+              <a:rPr lang="en-US" altLang="zh-CN" sz="1400" dirty="0"/>
+              <a:t>LI H</a:t>
+            </a:r>
+            <a:r>
+              <a:rPr lang="zh-CN" altLang="en-US" sz="1400" dirty="0"/>
+              <a:t>等</a:t>
+            </a:r>
+            <a:r>
+              <a:rPr lang="en-US" altLang="zh-CN" sz="1400" dirty="0"/>
+              <a:t>. PARIX: Speculative Partial Writes in Erasure-Coded Systems[C]//2017 USENIX Annual Technical Conference (USENIX ATC 17). Santa Clara, CA: USENIX Association, 2017: 581–587.</a:t>
+            </a:r>
+          </a:p>
+          <a:p>
+            <a:pPr marL="360000" indent="-360000">
+              <a:lnSpc>
+                <a:spcPct val="120000"/>
+              </a:lnSpc>
+              <a:spcBef>
+                <a:spcPts val="0"/>
+              </a:spcBef>
+              <a:buFont typeface="+mj-lt"/>
+              <a:buAutoNum type="arabicPeriod"/>
+            </a:pPr>
+            <a:r>
+              <a:rPr lang="en-US" altLang="zh-CN" sz="1400" dirty="0"/>
+              <a:t>KUPPUSAMY T K</a:t>
+            </a:r>
+            <a:r>
+              <a:rPr lang="zh-CN" altLang="en-US" sz="1400" dirty="0"/>
+              <a:t>等</a:t>
+            </a:r>
+            <a:r>
+              <a:rPr lang="en-US" altLang="zh-CN" sz="1400" dirty="0"/>
+              <a:t>. Mercury: Bandwidth-Effective Prevention of Rollback Attacks Against Community Repositories[C]//2017 USENIX Annual Technical Conference (USENIX ATC 17). Santa Clara, CA: USENIX Association, 2017: 673–688.</a:t>
+            </a:r>
+          </a:p>
+          <a:p>
+            <a:pPr marL="360000" indent="-360000">
+              <a:lnSpc>
+                <a:spcPct val="120000"/>
+              </a:lnSpc>
+              <a:spcBef>
+                <a:spcPts val="0"/>
+              </a:spcBef>
+              <a:buFont typeface="+mj-lt"/>
+              <a:buAutoNum type="arabicPeriod"/>
+            </a:pPr>
+            <a:r>
+              <a:rPr lang="en-US" altLang="zh-CN" sz="1400" dirty="0"/>
+              <a:t>IORGULESCU C</a:t>
+            </a:r>
+            <a:r>
+              <a:rPr lang="zh-CN" altLang="en-US" sz="1400" dirty="0"/>
+              <a:t>等</a:t>
+            </a:r>
+            <a:r>
+              <a:rPr lang="en-US" altLang="zh-CN" sz="1400" dirty="0"/>
+              <a:t>. Don’t cry over spilled records: Memory elasticity of data-parallel applications and its application to cluster scheduling[C]//2017 USENIX Annual Technical Conference (USENIX ATC 17). Santa Clara, CA: USENIX Association, 2017: 97–109.</a:t>
+            </a:r>
+          </a:p>
+          <a:p>
+            <a:pPr marL="360000" indent="-360000">
+              <a:lnSpc>
+                <a:spcPct val="120000"/>
+              </a:lnSpc>
+              <a:spcBef>
+                <a:spcPts val="0"/>
+              </a:spcBef>
+              <a:buFont typeface="+mj-lt"/>
+              <a:buAutoNum type="arabicPeriod"/>
+            </a:pPr>
+            <a:r>
+              <a:rPr lang="en-US" altLang="zh-CN" sz="1400" dirty="0"/>
+              <a:t>GUO J</a:t>
+            </a:r>
+            <a:r>
+              <a:rPr lang="zh-CN" altLang="en-US" sz="1400" dirty="0"/>
+              <a:t>等</a:t>
+            </a:r>
+            <a:r>
+              <a:rPr lang="en-US" altLang="zh-CN" sz="1400" dirty="0"/>
+              <a:t>. Pricing Intra-Datacenter Networks with Over-Committed Bandwidth Guarantee[C]//2017 USENIX Annual Technical Conference (USENIX ATC 17). Santa Clara, CA: USENIX Association, 2017: 69–81.</a:t>
+            </a:r>
+          </a:p>
+          <a:p>
+            <a:pPr marL="360000" indent="-360000">
+              <a:lnSpc>
+                <a:spcPct val="120000"/>
+              </a:lnSpc>
+              <a:spcBef>
+                <a:spcPts val="0"/>
+              </a:spcBef>
+              <a:buFont typeface="+mj-lt"/>
+              <a:buAutoNum type="arabicPeriod"/>
+            </a:pPr>
+            <a:r>
+              <a:rPr lang="en-US" altLang="zh-CN" sz="1400" dirty="0"/>
+              <a:t>CIDON A</a:t>
+            </a:r>
+            <a:r>
+              <a:rPr lang="zh-CN" altLang="en-US" sz="1400" dirty="0"/>
+              <a:t>等</a:t>
+            </a:r>
+            <a:r>
+              <a:rPr lang="en-US" altLang="zh-CN" sz="1400" dirty="0"/>
+              <a:t>. </a:t>
+            </a:r>
+            <a:r>
+              <a:rPr lang="en-US" altLang="zh-CN" sz="1400" dirty="0" err="1"/>
+              <a:t>Memshare</a:t>
+            </a:r>
+            <a:r>
+              <a:rPr lang="en-US" altLang="zh-CN" sz="1400" dirty="0"/>
+              <a:t>: a Dynamic Multi-tenant Key-value Cache[C]//2017 USENIX Annual Technical Conference (USENIX ATC 17). Santa Clara, CA: USENIX Association, 2017: 321–334.</a:t>
+            </a:r>
+          </a:p>
+          <a:p>
+            <a:pPr marL="360000" indent="-360000">
+              <a:lnSpc>
+                <a:spcPct val="120000"/>
+              </a:lnSpc>
+              <a:spcBef>
+                <a:spcPts val="0"/>
+              </a:spcBef>
+              <a:buFont typeface="+mj-lt"/>
+              <a:buAutoNum type="arabicPeriod"/>
+            </a:pPr>
+            <a:r>
+              <a:rPr lang="en-US" altLang="zh-CN" sz="1400" dirty="0"/>
+              <a:t>CHEN Y L</a:t>
+            </a:r>
+            <a:r>
+              <a:rPr lang="zh-CN" altLang="en-US" sz="1400" dirty="0"/>
+              <a:t>等</a:t>
+            </a:r>
+            <a:r>
+              <a:rPr lang="en-US" altLang="zh-CN" sz="1400" dirty="0"/>
+              <a:t>. Giza: Erasure Coding Objects across Global Data Centers[C]//2017 USENIX Annual Technical Conference (USENIX ATC 17). Santa Clara, CA: USENIX Association, 2017: 539–551.</a:t>
+            </a:r>
+          </a:p>
+          <a:p>
+            <a:pPr marL="360000" indent="-360000">
+              <a:lnSpc>
+                <a:spcPct val="120000"/>
+              </a:lnSpc>
+              <a:spcBef>
+                <a:spcPts val="0"/>
+              </a:spcBef>
+              <a:buFont typeface="+mj-lt"/>
+              <a:buAutoNum type="arabicPeriod"/>
+            </a:pPr>
+            <a:r>
+              <a:rPr lang="en-US" altLang="zh-CN" sz="1400" dirty="0"/>
+              <a:t>CHEN W</a:t>
+            </a:r>
+            <a:r>
+              <a:rPr lang="zh-CN" altLang="en-US" sz="1400" dirty="0"/>
+              <a:t>等</a:t>
+            </a:r>
+            <a:r>
+              <a:rPr lang="en-US" altLang="zh-CN" sz="1400" dirty="0"/>
+              <a:t>. Preemptive, Low Latency Datacenter Scheduling via Lightweight Virtualization[C]//2017 USENIX Annual Technical Conference (USENIX ATC 17). Santa Clara, CA: USENIX Association, 2017: 251–263.</a:t>
+            </a:r>
+          </a:p>
+        </p:txBody>
+      </p:sp>
+    </p:spTree>
+    <p:extLst>
+      <p:ext uri="{BB962C8B-B14F-4D97-AF65-F5344CB8AC3E}">
+        <p14:creationId xmlns:p14="http://schemas.microsoft.com/office/powerpoint/2010/main" val="531935615"/>
+      </p:ext>
+    </p:extLst>
+  </p:cSld>
+  <p:clrMapOvr>
+    <a:masterClrMapping/>
+  </p:clrMapOvr>
+</p:sld>
+</file>
+
 <file path=ppt/slides/slide7.xml><?xml version="1.0" encoding="utf-8"?>
 <p:sld xmlns:a="http://schemas.openxmlformats.org/drawingml/2006/main" xmlns:r="http://schemas.openxmlformats.org/officeDocument/2006/relationships" xmlns:p="http://schemas.openxmlformats.org/presentationml/2006/main">
   <p:cSld>
